--- a/teaching/ITIS6200/2023fa/lectures/lec10.pptx
+++ b/teaching/ITIS6200/2023fa/lectures/lec10.pptx
@@ -53,8 +53,8 @@
     <p:sldId id="302" r:id="rId44"/>
     <p:sldId id="303" r:id="rId45"/>
     <p:sldId id="304" r:id="rId46"/>
-    <p:sldId id="305" r:id="rId47"/>
-    <p:sldId id="306" r:id="rId48"/>
+    <p:sldId id="306" r:id="rId47"/>
+    <p:sldId id="305" r:id="rId48"/>
     <p:sldId id="307" r:id="rId49"/>
     <p:sldId id="308" r:id="rId50"/>
     <p:sldId id="309" r:id="rId51"/>
@@ -1681,7 +1681,27 @@
               </a:spcAft>
               <a:buNone/>
             </a:pPr>
-            <a:endParaRPr/>
+            <a:r>
+              <a:rPr lang="en-US" dirty="0"/>
+              <a:t>https://</a:t>
+            </a:r>
+            <a:r>
+              <a:rPr lang="en-US" dirty="0" err="1"/>
+              <a:t>www.techtarget.com</a:t>
+            </a:r>
+            <a:r>
+              <a:rPr lang="en-US" dirty="0"/>
+              <a:t>/</a:t>
+            </a:r>
+            <a:r>
+              <a:rPr lang="en-US" dirty="0" err="1"/>
+              <a:t>searchnetworking</a:t>
+            </a:r>
+            <a:r>
+              <a:rPr lang="en-US" dirty="0"/>
+              <a:t>/definition/URL</a:t>
+            </a:r>
+            <a:endParaRPr dirty="0"/>
           </a:p>
         </p:txBody>
       </p:sp>
@@ -4934,6 +4954,110 @@
   <p:cSld>
     <p:spTree>
       <p:nvGrpSpPr>
+        <p:cNvPr id="1" name="Shape 509"/>
+        <p:cNvGrpSpPr/>
+        <p:nvPr/>
+      </p:nvGrpSpPr>
+      <p:grpSpPr>
+        <a:xfrm>
+          <a:off x="0" y="0"/>
+          <a:ext cx="0" cy="0"/>
+          <a:chOff x="0" y="0"/>
+          <a:chExt cx="0" cy="0"/>
+        </a:xfrm>
+      </p:grpSpPr>
+      <p:sp>
+        <p:nvSpPr>
+          <p:cNvPr id="510" name="Google Shape;510;gdd695f360b_1_123:notes"/>
+          <p:cNvSpPr>
+            <a:spLocks noGrp="1" noRot="1" noChangeAspect="1"/>
+          </p:cNvSpPr>
+          <p:nvPr>
+            <p:ph type="sldImg" idx="2"/>
+          </p:nvPr>
+        </p:nvSpPr>
+        <p:spPr>
+          <a:xfrm>
+            <a:off x="381000" y="685800"/>
+            <a:ext cx="6096000" cy="3429000"/>
+          </a:xfrm>
+          <a:custGeom>
+            <a:avLst/>
+            <a:gdLst/>
+            <a:ahLst/>
+            <a:cxnLst/>
+            <a:rect l="l" t="t" r="r" b="b"/>
+            <a:pathLst>
+              <a:path w="120000" h="120000" extrusionOk="0">
+                <a:moveTo>
+                  <a:pt x="0" y="0"/>
+                </a:moveTo>
+                <a:lnTo>
+                  <a:pt x="120000" y="0"/>
+                </a:lnTo>
+                <a:lnTo>
+                  <a:pt x="120000" y="120000"/>
+                </a:lnTo>
+                <a:lnTo>
+                  <a:pt x="0" y="120000"/>
+                </a:lnTo>
+                <a:close/>
+              </a:path>
+            </a:pathLst>
+          </a:custGeom>
+        </p:spPr>
+      </p:sp>
+      <p:sp>
+        <p:nvSpPr>
+          <p:cNvPr id="511" name="Google Shape;511;gdd695f360b_1_123:notes"/>
+          <p:cNvSpPr txBox="1">
+            <a:spLocks noGrp="1"/>
+          </p:cNvSpPr>
+          <p:nvPr>
+            <p:ph type="body" idx="1"/>
+          </p:nvPr>
+        </p:nvSpPr>
+        <p:spPr>
+          <a:xfrm>
+            <a:off x="685800" y="4343400"/>
+            <a:ext cx="5486400" cy="4114800"/>
+          </a:xfrm>
+          <a:prstGeom prst="rect">
+            <a:avLst/>
+          </a:prstGeom>
+        </p:spPr>
+        <p:txBody>
+          <a:bodyPr spcFirstLastPara="1" wrap="square" lIns="91425" tIns="91425" rIns="91425" bIns="91425" anchor="t" anchorCtr="0">
+            <a:noAutofit/>
+          </a:bodyPr>
+          <a:lstStyle/>
+          <a:p>
+            <a:pPr marL="0" lvl="0" indent="0" algn="l" rtl="0">
+              <a:spcBef>
+                <a:spcPts val="0"/>
+              </a:spcBef>
+              <a:spcAft>
+                <a:spcPts val="0"/>
+              </a:spcAft>
+              <a:buNone/>
+            </a:pPr>
+            <a:endParaRPr/>
+          </a:p>
+        </p:txBody>
+      </p:sp>
+    </p:spTree>
+  </p:cSld>
+  <p:clrMapOvr>
+    <a:masterClrMapping/>
+  </p:clrMapOvr>
+</p:notes>
+</file>
+
+<file path=ppt/notesSlides/notesSlide47.xml><?xml version="1.0" encoding="utf-8"?>
+<p:notes xmlns:a="http://schemas.openxmlformats.org/drawingml/2006/main" xmlns:r="http://schemas.openxmlformats.org/officeDocument/2006/relationships" xmlns:p="http://schemas.openxmlformats.org/presentationml/2006/main" showMasterSp="0" showMasterPhAnim="0">
+  <p:cSld>
+    <p:spTree>
+      <p:nvGrpSpPr>
         <p:cNvPr id="1" name="Shape 502"/>
         <p:cNvGrpSpPr/>
         <p:nvPr/>
@@ -4990,110 +5114,6 @@
       <p:sp>
         <p:nvSpPr>
           <p:cNvPr id="504" name="Google Shape;504;gdd695f360b_1_117:notes"/>
-          <p:cNvSpPr txBox="1">
-            <a:spLocks noGrp="1"/>
-          </p:cNvSpPr>
-          <p:nvPr>
-            <p:ph type="body" idx="1"/>
-          </p:nvPr>
-        </p:nvSpPr>
-        <p:spPr>
-          <a:xfrm>
-            <a:off x="685800" y="4343400"/>
-            <a:ext cx="5486400" cy="4114800"/>
-          </a:xfrm>
-          <a:prstGeom prst="rect">
-            <a:avLst/>
-          </a:prstGeom>
-        </p:spPr>
-        <p:txBody>
-          <a:bodyPr spcFirstLastPara="1" wrap="square" lIns="91425" tIns="91425" rIns="91425" bIns="91425" anchor="t" anchorCtr="0">
-            <a:noAutofit/>
-          </a:bodyPr>
-          <a:lstStyle/>
-          <a:p>
-            <a:pPr marL="0" lvl="0" indent="0" algn="l" rtl="0">
-              <a:spcBef>
-                <a:spcPts val="0"/>
-              </a:spcBef>
-              <a:spcAft>
-                <a:spcPts val="0"/>
-              </a:spcAft>
-              <a:buNone/>
-            </a:pPr>
-            <a:endParaRPr/>
-          </a:p>
-        </p:txBody>
-      </p:sp>
-    </p:spTree>
-  </p:cSld>
-  <p:clrMapOvr>
-    <a:masterClrMapping/>
-  </p:clrMapOvr>
-</p:notes>
-</file>
-
-<file path=ppt/notesSlides/notesSlide47.xml><?xml version="1.0" encoding="utf-8"?>
-<p:notes xmlns:a="http://schemas.openxmlformats.org/drawingml/2006/main" xmlns:r="http://schemas.openxmlformats.org/officeDocument/2006/relationships" xmlns:p="http://schemas.openxmlformats.org/presentationml/2006/main" showMasterSp="0" showMasterPhAnim="0">
-  <p:cSld>
-    <p:spTree>
-      <p:nvGrpSpPr>
-        <p:cNvPr id="1" name="Shape 509"/>
-        <p:cNvGrpSpPr/>
-        <p:nvPr/>
-      </p:nvGrpSpPr>
-      <p:grpSpPr>
-        <a:xfrm>
-          <a:off x="0" y="0"/>
-          <a:ext cx="0" cy="0"/>
-          <a:chOff x="0" y="0"/>
-          <a:chExt cx="0" cy="0"/>
-        </a:xfrm>
-      </p:grpSpPr>
-      <p:sp>
-        <p:nvSpPr>
-          <p:cNvPr id="510" name="Google Shape;510;gdd695f360b_1_123:notes"/>
-          <p:cNvSpPr>
-            <a:spLocks noGrp="1" noRot="1" noChangeAspect="1"/>
-          </p:cNvSpPr>
-          <p:nvPr>
-            <p:ph type="sldImg" idx="2"/>
-          </p:nvPr>
-        </p:nvSpPr>
-        <p:spPr>
-          <a:xfrm>
-            <a:off x="381000" y="685800"/>
-            <a:ext cx="6096000" cy="3429000"/>
-          </a:xfrm>
-          <a:custGeom>
-            <a:avLst/>
-            <a:gdLst/>
-            <a:ahLst/>
-            <a:cxnLst/>
-            <a:rect l="l" t="t" r="r" b="b"/>
-            <a:pathLst>
-              <a:path w="120000" h="120000" extrusionOk="0">
-                <a:moveTo>
-                  <a:pt x="0" y="0"/>
-                </a:moveTo>
-                <a:lnTo>
-                  <a:pt x="120000" y="0"/>
-                </a:lnTo>
-                <a:lnTo>
-                  <a:pt x="120000" y="120000"/>
-                </a:lnTo>
-                <a:lnTo>
-                  <a:pt x="0" y="120000"/>
-                </a:lnTo>
-                <a:close/>
-              </a:path>
-            </a:pathLst>
-          </a:custGeom>
-        </p:spPr>
-      </p:sp>
-      <p:sp>
-        <p:nvSpPr>
-          <p:cNvPr id="511" name="Google Shape;511;gdd695f360b_1_123:notes"/>
           <p:cNvSpPr txBox="1">
             <a:spLocks noGrp="1"/>
           </p:cNvSpPr>
@@ -22255,15 +22275,23 @@
               <a:buNone/>
             </a:pPr>
             <a:r>
-              <a:rPr lang="en">
+              <a:rPr lang="en" dirty="0">
                 <a:solidFill>
                   <a:schemeClr val="dk1"/>
                 </a:solidFill>
               </a:rPr>
-              <a:t>Server: www.</a:t>
-            </a:r>
-            <a:r>
-              <a:rPr lang="en" b="1">
+              <a:t>Server: </a:t>
+            </a:r>
+            <a:r>
+              <a:rPr lang="en" dirty="0" err="1">
+                <a:solidFill>
+                  <a:schemeClr val="dk1"/>
+                </a:solidFill>
+              </a:rPr>
+              <a:t>www.</a:t>
+            </a:r>
+            <a:r>
+              <a:rPr lang="en" b="1" dirty="0" err="1">
                 <a:solidFill>
                   <a:schemeClr val="dk1"/>
                 </a:solidFill>
@@ -22274,7 +22302,7 @@
               </a:rPr>
               <a:t>evanbot.com</a:t>
             </a:r>
-            <a:endParaRPr/>
+            <a:endParaRPr dirty="0"/>
           </a:p>
         </p:txBody>
       </p:sp>
@@ -29410,6 +29438,13 @@
             <a:tailEnd type="triangle" w="med" len="med"/>
           </a:ln>
         </p:spPr>
+        <p:txBody>
+          <a:bodyPr/>
+          <a:lstStyle/>
+          <a:p>
+            <a:endParaRPr lang="en-US"/>
+          </a:p>
+        </p:txBody>
       </p:sp>
       <p:sp>
         <p:nvSpPr>
@@ -30269,6 +30304,13 @@
             <a:tailEnd type="triangle" w="med" len="med"/>
           </a:ln>
         </p:spPr>
+        <p:txBody>
+          <a:bodyPr/>
+          <a:lstStyle/>
+          <a:p>
+            <a:endParaRPr lang="en-US"/>
+          </a:p>
+        </p:txBody>
       </p:sp>
       <p:pic>
         <p:nvPicPr>
@@ -34193,7 +34235,7 @@
               <a:buNone/>
             </a:pPr>
             <a:r>
-              <a:rPr lang="en" u="sng">
+              <a:rPr lang="en" u="sng" dirty="0">
                 <a:solidFill>
                   <a:schemeClr val="hlink"/>
                 </a:solidFill>
@@ -34201,7 +34243,7 @@
               </a:rPr>
               <a:t>Toon</a:t>
             </a:r>
-            <a:endParaRPr/>
+            <a:endParaRPr dirty="0"/>
           </a:p>
         </p:txBody>
       </p:sp>
@@ -37062,6 +37104,448 @@
   <p:cSld>
     <p:spTree>
       <p:nvGrpSpPr>
+        <p:cNvPr id="1" name="Shape 512"/>
+        <p:cNvGrpSpPr/>
+        <p:nvPr/>
+      </p:nvGrpSpPr>
+      <p:grpSpPr>
+        <a:xfrm>
+          <a:off x="0" y="0"/>
+          <a:ext cx="0" cy="0"/>
+          <a:chOff x="0" y="0"/>
+          <a:chExt cx="0" cy="0"/>
+        </a:xfrm>
+      </p:grpSpPr>
+      <p:sp>
+        <p:nvSpPr>
+          <p:cNvPr id="513" name="Google Shape;513;p65"/>
+          <p:cNvSpPr txBox="1">
+            <a:spLocks noGrp="1"/>
+          </p:cNvSpPr>
+          <p:nvPr>
+            <p:ph type="title"/>
+          </p:nvPr>
+        </p:nvSpPr>
+        <p:spPr>
+          <a:xfrm>
+            <a:off x="102700" y="270875"/>
+            <a:ext cx="8520600" cy="572700"/>
+          </a:xfrm>
+          <a:prstGeom prst="rect">
+            <a:avLst/>
+          </a:prstGeom>
+        </p:spPr>
+        <p:txBody>
+          <a:bodyPr spcFirstLastPara="1" wrap="square" lIns="91425" tIns="91425" rIns="91425" bIns="91425" anchor="t" anchorCtr="0">
+            <a:normAutofit fontScale="90000"/>
+          </a:bodyPr>
+          <a:lstStyle/>
+          <a:p>
+            <a:pPr marL="0" lvl="0" indent="0" algn="l" rtl="0">
+              <a:spcBef>
+                <a:spcPts val="0"/>
+              </a:spcBef>
+              <a:spcAft>
+                <a:spcPts val="0"/>
+              </a:spcAft>
+              <a:buNone/>
+            </a:pPr>
+            <a:r>
+              <a:rPr lang="en"/>
+              <a:t>Risks on the Web</a:t>
+            </a:r>
+            <a:endParaRPr/>
+          </a:p>
+        </p:txBody>
+      </p:sp>
+      <p:sp>
+        <p:nvSpPr>
+          <p:cNvPr id="514" name="Google Shape;514;p65"/>
+          <p:cNvSpPr txBox="1">
+            <a:spLocks noGrp="1"/>
+          </p:cNvSpPr>
+          <p:nvPr>
+            <p:ph type="body" idx="1"/>
+          </p:nvPr>
+        </p:nvSpPr>
+        <p:spPr>
+          <a:xfrm>
+            <a:off x="198500" y="1246825"/>
+            <a:ext cx="8520600" cy="3765600"/>
+          </a:xfrm>
+          <a:prstGeom prst="rect">
+            <a:avLst/>
+          </a:prstGeom>
+        </p:spPr>
+        <p:txBody>
+          <a:bodyPr spcFirstLastPara="1" wrap="square" lIns="91425" tIns="91425" rIns="91425" bIns="91425" anchor="t" anchorCtr="0">
+            <a:normAutofit/>
+          </a:bodyPr>
+          <a:lstStyle/>
+          <a:p>
+            <a:pPr marL="457200" lvl="0" indent="-342900" algn="l" rtl="0">
+              <a:spcBef>
+                <a:spcPts val="0"/>
+              </a:spcBef>
+              <a:spcAft>
+                <a:spcPts val="0"/>
+              </a:spcAft>
+              <a:buSzPts val="1800"/>
+              <a:buChar char="●"/>
+            </a:pPr>
+            <a:r>
+              <a:rPr lang="en"/>
+              <a:t>Risk #1: Web servers should be protected from unauthorized access</a:t>
+            </a:r>
+            <a:endParaRPr/>
+          </a:p>
+          <a:p>
+            <a:pPr marL="914400" lvl="1" indent="-317500" algn="l" rtl="0">
+              <a:spcBef>
+                <a:spcPts val="0"/>
+              </a:spcBef>
+              <a:spcAft>
+                <a:spcPts val="0"/>
+              </a:spcAft>
+              <a:buSzPts val="1400"/>
+              <a:buChar char="○"/>
+            </a:pPr>
+            <a:r>
+              <a:rPr lang="en"/>
+              <a:t>Example: An attacker should not be able to hack into </a:t>
+            </a:r>
+            <a:r>
+              <a:rPr lang="en" b="1">
+                <a:latin typeface="Courier New"/>
+                <a:ea typeface="Courier New"/>
+                <a:cs typeface="Courier New"/>
+                <a:sym typeface="Courier New"/>
+              </a:rPr>
+              <a:t>google.com</a:t>
+            </a:r>
+            <a:r>
+              <a:rPr lang="en"/>
+              <a:t> and provide malicious search results to users</a:t>
+            </a:r>
+            <a:endParaRPr/>
+          </a:p>
+          <a:p>
+            <a:pPr marL="457200" lvl="0" indent="-342900" algn="l" rtl="0">
+              <a:spcBef>
+                <a:spcPts val="0"/>
+              </a:spcBef>
+              <a:spcAft>
+                <a:spcPts val="0"/>
+              </a:spcAft>
+              <a:buSzPts val="1800"/>
+              <a:buChar char="●"/>
+            </a:pPr>
+            <a:r>
+              <a:rPr lang="en"/>
+              <a:t>Protection: Server-side security</a:t>
+            </a:r>
+            <a:endParaRPr/>
+          </a:p>
+          <a:p>
+            <a:pPr marL="914400" lvl="1" indent="-317500" algn="l" rtl="0">
+              <a:spcBef>
+                <a:spcPts val="0"/>
+              </a:spcBef>
+              <a:spcAft>
+                <a:spcPts val="0"/>
+              </a:spcAft>
+              <a:buSzPts val="1400"/>
+              <a:buChar char="○"/>
+            </a:pPr>
+            <a:r>
+              <a:rPr lang="en"/>
+              <a:t>Example: Protect the server computer from buffer overflow attacks</a:t>
+            </a:r>
+            <a:endParaRPr/>
+          </a:p>
+        </p:txBody>
+      </p:sp>
+      <p:sp>
+        <p:nvSpPr>
+          <p:cNvPr id="515" name="Google Shape;515;p65"/>
+          <p:cNvSpPr txBox="1">
+            <a:spLocks noGrp="1"/>
+          </p:cNvSpPr>
+          <p:nvPr>
+            <p:ph type="sldNum" idx="12"/>
+          </p:nvPr>
+        </p:nvSpPr>
+        <p:spPr>
+          <a:xfrm>
+            <a:off x="8472458" y="4663217"/>
+            <a:ext cx="548700" cy="393600"/>
+          </a:xfrm>
+          <a:prstGeom prst="rect">
+            <a:avLst/>
+          </a:prstGeom>
+        </p:spPr>
+        <p:txBody>
+          <a:bodyPr spcFirstLastPara="1" wrap="square" lIns="91425" tIns="91425" rIns="91425" bIns="91425" anchor="ctr" anchorCtr="0">
+            <a:normAutofit/>
+          </a:bodyPr>
+          <a:lstStyle/>
+          <a:p>
+            <a:pPr marL="0" lvl="0" indent="0" algn="r" rtl="0">
+              <a:spcBef>
+                <a:spcPts val="0"/>
+              </a:spcBef>
+              <a:spcAft>
+                <a:spcPts val="0"/>
+              </a:spcAft>
+              <a:buNone/>
+            </a:pPr>
+            <a:fld id="{00000000-1234-1234-1234-123412341234}" type="slidenum">
+              <a:rPr lang="en"/>
+              <a:t>46</a:t>
+            </a:fld>
+            <a:endParaRPr/>
+          </a:p>
+        </p:txBody>
+      </p:sp>
+    </p:spTree>
+  </p:cSld>
+  <p:clrMapOvr>
+    <a:masterClrMapping/>
+  </p:clrMapOvr>
+  <p:timing>
+    <p:tnLst>
+      <p:par>
+        <p:cTn id="1" dur="indefinite" restart="never" nodeType="tmRoot">
+          <p:childTnLst>
+            <p:seq concurrent="1" nextAc="seek">
+              <p:cTn id="2" dur="indefinite" nodeType="mainSeq">
+                <p:childTnLst>
+                  <p:par>
+                    <p:cTn id="3" fill="hold">
+                      <p:stCondLst>
+                        <p:cond delay="indefinite"/>
+                      </p:stCondLst>
+                      <p:childTnLst>
+                        <p:par>
+                          <p:cTn id="4" fill="hold">
+                            <p:stCondLst>
+                              <p:cond delay="0"/>
+                            </p:stCondLst>
+                            <p:childTnLst>
+                              <p:par>
+                                <p:cTn id="5" presetID="1" presetClass="entr" presetSubtype="0" fill="hold" nodeType="clickEffect">
+                                  <p:stCondLst>
+                                    <p:cond delay="0"/>
+                                  </p:stCondLst>
+                                  <p:childTnLst>
+                                    <p:set>
+                                      <p:cBhvr>
+                                        <p:cTn id="6" dur="1" fill="hold">
+                                          <p:stCondLst>
+                                            <p:cond delay="0"/>
+                                          </p:stCondLst>
+                                        </p:cTn>
+                                        <p:tgtEl>
+                                          <p:spTgt spid="514">
+                                            <p:txEl>
+                                              <p:pRg st="0" end="0"/>
+                                            </p:txEl>
+                                          </p:spTgt>
+                                        </p:tgtEl>
+                                        <p:attrNameLst>
+                                          <p:attrName>style.visibility</p:attrName>
+                                        </p:attrNameLst>
+                                      </p:cBhvr>
+                                      <p:to>
+                                        <p:strVal val="visible"/>
+                                      </p:to>
+                                    </p:set>
+                                  </p:childTnLst>
+                                </p:cTn>
+                              </p:par>
+                            </p:childTnLst>
+                          </p:cTn>
+                        </p:par>
+                      </p:childTnLst>
+                    </p:cTn>
+                  </p:par>
+                  <p:par>
+                    <p:cTn id="7" fill="hold">
+                      <p:stCondLst>
+                        <p:cond delay="indefinite"/>
+                      </p:stCondLst>
+                      <p:childTnLst>
+                        <p:par>
+                          <p:cTn id="8" fill="hold">
+                            <p:stCondLst>
+                              <p:cond delay="0"/>
+                            </p:stCondLst>
+                            <p:childTnLst>
+                              <p:par>
+                                <p:cTn id="9" presetID="1" presetClass="entr" presetSubtype="0" fill="hold" nodeType="clickEffect">
+                                  <p:stCondLst>
+                                    <p:cond delay="0"/>
+                                  </p:stCondLst>
+                                  <p:childTnLst>
+                                    <p:set>
+                                      <p:cBhvr>
+                                        <p:cTn id="10" dur="1" fill="hold">
+                                          <p:stCondLst>
+                                            <p:cond delay="0"/>
+                                          </p:stCondLst>
+                                        </p:cTn>
+                                        <p:tgtEl>
+                                          <p:spTgt spid="514">
+                                            <p:txEl>
+                                              <p:pRg st="1" end="1"/>
+                                            </p:txEl>
+                                          </p:spTgt>
+                                        </p:tgtEl>
+                                        <p:attrNameLst>
+                                          <p:attrName>style.visibility</p:attrName>
+                                        </p:attrNameLst>
+                                      </p:cBhvr>
+                                      <p:to>
+                                        <p:strVal val="visible"/>
+                                      </p:to>
+                                    </p:set>
+                                  </p:childTnLst>
+                                </p:cTn>
+                              </p:par>
+                            </p:childTnLst>
+                          </p:cTn>
+                        </p:par>
+                      </p:childTnLst>
+                    </p:cTn>
+                  </p:par>
+                  <p:par>
+                    <p:cTn id="11" fill="hold">
+                      <p:stCondLst>
+                        <p:cond delay="indefinite"/>
+                      </p:stCondLst>
+                      <p:childTnLst>
+                        <p:par>
+                          <p:cTn id="12" fill="hold">
+                            <p:stCondLst>
+                              <p:cond delay="0"/>
+                            </p:stCondLst>
+                            <p:childTnLst>
+                              <p:par>
+                                <p:cTn id="13" presetID="1" presetClass="entr" presetSubtype="0" fill="hold" nodeType="clickEffect">
+                                  <p:stCondLst>
+                                    <p:cond delay="0"/>
+                                  </p:stCondLst>
+                                  <p:childTnLst>
+                                    <p:set>
+                                      <p:cBhvr>
+                                        <p:cTn id="14" dur="1" fill="hold">
+                                          <p:stCondLst>
+                                            <p:cond delay="0"/>
+                                          </p:stCondLst>
+                                        </p:cTn>
+                                        <p:tgtEl>
+                                          <p:spTgt spid="514">
+                                            <p:txEl>
+                                              <p:pRg st="2" end="2"/>
+                                            </p:txEl>
+                                          </p:spTgt>
+                                        </p:tgtEl>
+                                        <p:attrNameLst>
+                                          <p:attrName>style.visibility</p:attrName>
+                                        </p:attrNameLst>
+                                      </p:cBhvr>
+                                      <p:to>
+                                        <p:strVal val="visible"/>
+                                      </p:to>
+                                    </p:set>
+                                  </p:childTnLst>
+                                </p:cTn>
+                              </p:par>
+                            </p:childTnLst>
+                          </p:cTn>
+                        </p:par>
+                      </p:childTnLst>
+                    </p:cTn>
+                  </p:par>
+                  <p:par>
+                    <p:cTn id="15" fill="hold">
+                      <p:stCondLst>
+                        <p:cond delay="indefinite"/>
+                      </p:stCondLst>
+                      <p:childTnLst>
+                        <p:par>
+                          <p:cTn id="16" fill="hold">
+                            <p:stCondLst>
+                              <p:cond delay="0"/>
+                            </p:stCondLst>
+                            <p:childTnLst>
+                              <p:par>
+                                <p:cTn id="17" presetID="1" presetClass="entr" presetSubtype="0" fill="hold" nodeType="clickEffect">
+                                  <p:stCondLst>
+                                    <p:cond delay="0"/>
+                                  </p:stCondLst>
+                                  <p:childTnLst>
+                                    <p:set>
+                                      <p:cBhvr>
+                                        <p:cTn id="18" dur="1" fill="hold">
+                                          <p:stCondLst>
+                                            <p:cond delay="0"/>
+                                          </p:stCondLst>
+                                        </p:cTn>
+                                        <p:tgtEl>
+                                          <p:spTgt spid="514">
+                                            <p:txEl>
+                                              <p:pRg st="3" end="3"/>
+                                            </p:txEl>
+                                          </p:spTgt>
+                                        </p:tgtEl>
+                                        <p:attrNameLst>
+                                          <p:attrName>style.visibility</p:attrName>
+                                        </p:attrNameLst>
+                                      </p:cBhvr>
+                                      <p:to>
+                                        <p:strVal val="visible"/>
+                                      </p:to>
+                                    </p:set>
+                                  </p:childTnLst>
+                                </p:cTn>
+                              </p:par>
+                            </p:childTnLst>
+                          </p:cTn>
+                        </p:par>
+                      </p:childTnLst>
+                    </p:cTn>
+                  </p:par>
+                </p:childTnLst>
+              </p:cTn>
+              <p:prevCondLst>
+                <p:cond evt="onPrev" delay="0">
+                  <p:tgtEl>
+                    <p:sldTgt/>
+                  </p:tgtEl>
+                </p:cond>
+              </p:prevCondLst>
+              <p:nextCondLst>
+                <p:cond evt="onNext" delay="0">
+                  <p:tgtEl>
+                    <p:sldTgt/>
+                  </p:tgtEl>
+                </p:cond>
+              </p:nextCondLst>
+            </p:seq>
+          </p:childTnLst>
+        </p:cTn>
+      </p:par>
+    </p:tnLst>
+  </p:timing>
+</p:sld>
+</file>
+
+<file path=ppt/slides/slide47.xml><?xml version="1.0" encoding="utf-8"?>
+<p:sld xmlns:a="http://schemas.openxmlformats.org/drawingml/2006/main" xmlns:r="http://schemas.openxmlformats.org/officeDocument/2006/relationships" xmlns:p="http://schemas.openxmlformats.org/presentationml/2006/main">
+  <p:cSld>
+    <p:spTree>
+      <p:nvGrpSpPr>
         <p:cNvPr id="1" name="Shape 505"/>
         <p:cNvGrpSpPr/>
         <p:nvPr/>
@@ -37336,7 +37820,7 @@
             </a:pPr>
             <a:fld id="{00000000-1234-1234-1234-123412341234}" type="slidenum">
               <a:rPr lang="en"/>
-              <a:t>46</a:t>
+              <a:t>47</a:t>
             </a:fld>
             <a:endParaRPr/>
           </a:p>
@@ -37678,448 +38162,6 @@
                                           <p:spTgt spid="507">
                                             <p:txEl>
                                               <p:pRg st="6" end="6"/>
-                                            </p:txEl>
-                                          </p:spTgt>
-                                        </p:tgtEl>
-                                        <p:attrNameLst>
-                                          <p:attrName>style.visibility</p:attrName>
-                                        </p:attrNameLst>
-                                      </p:cBhvr>
-                                      <p:to>
-                                        <p:strVal val="visible"/>
-                                      </p:to>
-                                    </p:set>
-                                  </p:childTnLst>
-                                </p:cTn>
-                              </p:par>
-                            </p:childTnLst>
-                          </p:cTn>
-                        </p:par>
-                      </p:childTnLst>
-                    </p:cTn>
-                  </p:par>
-                </p:childTnLst>
-              </p:cTn>
-              <p:prevCondLst>
-                <p:cond evt="onPrev" delay="0">
-                  <p:tgtEl>
-                    <p:sldTgt/>
-                  </p:tgtEl>
-                </p:cond>
-              </p:prevCondLst>
-              <p:nextCondLst>
-                <p:cond evt="onNext" delay="0">
-                  <p:tgtEl>
-                    <p:sldTgt/>
-                  </p:tgtEl>
-                </p:cond>
-              </p:nextCondLst>
-            </p:seq>
-          </p:childTnLst>
-        </p:cTn>
-      </p:par>
-    </p:tnLst>
-  </p:timing>
-</p:sld>
-</file>
-
-<file path=ppt/slides/slide47.xml><?xml version="1.0" encoding="utf-8"?>
-<p:sld xmlns:a="http://schemas.openxmlformats.org/drawingml/2006/main" xmlns:r="http://schemas.openxmlformats.org/officeDocument/2006/relationships" xmlns:p="http://schemas.openxmlformats.org/presentationml/2006/main">
-  <p:cSld>
-    <p:spTree>
-      <p:nvGrpSpPr>
-        <p:cNvPr id="1" name="Shape 512"/>
-        <p:cNvGrpSpPr/>
-        <p:nvPr/>
-      </p:nvGrpSpPr>
-      <p:grpSpPr>
-        <a:xfrm>
-          <a:off x="0" y="0"/>
-          <a:ext cx="0" cy="0"/>
-          <a:chOff x="0" y="0"/>
-          <a:chExt cx="0" cy="0"/>
-        </a:xfrm>
-      </p:grpSpPr>
-      <p:sp>
-        <p:nvSpPr>
-          <p:cNvPr id="513" name="Google Shape;513;p65"/>
-          <p:cNvSpPr txBox="1">
-            <a:spLocks noGrp="1"/>
-          </p:cNvSpPr>
-          <p:nvPr>
-            <p:ph type="title"/>
-          </p:nvPr>
-        </p:nvSpPr>
-        <p:spPr>
-          <a:xfrm>
-            <a:off x="102700" y="270875"/>
-            <a:ext cx="8520600" cy="572700"/>
-          </a:xfrm>
-          <a:prstGeom prst="rect">
-            <a:avLst/>
-          </a:prstGeom>
-        </p:spPr>
-        <p:txBody>
-          <a:bodyPr spcFirstLastPara="1" wrap="square" lIns="91425" tIns="91425" rIns="91425" bIns="91425" anchor="t" anchorCtr="0">
-            <a:normAutofit fontScale="90000"/>
-          </a:bodyPr>
-          <a:lstStyle/>
-          <a:p>
-            <a:pPr marL="0" lvl="0" indent="0" algn="l" rtl="0">
-              <a:spcBef>
-                <a:spcPts val="0"/>
-              </a:spcBef>
-              <a:spcAft>
-                <a:spcPts val="0"/>
-              </a:spcAft>
-              <a:buNone/>
-            </a:pPr>
-            <a:r>
-              <a:rPr lang="en"/>
-              <a:t>Risks on the Web</a:t>
-            </a:r>
-            <a:endParaRPr/>
-          </a:p>
-        </p:txBody>
-      </p:sp>
-      <p:sp>
-        <p:nvSpPr>
-          <p:cNvPr id="514" name="Google Shape;514;p65"/>
-          <p:cNvSpPr txBox="1">
-            <a:spLocks noGrp="1"/>
-          </p:cNvSpPr>
-          <p:nvPr>
-            <p:ph type="body" idx="1"/>
-          </p:nvPr>
-        </p:nvSpPr>
-        <p:spPr>
-          <a:xfrm>
-            <a:off x="198500" y="1246825"/>
-            <a:ext cx="8520600" cy="3765600"/>
-          </a:xfrm>
-          <a:prstGeom prst="rect">
-            <a:avLst/>
-          </a:prstGeom>
-        </p:spPr>
-        <p:txBody>
-          <a:bodyPr spcFirstLastPara="1" wrap="square" lIns="91425" tIns="91425" rIns="91425" bIns="91425" anchor="t" anchorCtr="0">
-            <a:normAutofit/>
-          </a:bodyPr>
-          <a:lstStyle/>
-          <a:p>
-            <a:pPr marL="457200" lvl="0" indent="-342900" algn="l" rtl="0">
-              <a:spcBef>
-                <a:spcPts val="0"/>
-              </a:spcBef>
-              <a:spcAft>
-                <a:spcPts val="0"/>
-              </a:spcAft>
-              <a:buSzPts val="1800"/>
-              <a:buChar char="●"/>
-            </a:pPr>
-            <a:r>
-              <a:rPr lang="en"/>
-              <a:t>Risk #1: Web servers should be protected from unauthorized access</a:t>
-            </a:r>
-            <a:endParaRPr/>
-          </a:p>
-          <a:p>
-            <a:pPr marL="914400" lvl="1" indent="-317500" algn="l" rtl="0">
-              <a:spcBef>
-                <a:spcPts val="0"/>
-              </a:spcBef>
-              <a:spcAft>
-                <a:spcPts val="0"/>
-              </a:spcAft>
-              <a:buSzPts val="1400"/>
-              <a:buChar char="○"/>
-            </a:pPr>
-            <a:r>
-              <a:rPr lang="en"/>
-              <a:t>Example: An attacker should not be able to hack into </a:t>
-            </a:r>
-            <a:r>
-              <a:rPr lang="en" b="1">
-                <a:latin typeface="Courier New"/>
-                <a:ea typeface="Courier New"/>
-                <a:cs typeface="Courier New"/>
-                <a:sym typeface="Courier New"/>
-              </a:rPr>
-              <a:t>google.com</a:t>
-            </a:r>
-            <a:r>
-              <a:rPr lang="en"/>
-              <a:t> and provide malicious search results to users</a:t>
-            </a:r>
-            <a:endParaRPr/>
-          </a:p>
-          <a:p>
-            <a:pPr marL="457200" lvl="0" indent="-342900" algn="l" rtl="0">
-              <a:spcBef>
-                <a:spcPts val="0"/>
-              </a:spcBef>
-              <a:spcAft>
-                <a:spcPts val="0"/>
-              </a:spcAft>
-              <a:buSzPts val="1800"/>
-              <a:buChar char="●"/>
-            </a:pPr>
-            <a:r>
-              <a:rPr lang="en"/>
-              <a:t>Protection: Server-side security</a:t>
-            </a:r>
-            <a:endParaRPr/>
-          </a:p>
-          <a:p>
-            <a:pPr marL="914400" lvl="1" indent="-317500" algn="l" rtl="0">
-              <a:spcBef>
-                <a:spcPts val="0"/>
-              </a:spcBef>
-              <a:spcAft>
-                <a:spcPts val="0"/>
-              </a:spcAft>
-              <a:buSzPts val="1400"/>
-              <a:buChar char="○"/>
-            </a:pPr>
-            <a:r>
-              <a:rPr lang="en"/>
-              <a:t>Example: Protect the server computer from buffer overflow attacks</a:t>
-            </a:r>
-            <a:endParaRPr/>
-          </a:p>
-        </p:txBody>
-      </p:sp>
-      <p:sp>
-        <p:nvSpPr>
-          <p:cNvPr id="515" name="Google Shape;515;p65"/>
-          <p:cNvSpPr txBox="1">
-            <a:spLocks noGrp="1"/>
-          </p:cNvSpPr>
-          <p:nvPr>
-            <p:ph type="sldNum" idx="12"/>
-          </p:nvPr>
-        </p:nvSpPr>
-        <p:spPr>
-          <a:xfrm>
-            <a:off x="8472458" y="4663217"/>
-            <a:ext cx="548700" cy="393600"/>
-          </a:xfrm>
-          <a:prstGeom prst="rect">
-            <a:avLst/>
-          </a:prstGeom>
-        </p:spPr>
-        <p:txBody>
-          <a:bodyPr spcFirstLastPara="1" wrap="square" lIns="91425" tIns="91425" rIns="91425" bIns="91425" anchor="ctr" anchorCtr="0">
-            <a:normAutofit/>
-          </a:bodyPr>
-          <a:lstStyle/>
-          <a:p>
-            <a:pPr marL="0" lvl="0" indent="0" algn="r" rtl="0">
-              <a:spcBef>
-                <a:spcPts val="0"/>
-              </a:spcBef>
-              <a:spcAft>
-                <a:spcPts val="0"/>
-              </a:spcAft>
-              <a:buNone/>
-            </a:pPr>
-            <a:fld id="{00000000-1234-1234-1234-123412341234}" type="slidenum">
-              <a:rPr lang="en"/>
-              <a:t>47</a:t>
-            </a:fld>
-            <a:endParaRPr/>
-          </a:p>
-        </p:txBody>
-      </p:sp>
-    </p:spTree>
-  </p:cSld>
-  <p:clrMapOvr>
-    <a:masterClrMapping/>
-  </p:clrMapOvr>
-  <p:timing>
-    <p:tnLst>
-      <p:par>
-        <p:cTn id="1" dur="indefinite" restart="never" nodeType="tmRoot">
-          <p:childTnLst>
-            <p:seq concurrent="1" nextAc="seek">
-              <p:cTn id="2" dur="indefinite" nodeType="mainSeq">
-                <p:childTnLst>
-                  <p:par>
-                    <p:cTn id="3" fill="hold">
-                      <p:stCondLst>
-                        <p:cond delay="indefinite"/>
-                      </p:stCondLst>
-                      <p:childTnLst>
-                        <p:par>
-                          <p:cTn id="4" fill="hold">
-                            <p:stCondLst>
-                              <p:cond delay="0"/>
-                            </p:stCondLst>
-                            <p:childTnLst>
-                              <p:par>
-                                <p:cTn id="5" presetID="1" presetClass="entr" presetSubtype="0" fill="hold" nodeType="clickEffect">
-                                  <p:stCondLst>
-                                    <p:cond delay="0"/>
-                                  </p:stCondLst>
-                                  <p:childTnLst>
-                                    <p:set>
-                                      <p:cBhvr>
-                                        <p:cTn id="6" dur="1" fill="hold">
-                                          <p:stCondLst>
-                                            <p:cond delay="0"/>
-                                          </p:stCondLst>
-                                        </p:cTn>
-                                        <p:tgtEl>
-                                          <p:spTgt spid="514">
-                                            <p:txEl>
-                                              <p:pRg st="0" end="0"/>
-                                            </p:txEl>
-                                          </p:spTgt>
-                                        </p:tgtEl>
-                                        <p:attrNameLst>
-                                          <p:attrName>style.visibility</p:attrName>
-                                        </p:attrNameLst>
-                                      </p:cBhvr>
-                                      <p:to>
-                                        <p:strVal val="visible"/>
-                                      </p:to>
-                                    </p:set>
-                                  </p:childTnLst>
-                                </p:cTn>
-                              </p:par>
-                            </p:childTnLst>
-                          </p:cTn>
-                        </p:par>
-                      </p:childTnLst>
-                    </p:cTn>
-                  </p:par>
-                  <p:par>
-                    <p:cTn id="7" fill="hold">
-                      <p:stCondLst>
-                        <p:cond delay="indefinite"/>
-                      </p:stCondLst>
-                      <p:childTnLst>
-                        <p:par>
-                          <p:cTn id="8" fill="hold">
-                            <p:stCondLst>
-                              <p:cond delay="0"/>
-                            </p:stCondLst>
-                            <p:childTnLst>
-                              <p:par>
-                                <p:cTn id="9" presetID="1" presetClass="entr" presetSubtype="0" fill="hold" nodeType="clickEffect">
-                                  <p:stCondLst>
-                                    <p:cond delay="0"/>
-                                  </p:stCondLst>
-                                  <p:childTnLst>
-                                    <p:set>
-                                      <p:cBhvr>
-                                        <p:cTn id="10" dur="1" fill="hold">
-                                          <p:stCondLst>
-                                            <p:cond delay="0"/>
-                                          </p:stCondLst>
-                                        </p:cTn>
-                                        <p:tgtEl>
-                                          <p:spTgt spid="514">
-                                            <p:txEl>
-                                              <p:pRg st="1" end="1"/>
-                                            </p:txEl>
-                                          </p:spTgt>
-                                        </p:tgtEl>
-                                        <p:attrNameLst>
-                                          <p:attrName>style.visibility</p:attrName>
-                                        </p:attrNameLst>
-                                      </p:cBhvr>
-                                      <p:to>
-                                        <p:strVal val="visible"/>
-                                      </p:to>
-                                    </p:set>
-                                  </p:childTnLst>
-                                </p:cTn>
-                              </p:par>
-                            </p:childTnLst>
-                          </p:cTn>
-                        </p:par>
-                      </p:childTnLst>
-                    </p:cTn>
-                  </p:par>
-                  <p:par>
-                    <p:cTn id="11" fill="hold">
-                      <p:stCondLst>
-                        <p:cond delay="indefinite"/>
-                      </p:stCondLst>
-                      <p:childTnLst>
-                        <p:par>
-                          <p:cTn id="12" fill="hold">
-                            <p:stCondLst>
-                              <p:cond delay="0"/>
-                            </p:stCondLst>
-                            <p:childTnLst>
-                              <p:par>
-                                <p:cTn id="13" presetID="1" presetClass="entr" presetSubtype="0" fill="hold" nodeType="clickEffect">
-                                  <p:stCondLst>
-                                    <p:cond delay="0"/>
-                                  </p:stCondLst>
-                                  <p:childTnLst>
-                                    <p:set>
-                                      <p:cBhvr>
-                                        <p:cTn id="14" dur="1" fill="hold">
-                                          <p:stCondLst>
-                                            <p:cond delay="0"/>
-                                          </p:stCondLst>
-                                        </p:cTn>
-                                        <p:tgtEl>
-                                          <p:spTgt spid="514">
-                                            <p:txEl>
-                                              <p:pRg st="2" end="2"/>
-                                            </p:txEl>
-                                          </p:spTgt>
-                                        </p:tgtEl>
-                                        <p:attrNameLst>
-                                          <p:attrName>style.visibility</p:attrName>
-                                        </p:attrNameLst>
-                                      </p:cBhvr>
-                                      <p:to>
-                                        <p:strVal val="visible"/>
-                                      </p:to>
-                                    </p:set>
-                                  </p:childTnLst>
-                                </p:cTn>
-                              </p:par>
-                            </p:childTnLst>
-                          </p:cTn>
-                        </p:par>
-                      </p:childTnLst>
-                    </p:cTn>
-                  </p:par>
-                  <p:par>
-                    <p:cTn id="15" fill="hold">
-                      <p:stCondLst>
-                        <p:cond delay="indefinite"/>
-                      </p:stCondLst>
-                      <p:childTnLst>
-                        <p:par>
-                          <p:cTn id="16" fill="hold">
-                            <p:stCondLst>
-                              <p:cond delay="0"/>
-                            </p:stCondLst>
-                            <p:childTnLst>
-                              <p:par>
-                                <p:cTn id="17" presetID="1" presetClass="entr" presetSubtype="0" fill="hold" nodeType="clickEffect">
-                                  <p:stCondLst>
-                                    <p:cond delay="0"/>
-                                  </p:stCondLst>
-                                  <p:childTnLst>
-                                    <p:set>
-                                      <p:cBhvr>
-                                        <p:cTn id="18" dur="1" fill="hold">
-                                          <p:stCondLst>
-                                            <p:cond delay="0"/>
-                                          </p:stCondLst>
-                                        </p:cTn>
-                                        <p:tgtEl>
-                                          <p:spTgt spid="514">
-                                            <p:txEl>
-                                              <p:pRg st="3" end="3"/>
                                             </p:txEl>
                                           </p:spTgt>
                                         </p:tgtEl>
@@ -40484,7 +40526,7 @@
         </p:nvGraphicFramePr>
         <p:xfrm>
           <a:off x="369450" y="2433913"/>
-          <a:ext cx="3000000" cy="3000000"/>
+          <a:ext cx="8602725" cy="2297311"/>
         </p:xfrm>
         <a:graphic>
           <a:graphicData uri="http://schemas.openxmlformats.org/drawingml/2006/table">

--- a/teaching/ITIS6200/2023fa/lectures/lec10.pptx
+++ b/teaching/ITIS6200/2023fa/lectures/lec10.pptx
@@ -6188,7 +6188,64 @@
               </a:spcAft>
               <a:buNone/>
             </a:pPr>
-            <a:endParaRPr/>
+            <a:r>
+              <a:rPr lang="en-US" dirty="0" err="1"/>
+              <a:t>Javascript</a:t>
+            </a:r>
+            <a:r>
+              <a:rPr lang="en-US" dirty="0"/>
+              <a:t> was from Netscape; more interactive and dynamic</a:t>
+            </a:r>
+          </a:p>
+          <a:p>
+            <a:pPr algn="l" fontAlgn="base"/>
+            <a:endParaRPr lang="en-US" b="0" i="0" dirty="0">
+              <a:solidFill>
+                <a:srgbClr val="000000"/>
+              </a:solidFill>
+              <a:effectLst/>
+              <a:latin typeface="Arial"/>
+            </a:endParaRPr>
+          </a:p>
+          <a:p>
+            <a:pPr marL="158750" indent="0" algn="l" fontAlgn="base">
+              <a:buNone/>
+            </a:pPr>
+            <a:r>
+              <a:rPr lang="en-US" b="0" i="0" dirty="0">
+                <a:solidFill>
+                  <a:srgbClr val="444444"/>
+                </a:solidFill>
+                <a:effectLst/>
+                <a:latin typeface="Georgia" panose="02040502050405020303" pitchFamily="18" charset="0"/>
+              </a:rPr>
+              <a:t>Client-side Security</a:t>
+            </a:r>
+          </a:p>
+          <a:p>
+            <a:pPr algn="l" fontAlgn="base"/>
+            <a:r>
+              <a:rPr lang="en-US" b="0" i="0" dirty="0">
+                <a:solidFill>
+                  <a:srgbClr val="444444"/>
+                </a:solidFill>
+                <a:effectLst/>
+                <a:latin typeface="Georgia" panose="02040502050405020303" pitchFamily="18" charset="0"/>
+              </a:rPr>
+              <a:t>Since the JavaScript code is viewable to the user, others may use it for malicious purposes. These practices may include using the source code without authentication. Also, it is very easy to place some code into the site that compromises the security of data over the website.</a:t>
+            </a:r>
+          </a:p>
+          <a:p>
+            <a:pPr marL="0" lvl="0" indent="0" algn="l" rtl="0">
+              <a:spcBef>
+                <a:spcPts val="0"/>
+              </a:spcBef>
+              <a:spcAft>
+                <a:spcPts val="0"/>
+              </a:spcAft>
+              <a:buNone/>
+            </a:pPr>
+            <a:endParaRPr dirty="0"/>
           </a:p>
         </p:txBody>
       </p:sp>
@@ -13910,7 +13967,7 @@
                                         <p:tgtEl>
                                           <p:spTgt spid="195">
                                             <p:txEl>
-                                              <p:pRg st="0" end="0"/>
+                                              <p:pRg st="1" end="1"/>
                                             </p:txEl>
                                           </p:spTgt>
                                         </p:tgtEl>
@@ -13959,7 +14016,7 @@
                                         <p:tgtEl>
                                           <p:spTgt spid="195">
                                             <p:txEl>
-                                              <p:pRg st="1" end="1"/>
+                                              <p:pRg st="2" end="2"/>
                                             </p:txEl>
                                           </p:spTgt>
                                         </p:tgtEl>
@@ -14008,7 +14065,7 @@
                                         <p:tgtEl>
                                           <p:spTgt spid="195">
                                             <p:txEl>
-                                              <p:pRg st="2" end="2"/>
+                                              <p:pRg st="3" end="3"/>
                                             </p:txEl>
                                           </p:spTgt>
                                         </p:tgtEl>
@@ -14057,7 +14114,7 @@
                                         <p:tgtEl>
                                           <p:spTgt spid="195">
                                             <p:txEl>
-                                              <p:pRg st="3" end="3"/>
+                                              <p:pRg st="4" end="4"/>
                                             </p:txEl>
                                           </p:spTgt>
                                         </p:tgtEl>
@@ -14106,7 +14163,7 @@
                                         <p:tgtEl>
                                           <p:spTgt spid="195">
                                             <p:txEl>
-                                              <p:pRg st="4" end="4"/>
+                                              <p:pRg st="5" end="5"/>
                                             </p:txEl>
                                           </p:spTgt>
                                         </p:tgtEl>
@@ -14155,7 +14212,7 @@
                                         <p:tgtEl>
                                           <p:spTgt spid="195">
                                             <p:txEl>
-                                              <p:pRg st="5" end="5"/>
+                                              <p:pRg st="6" end="6"/>
                                             </p:txEl>
                                           </p:spTgt>
                                         </p:tgtEl>
@@ -14204,7 +14261,7 @@
                                         <p:tgtEl>
                                           <p:spTgt spid="195">
                                             <p:txEl>
-                                              <p:pRg st="6" end="6"/>
+                                              <p:pRg st="7" end="7"/>
                                             </p:txEl>
                                           </p:spTgt>
                                         </p:tgtEl>
@@ -14253,7 +14310,7 @@
                                         <p:tgtEl>
                                           <p:spTgt spid="195">
                                             <p:txEl>
-                                              <p:pRg st="7" end="7"/>
+                                              <p:pRg st="8" end="8"/>
                                             </p:txEl>
                                           </p:spTgt>
                                         </p:tgtEl>
@@ -14302,7 +14359,7 @@
                                         <p:tgtEl>
                                           <p:spTgt spid="195">
                                             <p:txEl>
-                                              <p:pRg st="8" end="8"/>
+                                              <p:pRg st="9" end="9"/>
                                             </p:txEl>
                                           </p:spTgt>
                                         </p:tgtEl>
@@ -14344,55 +14401,6 @@
                                     <p:set>
                                       <p:cBhvr>
                                         <p:cTn id="42" dur="1" fill="hold">
-                                          <p:stCondLst>
-                                            <p:cond delay="0"/>
-                                          </p:stCondLst>
-                                        </p:cTn>
-                                        <p:tgtEl>
-                                          <p:spTgt spid="195">
-                                            <p:txEl>
-                                              <p:pRg st="9" end="9"/>
-                                            </p:txEl>
-                                          </p:spTgt>
-                                        </p:tgtEl>
-                                        <p:attrNameLst>
-                                          <p:attrName>style.visibility</p:attrName>
-                                        </p:attrNameLst>
-                                      </p:cBhvr>
-                                      <p:to>
-                                        <p:strVal val="visible"/>
-                                      </p:to>
-                                    </p:set>
-                                  </p:childTnLst>
-                                </p:cTn>
-                              </p:par>
-                            </p:childTnLst>
-                          </p:cTn>
-                        </p:par>
-                      </p:childTnLst>
-                    </p:cTn>
-                  </p:par>
-                  <p:par>
-                    <p:cTn id="43" fill="hold">
-                      <p:stCondLst>
-                        <p:cond delay="indefinite"/>
-                      </p:stCondLst>
-                      <p:childTnLst>
-                        <p:par>
-                          <p:cTn id="44" fill="hold">
-                            <p:stCondLst>
-                              <p:cond delay="0"/>
-                            </p:stCondLst>
-                            <p:childTnLst>
-                              <p:par>
-                                <p:cTn id="45" presetID="1" presetClass="entr" presetSubtype="0" fill="hold" nodeType="clickEffect">
-                                  <p:stCondLst>
-                                    <p:cond delay="0"/>
-                                  </p:stCondLst>
-                                  <p:childTnLst>
-                                    <p:set>
-                                      <p:cBhvr>
-                                        <p:cTn id="46" dur="1" fill="hold">
                                           <p:stCondLst>
                                             <p:cond delay="0"/>
                                           </p:stCondLst>
@@ -14595,6 +14603,42 @@
               <a:rPr lang="en" dirty="0"/>
               <a:t>Written as several phrases separated by dots</a:t>
             </a:r>
+          </a:p>
+          <a:p>
+            <a:pPr marL="457200" lvl="0" indent="-342900" algn="l" rtl="0">
+              <a:spcBef>
+                <a:spcPts val="0"/>
+              </a:spcBef>
+              <a:spcAft>
+                <a:spcPts val="0"/>
+              </a:spcAft>
+              <a:buSzPts val="1800"/>
+              <a:buChar char="●"/>
+            </a:pPr>
+            <a:r>
+              <a:rPr lang="en" dirty="0"/>
+              <a:t>Example: </a:t>
+            </a:r>
+          </a:p>
+          <a:p>
+            <a:pPr lvl="1" indent="-342900">
+              <a:buSzPts val="1800"/>
+              <a:buChar char="●"/>
+            </a:pPr>
+            <a:r>
+              <a:rPr lang="en-US" dirty="0">
+                <a:hlinkClick r:id="rId3"/>
+              </a:rPr>
+              <a:t>https://cci.charlotte.edu/sis-faculty/</a:t>
+            </a:r>
+            <a:r>
+              <a:rPr lang="en-US" dirty="0"/>
+              <a:t>:  Domain name: </a:t>
+            </a:r>
+            <a:r>
+              <a:rPr lang="en-US" dirty="0" err="1"/>
+              <a:t>cci.charlotte.edu</a:t>
+            </a:r>
             <a:endParaRPr dirty="0"/>
           </a:p>
         </p:txBody>
@@ -14682,7 +14726,7 @@
                                         <p:tgtEl>
                                           <p:spTgt spid="203">
                                             <p:txEl>
-                                              <p:pRg st="0" end="0"/>
+                                              <p:pRg st="1" end="1"/>
                                             </p:txEl>
                                           </p:spTgt>
                                         </p:tgtEl>
@@ -14731,7 +14775,7 @@
                                         <p:tgtEl>
                                           <p:spTgt spid="203">
                                             <p:txEl>
-                                              <p:pRg st="1" end="1"/>
+                                              <p:pRg st="2" end="2"/>
                                             </p:txEl>
                                           </p:spTgt>
                                         </p:tgtEl>
@@ -14780,7 +14824,7 @@
                                         <p:tgtEl>
                                           <p:spTgt spid="203">
                                             <p:txEl>
-                                              <p:pRg st="2" end="2"/>
+                                              <p:pRg st="3" end="3"/>
                                             </p:txEl>
                                           </p:spTgt>
                                         </p:tgtEl>
@@ -14829,7 +14873,56 @@
                                         <p:tgtEl>
                                           <p:spTgt spid="203">
                                             <p:txEl>
-                                              <p:pRg st="3" end="3"/>
+                                              <p:pRg st="4" end="4"/>
+                                            </p:txEl>
+                                          </p:spTgt>
+                                        </p:tgtEl>
+                                        <p:attrNameLst>
+                                          <p:attrName>style.visibility</p:attrName>
+                                        </p:attrNameLst>
+                                      </p:cBhvr>
+                                      <p:to>
+                                        <p:strVal val="visible"/>
+                                      </p:to>
+                                    </p:set>
+                                  </p:childTnLst>
+                                </p:cTn>
+                              </p:par>
+                            </p:childTnLst>
+                          </p:cTn>
+                        </p:par>
+                      </p:childTnLst>
+                    </p:cTn>
+                  </p:par>
+                  <p:par>
+                    <p:cTn id="19" fill="hold">
+                      <p:stCondLst>
+                        <p:cond delay="indefinite"/>
+                      </p:stCondLst>
+                      <p:childTnLst>
+                        <p:par>
+                          <p:cTn id="20" fill="hold">
+                            <p:stCondLst>
+                              <p:cond delay="0"/>
+                            </p:stCondLst>
+                            <p:childTnLst>
+                              <p:par>
+                                <p:cTn id="21" presetID="1" presetClass="entr" presetSubtype="0" fill="hold" nodeType="clickEffect">
+                                  <p:stCondLst>
+                                    <p:cond delay="0"/>
+                                  </p:stCondLst>
+                                  <p:childTnLst>
+                                    <p:set>
+                                      <p:cBhvr>
+                                        <p:cTn id="22" dur="1" fill="hold">
+                                          <p:stCondLst>
+                                            <p:cond delay="0"/>
+                                          </p:stCondLst>
+                                        </p:cTn>
+                                        <p:tgtEl>
+                                          <p:spTgt spid="203">
+                                            <p:txEl>
+                                              <p:pRg st="5" end="5"/>
                                             </p:txEl>
                                           </p:spTgt>
                                         </p:tgtEl>
@@ -14976,120 +15069,42 @@
             <a:endParaRPr dirty="0"/>
           </a:p>
           <a:p>
-            <a:pPr marL="914400" lvl="1" indent="-317500" algn="l" rtl="0">
-              <a:spcBef>
-                <a:spcPts val="0"/>
-              </a:spcBef>
-              <a:spcAft>
-                <a:spcPts val="0"/>
-              </a:spcAft>
-              <a:buSzPts val="1400"/>
-              <a:buChar char="○"/>
-            </a:pPr>
-            <a:r>
-              <a:rPr lang="en" dirty="0"/>
-              <a:t>Username: </a:t>
-            </a:r>
-            <a:r>
-              <a:rPr lang="en" b="1" dirty="0">
+            <a:pPr lvl="1"/>
+            <a:r>
+              <a:rPr lang="en" dirty="0">
+                <a:latin typeface="+mn-lt"/>
+              </a:rPr>
+              <a:t>Port:</a:t>
+            </a:r>
+            <a:r>
+              <a:rPr lang="en-US" dirty="0">
+                <a:latin typeface="+mn-lt"/>
+              </a:rPr>
+              <a:t> http://localhost:</a:t>
+            </a:r>
+            <a:r>
+              <a:rPr lang="en-US" b="1" dirty="0">
                 <a:solidFill>
                   <a:srgbClr val="FF0000"/>
                 </a:solidFill>
-                <a:latin typeface="Courier New"/>
-                <a:ea typeface="Courier New"/>
-                <a:cs typeface="Courier New"/>
-                <a:sym typeface="Courier New"/>
+                <a:latin typeface="+mn-lt"/>
               </a:rPr>
-              <a:t>evanbot</a:t>
-            </a:r>
-            <a:r>
-              <a:rPr lang="en" b="1" dirty="0">
-                <a:latin typeface="Courier New"/>
-                <a:ea typeface="Courier New"/>
-                <a:cs typeface="Courier New"/>
-                <a:sym typeface="Courier New"/>
+              <a:t>5500</a:t>
+            </a:r>
+            <a:r>
+              <a:rPr lang="en-US" dirty="0">
+                <a:latin typeface="+mn-lt"/>
               </a:rPr>
-              <a:t>@cs161.org</a:t>
+              <a:t>/</a:t>
+            </a:r>
+            <a:r>
+              <a:rPr lang="en-US" dirty="0" err="1">
+                <a:latin typeface="+mn-lt"/>
+              </a:rPr>
+              <a:t>index.html</a:t>
             </a:r>
             <a:endParaRPr b="1" dirty="0">
-              <a:latin typeface="Courier New"/>
-              <a:ea typeface="Courier New"/>
-              <a:cs typeface="Courier New"/>
-              <a:sym typeface="Courier New"/>
-            </a:endParaRPr>
-          </a:p>
-          <a:p>
-            <a:pPr marL="1371600" lvl="2" indent="-317500" algn="l" rtl="0">
-              <a:spcBef>
-                <a:spcPts val="0"/>
-              </a:spcBef>
-              <a:spcAft>
-                <a:spcPts val="0"/>
-              </a:spcAft>
-              <a:buSzPts val="1400"/>
-              <a:buChar char="■"/>
-            </a:pPr>
-            <a:r>
-              <a:rPr lang="en" dirty="0"/>
-              <a:t>Identifies one specific user on the web server</a:t>
-            </a:r>
-            <a:endParaRPr dirty="0"/>
-          </a:p>
-          <a:p>
-            <a:pPr marL="1371600" lvl="2" indent="-317500" algn="l" rtl="0">
-              <a:spcBef>
-                <a:spcPts val="0"/>
-              </a:spcBef>
-              <a:spcAft>
-                <a:spcPts val="0"/>
-              </a:spcAft>
-              <a:buSzPts val="1400"/>
-              <a:buChar char="■"/>
-            </a:pPr>
-            <a:r>
-              <a:rPr lang="en" dirty="0"/>
-              <a:t>Rarely seen</a:t>
-            </a:r>
-            <a:endParaRPr dirty="0"/>
-          </a:p>
-          <a:p>
-            <a:pPr marL="914400" lvl="1" indent="-317500" algn="l" rtl="0">
-              <a:spcBef>
-                <a:spcPts val="0"/>
-              </a:spcBef>
-              <a:spcAft>
-                <a:spcPts val="0"/>
-              </a:spcAft>
-              <a:buSzPts val="1400"/>
-              <a:buChar char="○"/>
-            </a:pPr>
-            <a:r>
-              <a:rPr lang="en" dirty="0"/>
-              <a:t>Port: </a:t>
-            </a:r>
-            <a:r>
-              <a:rPr lang="en" b="1" dirty="0">
-                <a:latin typeface="Courier New"/>
-                <a:ea typeface="Courier New"/>
-                <a:cs typeface="Courier New"/>
-                <a:sym typeface="Courier New"/>
-              </a:rPr>
-              <a:t>toon.cs161.org:</a:t>
-            </a:r>
-            <a:r>
-              <a:rPr lang="en" b="1" dirty="0">
-                <a:solidFill>
-                  <a:srgbClr val="FF0000"/>
-                </a:solidFill>
-                <a:latin typeface="Courier New"/>
-                <a:ea typeface="Courier New"/>
-                <a:cs typeface="Courier New"/>
-                <a:sym typeface="Courier New"/>
-              </a:rPr>
-              <a:t>4000</a:t>
-            </a:r>
-            <a:endParaRPr b="1" dirty="0">
-              <a:latin typeface="Courier New"/>
+              <a:latin typeface="+mn-lt"/>
               <a:ea typeface="Courier New"/>
               <a:cs typeface="Courier New"/>
               <a:sym typeface="Courier New"/>
@@ -15214,7 +15229,7 @@
                                         <p:tgtEl>
                                           <p:spTgt spid="211">
                                             <p:txEl>
-                                              <p:pRg st="0" end="0"/>
+                                              <p:pRg st="1" end="1"/>
                                             </p:txEl>
                                           </p:spTgt>
                                         </p:tgtEl>
@@ -15263,7 +15278,7 @@
                                         <p:tgtEl>
                                           <p:spTgt spid="211">
                                             <p:txEl>
-                                              <p:pRg st="1" end="1"/>
+                                              <p:pRg st="2" end="2"/>
                                             </p:txEl>
                                           </p:spTgt>
                                         </p:tgtEl>
@@ -15312,203 +15327,7 @@
                                         <p:tgtEl>
                                           <p:spTgt spid="211">
                                             <p:txEl>
-                                              <p:pRg st="2" end="2"/>
-                                            </p:txEl>
-                                          </p:spTgt>
-                                        </p:tgtEl>
-                                        <p:attrNameLst>
-                                          <p:attrName>style.visibility</p:attrName>
-                                        </p:attrNameLst>
-                                      </p:cBhvr>
-                                      <p:to>
-                                        <p:strVal val="visible"/>
-                                      </p:to>
-                                    </p:set>
-                                  </p:childTnLst>
-                                </p:cTn>
-                              </p:par>
-                            </p:childTnLst>
-                          </p:cTn>
-                        </p:par>
-                      </p:childTnLst>
-                    </p:cTn>
-                  </p:par>
-                  <p:par>
-                    <p:cTn id="15" fill="hold">
-                      <p:stCondLst>
-                        <p:cond delay="indefinite"/>
-                      </p:stCondLst>
-                      <p:childTnLst>
-                        <p:par>
-                          <p:cTn id="16" fill="hold">
-                            <p:stCondLst>
-                              <p:cond delay="0"/>
-                            </p:stCondLst>
-                            <p:childTnLst>
-                              <p:par>
-                                <p:cTn id="17" presetID="1" presetClass="entr" presetSubtype="0" fill="hold" nodeType="clickEffect">
-                                  <p:stCondLst>
-                                    <p:cond delay="0"/>
-                                  </p:stCondLst>
-                                  <p:childTnLst>
-                                    <p:set>
-                                      <p:cBhvr>
-                                        <p:cTn id="18" dur="1" fill="hold">
-                                          <p:stCondLst>
-                                            <p:cond delay="0"/>
-                                          </p:stCondLst>
-                                        </p:cTn>
-                                        <p:tgtEl>
-                                          <p:spTgt spid="211">
-                                            <p:txEl>
                                               <p:pRg st="3" end="3"/>
-                                            </p:txEl>
-                                          </p:spTgt>
-                                        </p:tgtEl>
-                                        <p:attrNameLst>
-                                          <p:attrName>style.visibility</p:attrName>
-                                        </p:attrNameLst>
-                                      </p:cBhvr>
-                                      <p:to>
-                                        <p:strVal val="visible"/>
-                                      </p:to>
-                                    </p:set>
-                                  </p:childTnLst>
-                                </p:cTn>
-                              </p:par>
-                            </p:childTnLst>
-                          </p:cTn>
-                        </p:par>
-                      </p:childTnLst>
-                    </p:cTn>
-                  </p:par>
-                  <p:par>
-                    <p:cTn id="19" fill="hold">
-                      <p:stCondLst>
-                        <p:cond delay="indefinite"/>
-                      </p:stCondLst>
-                      <p:childTnLst>
-                        <p:par>
-                          <p:cTn id="20" fill="hold">
-                            <p:stCondLst>
-                              <p:cond delay="0"/>
-                            </p:stCondLst>
-                            <p:childTnLst>
-                              <p:par>
-                                <p:cTn id="21" presetID="1" presetClass="entr" presetSubtype="0" fill="hold" nodeType="clickEffect">
-                                  <p:stCondLst>
-                                    <p:cond delay="0"/>
-                                  </p:stCondLst>
-                                  <p:childTnLst>
-                                    <p:set>
-                                      <p:cBhvr>
-                                        <p:cTn id="22" dur="1" fill="hold">
-                                          <p:stCondLst>
-                                            <p:cond delay="0"/>
-                                          </p:stCondLst>
-                                        </p:cTn>
-                                        <p:tgtEl>
-                                          <p:spTgt spid="211">
-                                            <p:txEl>
-                                              <p:pRg st="4" end="4"/>
-                                            </p:txEl>
-                                          </p:spTgt>
-                                        </p:tgtEl>
-                                        <p:attrNameLst>
-                                          <p:attrName>style.visibility</p:attrName>
-                                        </p:attrNameLst>
-                                      </p:cBhvr>
-                                      <p:to>
-                                        <p:strVal val="visible"/>
-                                      </p:to>
-                                    </p:set>
-                                  </p:childTnLst>
-                                </p:cTn>
-                              </p:par>
-                            </p:childTnLst>
-                          </p:cTn>
-                        </p:par>
-                      </p:childTnLst>
-                    </p:cTn>
-                  </p:par>
-                  <p:par>
-                    <p:cTn id="23" fill="hold">
-                      <p:stCondLst>
-                        <p:cond delay="indefinite"/>
-                      </p:stCondLst>
-                      <p:childTnLst>
-                        <p:par>
-                          <p:cTn id="24" fill="hold">
-                            <p:stCondLst>
-                              <p:cond delay="0"/>
-                            </p:stCondLst>
-                            <p:childTnLst>
-                              <p:par>
-                                <p:cTn id="25" presetID="1" presetClass="entr" presetSubtype="0" fill="hold" nodeType="clickEffect">
-                                  <p:stCondLst>
-                                    <p:cond delay="0"/>
-                                  </p:stCondLst>
-                                  <p:childTnLst>
-                                    <p:set>
-                                      <p:cBhvr>
-                                        <p:cTn id="26" dur="1" fill="hold">
-                                          <p:stCondLst>
-                                            <p:cond delay="0"/>
-                                          </p:stCondLst>
-                                        </p:cTn>
-                                        <p:tgtEl>
-                                          <p:spTgt spid="211">
-                                            <p:txEl>
-                                              <p:pRg st="5" end="5"/>
-                                            </p:txEl>
-                                          </p:spTgt>
-                                        </p:tgtEl>
-                                        <p:attrNameLst>
-                                          <p:attrName>style.visibility</p:attrName>
-                                        </p:attrNameLst>
-                                      </p:cBhvr>
-                                      <p:to>
-                                        <p:strVal val="visible"/>
-                                      </p:to>
-                                    </p:set>
-                                  </p:childTnLst>
-                                </p:cTn>
-                              </p:par>
-                            </p:childTnLst>
-                          </p:cTn>
-                        </p:par>
-                      </p:childTnLst>
-                    </p:cTn>
-                  </p:par>
-                  <p:par>
-                    <p:cTn id="27" fill="hold">
-                      <p:stCondLst>
-                        <p:cond delay="indefinite"/>
-                      </p:stCondLst>
-                      <p:childTnLst>
-                        <p:par>
-                          <p:cTn id="28" fill="hold">
-                            <p:stCondLst>
-                              <p:cond delay="0"/>
-                            </p:stCondLst>
-                            <p:childTnLst>
-                              <p:par>
-                                <p:cTn id="29" presetID="1" presetClass="entr" presetSubtype="0" fill="hold" nodeType="clickEffect">
-                                  <p:stCondLst>
-                                    <p:cond delay="0"/>
-                                  </p:stCondLst>
-                                  <p:childTnLst>
-                                    <p:set>
-                                      <p:cBhvr>
-                                        <p:cTn id="30" dur="1" fill="hold">
-                                          <p:stCondLst>
-                                            <p:cond delay="0"/>
-                                          </p:stCondLst>
-                                        </p:cTn>
-                                        <p:tgtEl>
-                                          <p:spTgt spid="211">
-                                            <p:txEl>
-                                              <p:pRg st="6" end="6"/>
                                             </p:txEl>
                                           </p:spTgt>
                                         </p:tgtEl>
@@ -15735,147 +15554,91 @@
             <a:endParaRPr dirty="0"/>
           </a:p>
           <a:p>
-            <a:pPr marL="914400" lvl="1" indent="-317500" algn="l" rtl="0">
+            <a:pPr lvl="1">
               <a:lnSpc>
                 <a:spcPct val="100000"/>
               </a:lnSpc>
-              <a:spcBef>
-                <a:spcPts val="0"/>
-              </a:spcBef>
-              <a:spcAft>
-                <a:spcPts val="0"/>
-              </a:spcAft>
-              <a:buSzPts val="1400"/>
-              <a:buChar char="○"/>
-            </a:pPr>
-            <a:r>
-              <a:rPr lang="en" b="1" dirty="0">
+            </a:pPr>
+            <a:r>
+              <a:rPr lang="en-US" b="1" dirty="0">
                 <a:latin typeface="Courier New"/>
                 <a:ea typeface="Courier New"/>
                 <a:cs typeface="Courier New"/>
                 <a:sym typeface="Courier New"/>
               </a:rPr>
-              <a:t>https://toon.cs161.org</a:t>
-            </a:r>
-            <a:r>
-              <a:rPr lang="en" b="1" dirty="0">
-                <a:solidFill>
-                  <a:srgbClr val="FF0000"/>
-                </a:solidFill>
+              <a:t>https://</a:t>
+            </a:r>
+            <a:r>
+              <a:rPr lang="en-US" b="1" dirty="0" err="1">
                 <a:latin typeface="Courier New"/>
                 <a:ea typeface="Courier New"/>
                 <a:cs typeface="Courier New"/>
                 <a:sym typeface="Courier New"/>
               </a:rPr>
-              <a:t>/</a:t>
-            </a:r>
-            <a:r>
-              <a:rPr lang="en" b="1" dirty="0" err="1">
-                <a:solidFill>
-                  <a:srgbClr val="FF0000"/>
-                </a:solidFill>
+              <a:t>webpages.charlotte.edu</a:t>
+            </a:r>
+            <a:r>
+              <a:rPr lang="en-US" b="1" dirty="0">
                 <a:latin typeface="Courier New"/>
                 <a:ea typeface="Courier New"/>
                 <a:cs typeface="Courier New"/>
                 <a:sym typeface="Courier New"/>
               </a:rPr>
-              <a:t>xorcist</a:t>
-            </a:r>
-            <a:r>
-              <a:rPr lang="en" b="1" dirty="0">
-                <a:solidFill>
-                  <a:srgbClr val="FF0000"/>
-                </a:solidFill>
+              <a:t>/wwang22/Research/</a:t>
+            </a:r>
+            <a:r>
+              <a:rPr lang="en-US" b="1" dirty="0" err="1">
                 <a:latin typeface="Courier New"/>
                 <a:ea typeface="Courier New"/>
                 <a:cs typeface="Courier New"/>
                 <a:sym typeface="Courier New"/>
               </a:rPr>
-              <a:t>/</a:t>
-            </a:r>
-            <a:r>
-              <a:rPr lang="en" b="1" dirty="0" err="1">
-                <a:solidFill>
-                  <a:srgbClr val="FF0000"/>
-                </a:solidFill>
+              <a:t>projects.html</a:t>
+            </a:r>
+            <a:r>
+              <a:rPr lang="en-US" b="1" dirty="0">
                 <a:latin typeface="Courier New"/>
                 <a:ea typeface="Courier New"/>
                 <a:cs typeface="Courier New"/>
                 <a:sym typeface="Courier New"/>
               </a:rPr>
-              <a:t>avian.html</a:t>
-            </a:r>
-            <a:r>
-              <a:rPr lang="en" dirty="0"/>
-              <a:t>: Look in the </a:t>
-            </a:r>
-            <a:r>
-              <a:rPr lang="en" b="1" dirty="0" err="1">
+              <a:t>: </a:t>
+            </a:r>
+            <a:r>
+              <a:rPr lang="en-US" dirty="0">
+                <a:latin typeface="+mn-lt"/>
+                <a:ea typeface="Courier New"/>
+                <a:cs typeface="Courier New"/>
+                <a:sym typeface="Courier New"/>
+              </a:rPr>
+              <a:t>look in the </a:t>
+            </a:r>
+            <a:r>
+              <a:rPr lang="en-US" b="1" dirty="0">
                 <a:latin typeface="Courier New"/>
                 <a:ea typeface="Courier New"/>
                 <a:cs typeface="Courier New"/>
                 <a:sym typeface="Courier New"/>
               </a:rPr>
-              <a:t>xorcist</a:t>
-            </a:r>
-            <a:r>
-              <a:rPr lang="en" dirty="0"/>
-              <a:t> folder for </a:t>
-            </a:r>
-            <a:r>
-              <a:rPr lang="en" b="1" dirty="0" err="1">
+              <a:t>wwang22/Research </a:t>
+            </a:r>
+            <a:r>
+              <a:rPr lang="en-US" dirty="0">
+                <a:latin typeface="+mn-lt"/>
+                <a:ea typeface="Courier New"/>
+                <a:cs typeface="Courier New"/>
+                <a:sym typeface="Courier New"/>
+              </a:rPr>
+              <a:t>folder for </a:t>
+            </a:r>
+            <a:r>
+              <a:rPr lang="en-US" b="1" dirty="0" err="1">
                 <a:latin typeface="Courier New"/>
                 <a:ea typeface="Courier New"/>
                 <a:cs typeface="Courier New"/>
                 <a:sym typeface="Courier New"/>
               </a:rPr>
-              <a:t>avian.html</a:t>
-            </a:r>
-            <a:endParaRPr b="1" dirty="0">
-              <a:latin typeface="Courier New"/>
-              <a:ea typeface="Courier New"/>
-              <a:cs typeface="Courier New"/>
-              <a:sym typeface="Courier New"/>
-            </a:endParaRPr>
-          </a:p>
-          <a:p>
-            <a:pPr marL="914400" lvl="1" indent="-317500" algn="l" rtl="0">
-              <a:lnSpc>
-                <a:spcPct val="100000"/>
-              </a:lnSpc>
-              <a:spcBef>
-                <a:spcPts val="0"/>
-              </a:spcBef>
-              <a:spcAft>
-                <a:spcPts val="0"/>
-              </a:spcAft>
-              <a:buSzPts val="1400"/>
-              <a:buChar char="○"/>
-            </a:pPr>
-            <a:r>
-              <a:rPr lang="en" b="1" dirty="0">
-                <a:latin typeface="Courier New"/>
-                <a:ea typeface="Courier New"/>
-                <a:cs typeface="Courier New"/>
-                <a:sym typeface="Courier New"/>
-              </a:rPr>
-              <a:t>https://toon.cs161.org</a:t>
-            </a:r>
-            <a:r>
-              <a:rPr lang="en" b="1" dirty="0">
-                <a:solidFill>
-                  <a:srgbClr val="FF0000"/>
-                </a:solidFill>
-                <a:latin typeface="Courier New"/>
-                <a:ea typeface="Courier New"/>
-                <a:cs typeface="Courier New"/>
-                <a:sym typeface="Courier New"/>
-              </a:rPr>
-              <a:t>/</a:t>
-            </a:r>
-            <a:r>
-              <a:rPr lang="en" dirty="0"/>
-              <a:t>: Return the root directory</a:t>
+              <a:t>projects.html</a:t>
             </a:r>
             <a:endParaRPr b="1" dirty="0">
               <a:latin typeface="Courier New"/>
@@ -15969,7 +15732,7 @@
                                         <p:tgtEl>
                                           <p:spTgt spid="219">
                                             <p:txEl>
-                                              <p:pRg st="0" end="0"/>
+                                              <p:pRg st="1" end="1"/>
                                             </p:txEl>
                                           </p:spTgt>
                                         </p:tgtEl>
@@ -16018,7 +15781,7 @@
                                         <p:tgtEl>
                                           <p:spTgt spid="219">
                                             <p:txEl>
-                                              <p:pRg st="1" end="1"/>
+                                              <p:pRg st="2" end="2"/>
                                             </p:txEl>
                                           </p:spTgt>
                                         </p:tgtEl>
@@ -16067,7 +15830,7 @@
                                         <p:tgtEl>
                                           <p:spTgt spid="219">
                                             <p:txEl>
-                                              <p:pRg st="2" end="2"/>
+                                              <p:pRg st="3" end="3"/>
                                             </p:txEl>
                                           </p:spTgt>
                                         </p:tgtEl>
@@ -16116,7 +15879,7 @@
                                         <p:tgtEl>
                                           <p:spTgt spid="219">
                                             <p:txEl>
-                                              <p:pRg st="3" end="3"/>
+                                              <p:pRg st="4" end="4"/>
                                             </p:txEl>
                                           </p:spTgt>
                                         </p:tgtEl>
@@ -16165,105 +15928,7 @@
                                         <p:tgtEl>
                                           <p:spTgt spid="219">
                                             <p:txEl>
-                                              <p:pRg st="4" end="4"/>
-                                            </p:txEl>
-                                          </p:spTgt>
-                                        </p:tgtEl>
-                                        <p:attrNameLst>
-                                          <p:attrName>style.visibility</p:attrName>
-                                        </p:attrNameLst>
-                                      </p:cBhvr>
-                                      <p:to>
-                                        <p:strVal val="visible"/>
-                                      </p:to>
-                                    </p:set>
-                                  </p:childTnLst>
-                                </p:cTn>
-                              </p:par>
-                            </p:childTnLst>
-                          </p:cTn>
-                        </p:par>
-                      </p:childTnLst>
-                    </p:cTn>
-                  </p:par>
-                  <p:par>
-                    <p:cTn id="23" fill="hold">
-                      <p:stCondLst>
-                        <p:cond delay="indefinite"/>
-                      </p:stCondLst>
-                      <p:childTnLst>
-                        <p:par>
-                          <p:cTn id="24" fill="hold">
-                            <p:stCondLst>
-                              <p:cond delay="0"/>
-                            </p:stCondLst>
-                            <p:childTnLst>
-                              <p:par>
-                                <p:cTn id="25" presetID="1" presetClass="entr" presetSubtype="0" fill="hold" nodeType="clickEffect">
-                                  <p:stCondLst>
-                                    <p:cond delay="0"/>
-                                  </p:stCondLst>
-                                  <p:childTnLst>
-                                    <p:set>
-                                      <p:cBhvr>
-                                        <p:cTn id="26" dur="1" fill="hold">
-                                          <p:stCondLst>
-                                            <p:cond delay="0"/>
-                                          </p:stCondLst>
-                                        </p:cTn>
-                                        <p:tgtEl>
-                                          <p:spTgt spid="219">
-                                            <p:txEl>
                                               <p:pRg st="5" end="5"/>
-                                            </p:txEl>
-                                          </p:spTgt>
-                                        </p:tgtEl>
-                                        <p:attrNameLst>
-                                          <p:attrName>style.visibility</p:attrName>
-                                        </p:attrNameLst>
-                                      </p:cBhvr>
-                                      <p:to>
-                                        <p:strVal val="visible"/>
-                                      </p:to>
-                                    </p:set>
-                                  </p:childTnLst>
-                                </p:cTn>
-                              </p:par>
-                            </p:childTnLst>
-                          </p:cTn>
-                        </p:par>
-                      </p:childTnLst>
-                    </p:cTn>
-                  </p:par>
-                  <p:par>
-                    <p:cTn id="27" fill="hold">
-                      <p:stCondLst>
-                        <p:cond delay="indefinite"/>
-                      </p:stCondLst>
-                      <p:childTnLst>
-                        <p:par>
-                          <p:cTn id="28" fill="hold">
-                            <p:stCondLst>
-                              <p:cond delay="0"/>
-                            </p:stCondLst>
-                            <p:childTnLst>
-                              <p:par>
-                                <p:cTn id="29" presetID="1" presetClass="entr" presetSubtype="0" fill="hold" nodeType="clickEffect">
-                                  <p:stCondLst>
-                                    <p:cond delay="0"/>
-                                  </p:stCondLst>
-                                  <p:childTnLst>
-                                    <p:set>
-                                      <p:cBhvr>
-                                        <p:cTn id="30" dur="1" fill="hold">
-                                          <p:stCondLst>
-                                            <p:cond delay="0"/>
-                                          </p:stCondLst>
-                                        </p:cTn>
-                                        <p:tgtEl>
-                                          <p:spTgt spid="219">
-                                            <p:txEl>
-                                              <p:pRg st="6" end="6"/>
                                             </p:txEl>
                                           </p:spTgt>
                                         </p:tgtEl>
@@ -16404,10 +16069,10 @@
               <a:buChar char="●"/>
             </a:pPr>
             <a:r>
-              <a:rPr lang="en"/>
+              <a:rPr lang="en" dirty="0"/>
               <a:t>Providing a query is optional</a:t>
             </a:r>
-            <a:endParaRPr/>
+            <a:endParaRPr dirty="0"/>
           </a:p>
           <a:p>
             <a:pPr marL="457200" lvl="0" indent="-342900" algn="l" rtl="0">
@@ -16421,10 +16086,10 @@
               <a:buChar char="●"/>
             </a:pPr>
             <a:r>
-              <a:rPr lang="en"/>
+              <a:rPr lang="en" dirty="0"/>
               <a:t>Located after a question mark</a:t>
             </a:r>
-            <a:endParaRPr/>
+            <a:endParaRPr dirty="0"/>
           </a:p>
           <a:p>
             <a:pPr marL="457200" lvl="0" indent="-342900" algn="l" rtl="0">
@@ -16438,10 +16103,10 @@
               <a:buChar char="●"/>
             </a:pPr>
             <a:r>
-              <a:rPr lang="en"/>
+              <a:rPr lang="en" dirty="0"/>
               <a:t>Supplies arguments to the web server for processing</a:t>
             </a:r>
-            <a:endParaRPr/>
+            <a:endParaRPr dirty="0"/>
           </a:p>
           <a:p>
             <a:pPr marL="914400" lvl="1" indent="-317500" algn="l" rtl="0">
@@ -16455,10 +16120,10 @@
               <a:buChar char="○"/>
             </a:pPr>
             <a:r>
-              <a:rPr lang="en"/>
+              <a:rPr lang="en" dirty="0"/>
               <a:t>Think of the web server as offering a function at a given path</a:t>
             </a:r>
-            <a:endParaRPr/>
+            <a:endParaRPr dirty="0"/>
           </a:p>
           <a:p>
             <a:pPr marL="914400" lvl="1" indent="-317500" algn="l" rtl="0">
@@ -16472,10 +16137,10 @@
               <a:buChar char="○"/>
             </a:pPr>
             <a:r>
-              <a:rPr lang="en"/>
+              <a:rPr lang="en" dirty="0"/>
               <a:t>To access this function, a user makes a request to the path, with some arguments in the query</a:t>
             </a:r>
-            <a:endParaRPr/>
+            <a:endParaRPr dirty="0"/>
           </a:p>
           <a:p>
             <a:pPr marL="914400" lvl="1" indent="-317500" algn="l" rtl="0">
@@ -16489,10 +16154,10 @@
               <a:buChar char="○"/>
             </a:pPr>
             <a:r>
-              <a:rPr lang="en"/>
+              <a:rPr lang="en" dirty="0"/>
               <a:t>The web server runs the function with the user's arguments and returns the result to the user</a:t>
             </a:r>
-            <a:endParaRPr/>
+            <a:endParaRPr dirty="0"/>
           </a:p>
           <a:p>
             <a:pPr marL="457200" lvl="0" indent="-342900" algn="l" rtl="0">
@@ -16506,11 +16171,11 @@
               <a:buChar char="●"/>
             </a:pPr>
             <a:r>
-              <a:rPr lang="en"/>
+              <a:rPr lang="en" dirty="0"/>
               <a:t>Arguments are supplied as </a:t>
             </a:r>
             <a:r>
-              <a:rPr lang="en" b="1">
+              <a:rPr lang="en" b="1" dirty="0">
                 <a:latin typeface="Courier New"/>
                 <a:ea typeface="Courier New"/>
                 <a:cs typeface="Courier New"/>
@@ -16519,10 +16184,10 @@
               <a:t>name=value</a:t>
             </a:r>
             <a:r>
-              <a:rPr lang="en"/>
+              <a:rPr lang="en" dirty="0"/>
               <a:t> pairs</a:t>
             </a:r>
-            <a:endParaRPr/>
+            <a:endParaRPr dirty="0"/>
           </a:p>
           <a:p>
             <a:pPr marL="457200" lvl="0" indent="-342900" algn="l" rtl="0">
@@ -16536,11 +16201,11 @@
               <a:buChar char="●"/>
             </a:pPr>
             <a:r>
-              <a:rPr lang="en"/>
+              <a:rPr lang="en" dirty="0"/>
               <a:t>Arguments are separated with ampersands (</a:t>
             </a:r>
             <a:r>
-              <a:rPr lang="en" b="1">
+              <a:rPr lang="en" b="1" dirty="0">
                 <a:latin typeface="Courier New"/>
                 <a:ea typeface="Courier New"/>
                 <a:cs typeface="Courier New"/>
@@ -16549,10 +16214,47 @@
               <a:t>&amp;</a:t>
             </a:r>
             <a:r>
-              <a:rPr lang="en"/>
+              <a:rPr lang="en" dirty="0"/>
               <a:t>)</a:t>
             </a:r>
-            <a:endParaRPr/>
+          </a:p>
+          <a:p>
+            <a:pPr lvl="0"/>
+            <a:r>
+              <a:rPr lang="en" dirty="0"/>
+              <a:t>Example: </a:t>
+            </a:r>
+            <a:r>
+              <a:rPr lang="en-US" dirty="0">
+                <a:hlinkClick r:id="rId3"/>
+              </a:rPr>
+              <a:t>https://</a:t>
+            </a:r>
+            <a:r>
+              <a:rPr lang="en-US" dirty="0" err="1">
+                <a:hlinkClick r:id="rId3"/>
+              </a:rPr>
+              <a:t>catalog.charlotte.edu</a:t>
+            </a:r>
+            <a:r>
+              <a:rPr lang="en-US" dirty="0">
+                <a:hlinkClick r:id="rId3"/>
+              </a:rPr>
+              <a:t>/</a:t>
+            </a:r>
+            <a:r>
+              <a:rPr lang="en-US" dirty="0" err="1">
+                <a:hlinkClick r:id="rId3"/>
+              </a:rPr>
+              <a:t>preview_program.php?catoid</a:t>
+            </a:r>
+            <a:r>
+              <a:rPr lang="en-US" dirty="0">
+                <a:hlinkClick r:id="rId3"/>
+              </a:rPr>
+              <a:t>=30&amp;poid=8146</a:t>
+            </a:r>
+            <a:endParaRPr dirty="0"/>
           </a:p>
         </p:txBody>
       </p:sp>
@@ -16639,7 +16341,7 @@
                                         <p:tgtEl>
                                           <p:spTgt spid="227">
                                             <p:txEl>
-                                              <p:pRg st="0" end="0"/>
+                                              <p:pRg st="2" end="2"/>
                                             </p:txEl>
                                           </p:spTgt>
                                         </p:tgtEl>
@@ -16688,7 +16390,7 @@
                                         <p:tgtEl>
                                           <p:spTgt spid="227">
                                             <p:txEl>
-                                              <p:pRg st="1" end="1"/>
+                                              <p:pRg st="3" end="3"/>
                                             </p:txEl>
                                           </p:spTgt>
                                         </p:tgtEl>
@@ -16737,7 +16439,7 @@
                                         <p:tgtEl>
                                           <p:spTgt spid="227">
                                             <p:txEl>
-                                              <p:pRg st="2" end="2"/>
+                                              <p:pRg st="4" end="4"/>
                                             </p:txEl>
                                           </p:spTgt>
                                         </p:tgtEl>
@@ -16786,7 +16488,7 @@
                                         <p:tgtEl>
                                           <p:spTgt spid="227">
                                             <p:txEl>
-                                              <p:pRg st="3" end="3"/>
+                                              <p:pRg st="5" end="5"/>
                                             </p:txEl>
                                           </p:spTgt>
                                         </p:tgtEl>
@@ -16835,7 +16537,7 @@
                                         <p:tgtEl>
                                           <p:spTgt spid="227">
                                             <p:txEl>
-                                              <p:pRg st="4" end="4"/>
+                                              <p:pRg st="6" end="6"/>
                                             </p:txEl>
                                           </p:spTgt>
                                         </p:tgtEl>
@@ -16884,7 +16586,7 @@
                                         <p:tgtEl>
                                           <p:spTgt spid="227">
                                             <p:txEl>
-                                              <p:pRg st="5" end="5"/>
+                                              <p:pRg st="7" end="7"/>
                                             </p:txEl>
                                           </p:spTgt>
                                         </p:tgtEl>
@@ -16933,56 +16635,7 @@
                                         <p:tgtEl>
                                           <p:spTgt spid="227">
                                             <p:txEl>
-                                              <p:pRg st="6" end="6"/>
-                                            </p:txEl>
-                                          </p:spTgt>
-                                        </p:tgtEl>
-                                        <p:attrNameLst>
-                                          <p:attrName>style.visibility</p:attrName>
-                                        </p:attrNameLst>
-                                      </p:cBhvr>
-                                      <p:to>
-                                        <p:strVal val="visible"/>
-                                      </p:to>
-                                    </p:set>
-                                  </p:childTnLst>
-                                </p:cTn>
-                              </p:par>
-                            </p:childTnLst>
-                          </p:cTn>
-                        </p:par>
-                      </p:childTnLst>
-                    </p:cTn>
-                  </p:par>
-                  <p:par>
-                    <p:cTn id="31" fill="hold">
-                      <p:stCondLst>
-                        <p:cond delay="indefinite"/>
-                      </p:stCondLst>
-                      <p:childTnLst>
-                        <p:par>
-                          <p:cTn id="32" fill="hold">
-                            <p:stCondLst>
-                              <p:cond delay="0"/>
-                            </p:stCondLst>
-                            <p:childTnLst>
-                              <p:par>
-                                <p:cTn id="33" presetID="1" presetClass="entr" presetSubtype="0" fill="hold" nodeType="clickEffect">
-                                  <p:stCondLst>
-                                    <p:cond delay="0"/>
-                                  </p:stCondLst>
-                                  <p:childTnLst>
-                                    <p:set>
-                                      <p:cBhvr>
-                                        <p:cTn id="34" dur="1" fill="hold">
-                                          <p:stCondLst>
-                                            <p:cond delay="0"/>
-                                          </p:stCondLst>
-                                        </p:cTn>
-                                        <p:tgtEl>
-                                          <p:spTgt spid="227">
-                                            <p:txEl>
-                                              <p:pRg st="7" end="7"/>
+                                              <p:pRg st="8" end="8"/>
                                             </p:txEl>
                                           </p:spTgt>
                                         </p:tgtEl>
@@ -17207,6 +16860,39 @@
               <a:rPr lang="en" dirty="0"/>
               <a:t>Usage: Supplies content to code in the web browser (JavaScript) without sending the content to the server</a:t>
             </a:r>
+          </a:p>
+          <a:p>
+            <a:r>
+              <a:rPr lang="en" dirty="0"/>
+              <a:t>Example: </a:t>
+            </a:r>
+          </a:p>
+          <a:p>
+            <a:pPr lvl="1"/>
+            <a:r>
+              <a:rPr lang="en-US" dirty="0">
+                <a:hlinkClick r:id="rId3"/>
+              </a:rPr>
+              <a:t>https://</a:t>
+            </a:r>
+            <a:r>
+              <a:rPr lang="en-US" dirty="0" err="1">
+                <a:hlinkClick r:id="rId3"/>
+              </a:rPr>
+              <a:t>www.jianxiang.info</a:t>
+            </a:r>
+            <a:r>
+              <a:rPr lang="en-US" dirty="0">
+                <a:hlinkClick r:id="rId3"/>
+              </a:rPr>
+              <a:t>/teaching/ITIS6200/2023fa/</a:t>
+            </a:r>
+            <a:r>
+              <a:rPr lang="en-US" dirty="0" err="1">
+                <a:hlinkClick r:id="rId3"/>
+              </a:rPr>
+              <a:t>index.html#schedule</a:t>
+            </a:r>
             <a:endParaRPr dirty="0"/>
           </a:p>
         </p:txBody>
@@ -17250,133 +16936,6 @@
               <a:t>18</a:t>
             </a:fld>
             <a:endParaRPr/>
-          </a:p>
-        </p:txBody>
-      </p:sp>
-      <p:sp>
-        <p:nvSpPr>
-          <p:cNvPr id="237" name="Google Shape;237;p38"/>
-          <p:cNvSpPr txBox="1"/>
-          <p:nvPr/>
-        </p:nvSpPr>
-        <p:spPr>
-          <a:xfrm>
-            <a:off x="734450" y="4455775"/>
-            <a:ext cx="7521900" cy="461700"/>
-          </a:xfrm>
-          <a:prstGeom prst="rect">
-            <a:avLst/>
-          </a:prstGeom>
-          <a:noFill/>
-          <a:ln>
-            <a:noFill/>
-          </a:ln>
-        </p:spPr>
-        <p:txBody>
-          <a:bodyPr spcFirstLastPara="1" wrap="square" lIns="91425" tIns="91425" rIns="91425" bIns="91425" anchor="t" anchorCtr="0">
-            <a:spAutoFit/>
-          </a:bodyPr>
-          <a:lstStyle/>
-          <a:p>
-            <a:pPr marL="0" lvl="0" indent="0" algn="ctr" rtl="0">
-              <a:spcBef>
-                <a:spcPts val="0"/>
-              </a:spcBef>
-              <a:spcAft>
-                <a:spcPts val="0"/>
-              </a:spcAft>
-              <a:buNone/>
-            </a:pPr>
-            <a:r>
-              <a:rPr lang="en" sz="1800" b="1" dirty="0">
-                <a:solidFill>
-                  <a:schemeClr val="dk1"/>
-                </a:solidFill>
-                <a:latin typeface="Courier New"/>
-                <a:ea typeface="Courier New"/>
-                <a:cs typeface="Courier New"/>
-                <a:sym typeface="Courier New"/>
-              </a:rPr>
-              <a:t>https</a:t>
-            </a:r>
-            <a:r>
-              <a:rPr lang="en" sz="1800" b="1" dirty="0">
-                <a:latin typeface="Courier New"/>
-                <a:ea typeface="Courier New"/>
-                <a:cs typeface="Courier New"/>
-                <a:sym typeface="Courier New"/>
-              </a:rPr>
-              <a:t>://toon.cs161.org</a:t>
-            </a:r>
-            <a:r>
-              <a:rPr lang="en" sz="1800" b="1" dirty="0">
-                <a:solidFill>
-                  <a:schemeClr val="dk1"/>
-                </a:solidFill>
-                <a:latin typeface="Courier New"/>
-                <a:ea typeface="Courier New"/>
-                <a:cs typeface="Courier New"/>
-                <a:sym typeface="Courier New"/>
-              </a:rPr>
-              <a:t>/</a:t>
-            </a:r>
-            <a:r>
-              <a:rPr lang="en" sz="1800" b="1" dirty="0" err="1">
-                <a:solidFill>
-                  <a:schemeClr val="dk1"/>
-                </a:solidFill>
-                <a:latin typeface="Courier New"/>
-                <a:ea typeface="Courier New"/>
-                <a:cs typeface="Courier New"/>
-                <a:sym typeface="Courier New"/>
-              </a:rPr>
-              <a:t>cryptoverse</a:t>
-            </a:r>
-            <a:r>
-              <a:rPr lang="en" sz="1800" b="1" dirty="0">
-                <a:solidFill>
-                  <a:schemeClr val="dk1"/>
-                </a:solidFill>
-                <a:latin typeface="Courier New"/>
-                <a:ea typeface="Courier New"/>
-                <a:cs typeface="Courier New"/>
-                <a:sym typeface="Courier New"/>
-              </a:rPr>
-              <a:t>/</a:t>
-            </a:r>
-            <a:r>
-              <a:rPr lang="en" sz="1800" b="1" dirty="0" err="1">
-                <a:solidFill>
-                  <a:schemeClr val="dk1"/>
-                </a:solidFill>
-                <a:latin typeface="Courier New"/>
-                <a:ea typeface="Courier New"/>
-                <a:cs typeface="Courier New"/>
-                <a:sym typeface="Courier New"/>
-              </a:rPr>
-              <a:t>characters#</a:t>
-            </a:r>
-            <a:r>
-              <a:rPr lang="en" sz="1800" b="1" dirty="0" err="1">
-                <a:solidFill>
-                  <a:srgbClr val="FF0000"/>
-                </a:solidFill>
-                <a:latin typeface="Courier New"/>
-                <a:ea typeface="Courier New"/>
-                <a:cs typeface="Courier New"/>
-                <a:sym typeface="Courier New"/>
-              </a:rPr>
-              <a:t>mallory</a:t>
-            </a:r>
-            <a:endParaRPr sz="1800" b="1" dirty="0">
-              <a:solidFill>
-                <a:srgbClr val="FF0000"/>
-              </a:solidFill>
-              <a:latin typeface="Courier New"/>
-              <a:ea typeface="Courier New"/>
-              <a:cs typeface="Courier New"/>
-              <a:sym typeface="Courier New"/>
-            </a:endParaRPr>
           </a:p>
         </p:txBody>
       </p:sp>
@@ -17421,7 +16980,7 @@
                                         <p:tgtEl>
                                           <p:spTgt spid="235">
                                             <p:txEl>
-                                              <p:pRg st="0" end="0"/>
+                                              <p:pRg st="1" end="1"/>
                                             </p:txEl>
                                           </p:spTgt>
                                         </p:tgtEl>
@@ -17470,7 +17029,7 @@
                                         <p:tgtEl>
                                           <p:spTgt spid="235">
                                             <p:txEl>
-                                              <p:pRg st="1" end="1"/>
+                                              <p:pRg st="2" end="2"/>
                                             </p:txEl>
                                           </p:spTgt>
                                         </p:tgtEl>
@@ -17519,7 +17078,7 @@
                                         <p:tgtEl>
                                           <p:spTgt spid="235">
                                             <p:txEl>
-                                              <p:pRg st="2" end="2"/>
+                                              <p:pRg st="3" end="3"/>
                                             </p:txEl>
                                           </p:spTgt>
                                         </p:tgtEl>
@@ -17568,7 +17127,7 @@
                                         <p:tgtEl>
                                           <p:spTgt spid="235">
                                             <p:txEl>
-                                              <p:pRg st="3" end="3"/>
+                                              <p:pRg st="4" end="4"/>
                                             </p:txEl>
                                           </p:spTgt>
                                         </p:tgtEl>
@@ -17617,7 +17176,56 @@
                                         <p:tgtEl>
                                           <p:spTgt spid="235">
                                             <p:txEl>
-                                              <p:pRg st="4" end="4"/>
+                                              <p:pRg st="5" end="5"/>
+                                            </p:txEl>
+                                          </p:spTgt>
+                                        </p:tgtEl>
+                                        <p:attrNameLst>
+                                          <p:attrName>style.visibility</p:attrName>
+                                        </p:attrNameLst>
+                                      </p:cBhvr>
+                                      <p:to>
+                                        <p:strVal val="visible"/>
+                                      </p:to>
+                                    </p:set>
+                                  </p:childTnLst>
+                                </p:cTn>
+                              </p:par>
+                            </p:childTnLst>
+                          </p:cTn>
+                        </p:par>
+                      </p:childTnLst>
+                    </p:cTn>
+                  </p:par>
+                  <p:par>
+                    <p:cTn id="23" fill="hold">
+                      <p:stCondLst>
+                        <p:cond delay="indefinite"/>
+                      </p:stCondLst>
+                      <p:childTnLst>
+                        <p:par>
+                          <p:cTn id="24" fill="hold">
+                            <p:stCondLst>
+                              <p:cond delay="0"/>
+                            </p:stCondLst>
+                            <p:childTnLst>
+                              <p:par>
+                                <p:cTn id="25" presetID="1" presetClass="entr" presetSubtype="0" fill="hold" nodeType="clickEffect">
+                                  <p:stCondLst>
+                                    <p:cond delay="0"/>
+                                  </p:stCondLst>
+                                  <p:childTnLst>
+                                    <p:set>
+                                      <p:cBhvr>
+                                        <p:cTn id="26" dur="1" fill="hold">
+                                          <p:stCondLst>
+                                            <p:cond delay="0"/>
+                                          </p:stCondLst>
+                                        </p:cTn>
+                                        <p:tgtEl>
+                                          <p:spTgt spid="235">
+                                            <p:txEl>
+                                              <p:pRg st="6" end="6"/>
                                             </p:txEl>
                                           </p:spTgt>
                                         </p:tgtEl>
@@ -18209,7 +17817,7 @@
                                         <p:tgtEl>
                                           <p:spTgt spid="243">
                                             <p:txEl>
-                                              <p:pRg st="0" end="0"/>
+                                              <p:pRg st="2" end="2"/>
                                             </p:txEl>
                                           </p:spTgt>
                                         </p:tgtEl>
@@ -18258,7 +17866,7 @@
                                         <p:tgtEl>
                                           <p:spTgt spid="243">
                                             <p:txEl>
-                                              <p:pRg st="1" end="1"/>
+                                              <p:pRg st="3" end="3"/>
                                             </p:txEl>
                                           </p:spTgt>
                                         </p:tgtEl>
@@ -18307,7 +17915,7 @@
                                         <p:tgtEl>
                                           <p:spTgt spid="243">
                                             <p:txEl>
-                                              <p:pRg st="2" end="2"/>
+                                              <p:pRg st="4" end="4"/>
                                             </p:txEl>
                                           </p:spTgt>
                                         </p:tgtEl>
@@ -18356,7 +17964,7 @@
                                         <p:tgtEl>
                                           <p:spTgt spid="243">
                                             <p:txEl>
-                                              <p:pRg st="3" end="3"/>
+                                              <p:pRg st="5" end="5"/>
                                             </p:txEl>
                                           </p:spTgt>
                                         </p:tgtEl>
@@ -18405,7 +18013,7 @@
                                         <p:tgtEl>
                                           <p:spTgt spid="243">
                                             <p:txEl>
-                                              <p:pRg st="4" end="4"/>
+                                              <p:pRg st="6" end="6"/>
                                             </p:txEl>
                                           </p:spTgt>
                                         </p:tgtEl>
@@ -18454,7 +18062,7 @@
                                         <p:tgtEl>
                                           <p:spTgt spid="243">
                                             <p:txEl>
-                                              <p:pRg st="5" end="5"/>
+                                              <p:pRg st="7" end="7"/>
                                             </p:txEl>
                                           </p:spTgt>
                                         </p:tgtEl>
@@ -18503,7 +18111,7 @@
                                         <p:tgtEl>
                                           <p:spTgt spid="243">
                                             <p:txEl>
-                                              <p:pRg st="6" end="6"/>
+                                              <p:pRg st="8" end="8"/>
                                             </p:txEl>
                                           </p:spTgt>
                                         </p:tgtEl>
@@ -18552,7 +18160,7 @@
                                         <p:tgtEl>
                                           <p:spTgt spid="243">
                                             <p:txEl>
-                                              <p:pRg st="7" end="7"/>
+                                              <p:pRg st="9" end="9"/>
                                             </p:txEl>
                                           </p:spTgt>
                                         </p:tgtEl>
@@ -18601,7 +18209,7 @@
                                         <p:tgtEl>
                                           <p:spTgt spid="243">
                                             <p:txEl>
-                                              <p:pRg st="8" end="8"/>
+                                              <p:pRg st="10" end="10"/>
                                             </p:txEl>
                                           </p:spTgt>
                                         </p:tgtEl>
@@ -18650,7 +18258,7 @@
                                         <p:tgtEl>
                                           <p:spTgt spid="243">
                                             <p:txEl>
-                                              <p:pRg st="9" end="9"/>
+                                              <p:pRg st="11" end="11"/>
                                             </p:txEl>
                                           </p:spTgt>
                                         </p:tgtEl>
@@ -18692,104 +18300,6 @@
                                     <p:set>
                                       <p:cBhvr>
                                         <p:cTn id="46" dur="1" fill="hold">
-                                          <p:stCondLst>
-                                            <p:cond delay="0"/>
-                                          </p:stCondLst>
-                                        </p:cTn>
-                                        <p:tgtEl>
-                                          <p:spTgt spid="243">
-                                            <p:txEl>
-                                              <p:pRg st="10" end="10"/>
-                                            </p:txEl>
-                                          </p:spTgt>
-                                        </p:tgtEl>
-                                        <p:attrNameLst>
-                                          <p:attrName>style.visibility</p:attrName>
-                                        </p:attrNameLst>
-                                      </p:cBhvr>
-                                      <p:to>
-                                        <p:strVal val="visible"/>
-                                      </p:to>
-                                    </p:set>
-                                  </p:childTnLst>
-                                </p:cTn>
-                              </p:par>
-                            </p:childTnLst>
-                          </p:cTn>
-                        </p:par>
-                      </p:childTnLst>
-                    </p:cTn>
-                  </p:par>
-                  <p:par>
-                    <p:cTn id="47" fill="hold">
-                      <p:stCondLst>
-                        <p:cond delay="indefinite"/>
-                      </p:stCondLst>
-                      <p:childTnLst>
-                        <p:par>
-                          <p:cTn id="48" fill="hold">
-                            <p:stCondLst>
-                              <p:cond delay="0"/>
-                            </p:stCondLst>
-                            <p:childTnLst>
-                              <p:par>
-                                <p:cTn id="49" presetID="1" presetClass="entr" presetSubtype="0" fill="hold" nodeType="clickEffect">
-                                  <p:stCondLst>
-                                    <p:cond delay="0"/>
-                                  </p:stCondLst>
-                                  <p:childTnLst>
-                                    <p:set>
-                                      <p:cBhvr>
-                                        <p:cTn id="50" dur="1" fill="hold">
-                                          <p:stCondLst>
-                                            <p:cond delay="0"/>
-                                          </p:stCondLst>
-                                        </p:cTn>
-                                        <p:tgtEl>
-                                          <p:spTgt spid="243">
-                                            <p:txEl>
-                                              <p:pRg st="11" end="11"/>
-                                            </p:txEl>
-                                          </p:spTgt>
-                                        </p:tgtEl>
-                                        <p:attrNameLst>
-                                          <p:attrName>style.visibility</p:attrName>
-                                        </p:attrNameLst>
-                                      </p:cBhvr>
-                                      <p:to>
-                                        <p:strVal val="visible"/>
-                                      </p:to>
-                                    </p:set>
-                                  </p:childTnLst>
-                                </p:cTn>
-                              </p:par>
-                            </p:childTnLst>
-                          </p:cTn>
-                        </p:par>
-                      </p:childTnLst>
-                    </p:cTn>
-                  </p:par>
-                  <p:par>
-                    <p:cTn id="51" fill="hold">
-                      <p:stCondLst>
-                        <p:cond delay="indefinite"/>
-                      </p:stCondLst>
-                      <p:childTnLst>
-                        <p:par>
-                          <p:cTn id="52" fill="hold">
-                            <p:stCondLst>
-                              <p:cond delay="0"/>
-                            </p:stCondLst>
-                            <p:childTnLst>
-                              <p:par>
-                                <p:cTn id="53" presetID="1" presetClass="entr" presetSubtype="0" fill="hold" nodeType="clickEffect">
-                                  <p:stCondLst>
-                                    <p:cond delay="0"/>
-                                  </p:stCondLst>
-                                  <p:childTnLst>
-                                    <p:set>
-                                      <p:cBhvr>
-                                        <p:cTn id="54" dur="1" fill="hold">
                                           <p:stCondLst>
                                             <p:cond delay="0"/>
                                           </p:stCondLst>
@@ -18936,9 +18446,9 @@
         <p:grpSpPr>
           <a:xfrm>
             <a:off x="4028613" y="2611475"/>
-            <a:ext cx="4212350" cy="1017600"/>
+            <a:ext cx="4443845" cy="1017600"/>
             <a:chOff x="4028613" y="2611475"/>
-            <a:chExt cx="4212350" cy="1017600"/>
+            <a:chExt cx="4443845" cy="1017600"/>
           </a:xfrm>
         </p:grpSpPr>
         <p:cxnSp>
@@ -19001,8 +18511,8 @@
           </p:nvSpPr>
           <p:spPr>
             <a:xfrm>
-              <a:off x="5744363" y="2935475"/>
-              <a:ext cx="2496600" cy="693600"/>
+              <a:off x="5744362" y="2935475"/>
+              <a:ext cx="2728096" cy="693600"/>
             </a:xfrm>
             <a:prstGeom prst="roundRect">
               <a:avLst>
@@ -19038,15 +18548,24 @@
                 <a:buNone/>
               </a:pPr>
               <a:r>
-                <a:rPr lang="en" b="1">
+                <a:rPr lang="en" b="1" dirty="0" err="1">
                   <a:latin typeface="Courier New"/>
                   <a:ea typeface="Courier New"/>
                   <a:cs typeface="Courier New"/>
                   <a:sym typeface="Courier New"/>
                 </a:rPr>
-                <a:t>func draw(bot, size)</a:t>
+                <a:t>func</a:t>
               </a:r>
-              <a:endParaRPr b="1">
+              <a:r>
+                <a:rPr lang="en" b="1" dirty="0">
+                  <a:latin typeface="Courier New"/>
+                  <a:ea typeface="Courier New"/>
+                  <a:cs typeface="Courier New"/>
+                  <a:sym typeface="Courier New"/>
+                </a:rPr>
+                <a:t> draw(shape, size)</a:t>
+              </a:r>
+              <a:endParaRPr b="1" dirty="0">
                 <a:latin typeface="Courier New"/>
                 <a:ea typeface="Courier New"/>
                 <a:cs typeface="Courier New"/>
@@ -19064,7 +18583,7 @@
                 <a:buNone/>
               </a:pPr>
               <a:r>
-                <a:rPr lang="en" b="1">
+                <a:rPr lang="en" b="1" dirty="0" err="1">
                   <a:solidFill>
                     <a:schemeClr val="dk1"/>
                   </a:solidFill>
@@ -19073,9 +18592,21 @@
                   <a:cs typeface="Courier New"/>
                   <a:sym typeface="Courier New"/>
                 </a:rPr>
-                <a:t>func search(q)</a:t>
+                <a:t>func</a:t>
               </a:r>
-              <a:endParaRPr b="1">
+              <a:r>
+                <a:rPr lang="en" b="1" dirty="0">
+                  <a:solidFill>
+                    <a:schemeClr val="dk1"/>
+                  </a:solidFill>
+                  <a:latin typeface="Courier New"/>
+                  <a:ea typeface="Courier New"/>
+                  <a:cs typeface="Courier New"/>
+                  <a:sym typeface="Courier New"/>
+                </a:rPr>
+                <a:t> search(q)</a:t>
+              </a:r>
+              <a:endParaRPr b="1" dirty="0">
                 <a:latin typeface="Courier New"/>
                 <a:ea typeface="Courier New"/>
                 <a:cs typeface="Courier New"/>
@@ -19355,7 +18886,7 @@
                 <a:buNone/>
               </a:pPr>
               <a:r>
-                <a:rPr lang="en" b="1">
+                <a:rPr lang="en" b="1" dirty="0">
                   <a:latin typeface="Courier New"/>
                   <a:ea typeface="Courier New"/>
                   <a:cs typeface="Courier New"/>
@@ -19363,7 +18894,7 @@
                 </a:rPr>
                 <a:t>/</a:t>
               </a:r>
-              <a:endParaRPr b="1">
+              <a:endParaRPr b="1" dirty="0">
                 <a:latin typeface="Courier New"/>
                 <a:ea typeface="Courier New"/>
                 <a:cs typeface="Courier New"/>
@@ -19381,7 +18912,7 @@
                 <a:buNone/>
               </a:pPr>
               <a:r>
-                <a:rPr lang="en" b="1">
+                <a:rPr lang="en" b="1" dirty="0">
                   <a:latin typeface="Courier New"/>
                   <a:ea typeface="Courier New"/>
                   <a:cs typeface="Courier New"/>
@@ -19389,7 +18920,7 @@
                 </a:rPr>
                 <a:t>├── /pictures</a:t>
               </a:r>
-              <a:endParaRPr b="1">
+              <a:endParaRPr b="1" dirty="0">
                 <a:latin typeface="Courier New"/>
                 <a:ea typeface="Courier New"/>
                 <a:cs typeface="Courier New"/>
@@ -19407,15 +18938,15 @@
                 <a:buNone/>
               </a:pPr>
               <a:r>
-                <a:rPr lang="en" b="1">
+                <a:rPr lang="en" b="1" dirty="0">
                   <a:latin typeface="Courier New"/>
                   <a:ea typeface="Courier New"/>
                   <a:cs typeface="Courier New"/>
                   <a:sym typeface="Courier New"/>
                 </a:rPr>
-                <a:t>    ├── evanbot.jpg</a:t>
+                <a:t>    ├── 1.jpg</a:t>
               </a:r>
-              <a:endParaRPr b="1">
+              <a:endParaRPr b="1" dirty="0">
                 <a:latin typeface="Courier New"/>
                 <a:ea typeface="Courier New"/>
                 <a:cs typeface="Courier New"/>
@@ -19433,7 +18964,7 @@
                 <a:buNone/>
               </a:pPr>
               <a:r>
-                <a:rPr lang="en" b="1">
+                <a:rPr lang="en" b="1" dirty="0">
                   <a:solidFill>
                     <a:schemeClr val="dk1"/>
                   </a:solidFill>
@@ -19442,9 +18973,9 @@
                   <a:cs typeface="Courier New"/>
                   <a:sym typeface="Courier New"/>
                 </a:rPr>
-                <a:t>    └── codabot.jpg</a:t>
+                <a:t>    └── 2.jpg</a:t>
               </a:r>
-              <a:endParaRPr b="1">
+              <a:endParaRPr b="1" dirty="0">
                 <a:latin typeface="Courier New"/>
                 <a:ea typeface="Courier New"/>
                 <a:cs typeface="Courier New"/>
@@ -19462,7 +18993,7 @@
                 <a:buNone/>
               </a:pPr>
               <a:r>
-                <a:rPr lang="en" b="1">
+                <a:rPr lang="en" b="1" dirty="0">
                   <a:latin typeface="Courier New"/>
                   <a:ea typeface="Courier New"/>
                   <a:cs typeface="Courier New"/>
@@ -19470,7 +19001,7 @@
                 </a:rPr>
                 <a:t>├── /secrets</a:t>
               </a:r>
-              <a:endParaRPr b="1">
+              <a:endParaRPr b="1" dirty="0">
                 <a:latin typeface="Courier New"/>
                 <a:ea typeface="Courier New"/>
                 <a:cs typeface="Courier New"/>
@@ -19488,7 +19019,7 @@
                 <a:buNone/>
               </a:pPr>
               <a:r>
-                <a:rPr lang="en" b="1">
+                <a:rPr lang="en" b="1" dirty="0">
                   <a:solidFill>
                     <a:schemeClr val="dk1"/>
                   </a:solidFill>
@@ -19497,9 +19028,21 @@
                   <a:cs typeface="Courier New"/>
                   <a:sym typeface="Courier New"/>
                 </a:rPr>
-                <a:t>    ├── passwords.txt</a:t>
+                <a:t>    ├── </a:t>
               </a:r>
-              <a:endParaRPr b="1">
+              <a:r>
+                <a:rPr lang="en" b="1" dirty="0" err="1">
+                  <a:solidFill>
+                    <a:schemeClr val="dk1"/>
+                  </a:solidFill>
+                  <a:latin typeface="Courier New"/>
+                  <a:ea typeface="Courier New"/>
+                  <a:cs typeface="Courier New"/>
+                  <a:sym typeface="Courier New"/>
+                </a:rPr>
+                <a:t>passwords.txt</a:t>
+              </a:r>
+              <a:endParaRPr b="1" dirty="0">
                 <a:solidFill>
                   <a:schemeClr val="dk1"/>
                 </a:solidFill>
@@ -19520,7 +19063,7 @@
                 <a:buNone/>
               </a:pPr>
               <a:r>
-                <a:rPr lang="en" b="1">
+                <a:rPr lang="en" b="1" dirty="0">
                   <a:solidFill>
                     <a:schemeClr val="dk1"/>
                   </a:solidFill>
@@ -19529,9 +19072,21 @@
                   <a:cs typeface="Courier New"/>
                   <a:sym typeface="Courier New"/>
                 </a:rPr>
-                <a:t>    └── evanbot.py</a:t>
+                <a:t>    └── </a:t>
               </a:r>
-              <a:endParaRPr b="1">
+              <a:r>
+                <a:rPr lang="en" b="1" dirty="0" err="1">
+                  <a:solidFill>
+                    <a:schemeClr val="dk1"/>
+                  </a:solidFill>
+                  <a:latin typeface="Courier New"/>
+                  <a:ea typeface="Courier New"/>
+                  <a:cs typeface="Courier New"/>
+                  <a:sym typeface="Courier New"/>
+                </a:rPr>
+                <a:t>secrets.py</a:t>
+              </a:r>
+              <a:endParaRPr b="1" dirty="0">
                 <a:latin typeface="Courier New"/>
                 <a:ea typeface="Courier New"/>
                 <a:cs typeface="Courier New"/>
@@ -19549,15 +19104,33 @@
                 <a:buNone/>
               </a:pPr>
               <a:r>
-                <a:rPr lang="en" b="1">
+                <a:rPr lang="en" b="1" dirty="0">
                   <a:latin typeface="Courier New"/>
                   <a:ea typeface="Courier New"/>
                   <a:cs typeface="Courier New"/>
                   <a:sym typeface="Courier New"/>
                 </a:rPr>
-                <a:t>├── /draw?bot=__&amp;size=__</a:t>
+                <a:t>├── /</a:t>
               </a:r>
-              <a:endParaRPr b="1">
+              <a:r>
+                <a:rPr lang="en" b="1" dirty="0" err="1">
+                  <a:latin typeface="Courier New"/>
+                  <a:ea typeface="Courier New"/>
+                  <a:cs typeface="Courier New"/>
+                  <a:sym typeface="Courier New"/>
+                </a:rPr>
+                <a:t>draw?shape</a:t>
+              </a:r>
+              <a:r>
+                <a:rPr lang="en" b="1" dirty="0">
+                  <a:latin typeface="Courier New"/>
+                  <a:ea typeface="Courier New"/>
+                  <a:cs typeface="Courier New"/>
+                  <a:sym typeface="Courier New"/>
+                </a:rPr>
+                <a:t>=__&amp;size=__</a:t>
+              </a:r>
+              <a:endParaRPr b="1" dirty="0">
                 <a:latin typeface="Courier New"/>
                 <a:ea typeface="Courier New"/>
                 <a:cs typeface="Courier New"/>
@@ -19575,7 +19148,7 @@
                 <a:buNone/>
               </a:pPr>
               <a:r>
-                <a:rPr lang="en" b="1">
+                <a:rPr lang="en" b="1" dirty="0">
                   <a:solidFill>
                     <a:schemeClr val="dk1"/>
                   </a:solidFill>
@@ -19584,9 +19157,33 @@
                   <a:cs typeface="Courier New"/>
                   <a:sym typeface="Courier New"/>
                 </a:rPr>
-                <a:t>└── /search?q=__</a:t>
+                <a:t>└── /</a:t>
               </a:r>
-              <a:endParaRPr b="1">
+              <a:r>
+                <a:rPr lang="en" b="1" dirty="0" err="1">
+                  <a:solidFill>
+                    <a:schemeClr val="dk1"/>
+                  </a:solidFill>
+                  <a:latin typeface="Courier New"/>
+                  <a:ea typeface="Courier New"/>
+                  <a:cs typeface="Courier New"/>
+                  <a:sym typeface="Courier New"/>
+                </a:rPr>
+                <a:t>search?q</a:t>
+              </a:r>
+              <a:r>
+                <a:rPr lang="en" b="1" dirty="0">
+                  <a:solidFill>
+                    <a:schemeClr val="dk1"/>
+                  </a:solidFill>
+                  <a:latin typeface="Courier New"/>
+                  <a:ea typeface="Courier New"/>
+                  <a:cs typeface="Courier New"/>
+                  <a:sym typeface="Courier New"/>
+                </a:rPr>
+                <a:t>=__</a:t>
+              </a:r>
+              <a:endParaRPr b="1" dirty="0">
                 <a:latin typeface="Courier New"/>
                 <a:ea typeface="Courier New"/>
                 <a:cs typeface="Courier New"/>
@@ -19713,10 +19310,12 @@
                   <a:t>Server: </a:t>
                 </a:r>
                 <a:r>
-                  <a:rPr lang="en" dirty="0" err="1">
+                  <a:rPr lang="en" b="1" dirty="0" err="1">
                     <a:solidFill>
                       <a:schemeClr val="dk1"/>
                     </a:solidFill>
+                    <a:latin typeface="Courier New" panose="02070309020205020404" pitchFamily="49" charset="0"/>
+                    <a:cs typeface="Courier New" panose="02070309020205020404" pitchFamily="49" charset="0"/>
                   </a:rPr>
                   <a:t>www.</a:t>
                 </a:r>
@@ -19725,14 +19324,28 @@
                     <a:solidFill>
                       <a:schemeClr val="dk1"/>
                     </a:solidFill>
-                    <a:latin typeface="Courier New"/>
-                    <a:ea typeface="Courier New"/>
-                    <a:cs typeface="Courier New"/>
+                    <a:latin typeface="Courier New" panose="02070309020205020404" pitchFamily="49" charset="0"/>
+                    <a:cs typeface="Courier New" panose="02070309020205020404" pitchFamily="49" charset="0"/>
                     <a:sym typeface="Courier New"/>
                   </a:rPr>
-                  <a:t>evanbot.com</a:t>
+                  <a:t>test</a:t>
                 </a:r>
-                <a:endParaRPr dirty="0"/>
+                <a:r>
+                  <a:rPr lang="en" b="1" dirty="0" err="1">
+                    <a:solidFill>
+                      <a:schemeClr val="dk1"/>
+                    </a:solidFill>
+                    <a:latin typeface="Courier New" panose="02070309020205020404" pitchFamily="49" charset="0"/>
+                    <a:ea typeface="Courier New"/>
+                    <a:cs typeface="Courier New" panose="02070309020205020404" pitchFamily="49" charset="0"/>
+                    <a:sym typeface="Courier New"/>
+                  </a:rPr>
+                  <a:t>.com</a:t>
+                </a:r>
+                <a:endParaRPr b="1" dirty="0">
+                  <a:latin typeface="Courier New" panose="02070309020205020404" pitchFamily="49" charset="0"/>
+                  <a:cs typeface="Courier New" panose="02070309020205020404" pitchFamily="49" charset="0"/>
+                </a:endParaRPr>
               </a:p>
             </p:txBody>
           </p:sp>
@@ -20087,728 +19700,6 @@
       </p:sp>
       <p:sp>
         <p:nvSpPr>
-          <p:cNvPr id="272" name="Google Shape;272;p41"/>
-          <p:cNvSpPr/>
-          <p:nvPr/>
-        </p:nvSpPr>
-        <p:spPr>
-          <a:xfrm>
-            <a:off x="485038" y="2258875"/>
-            <a:ext cx="1025400" cy="615300"/>
-          </a:xfrm>
-          <a:prstGeom prst="roundRect">
-            <a:avLst>
-              <a:gd name="adj" fmla="val 16667"/>
-            </a:avLst>
-          </a:prstGeom>
-          <a:solidFill>
-            <a:schemeClr val="lt2"/>
-          </a:solidFill>
-          <a:ln w="9525" cap="flat" cmpd="sng">
-            <a:solidFill>
-              <a:schemeClr val="dk2"/>
-            </a:solidFill>
-            <a:prstDash val="solid"/>
-            <a:round/>
-            <a:headEnd type="none" w="sm" len="sm"/>
-            <a:tailEnd type="none" w="sm" len="sm"/>
-          </a:ln>
-        </p:spPr>
-        <p:txBody>
-          <a:bodyPr spcFirstLastPara="1" wrap="square" lIns="91425" tIns="91425" rIns="91425" bIns="91425" anchor="ctr" anchorCtr="0">
-            <a:noAutofit/>
-          </a:bodyPr>
-          <a:lstStyle/>
-          <a:p>
-            <a:pPr marL="0" lvl="0" indent="0" algn="ctr" rtl="0">
-              <a:spcBef>
-                <a:spcPts val="0"/>
-              </a:spcBef>
-              <a:spcAft>
-                <a:spcPts val="0"/>
-              </a:spcAft>
-              <a:buNone/>
-            </a:pPr>
-            <a:r>
-              <a:rPr lang="en"/>
-              <a:t>Browser</a:t>
-            </a:r>
-            <a:endParaRPr/>
-          </a:p>
-        </p:txBody>
-      </p:sp>
-      <p:sp>
-        <p:nvSpPr>
-          <p:cNvPr id="273" name="Google Shape;273;p41"/>
-          <p:cNvSpPr/>
-          <p:nvPr/>
-        </p:nvSpPr>
-        <p:spPr>
-          <a:xfrm>
-            <a:off x="2040238" y="1428775"/>
-            <a:ext cx="3239100" cy="2275500"/>
-          </a:xfrm>
-          <a:prstGeom prst="roundRect">
-            <a:avLst>
-              <a:gd name="adj" fmla="val 6309"/>
-            </a:avLst>
-          </a:prstGeom>
-          <a:solidFill>
-            <a:schemeClr val="lt2"/>
-          </a:solidFill>
-          <a:ln w="9525" cap="flat" cmpd="sng">
-            <a:solidFill>
-              <a:schemeClr val="dk2"/>
-            </a:solidFill>
-            <a:prstDash val="solid"/>
-            <a:round/>
-            <a:headEnd type="none" w="sm" len="sm"/>
-            <a:tailEnd type="none" w="sm" len="sm"/>
-          </a:ln>
-        </p:spPr>
-        <p:txBody>
-          <a:bodyPr spcFirstLastPara="1" wrap="square" lIns="91425" tIns="91425" rIns="91425" bIns="91425" anchor="t" anchorCtr="0">
-            <a:noAutofit/>
-          </a:bodyPr>
-          <a:lstStyle/>
-          <a:p>
-            <a:pPr marL="0" lvl="0" indent="0" algn="l" rtl="0">
-              <a:spcBef>
-                <a:spcPts val="0"/>
-              </a:spcBef>
-              <a:spcAft>
-                <a:spcPts val="0"/>
-              </a:spcAft>
-              <a:buNone/>
-            </a:pPr>
-            <a:r>
-              <a:rPr lang="en" b="1">
-                <a:solidFill>
-                  <a:srgbClr val="FF0000"/>
-                </a:solidFill>
-                <a:latin typeface="Courier New"/>
-                <a:ea typeface="Courier New"/>
-                <a:cs typeface="Courier New"/>
-                <a:sym typeface="Courier New"/>
-              </a:rPr>
-              <a:t>/</a:t>
-            </a:r>
-            <a:endParaRPr b="1">
-              <a:solidFill>
-                <a:srgbClr val="FF0000"/>
-              </a:solidFill>
-              <a:latin typeface="Courier New"/>
-              <a:ea typeface="Courier New"/>
-              <a:cs typeface="Courier New"/>
-              <a:sym typeface="Courier New"/>
-            </a:endParaRPr>
-          </a:p>
-          <a:p>
-            <a:pPr marL="0" lvl="0" indent="0" algn="l" rtl="0">
-              <a:spcBef>
-                <a:spcPts val="0"/>
-              </a:spcBef>
-              <a:spcAft>
-                <a:spcPts val="0"/>
-              </a:spcAft>
-              <a:buNone/>
-            </a:pPr>
-            <a:r>
-              <a:rPr lang="en" b="1">
-                <a:solidFill>
-                  <a:srgbClr val="FF0000"/>
-                </a:solidFill>
-                <a:latin typeface="Courier New"/>
-                <a:ea typeface="Courier New"/>
-                <a:cs typeface="Courier New"/>
-                <a:sym typeface="Courier New"/>
-              </a:rPr>
-              <a:t>├── /pictures</a:t>
-            </a:r>
-            <a:endParaRPr b="1">
-              <a:solidFill>
-                <a:srgbClr val="FF0000"/>
-              </a:solidFill>
-              <a:latin typeface="Courier New"/>
-              <a:ea typeface="Courier New"/>
-              <a:cs typeface="Courier New"/>
-              <a:sym typeface="Courier New"/>
-            </a:endParaRPr>
-          </a:p>
-          <a:p>
-            <a:pPr marL="0" lvl="0" indent="0" algn="l" rtl="0">
-              <a:spcBef>
-                <a:spcPts val="0"/>
-              </a:spcBef>
-              <a:spcAft>
-                <a:spcPts val="0"/>
-              </a:spcAft>
-              <a:buNone/>
-            </a:pPr>
-            <a:r>
-              <a:rPr lang="en" b="1">
-                <a:latin typeface="Courier New"/>
-                <a:ea typeface="Courier New"/>
-                <a:cs typeface="Courier New"/>
-                <a:sym typeface="Courier New"/>
-              </a:rPr>
-              <a:t>    </a:t>
-            </a:r>
-            <a:r>
-              <a:rPr lang="en" b="1">
-                <a:solidFill>
-                  <a:srgbClr val="FF0000"/>
-                </a:solidFill>
-                <a:latin typeface="Courier New"/>
-                <a:ea typeface="Courier New"/>
-                <a:cs typeface="Courier New"/>
-                <a:sym typeface="Courier New"/>
-              </a:rPr>
-              <a:t>├── evanbot.jpg</a:t>
-            </a:r>
-            <a:endParaRPr b="1">
-              <a:solidFill>
-                <a:srgbClr val="FF0000"/>
-              </a:solidFill>
-              <a:latin typeface="Courier New"/>
-              <a:ea typeface="Courier New"/>
-              <a:cs typeface="Courier New"/>
-              <a:sym typeface="Courier New"/>
-            </a:endParaRPr>
-          </a:p>
-          <a:p>
-            <a:pPr marL="0" lvl="0" indent="0" algn="l" rtl="0">
-              <a:spcBef>
-                <a:spcPts val="0"/>
-              </a:spcBef>
-              <a:spcAft>
-                <a:spcPts val="0"/>
-              </a:spcAft>
-              <a:buNone/>
-            </a:pPr>
-            <a:r>
-              <a:rPr lang="en" b="1">
-                <a:solidFill>
-                  <a:schemeClr val="dk1"/>
-                </a:solidFill>
-                <a:latin typeface="Courier New"/>
-                <a:ea typeface="Courier New"/>
-                <a:cs typeface="Courier New"/>
-                <a:sym typeface="Courier New"/>
-              </a:rPr>
-              <a:t>    └── codabot.jpg</a:t>
-            </a:r>
-            <a:endParaRPr b="1">
-              <a:latin typeface="Courier New"/>
-              <a:ea typeface="Courier New"/>
-              <a:cs typeface="Courier New"/>
-              <a:sym typeface="Courier New"/>
-            </a:endParaRPr>
-          </a:p>
-          <a:p>
-            <a:pPr marL="0" lvl="0" indent="0" algn="l" rtl="0">
-              <a:spcBef>
-                <a:spcPts val="0"/>
-              </a:spcBef>
-              <a:spcAft>
-                <a:spcPts val="0"/>
-              </a:spcAft>
-              <a:buNone/>
-            </a:pPr>
-            <a:r>
-              <a:rPr lang="en" b="1">
-                <a:latin typeface="Courier New"/>
-                <a:ea typeface="Courier New"/>
-                <a:cs typeface="Courier New"/>
-                <a:sym typeface="Courier New"/>
-              </a:rPr>
-              <a:t>├── /secrets</a:t>
-            </a:r>
-            <a:endParaRPr b="1">
-              <a:latin typeface="Courier New"/>
-              <a:ea typeface="Courier New"/>
-              <a:cs typeface="Courier New"/>
-              <a:sym typeface="Courier New"/>
-            </a:endParaRPr>
-          </a:p>
-          <a:p>
-            <a:pPr marL="0" lvl="0" indent="0" algn="l" rtl="0">
-              <a:spcBef>
-                <a:spcPts val="0"/>
-              </a:spcBef>
-              <a:spcAft>
-                <a:spcPts val="0"/>
-              </a:spcAft>
-              <a:buNone/>
-            </a:pPr>
-            <a:r>
-              <a:rPr lang="en" b="1">
-                <a:solidFill>
-                  <a:schemeClr val="dk1"/>
-                </a:solidFill>
-                <a:latin typeface="Courier New"/>
-                <a:ea typeface="Courier New"/>
-                <a:cs typeface="Courier New"/>
-                <a:sym typeface="Courier New"/>
-              </a:rPr>
-              <a:t>    ├── passwords.txt</a:t>
-            </a:r>
-            <a:endParaRPr b="1">
-              <a:solidFill>
-                <a:schemeClr val="dk1"/>
-              </a:solidFill>
-              <a:latin typeface="Courier New"/>
-              <a:ea typeface="Courier New"/>
-              <a:cs typeface="Courier New"/>
-              <a:sym typeface="Courier New"/>
-            </a:endParaRPr>
-          </a:p>
-          <a:p>
-            <a:pPr marL="0" lvl="0" indent="0" algn="l" rtl="0">
-              <a:spcBef>
-                <a:spcPts val="0"/>
-              </a:spcBef>
-              <a:spcAft>
-                <a:spcPts val="0"/>
-              </a:spcAft>
-              <a:buNone/>
-            </a:pPr>
-            <a:r>
-              <a:rPr lang="en" b="1">
-                <a:solidFill>
-                  <a:schemeClr val="dk1"/>
-                </a:solidFill>
-                <a:latin typeface="Courier New"/>
-                <a:ea typeface="Courier New"/>
-                <a:cs typeface="Courier New"/>
-                <a:sym typeface="Courier New"/>
-              </a:rPr>
-              <a:t>    └── evanbot.py</a:t>
-            </a:r>
-            <a:endParaRPr b="1">
-              <a:latin typeface="Courier New"/>
-              <a:ea typeface="Courier New"/>
-              <a:cs typeface="Courier New"/>
-              <a:sym typeface="Courier New"/>
-            </a:endParaRPr>
-          </a:p>
-          <a:p>
-            <a:pPr marL="0" lvl="0" indent="0" algn="l" rtl="0">
-              <a:spcBef>
-                <a:spcPts val="0"/>
-              </a:spcBef>
-              <a:spcAft>
-                <a:spcPts val="0"/>
-              </a:spcAft>
-              <a:buNone/>
-            </a:pPr>
-            <a:r>
-              <a:rPr lang="en" b="1">
-                <a:latin typeface="Courier New"/>
-                <a:ea typeface="Courier New"/>
-                <a:cs typeface="Courier New"/>
-                <a:sym typeface="Courier New"/>
-              </a:rPr>
-              <a:t>├── /draw?bot=__&amp;size=__</a:t>
-            </a:r>
-            <a:endParaRPr b="1">
-              <a:latin typeface="Courier New"/>
-              <a:ea typeface="Courier New"/>
-              <a:cs typeface="Courier New"/>
-              <a:sym typeface="Courier New"/>
-            </a:endParaRPr>
-          </a:p>
-          <a:p>
-            <a:pPr marL="0" lvl="0" indent="0" algn="l" rtl="0">
-              <a:spcBef>
-                <a:spcPts val="0"/>
-              </a:spcBef>
-              <a:spcAft>
-                <a:spcPts val="0"/>
-              </a:spcAft>
-              <a:buNone/>
-            </a:pPr>
-            <a:r>
-              <a:rPr lang="en" b="1">
-                <a:solidFill>
-                  <a:schemeClr val="dk1"/>
-                </a:solidFill>
-                <a:latin typeface="Courier New"/>
-                <a:ea typeface="Courier New"/>
-                <a:cs typeface="Courier New"/>
-                <a:sym typeface="Courier New"/>
-              </a:rPr>
-              <a:t>└── /search?q=__</a:t>
-            </a:r>
-            <a:endParaRPr b="1">
-              <a:latin typeface="Courier New"/>
-              <a:ea typeface="Courier New"/>
-              <a:cs typeface="Courier New"/>
-              <a:sym typeface="Courier New"/>
-            </a:endParaRPr>
-          </a:p>
-        </p:txBody>
-      </p:sp>
-      <p:cxnSp>
-        <p:nvCxnSpPr>
-          <p:cNvPr id="274" name="Google Shape;274;p41"/>
-          <p:cNvCxnSpPr>
-            <a:stCxn id="272" idx="3"/>
-            <a:endCxn id="273" idx="1"/>
-          </p:cNvCxnSpPr>
-          <p:nvPr/>
-        </p:nvCxnSpPr>
-        <p:spPr>
-          <a:xfrm>
-            <a:off x="1510438" y="2566525"/>
-            <a:ext cx="529800" cy="0"/>
-          </a:xfrm>
-          <a:prstGeom prst="straightConnector1">
-            <a:avLst/>
-          </a:prstGeom>
-          <a:noFill/>
-          <a:ln w="9525" cap="flat" cmpd="sng">
-            <a:solidFill>
-              <a:srgbClr val="FF0000"/>
-            </a:solidFill>
-            <a:prstDash val="solid"/>
-            <a:round/>
-            <a:headEnd type="triangle" w="med" len="med"/>
-            <a:tailEnd type="triangle" w="med" len="med"/>
-          </a:ln>
-        </p:spPr>
-      </p:cxnSp>
-      <p:sp>
-        <p:nvSpPr>
-          <p:cNvPr id="275" name="Google Shape;275;p41"/>
-          <p:cNvSpPr txBox="1"/>
-          <p:nvPr/>
-        </p:nvSpPr>
-        <p:spPr>
-          <a:xfrm>
-            <a:off x="2040238" y="3737100"/>
-            <a:ext cx="6200700" cy="400200"/>
-          </a:xfrm>
-          <a:prstGeom prst="rect">
-            <a:avLst/>
-          </a:prstGeom>
-          <a:noFill/>
-          <a:ln>
-            <a:noFill/>
-          </a:ln>
-        </p:spPr>
-        <p:txBody>
-          <a:bodyPr spcFirstLastPara="1" wrap="square" lIns="91425" tIns="91425" rIns="91425" bIns="91425" anchor="t" anchorCtr="0">
-            <a:spAutoFit/>
-          </a:bodyPr>
-          <a:lstStyle/>
-          <a:p>
-            <a:pPr marL="0" lvl="0" indent="0" algn="ctr" rtl="0">
-              <a:spcBef>
-                <a:spcPts val="0"/>
-              </a:spcBef>
-              <a:spcAft>
-                <a:spcPts val="0"/>
-              </a:spcAft>
-              <a:buNone/>
-            </a:pPr>
-            <a:r>
-              <a:rPr lang="en" dirty="0">
-                <a:solidFill>
-                  <a:schemeClr val="dk1"/>
-                </a:solidFill>
-              </a:rPr>
-              <a:t>Server: </a:t>
-            </a:r>
-            <a:r>
-              <a:rPr lang="en" dirty="0" err="1">
-                <a:solidFill>
-                  <a:schemeClr val="dk1"/>
-                </a:solidFill>
-              </a:rPr>
-              <a:t>www.</a:t>
-            </a:r>
-            <a:r>
-              <a:rPr lang="en" b="1" dirty="0" err="1">
-                <a:solidFill>
-                  <a:schemeClr val="dk1"/>
-                </a:solidFill>
-                <a:latin typeface="Courier New"/>
-                <a:ea typeface="Courier New"/>
-                <a:cs typeface="Courier New"/>
-                <a:sym typeface="Courier New"/>
-              </a:rPr>
-              <a:t>evanbot.com</a:t>
-            </a:r>
-            <a:endParaRPr dirty="0"/>
-          </a:p>
-        </p:txBody>
-      </p:sp>
-      <p:cxnSp>
-        <p:nvCxnSpPr>
-          <p:cNvPr id="276" name="Google Shape;276;p41"/>
-          <p:cNvCxnSpPr/>
-          <p:nvPr/>
-        </p:nvCxnSpPr>
-        <p:spPr>
-          <a:xfrm>
-            <a:off x="4732767" y="3177200"/>
-            <a:ext cx="1011600" cy="0"/>
-          </a:xfrm>
-          <a:prstGeom prst="straightConnector1">
-            <a:avLst/>
-          </a:prstGeom>
-          <a:noFill/>
-          <a:ln w="9525" cap="flat" cmpd="sng">
-            <a:solidFill>
-              <a:schemeClr val="dk2"/>
-            </a:solidFill>
-            <a:prstDash val="solid"/>
-            <a:round/>
-            <a:headEnd type="triangle" w="med" len="med"/>
-            <a:tailEnd type="triangle" w="med" len="med"/>
-          </a:ln>
-        </p:spPr>
-      </p:cxnSp>
-      <p:cxnSp>
-        <p:nvCxnSpPr>
-          <p:cNvPr id="277" name="Google Shape;277;p41"/>
-          <p:cNvCxnSpPr/>
-          <p:nvPr/>
-        </p:nvCxnSpPr>
-        <p:spPr>
-          <a:xfrm>
-            <a:off x="4028613" y="3425350"/>
-            <a:ext cx="1715700" cy="0"/>
-          </a:xfrm>
-          <a:prstGeom prst="straightConnector1">
-            <a:avLst/>
-          </a:prstGeom>
-          <a:noFill/>
-          <a:ln w="9525" cap="flat" cmpd="sng">
-            <a:solidFill>
-              <a:schemeClr val="dk2"/>
-            </a:solidFill>
-            <a:prstDash val="solid"/>
-            <a:round/>
-            <a:headEnd type="triangle" w="med" len="med"/>
-            <a:tailEnd type="triangle" w="med" len="med"/>
-          </a:ln>
-        </p:spPr>
-      </p:cxnSp>
-      <p:sp>
-        <p:nvSpPr>
-          <p:cNvPr id="278" name="Google Shape;278;p41"/>
-          <p:cNvSpPr/>
-          <p:nvPr/>
-        </p:nvSpPr>
-        <p:spPr>
-          <a:xfrm>
-            <a:off x="5744363" y="2935475"/>
-            <a:ext cx="2496600" cy="693600"/>
-          </a:xfrm>
-          <a:prstGeom prst="roundRect">
-            <a:avLst>
-              <a:gd name="adj" fmla="val 20419"/>
-            </a:avLst>
-          </a:prstGeom>
-          <a:solidFill>
-            <a:schemeClr val="lt2"/>
-          </a:solidFill>
-          <a:ln w="9525" cap="flat" cmpd="sng">
-            <a:solidFill>
-              <a:schemeClr val="dk2"/>
-            </a:solidFill>
-            <a:prstDash val="solid"/>
-            <a:round/>
-            <a:headEnd type="none" w="sm" len="sm"/>
-            <a:tailEnd type="none" w="sm" len="sm"/>
-          </a:ln>
-        </p:spPr>
-        <p:txBody>
-          <a:bodyPr spcFirstLastPara="1" wrap="square" lIns="91425" tIns="91425" rIns="91425" bIns="91425" anchor="t" anchorCtr="0">
-            <a:noAutofit/>
-          </a:bodyPr>
-          <a:lstStyle/>
-          <a:p>
-            <a:pPr marL="0" lvl="0" indent="0" algn="l" rtl="0">
-              <a:spcBef>
-                <a:spcPts val="0"/>
-              </a:spcBef>
-              <a:spcAft>
-                <a:spcPts val="0"/>
-              </a:spcAft>
-              <a:buNone/>
-            </a:pPr>
-            <a:r>
-              <a:rPr lang="en" b="1">
-                <a:latin typeface="Courier New"/>
-                <a:ea typeface="Courier New"/>
-                <a:cs typeface="Courier New"/>
-                <a:sym typeface="Courier New"/>
-              </a:rPr>
-              <a:t>func draw(bot, size)</a:t>
-            </a:r>
-            <a:endParaRPr b="1">
-              <a:latin typeface="Courier New"/>
-              <a:ea typeface="Courier New"/>
-              <a:cs typeface="Courier New"/>
-              <a:sym typeface="Courier New"/>
-            </a:endParaRPr>
-          </a:p>
-          <a:p>
-            <a:pPr marL="0" lvl="0" indent="0" algn="l" rtl="0">
-              <a:spcBef>
-                <a:spcPts val="0"/>
-              </a:spcBef>
-              <a:spcAft>
-                <a:spcPts val="0"/>
-              </a:spcAft>
-              <a:buNone/>
-            </a:pPr>
-            <a:r>
-              <a:rPr lang="en" b="1">
-                <a:solidFill>
-                  <a:schemeClr val="dk1"/>
-                </a:solidFill>
-                <a:latin typeface="Courier New"/>
-                <a:ea typeface="Courier New"/>
-                <a:cs typeface="Courier New"/>
-                <a:sym typeface="Courier New"/>
-              </a:rPr>
-              <a:t>func search(q)</a:t>
-            </a:r>
-            <a:endParaRPr b="1">
-              <a:latin typeface="Courier New"/>
-              <a:ea typeface="Courier New"/>
-              <a:cs typeface="Courier New"/>
-              <a:sym typeface="Courier New"/>
-            </a:endParaRPr>
-          </a:p>
-        </p:txBody>
-      </p:sp>
-      <p:cxnSp>
-        <p:nvCxnSpPr>
-          <p:cNvPr id="279" name="Google Shape;279;p41"/>
-          <p:cNvCxnSpPr>
-            <a:stCxn id="275" idx="1"/>
-          </p:cNvCxnSpPr>
-          <p:nvPr/>
-        </p:nvCxnSpPr>
-        <p:spPr>
-          <a:xfrm>
-            <a:off x="2040238" y="3937200"/>
-            <a:ext cx="1968000" cy="0"/>
-          </a:xfrm>
-          <a:prstGeom prst="straightConnector1">
-            <a:avLst/>
-          </a:prstGeom>
-          <a:noFill/>
-          <a:ln w="9525" cap="flat" cmpd="sng">
-            <a:solidFill>
-              <a:schemeClr val="dk2"/>
-            </a:solidFill>
-            <a:prstDash val="solid"/>
-            <a:round/>
-            <a:headEnd type="none" w="med" len="med"/>
-            <a:tailEnd type="none" w="med" len="med"/>
-          </a:ln>
-        </p:spPr>
-      </p:cxnSp>
-      <p:sp>
-        <p:nvSpPr>
-          <p:cNvPr id="280" name="Google Shape;280;p41"/>
-          <p:cNvSpPr txBox="1"/>
-          <p:nvPr/>
-        </p:nvSpPr>
-        <p:spPr>
-          <a:xfrm>
-            <a:off x="2040238" y="1104775"/>
-            <a:ext cx="3239100" cy="400200"/>
-          </a:xfrm>
-          <a:prstGeom prst="rect">
-            <a:avLst/>
-          </a:prstGeom>
-          <a:noFill/>
-          <a:ln>
-            <a:noFill/>
-          </a:ln>
-        </p:spPr>
-        <p:txBody>
-          <a:bodyPr spcFirstLastPara="1" wrap="square" lIns="91425" tIns="91425" rIns="91425" bIns="91425" anchor="t" anchorCtr="0">
-            <a:spAutoFit/>
-          </a:bodyPr>
-          <a:lstStyle/>
-          <a:p>
-            <a:pPr marL="0" lvl="0" indent="0" algn="ctr" rtl="0">
-              <a:spcBef>
-                <a:spcPts val="0"/>
-              </a:spcBef>
-              <a:spcAft>
-                <a:spcPts val="0"/>
-              </a:spcAft>
-              <a:buNone/>
-            </a:pPr>
-            <a:r>
-              <a:rPr lang="en">
-                <a:solidFill>
-                  <a:schemeClr val="dk1"/>
-                </a:solidFill>
-              </a:rPr>
-              <a:t>Filesystem</a:t>
-            </a:r>
-            <a:endParaRPr/>
-          </a:p>
-        </p:txBody>
-      </p:sp>
-      <p:sp>
-        <p:nvSpPr>
-          <p:cNvPr id="281" name="Google Shape;281;p41"/>
-          <p:cNvSpPr txBox="1"/>
-          <p:nvPr/>
-        </p:nvSpPr>
-        <p:spPr>
-          <a:xfrm>
-            <a:off x="5744363" y="2611475"/>
-            <a:ext cx="2496600" cy="400200"/>
-          </a:xfrm>
-          <a:prstGeom prst="rect">
-            <a:avLst/>
-          </a:prstGeom>
-          <a:noFill/>
-          <a:ln>
-            <a:noFill/>
-          </a:ln>
-        </p:spPr>
-        <p:txBody>
-          <a:bodyPr spcFirstLastPara="1" wrap="square" lIns="91425" tIns="91425" rIns="91425" bIns="91425" anchor="t" anchorCtr="0">
-            <a:spAutoFit/>
-          </a:bodyPr>
-          <a:lstStyle/>
-          <a:p>
-            <a:pPr marL="0" lvl="0" indent="0" algn="ctr" rtl="0">
-              <a:spcBef>
-                <a:spcPts val="0"/>
-              </a:spcBef>
-              <a:spcAft>
-                <a:spcPts val="0"/>
-              </a:spcAft>
-              <a:buNone/>
-            </a:pPr>
-            <a:r>
-              <a:rPr lang="en">
-                <a:solidFill>
-                  <a:schemeClr val="dk1"/>
-                </a:solidFill>
-              </a:rPr>
-              <a:t>Backend</a:t>
-            </a:r>
-            <a:endParaRPr/>
-          </a:p>
-        </p:txBody>
-      </p:sp>
-      <p:sp>
-        <p:nvSpPr>
           <p:cNvPr id="282" name="Google Shape;282;p41"/>
           <p:cNvSpPr txBox="1"/>
           <p:nvPr/>
@@ -20900,15 +19791,33 @@
               <a:buNone/>
             </a:pPr>
             <a:r>
-              <a:rPr lang="en" b="1">
+              <a:rPr lang="en" b="1" dirty="0">
                 <a:latin typeface="Courier New"/>
                 <a:ea typeface="Courier New"/>
                 <a:cs typeface="Courier New"/>
                 <a:sym typeface="Courier New"/>
               </a:rPr>
-              <a:t>https://evanbot.com/pictures/evanbot.jpg</a:t>
-            </a:r>
-            <a:endParaRPr b="1">
+              <a:t>https://</a:t>
+            </a:r>
+            <a:r>
+              <a:rPr lang="en" b="1" dirty="0" err="1">
+                <a:latin typeface="Courier New"/>
+                <a:ea typeface="Courier New"/>
+                <a:cs typeface="Courier New"/>
+                <a:sym typeface="Courier New"/>
+              </a:rPr>
+              <a:t>test.com</a:t>
+            </a:r>
+            <a:r>
+              <a:rPr lang="en" b="1" dirty="0">
+                <a:latin typeface="Courier New"/>
+                <a:ea typeface="Courier New"/>
+                <a:cs typeface="Courier New"/>
+                <a:sym typeface="Courier New"/>
+              </a:rPr>
+              <a:t>/pictures/1.jpg</a:t>
+            </a:r>
+            <a:endParaRPr b="1" dirty="0">
               <a:latin typeface="Courier New"/>
               <a:ea typeface="Courier New"/>
               <a:cs typeface="Courier New"/>
@@ -20917,18 +19826,339 @@
           </a:p>
         </p:txBody>
       </p:sp>
+      <p:grpSp>
+        <p:nvGrpSpPr>
+          <p:cNvPr id="17" name="Google Shape;249;p40">
+            <a:extLst>
+              <a:ext uri="{FF2B5EF4-FFF2-40B4-BE49-F238E27FC236}">
+                <a16:creationId xmlns:a16="http://schemas.microsoft.com/office/drawing/2014/main" id="{BD5945AF-CD25-E0A8-4457-CE87287E6CCF}"/>
+              </a:ext>
+            </a:extLst>
+          </p:cNvPr>
+          <p:cNvGrpSpPr/>
+          <p:nvPr/>
+        </p:nvGrpSpPr>
+        <p:grpSpPr>
+          <a:xfrm>
+            <a:off x="4028613" y="2611475"/>
+            <a:ext cx="4443845" cy="1017600"/>
+            <a:chOff x="4028613" y="2611475"/>
+            <a:chExt cx="4443845" cy="1017600"/>
+          </a:xfrm>
+        </p:grpSpPr>
+        <p:cxnSp>
+          <p:nvCxnSpPr>
+            <p:cNvPr id="18" name="Google Shape;250;p40">
+              <a:extLst>
+                <a:ext uri="{FF2B5EF4-FFF2-40B4-BE49-F238E27FC236}">
+                  <a16:creationId xmlns:a16="http://schemas.microsoft.com/office/drawing/2014/main" id="{7F7BCD87-486A-E4C4-2B1B-069327DF48C4}"/>
+                </a:ext>
+              </a:extLst>
+            </p:cNvPr>
+            <p:cNvCxnSpPr/>
+            <p:nvPr/>
+          </p:nvCxnSpPr>
+          <p:spPr>
+            <a:xfrm>
+              <a:off x="4732767" y="3177200"/>
+              <a:ext cx="1011600" cy="0"/>
+            </a:xfrm>
+            <a:prstGeom prst="straightConnector1">
+              <a:avLst/>
+            </a:prstGeom>
+            <a:noFill/>
+            <a:ln w="9525" cap="flat" cmpd="sng">
+              <a:solidFill>
+                <a:schemeClr val="dk2"/>
+              </a:solidFill>
+              <a:prstDash val="solid"/>
+              <a:round/>
+              <a:headEnd type="triangle" w="med" len="med"/>
+              <a:tailEnd type="triangle" w="med" len="med"/>
+            </a:ln>
+          </p:spPr>
+        </p:cxnSp>
+        <p:cxnSp>
+          <p:nvCxnSpPr>
+            <p:cNvPr id="19" name="Google Shape;251;p40">
+              <a:extLst>
+                <a:ext uri="{FF2B5EF4-FFF2-40B4-BE49-F238E27FC236}">
+                  <a16:creationId xmlns:a16="http://schemas.microsoft.com/office/drawing/2014/main" id="{0FF26BA5-44E6-B144-FE12-93FAF9EC407D}"/>
+                </a:ext>
+              </a:extLst>
+            </p:cNvPr>
+            <p:cNvCxnSpPr/>
+            <p:nvPr/>
+          </p:nvCxnSpPr>
+          <p:spPr>
+            <a:xfrm>
+              <a:off x="4028613" y="3425350"/>
+              <a:ext cx="1715700" cy="0"/>
+            </a:xfrm>
+            <a:prstGeom prst="straightConnector1">
+              <a:avLst/>
+            </a:prstGeom>
+            <a:noFill/>
+            <a:ln w="9525" cap="flat" cmpd="sng">
+              <a:solidFill>
+                <a:schemeClr val="dk2"/>
+              </a:solidFill>
+              <a:prstDash val="solid"/>
+              <a:round/>
+              <a:headEnd type="triangle" w="med" len="med"/>
+              <a:tailEnd type="triangle" w="med" len="med"/>
+            </a:ln>
+          </p:spPr>
+        </p:cxnSp>
+        <p:sp>
+          <p:nvSpPr>
+            <p:cNvPr id="20" name="Google Shape;252;p40">
+              <a:extLst>
+                <a:ext uri="{FF2B5EF4-FFF2-40B4-BE49-F238E27FC236}">
+                  <a16:creationId xmlns:a16="http://schemas.microsoft.com/office/drawing/2014/main" id="{8924C16C-FCCA-89A7-D3BE-44CFF2C9D5E7}"/>
+                </a:ext>
+              </a:extLst>
+            </p:cNvPr>
+            <p:cNvSpPr/>
+            <p:nvPr/>
+          </p:nvSpPr>
+          <p:spPr>
+            <a:xfrm>
+              <a:off x="5744362" y="2935475"/>
+              <a:ext cx="2728096" cy="693600"/>
+            </a:xfrm>
+            <a:prstGeom prst="roundRect">
+              <a:avLst>
+                <a:gd name="adj" fmla="val 20419"/>
+              </a:avLst>
+            </a:prstGeom>
+            <a:solidFill>
+              <a:schemeClr val="lt2"/>
+            </a:solidFill>
+            <a:ln w="9525" cap="flat" cmpd="sng">
+              <a:solidFill>
+                <a:schemeClr val="dk2"/>
+              </a:solidFill>
+              <a:prstDash val="solid"/>
+              <a:round/>
+              <a:headEnd type="none" w="sm" len="sm"/>
+              <a:tailEnd type="none" w="sm" len="sm"/>
+            </a:ln>
+          </p:spPr>
+          <p:txBody>
+            <a:bodyPr spcFirstLastPara="1" wrap="square" lIns="91425" tIns="91425" rIns="91425" bIns="91425" anchor="t" anchorCtr="0">
+              <a:noAutofit/>
+            </a:bodyPr>
+            <a:lstStyle/>
+            <a:p>
+              <a:pPr marL="0" lvl="0" indent="0" algn="l" rtl="0">
+                <a:spcBef>
+                  <a:spcPts val="0"/>
+                </a:spcBef>
+                <a:spcAft>
+                  <a:spcPts val="0"/>
+                </a:spcAft>
+                <a:buNone/>
+              </a:pPr>
+              <a:r>
+                <a:rPr lang="en" b="1" dirty="0" err="1">
+                  <a:latin typeface="Courier New"/>
+                  <a:ea typeface="Courier New"/>
+                  <a:cs typeface="Courier New"/>
+                  <a:sym typeface="Courier New"/>
+                </a:rPr>
+                <a:t>func</a:t>
+              </a:r>
+              <a:r>
+                <a:rPr lang="en" b="1" dirty="0">
+                  <a:latin typeface="Courier New"/>
+                  <a:ea typeface="Courier New"/>
+                  <a:cs typeface="Courier New"/>
+                  <a:sym typeface="Courier New"/>
+                </a:rPr>
+                <a:t> draw(shape, size)</a:t>
+              </a:r>
+              <a:endParaRPr b="1" dirty="0">
+                <a:latin typeface="Courier New"/>
+                <a:ea typeface="Courier New"/>
+                <a:cs typeface="Courier New"/>
+                <a:sym typeface="Courier New"/>
+              </a:endParaRPr>
+            </a:p>
+            <a:p>
+              <a:pPr marL="0" lvl="0" indent="0" algn="l" rtl="0">
+                <a:spcBef>
+                  <a:spcPts val="0"/>
+                </a:spcBef>
+                <a:spcAft>
+                  <a:spcPts val="0"/>
+                </a:spcAft>
+                <a:buNone/>
+              </a:pPr>
+              <a:r>
+                <a:rPr lang="en" b="1" dirty="0" err="1">
+                  <a:solidFill>
+                    <a:schemeClr val="dk1"/>
+                  </a:solidFill>
+                  <a:latin typeface="Courier New"/>
+                  <a:ea typeface="Courier New"/>
+                  <a:cs typeface="Courier New"/>
+                  <a:sym typeface="Courier New"/>
+                </a:rPr>
+                <a:t>func</a:t>
+              </a:r>
+              <a:r>
+                <a:rPr lang="en" b="1" dirty="0">
+                  <a:solidFill>
+                    <a:schemeClr val="dk1"/>
+                  </a:solidFill>
+                  <a:latin typeface="Courier New"/>
+                  <a:ea typeface="Courier New"/>
+                  <a:cs typeface="Courier New"/>
+                  <a:sym typeface="Courier New"/>
+                </a:rPr>
+                <a:t> search(q)</a:t>
+              </a:r>
+              <a:endParaRPr b="1" dirty="0">
+                <a:latin typeface="Courier New"/>
+                <a:ea typeface="Courier New"/>
+                <a:cs typeface="Courier New"/>
+                <a:sym typeface="Courier New"/>
+              </a:endParaRPr>
+            </a:p>
+          </p:txBody>
+        </p:sp>
+        <p:sp>
+          <p:nvSpPr>
+            <p:cNvPr id="21" name="Google Shape;253;p40">
+              <a:extLst>
+                <a:ext uri="{FF2B5EF4-FFF2-40B4-BE49-F238E27FC236}">
+                  <a16:creationId xmlns:a16="http://schemas.microsoft.com/office/drawing/2014/main" id="{5E11423A-8A0E-1253-A0FC-A009932EA8B2}"/>
+                </a:ext>
+              </a:extLst>
+            </p:cNvPr>
+            <p:cNvSpPr txBox="1"/>
+            <p:nvPr/>
+          </p:nvSpPr>
+          <p:spPr>
+            <a:xfrm>
+              <a:off x="5744363" y="2611475"/>
+              <a:ext cx="2496600" cy="400200"/>
+            </a:xfrm>
+            <a:prstGeom prst="rect">
+              <a:avLst/>
+            </a:prstGeom>
+            <a:noFill/>
+            <a:ln>
+              <a:noFill/>
+            </a:ln>
+          </p:spPr>
+          <p:txBody>
+            <a:bodyPr spcFirstLastPara="1" wrap="square" lIns="91425" tIns="91425" rIns="91425" bIns="91425" anchor="t" anchorCtr="0">
+              <a:spAutoFit/>
+            </a:bodyPr>
+            <a:lstStyle/>
+            <a:p>
+              <a:pPr marL="0" lvl="0" indent="0" algn="ctr" rtl="0">
+                <a:spcBef>
+                  <a:spcPts val="0"/>
+                </a:spcBef>
+                <a:spcAft>
+                  <a:spcPts val="0"/>
+                </a:spcAft>
+                <a:buNone/>
+              </a:pPr>
+              <a:r>
+                <a:rPr lang="en">
+                  <a:solidFill>
+                    <a:schemeClr val="dk1"/>
+                  </a:solidFill>
+                </a:rPr>
+                <a:t>Backend</a:t>
+              </a:r>
+              <a:endParaRPr/>
+            </a:p>
+          </p:txBody>
+        </p:sp>
+      </p:grpSp>
+      <p:sp>
+        <p:nvSpPr>
+          <p:cNvPr id="22" name="Google Shape;256;p40">
+            <a:extLst>
+              <a:ext uri="{FF2B5EF4-FFF2-40B4-BE49-F238E27FC236}">
+                <a16:creationId xmlns:a16="http://schemas.microsoft.com/office/drawing/2014/main" id="{F53BFDA3-C8E0-622D-42AF-514FAE195BDC}"/>
+              </a:ext>
+            </a:extLst>
+          </p:cNvPr>
+          <p:cNvSpPr/>
+          <p:nvPr/>
+        </p:nvSpPr>
+        <p:spPr>
+          <a:xfrm>
+            <a:off x="485038" y="2258875"/>
+            <a:ext cx="1025400" cy="615300"/>
+          </a:xfrm>
+          <a:prstGeom prst="roundRect">
+            <a:avLst>
+              <a:gd name="adj" fmla="val 16667"/>
+            </a:avLst>
+          </a:prstGeom>
+          <a:solidFill>
+            <a:schemeClr val="lt2"/>
+          </a:solidFill>
+          <a:ln w="9525" cap="flat" cmpd="sng">
+            <a:solidFill>
+              <a:schemeClr val="dk2"/>
+            </a:solidFill>
+            <a:prstDash val="solid"/>
+            <a:round/>
+            <a:headEnd type="none" w="sm" len="sm"/>
+            <a:tailEnd type="none" w="sm" len="sm"/>
+          </a:ln>
+        </p:spPr>
+        <p:txBody>
+          <a:bodyPr spcFirstLastPara="1" wrap="square" lIns="91425" tIns="91425" rIns="91425" bIns="91425" anchor="ctr" anchorCtr="0">
+            <a:noAutofit/>
+          </a:bodyPr>
+          <a:lstStyle/>
+          <a:p>
+            <a:pPr marL="0" lvl="0" indent="0" algn="ctr" rtl="0">
+              <a:spcBef>
+                <a:spcPts val="0"/>
+              </a:spcBef>
+              <a:spcAft>
+                <a:spcPts val="0"/>
+              </a:spcAft>
+              <a:buNone/>
+            </a:pPr>
+            <a:r>
+              <a:rPr lang="en"/>
+              <a:t>Browser</a:t>
+            </a:r>
+            <a:endParaRPr/>
+          </a:p>
+        </p:txBody>
+      </p:sp>
       <p:cxnSp>
         <p:nvCxnSpPr>
-          <p:cNvPr id="284" name="Google Shape;284;p41"/>
+          <p:cNvPr id="23" name="Google Shape;257;p40">
+            <a:extLst>
+              <a:ext uri="{FF2B5EF4-FFF2-40B4-BE49-F238E27FC236}">
+                <a16:creationId xmlns:a16="http://schemas.microsoft.com/office/drawing/2014/main" id="{9561AB27-A7FE-E94E-99BD-02A49629522F}"/>
+              </a:ext>
+            </a:extLst>
+          </p:cNvPr>
           <p:cNvCxnSpPr>
-            <a:endCxn id="275" idx="3"/>
+            <a:cxnSpLocks/>
+            <a:stCxn id="22" idx="3"/>
+            <a:endCxn id="25" idx="1"/>
           </p:cNvCxnSpPr>
           <p:nvPr/>
         </p:nvCxnSpPr>
         <p:spPr>
           <a:xfrm>
-            <a:off x="6272938" y="3937200"/>
-            <a:ext cx="1968000" cy="0"/>
+            <a:off x="1510438" y="2566525"/>
+            <a:ext cx="529800" cy="0"/>
           </a:xfrm>
           <a:prstGeom prst="straightConnector1">
             <a:avLst/>
@@ -20936,15 +20166,661 @@
           <a:noFill/>
           <a:ln w="9525" cap="flat" cmpd="sng">
             <a:solidFill>
-              <a:schemeClr val="dk2"/>
+              <a:srgbClr val="FF0000"/>
             </a:solidFill>
             <a:prstDash val="solid"/>
             <a:round/>
-            <a:headEnd type="none" w="med" len="med"/>
-            <a:tailEnd type="none" w="med" len="med"/>
+            <a:headEnd type="triangle" w="med" len="med"/>
+            <a:tailEnd type="triangle" w="med" len="med"/>
           </a:ln>
         </p:spPr>
       </p:cxnSp>
+      <p:grpSp>
+        <p:nvGrpSpPr>
+          <p:cNvPr id="24" name="Google Shape;259;p40">
+            <a:extLst>
+              <a:ext uri="{FF2B5EF4-FFF2-40B4-BE49-F238E27FC236}">
+                <a16:creationId xmlns:a16="http://schemas.microsoft.com/office/drawing/2014/main" id="{70D4F341-AEAE-36B7-7C5E-54D8662BC638}"/>
+              </a:ext>
+            </a:extLst>
+          </p:cNvPr>
+          <p:cNvGrpSpPr/>
+          <p:nvPr/>
+        </p:nvGrpSpPr>
+        <p:grpSpPr>
+          <a:xfrm>
+            <a:off x="2040238" y="1104775"/>
+            <a:ext cx="3239100" cy="2599500"/>
+            <a:chOff x="2040238" y="1104775"/>
+            <a:chExt cx="3239100" cy="2599500"/>
+          </a:xfrm>
+        </p:grpSpPr>
+        <p:sp>
+          <p:nvSpPr>
+            <p:cNvPr id="25" name="Google Shape;258;p40">
+              <a:extLst>
+                <a:ext uri="{FF2B5EF4-FFF2-40B4-BE49-F238E27FC236}">
+                  <a16:creationId xmlns:a16="http://schemas.microsoft.com/office/drawing/2014/main" id="{6E26FFBC-4B91-837E-9E73-09DC0EEE965D}"/>
+                </a:ext>
+              </a:extLst>
+            </p:cNvPr>
+            <p:cNvSpPr/>
+            <p:nvPr/>
+          </p:nvSpPr>
+          <p:spPr>
+            <a:xfrm>
+              <a:off x="2040238" y="1428775"/>
+              <a:ext cx="3239100" cy="2275500"/>
+            </a:xfrm>
+            <a:prstGeom prst="roundRect">
+              <a:avLst>
+                <a:gd name="adj" fmla="val 6309"/>
+              </a:avLst>
+            </a:prstGeom>
+            <a:solidFill>
+              <a:schemeClr val="lt2"/>
+            </a:solidFill>
+            <a:ln w="9525" cap="flat" cmpd="sng">
+              <a:solidFill>
+                <a:schemeClr val="dk2"/>
+              </a:solidFill>
+              <a:prstDash val="solid"/>
+              <a:round/>
+              <a:headEnd type="none" w="sm" len="sm"/>
+              <a:tailEnd type="none" w="sm" len="sm"/>
+            </a:ln>
+          </p:spPr>
+          <p:txBody>
+            <a:bodyPr spcFirstLastPara="1" wrap="square" lIns="91425" tIns="91425" rIns="91425" bIns="91425" anchor="t" anchorCtr="0">
+              <a:noAutofit/>
+            </a:bodyPr>
+            <a:lstStyle/>
+            <a:p>
+              <a:pPr marL="0" lvl="0" indent="0" algn="l" rtl="0">
+                <a:spcBef>
+                  <a:spcPts val="0"/>
+                </a:spcBef>
+                <a:spcAft>
+                  <a:spcPts val="0"/>
+                </a:spcAft>
+                <a:buNone/>
+              </a:pPr>
+              <a:r>
+                <a:rPr lang="en" b="1" dirty="0">
+                  <a:solidFill>
+                    <a:srgbClr val="FF0000"/>
+                  </a:solidFill>
+                  <a:latin typeface="Courier New"/>
+                  <a:ea typeface="Courier New"/>
+                  <a:cs typeface="Courier New"/>
+                  <a:sym typeface="Courier New"/>
+                </a:rPr>
+                <a:t>/</a:t>
+              </a:r>
+              <a:endParaRPr b="1" dirty="0">
+                <a:solidFill>
+                  <a:srgbClr val="FF0000"/>
+                </a:solidFill>
+                <a:latin typeface="Courier New"/>
+                <a:ea typeface="Courier New"/>
+                <a:cs typeface="Courier New"/>
+                <a:sym typeface="Courier New"/>
+              </a:endParaRPr>
+            </a:p>
+            <a:p>
+              <a:pPr marL="0" lvl="0" indent="0" algn="l" rtl="0">
+                <a:spcBef>
+                  <a:spcPts val="0"/>
+                </a:spcBef>
+                <a:spcAft>
+                  <a:spcPts val="0"/>
+                </a:spcAft>
+                <a:buNone/>
+              </a:pPr>
+              <a:r>
+                <a:rPr lang="en" b="1" dirty="0">
+                  <a:solidFill>
+                    <a:srgbClr val="FF0000"/>
+                  </a:solidFill>
+                  <a:latin typeface="Courier New"/>
+                  <a:ea typeface="Courier New"/>
+                  <a:cs typeface="Courier New"/>
+                  <a:sym typeface="Courier New"/>
+                </a:rPr>
+                <a:t>├── /pictures</a:t>
+              </a:r>
+              <a:endParaRPr b="1" dirty="0">
+                <a:solidFill>
+                  <a:srgbClr val="FF0000"/>
+                </a:solidFill>
+                <a:latin typeface="Courier New"/>
+                <a:ea typeface="Courier New"/>
+                <a:cs typeface="Courier New"/>
+                <a:sym typeface="Courier New"/>
+              </a:endParaRPr>
+            </a:p>
+            <a:p>
+              <a:pPr marL="0" lvl="0" indent="0" algn="l" rtl="0">
+                <a:spcBef>
+                  <a:spcPts val="0"/>
+                </a:spcBef>
+                <a:spcAft>
+                  <a:spcPts val="0"/>
+                </a:spcAft>
+                <a:buNone/>
+              </a:pPr>
+              <a:r>
+                <a:rPr lang="en" b="1" dirty="0">
+                  <a:solidFill>
+                    <a:srgbClr val="FF0000"/>
+                  </a:solidFill>
+                  <a:latin typeface="Courier New"/>
+                  <a:ea typeface="Courier New"/>
+                  <a:cs typeface="Courier New"/>
+                  <a:sym typeface="Courier New"/>
+                </a:rPr>
+                <a:t>    ├── 1.jpg</a:t>
+              </a:r>
+              <a:endParaRPr b="1" dirty="0">
+                <a:solidFill>
+                  <a:srgbClr val="FF0000"/>
+                </a:solidFill>
+                <a:latin typeface="Courier New"/>
+                <a:ea typeface="Courier New"/>
+                <a:cs typeface="Courier New"/>
+                <a:sym typeface="Courier New"/>
+              </a:endParaRPr>
+            </a:p>
+            <a:p>
+              <a:pPr marL="0" lvl="0" indent="0" algn="l" rtl="0">
+                <a:spcBef>
+                  <a:spcPts val="0"/>
+                </a:spcBef>
+                <a:spcAft>
+                  <a:spcPts val="0"/>
+                </a:spcAft>
+                <a:buNone/>
+              </a:pPr>
+              <a:r>
+                <a:rPr lang="en" b="1" dirty="0">
+                  <a:solidFill>
+                    <a:schemeClr val="dk1"/>
+                  </a:solidFill>
+                  <a:latin typeface="Courier New"/>
+                  <a:ea typeface="Courier New"/>
+                  <a:cs typeface="Courier New"/>
+                  <a:sym typeface="Courier New"/>
+                </a:rPr>
+                <a:t>    └── 2.jpg</a:t>
+              </a:r>
+              <a:endParaRPr b="1" dirty="0">
+                <a:latin typeface="Courier New"/>
+                <a:ea typeface="Courier New"/>
+                <a:cs typeface="Courier New"/>
+                <a:sym typeface="Courier New"/>
+              </a:endParaRPr>
+            </a:p>
+            <a:p>
+              <a:pPr marL="0" lvl="0" indent="0" algn="l" rtl="0">
+                <a:spcBef>
+                  <a:spcPts val="0"/>
+                </a:spcBef>
+                <a:spcAft>
+                  <a:spcPts val="0"/>
+                </a:spcAft>
+                <a:buNone/>
+              </a:pPr>
+              <a:r>
+                <a:rPr lang="en" b="1" dirty="0">
+                  <a:latin typeface="Courier New"/>
+                  <a:ea typeface="Courier New"/>
+                  <a:cs typeface="Courier New"/>
+                  <a:sym typeface="Courier New"/>
+                </a:rPr>
+                <a:t>├── /secrets</a:t>
+              </a:r>
+              <a:endParaRPr b="1" dirty="0">
+                <a:latin typeface="Courier New"/>
+                <a:ea typeface="Courier New"/>
+                <a:cs typeface="Courier New"/>
+                <a:sym typeface="Courier New"/>
+              </a:endParaRPr>
+            </a:p>
+            <a:p>
+              <a:pPr marL="0" lvl="0" indent="0" algn="l" rtl="0">
+                <a:spcBef>
+                  <a:spcPts val="0"/>
+                </a:spcBef>
+                <a:spcAft>
+                  <a:spcPts val="0"/>
+                </a:spcAft>
+                <a:buNone/>
+              </a:pPr>
+              <a:r>
+                <a:rPr lang="en" b="1" dirty="0">
+                  <a:solidFill>
+                    <a:schemeClr val="dk1"/>
+                  </a:solidFill>
+                  <a:latin typeface="Courier New"/>
+                  <a:ea typeface="Courier New"/>
+                  <a:cs typeface="Courier New"/>
+                  <a:sym typeface="Courier New"/>
+                </a:rPr>
+                <a:t>    ├── </a:t>
+              </a:r>
+              <a:r>
+                <a:rPr lang="en" b="1" dirty="0" err="1">
+                  <a:solidFill>
+                    <a:schemeClr val="dk1"/>
+                  </a:solidFill>
+                  <a:latin typeface="Courier New"/>
+                  <a:ea typeface="Courier New"/>
+                  <a:cs typeface="Courier New"/>
+                  <a:sym typeface="Courier New"/>
+                </a:rPr>
+                <a:t>passwords.txt</a:t>
+              </a:r>
+              <a:endParaRPr b="1" dirty="0">
+                <a:solidFill>
+                  <a:schemeClr val="dk1"/>
+                </a:solidFill>
+                <a:latin typeface="Courier New"/>
+                <a:ea typeface="Courier New"/>
+                <a:cs typeface="Courier New"/>
+                <a:sym typeface="Courier New"/>
+              </a:endParaRPr>
+            </a:p>
+            <a:p>
+              <a:pPr marL="0" lvl="0" indent="0" algn="l" rtl="0">
+                <a:spcBef>
+                  <a:spcPts val="0"/>
+                </a:spcBef>
+                <a:spcAft>
+                  <a:spcPts val="0"/>
+                </a:spcAft>
+                <a:buNone/>
+              </a:pPr>
+              <a:r>
+                <a:rPr lang="en" b="1" dirty="0">
+                  <a:solidFill>
+                    <a:schemeClr val="dk1"/>
+                  </a:solidFill>
+                  <a:latin typeface="Courier New"/>
+                  <a:ea typeface="Courier New"/>
+                  <a:cs typeface="Courier New"/>
+                  <a:sym typeface="Courier New"/>
+                </a:rPr>
+                <a:t>    └── </a:t>
+              </a:r>
+              <a:r>
+                <a:rPr lang="en" b="1" dirty="0" err="1">
+                  <a:solidFill>
+                    <a:schemeClr val="dk1"/>
+                  </a:solidFill>
+                  <a:latin typeface="Courier New"/>
+                  <a:ea typeface="Courier New"/>
+                  <a:cs typeface="Courier New"/>
+                  <a:sym typeface="Courier New"/>
+                </a:rPr>
+                <a:t>secrets.py</a:t>
+              </a:r>
+              <a:endParaRPr b="1" dirty="0">
+                <a:latin typeface="Courier New"/>
+                <a:ea typeface="Courier New"/>
+                <a:cs typeface="Courier New"/>
+                <a:sym typeface="Courier New"/>
+              </a:endParaRPr>
+            </a:p>
+            <a:p>
+              <a:pPr marL="0" lvl="0" indent="0" algn="l" rtl="0">
+                <a:spcBef>
+                  <a:spcPts val="0"/>
+                </a:spcBef>
+                <a:spcAft>
+                  <a:spcPts val="0"/>
+                </a:spcAft>
+                <a:buNone/>
+              </a:pPr>
+              <a:r>
+                <a:rPr lang="en" b="1" dirty="0">
+                  <a:latin typeface="Courier New"/>
+                  <a:ea typeface="Courier New"/>
+                  <a:cs typeface="Courier New"/>
+                  <a:sym typeface="Courier New"/>
+                </a:rPr>
+                <a:t>├── /</a:t>
+              </a:r>
+              <a:r>
+                <a:rPr lang="en" b="1" dirty="0" err="1">
+                  <a:latin typeface="Courier New"/>
+                  <a:ea typeface="Courier New"/>
+                  <a:cs typeface="Courier New"/>
+                  <a:sym typeface="Courier New"/>
+                </a:rPr>
+                <a:t>draw?shape</a:t>
+              </a:r>
+              <a:r>
+                <a:rPr lang="en" b="1" dirty="0">
+                  <a:latin typeface="Courier New"/>
+                  <a:ea typeface="Courier New"/>
+                  <a:cs typeface="Courier New"/>
+                  <a:sym typeface="Courier New"/>
+                </a:rPr>
+                <a:t>=__&amp;size=__</a:t>
+              </a:r>
+              <a:endParaRPr b="1" dirty="0">
+                <a:latin typeface="Courier New"/>
+                <a:ea typeface="Courier New"/>
+                <a:cs typeface="Courier New"/>
+                <a:sym typeface="Courier New"/>
+              </a:endParaRPr>
+            </a:p>
+            <a:p>
+              <a:pPr marL="0" lvl="0" indent="0" algn="l" rtl="0">
+                <a:spcBef>
+                  <a:spcPts val="0"/>
+                </a:spcBef>
+                <a:spcAft>
+                  <a:spcPts val="0"/>
+                </a:spcAft>
+                <a:buNone/>
+              </a:pPr>
+              <a:r>
+                <a:rPr lang="en" b="1" dirty="0">
+                  <a:solidFill>
+                    <a:schemeClr val="dk1"/>
+                  </a:solidFill>
+                  <a:latin typeface="Courier New"/>
+                  <a:ea typeface="Courier New"/>
+                  <a:cs typeface="Courier New"/>
+                  <a:sym typeface="Courier New"/>
+                </a:rPr>
+                <a:t>└── /</a:t>
+              </a:r>
+              <a:r>
+                <a:rPr lang="en" b="1" dirty="0" err="1">
+                  <a:solidFill>
+                    <a:schemeClr val="dk1"/>
+                  </a:solidFill>
+                  <a:latin typeface="Courier New"/>
+                  <a:ea typeface="Courier New"/>
+                  <a:cs typeface="Courier New"/>
+                  <a:sym typeface="Courier New"/>
+                </a:rPr>
+                <a:t>search?q</a:t>
+              </a:r>
+              <a:r>
+                <a:rPr lang="en" b="1" dirty="0">
+                  <a:solidFill>
+                    <a:schemeClr val="dk1"/>
+                  </a:solidFill>
+                  <a:latin typeface="Courier New"/>
+                  <a:ea typeface="Courier New"/>
+                  <a:cs typeface="Courier New"/>
+                  <a:sym typeface="Courier New"/>
+                </a:rPr>
+                <a:t>=__</a:t>
+              </a:r>
+              <a:endParaRPr b="1" dirty="0">
+                <a:latin typeface="Courier New"/>
+                <a:ea typeface="Courier New"/>
+                <a:cs typeface="Courier New"/>
+                <a:sym typeface="Courier New"/>
+              </a:endParaRPr>
+            </a:p>
+          </p:txBody>
+        </p:sp>
+        <p:sp>
+          <p:nvSpPr>
+            <p:cNvPr id="26" name="Google Shape;260;p40">
+              <a:extLst>
+                <a:ext uri="{FF2B5EF4-FFF2-40B4-BE49-F238E27FC236}">
+                  <a16:creationId xmlns:a16="http://schemas.microsoft.com/office/drawing/2014/main" id="{A5332330-FD5F-6B6E-C055-1468685513F5}"/>
+                </a:ext>
+              </a:extLst>
+            </p:cNvPr>
+            <p:cNvSpPr txBox="1"/>
+            <p:nvPr/>
+          </p:nvSpPr>
+          <p:spPr>
+            <a:xfrm>
+              <a:off x="2040238" y="1104775"/>
+              <a:ext cx="3239100" cy="400200"/>
+            </a:xfrm>
+            <a:prstGeom prst="rect">
+              <a:avLst/>
+            </a:prstGeom>
+            <a:noFill/>
+            <a:ln>
+              <a:noFill/>
+            </a:ln>
+          </p:spPr>
+          <p:txBody>
+            <a:bodyPr spcFirstLastPara="1" wrap="square" lIns="91425" tIns="91425" rIns="91425" bIns="91425" anchor="t" anchorCtr="0">
+              <a:spAutoFit/>
+            </a:bodyPr>
+            <a:lstStyle/>
+            <a:p>
+              <a:pPr marL="0" lvl="0" indent="0" algn="ctr" rtl="0">
+                <a:spcBef>
+                  <a:spcPts val="0"/>
+                </a:spcBef>
+                <a:spcAft>
+                  <a:spcPts val="0"/>
+                </a:spcAft>
+                <a:buNone/>
+              </a:pPr>
+              <a:r>
+                <a:rPr lang="en">
+                  <a:solidFill>
+                    <a:schemeClr val="dk1"/>
+                  </a:solidFill>
+                </a:rPr>
+                <a:t>Filesystem</a:t>
+              </a:r>
+              <a:endParaRPr/>
+            </a:p>
+          </p:txBody>
+        </p:sp>
+      </p:grpSp>
+      <p:grpSp>
+        <p:nvGrpSpPr>
+          <p:cNvPr id="27" name="Google Shape;261;p40">
+            <a:extLst>
+              <a:ext uri="{FF2B5EF4-FFF2-40B4-BE49-F238E27FC236}">
+                <a16:creationId xmlns:a16="http://schemas.microsoft.com/office/drawing/2014/main" id="{C5DA6042-1747-441E-2F6D-13C06F4FFCCD}"/>
+              </a:ext>
+            </a:extLst>
+          </p:cNvPr>
+          <p:cNvGrpSpPr/>
+          <p:nvPr/>
+        </p:nvGrpSpPr>
+        <p:grpSpPr>
+          <a:xfrm>
+            <a:off x="2040238" y="3737100"/>
+            <a:ext cx="6200700" cy="400200"/>
+            <a:chOff x="2040238" y="3737100"/>
+            <a:chExt cx="6200700" cy="400200"/>
+          </a:xfrm>
+        </p:grpSpPr>
+        <p:grpSp>
+          <p:nvGrpSpPr>
+            <p:cNvPr id="28" name="Google Shape;262;p40">
+              <a:extLst>
+                <a:ext uri="{FF2B5EF4-FFF2-40B4-BE49-F238E27FC236}">
+                  <a16:creationId xmlns:a16="http://schemas.microsoft.com/office/drawing/2014/main" id="{EB86859F-472B-D133-FF03-782B9035B8C0}"/>
+                </a:ext>
+              </a:extLst>
+            </p:cNvPr>
+            <p:cNvGrpSpPr/>
+            <p:nvPr/>
+          </p:nvGrpSpPr>
+          <p:grpSpPr>
+            <a:xfrm>
+              <a:off x="2040238" y="3737100"/>
+              <a:ext cx="6200700" cy="400200"/>
+              <a:chOff x="2040238" y="3737100"/>
+              <a:chExt cx="6200700" cy="400200"/>
+            </a:xfrm>
+          </p:grpSpPr>
+          <p:sp>
+            <p:nvSpPr>
+              <p:cNvPr id="30" name="Google Shape;263;p40">
+                <a:extLst>
+                  <a:ext uri="{FF2B5EF4-FFF2-40B4-BE49-F238E27FC236}">
+                    <a16:creationId xmlns:a16="http://schemas.microsoft.com/office/drawing/2014/main" id="{196EA18D-A6A1-F11E-F3A1-7C193CEDCF45}"/>
+                  </a:ext>
+                </a:extLst>
+              </p:cNvPr>
+              <p:cNvSpPr txBox="1"/>
+              <p:nvPr/>
+            </p:nvSpPr>
+            <p:spPr>
+              <a:xfrm>
+                <a:off x="2040238" y="3737100"/>
+                <a:ext cx="6200700" cy="400200"/>
+              </a:xfrm>
+              <a:prstGeom prst="rect">
+                <a:avLst/>
+              </a:prstGeom>
+              <a:noFill/>
+              <a:ln>
+                <a:noFill/>
+              </a:ln>
+            </p:spPr>
+            <p:txBody>
+              <a:bodyPr spcFirstLastPara="1" wrap="square" lIns="91425" tIns="91425" rIns="91425" bIns="91425" anchor="t" anchorCtr="0">
+                <a:spAutoFit/>
+              </a:bodyPr>
+              <a:lstStyle/>
+              <a:p>
+                <a:pPr marL="0" lvl="0" indent="0" algn="ctr" rtl="0">
+                  <a:spcBef>
+                    <a:spcPts val="0"/>
+                  </a:spcBef>
+                  <a:spcAft>
+                    <a:spcPts val="0"/>
+                  </a:spcAft>
+                  <a:buNone/>
+                </a:pPr>
+                <a:r>
+                  <a:rPr lang="en" dirty="0">
+                    <a:solidFill>
+                      <a:schemeClr val="dk1"/>
+                    </a:solidFill>
+                  </a:rPr>
+                  <a:t>Server: </a:t>
+                </a:r>
+                <a:r>
+                  <a:rPr lang="en" b="1" dirty="0" err="1">
+                    <a:solidFill>
+                      <a:schemeClr val="dk1"/>
+                    </a:solidFill>
+                    <a:latin typeface="Courier New" panose="02070309020205020404" pitchFamily="49" charset="0"/>
+                    <a:cs typeface="Courier New" panose="02070309020205020404" pitchFamily="49" charset="0"/>
+                  </a:rPr>
+                  <a:t>www.</a:t>
+                </a:r>
+                <a:r>
+                  <a:rPr lang="en" b="1" dirty="0" err="1">
+                    <a:solidFill>
+                      <a:schemeClr val="dk1"/>
+                    </a:solidFill>
+                    <a:latin typeface="Courier New" panose="02070309020205020404" pitchFamily="49" charset="0"/>
+                    <a:cs typeface="Courier New" panose="02070309020205020404" pitchFamily="49" charset="0"/>
+                    <a:sym typeface="Courier New"/>
+                  </a:rPr>
+                  <a:t>test</a:t>
+                </a:r>
+                <a:r>
+                  <a:rPr lang="en" b="1" dirty="0" err="1">
+                    <a:solidFill>
+                      <a:schemeClr val="dk1"/>
+                    </a:solidFill>
+                    <a:latin typeface="Courier New" panose="02070309020205020404" pitchFamily="49" charset="0"/>
+                    <a:ea typeface="Courier New"/>
+                    <a:cs typeface="Courier New" panose="02070309020205020404" pitchFamily="49" charset="0"/>
+                    <a:sym typeface="Courier New"/>
+                  </a:rPr>
+                  <a:t>.com</a:t>
+                </a:r>
+                <a:endParaRPr b="1" dirty="0">
+                  <a:latin typeface="Courier New" panose="02070309020205020404" pitchFamily="49" charset="0"/>
+                  <a:cs typeface="Courier New" panose="02070309020205020404" pitchFamily="49" charset="0"/>
+                </a:endParaRPr>
+              </a:p>
+            </p:txBody>
+          </p:sp>
+          <p:cxnSp>
+            <p:nvCxnSpPr>
+              <p:cNvPr id="31" name="Google Shape;264;p40">
+                <a:extLst>
+                  <a:ext uri="{FF2B5EF4-FFF2-40B4-BE49-F238E27FC236}">
+                    <a16:creationId xmlns:a16="http://schemas.microsoft.com/office/drawing/2014/main" id="{1117179B-03FC-C855-FB08-28D7E7CCA37C}"/>
+                  </a:ext>
+                </a:extLst>
+              </p:cNvPr>
+              <p:cNvCxnSpPr>
+                <a:stCxn id="30" idx="1"/>
+              </p:cNvCxnSpPr>
+              <p:nvPr/>
+            </p:nvCxnSpPr>
+            <p:spPr>
+              <a:xfrm>
+                <a:off x="2040238" y="3937200"/>
+                <a:ext cx="1968000" cy="0"/>
+              </a:xfrm>
+              <a:prstGeom prst="straightConnector1">
+                <a:avLst/>
+              </a:prstGeom>
+              <a:noFill/>
+              <a:ln w="9525" cap="flat" cmpd="sng">
+                <a:solidFill>
+                  <a:schemeClr val="dk2"/>
+                </a:solidFill>
+                <a:prstDash val="solid"/>
+                <a:round/>
+                <a:headEnd type="none" w="med" len="med"/>
+                <a:tailEnd type="none" w="med" len="med"/>
+              </a:ln>
+            </p:spPr>
+          </p:cxnSp>
+        </p:grpSp>
+        <p:cxnSp>
+          <p:nvCxnSpPr>
+            <p:cNvPr id="29" name="Google Shape;265;p40">
+              <a:extLst>
+                <a:ext uri="{FF2B5EF4-FFF2-40B4-BE49-F238E27FC236}">
+                  <a16:creationId xmlns:a16="http://schemas.microsoft.com/office/drawing/2014/main" id="{F8A628B8-B60E-0920-6504-DE177D60E6C3}"/>
+                </a:ext>
+              </a:extLst>
+            </p:cNvPr>
+            <p:cNvCxnSpPr>
+              <a:endCxn id="30" idx="3"/>
+            </p:cNvCxnSpPr>
+            <p:nvPr/>
+          </p:nvCxnSpPr>
+          <p:spPr>
+            <a:xfrm>
+              <a:off x="6272938" y="3937200"/>
+              <a:ext cx="1968000" cy="0"/>
+            </a:xfrm>
+            <a:prstGeom prst="straightConnector1">
+              <a:avLst/>
+            </a:prstGeom>
+            <a:noFill/>
+            <a:ln w="9525" cap="flat" cmpd="sng">
+              <a:solidFill>
+                <a:schemeClr val="dk2"/>
+              </a:solidFill>
+              <a:prstDash val="solid"/>
+              <a:round/>
+              <a:headEnd type="none" w="med" len="med"/>
+              <a:tailEnd type="none" w="med" len="med"/>
+            </a:ln>
+          </p:spPr>
+        </p:cxnSp>
+      </p:grpSp>
     </p:spTree>
   </p:cSld>
   <p:clrMapOvr>
@@ -20989,6 +20865,51 @@
                                               <p:pRg st="0" end="0"/>
                                             </p:txEl>
                                           </p:spTgt>
+                                        </p:tgtEl>
+                                        <p:attrNameLst>
+                                          <p:attrName>style.visibility</p:attrName>
+                                        </p:attrNameLst>
+                                      </p:cBhvr>
+                                      <p:to>
+                                        <p:strVal val="visible"/>
+                                      </p:to>
+                                    </p:set>
+                                  </p:childTnLst>
+                                </p:cTn>
+                              </p:par>
+                            </p:childTnLst>
+                          </p:cTn>
+                        </p:par>
+                      </p:childTnLst>
+                    </p:cTn>
+                  </p:par>
+                  <p:par>
+                    <p:cTn id="7" fill="hold">
+                      <p:stCondLst>
+                        <p:cond delay="indefinite"/>
+                      </p:stCondLst>
+                      <p:childTnLst>
+                        <p:par>
+                          <p:cTn id="8" fill="hold">
+                            <p:stCondLst>
+                              <p:cond delay="0"/>
+                            </p:stCondLst>
+                            <p:childTnLst>
+                              <p:par>
+                                <p:cTn id="9" presetID="1" presetClass="entr" presetSubtype="0" fill="hold" nodeType="clickEffect">
+                                  <p:stCondLst>
+                                    <p:cond delay="0"/>
+                                  </p:stCondLst>
+                                  <p:childTnLst>
+                                    <p:set>
+                                      <p:cBhvr>
+                                        <p:cTn id="10" dur="1" fill="hold">
+                                          <p:stCondLst>
+                                            <p:cond delay="0"/>
+                                          </p:stCondLst>
+                                        </p:cTn>
+                                        <p:tgtEl>
+                                          <p:spTgt spid="17"/>
                                         </p:tgtEl>
                                         <p:attrNameLst>
                                           <p:attrName>style.visibility</p:attrName>
@@ -38385,10 +38306,10 @@
               <a:buChar char="●"/>
             </a:pPr>
             <a:r>
-              <a:rPr lang="en"/>
+              <a:rPr lang="en" dirty="0"/>
               <a:t>The web was not designed with security from the start</a:t>
             </a:r>
-            <a:endParaRPr/>
+            <a:endParaRPr dirty="0"/>
           </a:p>
           <a:p>
             <a:pPr marL="457200" lvl="0" indent="-342900" algn="l" rtl="0">
@@ -38401,11 +38322,24 @@
               <a:buSzPts val="1800"/>
               <a:buChar char="●"/>
             </a:pPr>
-            <a:r>
-              <a:rPr lang="en"/>
+            <a:endParaRPr lang="en" dirty="0"/>
+          </a:p>
+          <a:p>
+            <a:pPr marL="457200" lvl="0" indent="-342900" algn="l" rtl="0">
+              <a:spcBef>
+                <a:spcPts val="0"/>
+              </a:spcBef>
+              <a:spcAft>
+                <a:spcPts val="0"/>
+              </a:spcAft>
+              <a:buSzPts val="1800"/>
+              <a:buChar char="●"/>
+            </a:pPr>
+            <a:r>
+              <a:rPr lang="en" dirty="0"/>
               <a:t>Historical design decisions can help us understand where modern security vulnerabilities originated</a:t>
             </a:r>
-            <a:endParaRPr/>
+            <a:endParaRPr dirty="0"/>
           </a:p>
         </p:txBody>
       </p:sp>
@@ -38541,7 +38475,7 @@
                                         <p:tgtEl>
                                           <p:spTgt spid="118">
                                             <p:txEl>
-                                              <p:pRg st="1" end="1"/>
+                                              <p:pRg st="2" end="2"/>
                                             </p:txEl>
                                           </p:spTgt>
                                         </p:tgtEl>
@@ -42710,10 +42644,10 @@
               <a:buChar char="●"/>
             </a:pPr>
             <a:r>
-              <a:rPr lang="en"/>
+              <a:rPr lang="en" dirty="0"/>
               <a:t>Web 1.0: The first era of websites (roughly 1991-2004)</a:t>
             </a:r>
-            <a:endParaRPr/>
+            <a:endParaRPr dirty="0"/>
           </a:p>
           <a:p>
             <a:pPr marL="457200" lvl="0" indent="-342900" algn="l" rtl="0">
@@ -42727,10 +42661,10 @@
               <a:buChar char="●"/>
             </a:pPr>
             <a:r>
-              <a:rPr lang="en"/>
+              <a:rPr lang="en" dirty="0"/>
               <a:t>Websites only contained static content</a:t>
             </a:r>
-            <a:endParaRPr/>
+            <a:endParaRPr dirty="0"/>
           </a:p>
           <a:p>
             <a:pPr marL="914400" lvl="1" indent="-317500" algn="l" rtl="0">
@@ -42744,10 +42678,10 @@
               <a:buChar char="○"/>
             </a:pPr>
             <a:r>
-              <a:rPr lang="en"/>
+              <a:rPr lang="en" dirty="0"/>
               <a:t>Documents with texts, images, etc.</a:t>
             </a:r>
-            <a:endParaRPr/>
+            <a:endParaRPr dirty="0"/>
           </a:p>
           <a:p>
             <a:pPr marL="914400" lvl="1" indent="-317500" algn="l" rtl="0">
@@ -42761,10 +42695,10 @@
               <a:buChar char="○"/>
             </a:pPr>
             <a:r>
-              <a:rPr lang="en"/>
+              <a:rPr lang="en" dirty="0"/>
               <a:t>No interactive features</a:t>
             </a:r>
-            <a:endParaRPr/>
+            <a:endParaRPr dirty="0"/>
           </a:p>
           <a:p>
             <a:pPr marL="457200" lvl="0" indent="-342900" algn="l" rtl="0">
@@ -42778,10 +42712,10 @@
               <a:buChar char="●"/>
             </a:pPr>
             <a:r>
-              <a:rPr lang="en"/>
+              <a:rPr lang="en" dirty="0"/>
               <a:t>1996: Sun Microsystems releases Java</a:t>
             </a:r>
-            <a:endParaRPr/>
+            <a:endParaRPr dirty="0"/>
           </a:p>
           <a:p>
             <a:pPr marL="914400" lvl="1" indent="-317500" algn="l" rtl="0">
@@ -42795,10 +42729,10 @@
               <a:buChar char="○"/>
             </a:pPr>
             <a:r>
-              <a:rPr lang="en"/>
+              <a:rPr lang="en" dirty="0"/>
               <a:t>Java: A programming language designed to compile to an intermediate representation and run on a lot of systems</a:t>
             </a:r>
-            <a:endParaRPr/>
+            <a:endParaRPr dirty="0"/>
           </a:p>
           <a:p>
             <a:pPr marL="914400" lvl="1" indent="-317500" algn="l" rtl="0">
@@ -42812,10 +42746,10 @@
               <a:buChar char="○"/>
             </a:pPr>
             <a:r>
-              <a:rPr lang="en"/>
+              <a:rPr lang="en" dirty="0"/>
               <a:t>Sun Microsystems built a web browser that can fetch and execute Java code</a:t>
             </a:r>
-            <a:endParaRPr/>
+            <a:endParaRPr dirty="0"/>
           </a:p>
           <a:p>
             <a:pPr marL="457200" lvl="0" indent="-342900" algn="l" rtl="0">
@@ -42829,10 +42763,10 @@
               <a:buChar char="●"/>
             </a:pPr>
             <a:r>
-              <a:rPr lang="en"/>
+              <a:rPr lang="en" dirty="0"/>
               <a:t>Problem: Java was too powerful</a:t>
             </a:r>
-            <a:endParaRPr/>
+            <a:endParaRPr dirty="0"/>
           </a:p>
           <a:p>
             <a:pPr marL="914400" lvl="1" indent="-317500" algn="l" rtl="0">
@@ -42846,10 +42780,10 @@
               <a:buChar char="○"/>
             </a:pPr>
             <a:r>
-              <a:rPr lang="en"/>
+              <a:rPr lang="en" dirty="0"/>
               <a:t>Java was designed to do everything a locally running program could do</a:t>
             </a:r>
-            <a:endParaRPr/>
+            <a:endParaRPr dirty="0"/>
           </a:p>
           <a:p>
             <a:pPr marL="914400" lvl="1" indent="-317500" algn="l" rtl="0">
@@ -42863,10 +42797,9 @@
               <a:buChar char="○"/>
             </a:pPr>
             <a:r>
-              <a:rPr lang="en"/>
+              <a:rPr lang="en-US" dirty="0"/>
               <a:t>Security vulnerabilities associated with downloading and running code from others</a:t>
             </a:r>
-            <a:endParaRPr/>
           </a:p>
           <a:p>
             <a:pPr marL="914400" lvl="1" indent="-317500" algn="l" rtl="0">
@@ -42880,10 +42813,10 @@
               <a:buChar char="○"/>
             </a:pPr>
             <a:r>
-              <a:rPr lang="en"/>
+              <a:rPr lang="en" dirty="0"/>
               <a:t>A new language called JavaScript was created</a:t>
             </a:r>
-            <a:endParaRPr/>
+            <a:endParaRPr dirty="0"/>
           </a:p>
           <a:p>
             <a:pPr marL="914400" lvl="1" indent="-317500" algn="l" rtl="0">
@@ -42897,10 +42830,10 @@
               <a:buChar char="○"/>
             </a:pPr>
             <a:r>
-              <a:rPr lang="en"/>
+              <a:rPr lang="en" dirty="0"/>
               <a:t>The only things JavaScript and Java share are the name and some parts of the syntax</a:t>
             </a:r>
-            <a:endParaRPr/>
+            <a:endParaRPr dirty="0"/>
           </a:p>
         </p:txBody>
       </p:sp>
@@ -42945,7 +42878,7 @@
                                         <p:tgtEl>
                                           <p:spTgt spid="140">
                                             <p:txEl>
-                                              <p:pRg st="0" end="0"/>
+                                              <p:pRg st="4" end="4"/>
                                             </p:txEl>
                                           </p:spTgt>
                                         </p:tgtEl>
@@ -42994,7 +42927,7 @@
                                         <p:tgtEl>
                                           <p:spTgt spid="140">
                                             <p:txEl>
-                                              <p:pRg st="1" end="1"/>
+                                              <p:pRg st="5" end="5"/>
                                             </p:txEl>
                                           </p:spTgt>
                                         </p:tgtEl>
@@ -43043,7 +42976,7 @@
                                         <p:tgtEl>
                                           <p:spTgt spid="140">
                                             <p:txEl>
-                                              <p:pRg st="2" end="2"/>
+                                              <p:pRg st="6" end="6"/>
                                             </p:txEl>
                                           </p:spTgt>
                                         </p:tgtEl>
@@ -43092,7 +43025,7 @@
                                         <p:tgtEl>
                                           <p:spTgt spid="140">
                                             <p:txEl>
-                                              <p:pRg st="3" end="3"/>
+                                              <p:pRg st="7" end="7"/>
                                             </p:txEl>
                                           </p:spTgt>
                                         </p:tgtEl>
@@ -43141,7 +43074,7 @@
                                         <p:tgtEl>
                                           <p:spTgt spid="140">
                                             <p:txEl>
-                                              <p:pRg st="4" end="4"/>
+                                              <p:pRg st="8" end="8"/>
                                             </p:txEl>
                                           </p:spTgt>
                                         </p:tgtEl>
@@ -43190,7 +43123,7 @@
                                         <p:tgtEl>
                                           <p:spTgt spid="140">
                                             <p:txEl>
-                                              <p:pRg st="5" end="5"/>
+                                              <p:pRg st="9" end="9"/>
                                             </p:txEl>
                                           </p:spTgt>
                                         </p:tgtEl>
@@ -43239,7 +43172,7 @@
                                         <p:tgtEl>
                                           <p:spTgt spid="140">
                                             <p:txEl>
-                                              <p:pRg st="6" end="6"/>
+                                              <p:pRg st="10" end="10"/>
                                             </p:txEl>
                                           </p:spTgt>
                                         </p:tgtEl>
@@ -43281,202 +43214,6 @@
                                     <p:set>
                                       <p:cBhvr>
                                         <p:cTn id="34" dur="1" fill="hold">
-                                          <p:stCondLst>
-                                            <p:cond delay="0"/>
-                                          </p:stCondLst>
-                                        </p:cTn>
-                                        <p:tgtEl>
-                                          <p:spTgt spid="140">
-                                            <p:txEl>
-                                              <p:pRg st="7" end="7"/>
-                                            </p:txEl>
-                                          </p:spTgt>
-                                        </p:tgtEl>
-                                        <p:attrNameLst>
-                                          <p:attrName>style.visibility</p:attrName>
-                                        </p:attrNameLst>
-                                      </p:cBhvr>
-                                      <p:to>
-                                        <p:strVal val="visible"/>
-                                      </p:to>
-                                    </p:set>
-                                  </p:childTnLst>
-                                </p:cTn>
-                              </p:par>
-                            </p:childTnLst>
-                          </p:cTn>
-                        </p:par>
-                      </p:childTnLst>
-                    </p:cTn>
-                  </p:par>
-                  <p:par>
-                    <p:cTn id="35" fill="hold">
-                      <p:stCondLst>
-                        <p:cond delay="indefinite"/>
-                      </p:stCondLst>
-                      <p:childTnLst>
-                        <p:par>
-                          <p:cTn id="36" fill="hold">
-                            <p:stCondLst>
-                              <p:cond delay="0"/>
-                            </p:stCondLst>
-                            <p:childTnLst>
-                              <p:par>
-                                <p:cTn id="37" presetID="1" presetClass="entr" presetSubtype="0" fill="hold" nodeType="clickEffect">
-                                  <p:stCondLst>
-                                    <p:cond delay="0"/>
-                                  </p:stCondLst>
-                                  <p:childTnLst>
-                                    <p:set>
-                                      <p:cBhvr>
-                                        <p:cTn id="38" dur="1" fill="hold">
-                                          <p:stCondLst>
-                                            <p:cond delay="0"/>
-                                          </p:stCondLst>
-                                        </p:cTn>
-                                        <p:tgtEl>
-                                          <p:spTgt spid="140">
-                                            <p:txEl>
-                                              <p:pRg st="8" end="8"/>
-                                            </p:txEl>
-                                          </p:spTgt>
-                                        </p:tgtEl>
-                                        <p:attrNameLst>
-                                          <p:attrName>style.visibility</p:attrName>
-                                        </p:attrNameLst>
-                                      </p:cBhvr>
-                                      <p:to>
-                                        <p:strVal val="visible"/>
-                                      </p:to>
-                                    </p:set>
-                                  </p:childTnLst>
-                                </p:cTn>
-                              </p:par>
-                            </p:childTnLst>
-                          </p:cTn>
-                        </p:par>
-                      </p:childTnLst>
-                    </p:cTn>
-                  </p:par>
-                  <p:par>
-                    <p:cTn id="39" fill="hold">
-                      <p:stCondLst>
-                        <p:cond delay="indefinite"/>
-                      </p:stCondLst>
-                      <p:childTnLst>
-                        <p:par>
-                          <p:cTn id="40" fill="hold">
-                            <p:stCondLst>
-                              <p:cond delay="0"/>
-                            </p:stCondLst>
-                            <p:childTnLst>
-                              <p:par>
-                                <p:cTn id="41" presetID="1" presetClass="entr" presetSubtype="0" fill="hold" nodeType="clickEffect">
-                                  <p:stCondLst>
-                                    <p:cond delay="0"/>
-                                  </p:stCondLst>
-                                  <p:childTnLst>
-                                    <p:set>
-                                      <p:cBhvr>
-                                        <p:cTn id="42" dur="1" fill="hold">
-                                          <p:stCondLst>
-                                            <p:cond delay="0"/>
-                                          </p:stCondLst>
-                                        </p:cTn>
-                                        <p:tgtEl>
-                                          <p:spTgt spid="140">
-                                            <p:txEl>
-                                              <p:pRg st="9" end="9"/>
-                                            </p:txEl>
-                                          </p:spTgt>
-                                        </p:tgtEl>
-                                        <p:attrNameLst>
-                                          <p:attrName>style.visibility</p:attrName>
-                                        </p:attrNameLst>
-                                      </p:cBhvr>
-                                      <p:to>
-                                        <p:strVal val="visible"/>
-                                      </p:to>
-                                    </p:set>
-                                  </p:childTnLst>
-                                </p:cTn>
-                              </p:par>
-                            </p:childTnLst>
-                          </p:cTn>
-                        </p:par>
-                      </p:childTnLst>
-                    </p:cTn>
-                  </p:par>
-                  <p:par>
-                    <p:cTn id="43" fill="hold">
-                      <p:stCondLst>
-                        <p:cond delay="indefinite"/>
-                      </p:stCondLst>
-                      <p:childTnLst>
-                        <p:par>
-                          <p:cTn id="44" fill="hold">
-                            <p:stCondLst>
-                              <p:cond delay="0"/>
-                            </p:stCondLst>
-                            <p:childTnLst>
-                              <p:par>
-                                <p:cTn id="45" presetID="1" presetClass="entr" presetSubtype="0" fill="hold" nodeType="clickEffect">
-                                  <p:stCondLst>
-                                    <p:cond delay="0"/>
-                                  </p:stCondLst>
-                                  <p:childTnLst>
-                                    <p:set>
-                                      <p:cBhvr>
-                                        <p:cTn id="46" dur="1" fill="hold">
-                                          <p:stCondLst>
-                                            <p:cond delay="0"/>
-                                          </p:stCondLst>
-                                        </p:cTn>
-                                        <p:tgtEl>
-                                          <p:spTgt spid="140">
-                                            <p:txEl>
-                                              <p:pRg st="10" end="10"/>
-                                            </p:txEl>
-                                          </p:spTgt>
-                                        </p:tgtEl>
-                                        <p:attrNameLst>
-                                          <p:attrName>style.visibility</p:attrName>
-                                        </p:attrNameLst>
-                                      </p:cBhvr>
-                                      <p:to>
-                                        <p:strVal val="visible"/>
-                                      </p:to>
-                                    </p:set>
-                                  </p:childTnLst>
-                                </p:cTn>
-                              </p:par>
-                            </p:childTnLst>
-                          </p:cTn>
-                        </p:par>
-                      </p:childTnLst>
-                    </p:cTn>
-                  </p:par>
-                  <p:par>
-                    <p:cTn id="47" fill="hold">
-                      <p:stCondLst>
-                        <p:cond delay="indefinite"/>
-                      </p:stCondLst>
-                      <p:childTnLst>
-                        <p:par>
-                          <p:cTn id="48" fill="hold">
-                            <p:stCondLst>
-                              <p:cond delay="0"/>
-                            </p:stCondLst>
-                            <p:childTnLst>
-                              <p:par>
-                                <p:cTn id="49" presetID="1" presetClass="entr" presetSubtype="0" fill="hold" nodeType="clickEffect">
-                                  <p:stCondLst>
-                                    <p:cond delay="0"/>
-                                  </p:stCondLst>
-                                  <p:childTnLst>
-                                    <p:set>
-                                      <p:cBhvr>
-                                        <p:cTn id="50" dur="1" fill="hold">
                                           <p:stCondLst>
                                             <p:cond delay="0"/>
                                           </p:stCondLst>
@@ -44312,7 +44049,7 @@
                                         <p:tgtEl>
                                           <p:spTgt spid="156">
                                             <p:txEl>
-                                              <p:pRg st="0" end="0"/>
+                                              <p:pRg st="1" end="1"/>
                                             </p:txEl>
                                           </p:spTgt>
                                         </p:tgtEl>
@@ -44361,7 +44098,7 @@
                                         <p:tgtEl>
                                           <p:spTgt spid="156">
                                             <p:txEl>
-                                              <p:pRg st="1" end="1"/>
+                                              <p:pRg st="2" end="2"/>
                                             </p:txEl>
                                           </p:spTgt>
                                         </p:tgtEl>
@@ -44410,7 +44147,7 @@
                                         <p:tgtEl>
                                           <p:spTgt spid="156">
                                             <p:txEl>
-                                              <p:pRg st="2" end="2"/>
+                                              <p:pRg st="3" end="3"/>
                                             </p:txEl>
                                           </p:spTgt>
                                         </p:tgtEl>
@@ -44459,7 +44196,7 @@
                                         <p:tgtEl>
                                           <p:spTgt spid="156">
                                             <p:txEl>
-                                              <p:pRg st="3" end="3"/>
+                                              <p:pRg st="4" end="4"/>
                                             </p:txEl>
                                           </p:spTgt>
                                         </p:tgtEl>
@@ -44501,55 +44238,6 @@
                                     <p:set>
                                       <p:cBhvr>
                                         <p:cTn id="22" dur="1" fill="hold">
-                                          <p:stCondLst>
-                                            <p:cond delay="0"/>
-                                          </p:stCondLst>
-                                        </p:cTn>
-                                        <p:tgtEl>
-                                          <p:spTgt spid="156">
-                                            <p:txEl>
-                                              <p:pRg st="4" end="4"/>
-                                            </p:txEl>
-                                          </p:spTgt>
-                                        </p:tgtEl>
-                                        <p:attrNameLst>
-                                          <p:attrName>style.visibility</p:attrName>
-                                        </p:attrNameLst>
-                                      </p:cBhvr>
-                                      <p:to>
-                                        <p:strVal val="visible"/>
-                                      </p:to>
-                                    </p:set>
-                                  </p:childTnLst>
-                                </p:cTn>
-                              </p:par>
-                            </p:childTnLst>
-                          </p:cTn>
-                        </p:par>
-                      </p:childTnLst>
-                    </p:cTn>
-                  </p:par>
-                  <p:par>
-                    <p:cTn id="23" fill="hold">
-                      <p:stCondLst>
-                        <p:cond delay="indefinite"/>
-                      </p:stCondLst>
-                      <p:childTnLst>
-                        <p:par>
-                          <p:cTn id="24" fill="hold">
-                            <p:stCondLst>
-                              <p:cond delay="0"/>
-                            </p:stCondLst>
-                            <p:childTnLst>
-                              <p:par>
-                                <p:cTn id="25" presetID="1" presetClass="entr" presetSubtype="0" fill="hold" nodeType="clickEffect">
-                                  <p:stCondLst>
-                                    <p:cond delay="0"/>
-                                  </p:stCondLst>
-                                  <p:childTnLst>
-                                    <p:set>
-                                      <p:cBhvr>
-                                        <p:cTn id="26" dur="1" fill="hold">
                                           <p:stCondLst>
                                             <p:cond delay="0"/>
                                           </p:stCondLst>

--- a/teaching/ITIS6200/2023fa/lectures/lec10.pptx
+++ b/teaching/ITIS6200/2023fa/lectures/lec10.pptx
@@ -5896,6 +5896,41 @@
             <a:noAutofit/>
           </a:bodyPr>
           <a:lstStyle/>
+          <a:p>
+            <a:pPr marL="0" lvl="0" indent="0" algn="l" rtl="0">
+              <a:spcBef>
+                <a:spcPts val="0"/>
+              </a:spcBef>
+              <a:spcAft>
+                <a:spcPts val="0"/>
+              </a:spcAft>
+              <a:buNone/>
+            </a:pPr>
+            <a:r>
+              <a:rPr lang="en-US" dirty="0"/>
+              <a:t>Sun created a </a:t>
+            </a:r>
+            <a:r>
+              <a:rPr lang="en-US" dirty="0" err="1"/>
+              <a:t>HotJava</a:t>
+            </a:r>
+            <a:r>
+              <a:rPr lang="en-US" dirty="0"/>
+              <a:t>. </a:t>
+            </a:r>
+          </a:p>
+          <a:p>
+            <a:pPr marL="0" lvl="0" indent="0" algn="l" rtl="0">
+              <a:spcBef>
+                <a:spcPts val="0"/>
+              </a:spcBef>
+              <a:spcAft>
+                <a:spcPts val="0"/>
+              </a:spcAft>
+              <a:buNone/>
+            </a:pPr>
+            <a:endParaRPr lang="en-US" dirty="0"/>
+          </a:p>
           <a:p>
             <a:pPr marL="0" lvl="0" indent="0" algn="l" rtl="0">
               <a:spcBef>
@@ -12396,7 +12431,7 @@
             </a:pPr>
             <a:r>
               <a:rPr lang="en-US" sz="2800" dirty="0"/>
-              <a:t>Three projects</a:t>
+              <a:t>Three projects (15%)</a:t>
             </a:r>
           </a:p>
           <a:p>
@@ -12405,7 +12440,7 @@
               <a:buChar char="●"/>
             </a:pPr>
             <a:r>
-              <a:rPr lang="en-US" sz="2400" dirty="0"/>
+              <a:rPr lang="en-US" sz="2000" dirty="0"/>
               <a:t>Project #1 release later today</a:t>
             </a:r>
           </a:p>
@@ -12445,8 +12480,8 @@
               <a:buChar char="●"/>
             </a:pPr>
             <a:r>
-              <a:rPr lang="en-US" sz="2400" dirty="0"/>
-              <a:t>Schedule for the rest of the class</a:t>
+              <a:rPr lang="en-US" sz="2000" dirty="0"/>
+              <a:t>Schedule for the rest of the semester</a:t>
             </a:r>
           </a:p>
           <a:p>
@@ -12455,7 +12490,7 @@
               <a:buChar char="●"/>
             </a:pPr>
             <a:r>
-              <a:rPr lang="en-US" sz="2400" dirty="0"/>
+              <a:rPr lang="en-US" sz="2000" dirty="0"/>
               <a:t>In class: </a:t>
             </a:r>
           </a:p>
@@ -13650,526 +13685,6 @@
   <p:clrMapOvr>
     <a:masterClrMapping/>
   </p:clrMapOvr>
-  <p:timing>
-    <p:tnLst>
-      <p:par>
-        <p:cTn id="1" dur="indefinite" restart="never" nodeType="tmRoot">
-          <p:childTnLst>
-            <p:seq concurrent="1" nextAc="seek">
-              <p:cTn id="2" dur="indefinite" nodeType="mainSeq">
-                <p:childTnLst>
-                  <p:par>
-                    <p:cTn id="3" fill="hold">
-                      <p:stCondLst>
-                        <p:cond delay="indefinite"/>
-                      </p:stCondLst>
-                      <p:childTnLst>
-                        <p:par>
-                          <p:cTn id="4" fill="hold">
-                            <p:stCondLst>
-                              <p:cond delay="0"/>
-                            </p:stCondLst>
-                            <p:childTnLst>
-                              <p:par>
-                                <p:cTn id="5" presetID="1" presetClass="entr" presetSubtype="0" fill="hold" nodeType="clickEffect">
-                                  <p:stCondLst>
-                                    <p:cond delay="0"/>
-                                  </p:stCondLst>
-                                  <p:childTnLst>
-                                    <p:set>
-                                      <p:cBhvr>
-                                        <p:cTn id="6" dur="1" fill="hold">
-                                          <p:stCondLst>
-                                            <p:cond delay="0"/>
-                                          </p:stCondLst>
-                                        </p:cTn>
-                                        <p:tgtEl>
-                                          <p:spTgt spid="195">
-                                            <p:txEl>
-                                              <p:pRg st="1" end="1"/>
-                                            </p:txEl>
-                                          </p:spTgt>
-                                        </p:tgtEl>
-                                        <p:attrNameLst>
-                                          <p:attrName>style.visibility</p:attrName>
-                                        </p:attrNameLst>
-                                      </p:cBhvr>
-                                      <p:to>
-                                        <p:strVal val="visible"/>
-                                      </p:to>
-                                    </p:set>
-                                  </p:childTnLst>
-                                </p:cTn>
-                              </p:par>
-                            </p:childTnLst>
-                          </p:cTn>
-                        </p:par>
-                      </p:childTnLst>
-                    </p:cTn>
-                  </p:par>
-                  <p:par>
-                    <p:cTn id="7" fill="hold">
-                      <p:stCondLst>
-                        <p:cond delay="indefinite"/>
-                      </p:stCondLst>
-                      <p:childTnLst>
-                        <p:par>
-                          <p:cTn id="8" fill="hold">
-                            <p:stCondLst>
-                              <p:cond delay="0"/>
-                            </p:stCondLst>
-                            <p:childTnLst>
-                              <p:par>
-                                <p:cTn id="9" presetID="1" presetClass="entr" presetSubtype="0" fill="hold" nodeType="clickEffect">
-                                  <p:stCondLst>
-                                    <p:cond delay="0"/>
-                                  </p:stCondLst>
-                                  <p:childTnLst>
-                                    <p:set>
-                                      <p:cBhvr>
-                                        <p:cTn id="10" dur="1" fill="hold">
-                                          <p:stCondLst>
-                                            <p:cond delay="0"/>
-                                          </p:stCondLst>
-                                        </p:cTn>
-                                        <p:tgtEl>
-                                          <p:spTgt spid="195">
-                                            <p:txEl>
-                                              <p:pRg st="2" end="2"/>
-                                            </p:txEl>
-                                          </p:spTgt>
-                                        </p:tgtEl>
-                                        <p:attrNameLst>
-                                          <p:attrName>style.visibility</p:attrName>
-                                        </p:attrNameLst>
-                                      </p:cBhvr>
-                                      <p:to>
-                                        <p:strVal val="visible"/>
-                                      </p:to>
-                                    </p:set>
-                                  </p:childTnLst>
-                                </p:cTn>
-                              </p:par>
-                            </p:childTnLst>
-                          </p:cTn>
-                        </p:par>
-                      </p:childTnLst>
-                    </p:cTn>
-                  </p:par>
-                  <p:par>
-                    <p:cTn id="11" fill="hold">
-                      <p:stCondLst>
-                        <p:cond delay="indefinite"/>
-                      </p:stCondLst>
-                      <p:childTnLst>
-                        <p:par>
-                          <p:cTn id="12" fill="hold">
-                            <p:stCondLst>
-                              <p:cond delay="0"/>
-                            </p:stCondLst>
-                            <p:childTnLst>
-                              <p:par>
-                                <p:cTn id="13" presetID="1" presetClass="entr" presetSubtype="0" fill="hold" nodeType="clickEffect">
-                                  <p:stCondLst>
-                                    <p:cond delay="0"/>
-                                  </p:stCondLst>
-                                  <p:childTnLst>
-                                    <p:set>
-                                      <p:cBhvr>
-                                        <p:cTn id="14" dur="1" fill="hold">
-                                          <p:stCondLst>
-                                            <p:cond delay="0"/>
-                                          </p:stCondLst>
-                                        </p:cTn>
-                                        <p:tgtEl>
-                                          <p:spTgt spid="195">
-                                            <p:txEl>
-                                              <p:pRg st="3" end="3"/>
-                                            </p:txEl>
-                                          </p:spTgt>
-                                        </p:tgtEl>
-                                        <p:attrNameLst>
-                                          <p:attrName>style.visibility</p:attrName>
-                                        </p:attrNameLst>
-                                      </p:cBhvr>
-                                      <p:to>
-                                        <p:strVal val="visible"/>
-                                      </p:to>
-                                    </p:set>
-                                  </p:childTnLst>
-                                </p:cTn>
-                              </p:par>
-                            </p:childTnLst>
-                          </p:cTn>
-                        </p:par>
-                      </p:childTnLst>
-                    </p:cTn>
-                  </p:par>
-                  <p:par>
-                    <p:cTn id="15" fill="hold">
-                      <p:stCondLst>
-                        <p:cond delay="indefinite"/>
-                      </p:stCondLst>
-                      <p:childTnLst>
-                        <p:par>
-                          <p:cTn id="16" fill="hold">
-                            <p:stCondLst>
-                              <p:cond delay="0"/>
-                            </p:stCondLst>
-                            <p:childTnLst>
-                              <p:par>
-                                <p:cTn id="17" presetID="1" presetClass="entr" presetSubtype="0" fill="hold" nodeType="clickEffect">
-                                  <p:stCondLst>
-                                    <p:cond delay="0"/>
-                                  </p:stCondLst>
-                                  <p:childTnLst>
-                                    <p:set>
-                                      <p:cBhvr>
-                                        <p:cTn id="18" dur="1" fill="hold">
-                                          <p:stCondLst>
-                                            <p:cond delay="0"/>
-                                          </p:stCondLst>
-                                        </p:cTn>
-                                        <p:tgtEl>
-                                          <p:spTgt spid="195">
-                                            <p:txEl>
-                                              <p:pRg st="4" end="4"/>
-                                            </p:txEl>
-                                          </p:spTgt>
-                                        </p:tgtEl>
-                                        <p:attrNameLst>
-                                          <p:attrName>style.visibility</p:attrName>
-                                        </p:attrNameLst>
-                                      </p:cBhvr>
-                                      <p:to>
-                                        <p:strVal val="visible"/>
-                                      </p:to>
-                                    </p:set>
-                                  </p:childTnLst>
-                                </p:cTn>
-                              </p:par>
-                            </p:childTnLst>
-                          </p:cTn>
-                        </p:par>
-                      </p:childTnLst>
-                    </p:cTn>
-                  </p:par>
-                  <p:par>
-                    <p:cTn id="19" fill="hold">
-                      <p:stCondLst>
-                        <p:cond delay="indefinite"/>
-                      </p:stCondLst>
-                      <p:childTnLst>
-                        <p:par>
-                          <p:cTn id="20" fill="hold">
-                            <p:stCondLst>
-                              <p:cond delay="0"/>
-                            </p:stCondLst>
-                            <p:childTnLst>
-                              <p:par>
-                                <p:cTn id="21" presetID="1" presetClass="entr" presetSubtype="0" fill="hold" nodeType="clickEffect">
-                                  <p:stCondLst>
-                                    <p:cond delay="0"/>
-                                  </p:stCondLst>
-                                  <p:childTnLst>
-                                    <p:set>
-                                      <p:cBhvr>
-                                        <p:cTn id="22" dur="1" fill="hold">
-                                          <p:stCondLst>
-                                            <p:cond delay="0"/>
-                                          </p:stCondLst>
-                                        </p:cTn>
-                                        <p:tgtEl>
-                                          <p:spTgt spid="195">
-                                            <p:txEl>
-                                              <p:pRg st="5" end="5"/>
-                                            </p:txEl>
-                                          </p:spTgt>
-                                        </p:tgtEl>
-                                        <p:attrNameLst>
-                                          <p:attrName>style.visibility</p:attrName>
-                                        </p:attrNameLst>
-                                      </p:cBhvr>
-                                      <p:to>
-                                        <p:strVal val="visible"/>
-                                      </p:to>
-                                    </p:set>
-                                  </p:childTnLst>
-                                </p:cTn>
-                              </p:par>
-                            </p:childTnLst>
-                          </p:cTn>
-                        </p:par>
-                      </p:childTnLst>
-                    </p:cTn>
-                  </p:par>
-                  <p:par>
-                    <p:cTn id="23" fill="hold">
-                      <p:stCondLst>
-                        <p:cond delay="indefinite"/>
-                      </p:stCondLst>
-                      <p:childTnLst>
-                        <p:par>
-                          <p:cTn id="24" fill="hold">
-                            <p:stCondLst>
-                              <p:cond delay="0"/>
-                            </p:stCondLst>
-                            <p:childTnLst>
-                              <p:par>
-                                <p:cTn id="25" presetID="1" presetClass="entr" presetSubtype="0" fill="hold" nodeType="clickEffect">
-                                  <p:stCondLst>
-                                    <p:cond delay="0"/>
-                                  </p:stCondLst>
-                                  <p:childTnLst>
-                                    <p:set>
-                                      <p:cBhvr>
-                                        <p:cTn id="26" dur="1" fill="hold">
-                                          <p:stCondLst>
-                                            <p:cond delay="0"/>
-                                          </p:stCondLst>
-                                        </p:cTn>
-                                        <p:tgtEl>
-                                          <p:spTgt spid="195">
-                                            <p:txEl>
-                                              <p:pRg st="6" end="6"/>
-                                            </p:txEl>
-                                          </p:spTgt>
-                                        </p:tgtEl>
-                                        <p:attrNameLst>
-                                          <p:attrName>style.visibility</p:attrName>
-                                        </p:attrNameLst>
-                                      </p:cBhvr>
-                                      <p:to>
-                                        <p:strVal val="visible"/>
-                                      </p:to>
-                                    </p:set>
-                                  </p:childTnLst>
-                                </p:cTn>
-                              </p:par>
-                            </p:childTnLst>
-                          </p:cTn>
-                        </p:par>
-                      </p:childTnLst>
-                    </p:cTn>
-                  </p:par>
-                  <p:par>
-                    <p:cTn id="27" fill="hold">
-                      <p:stCondLst>
-                        <p:cond delay="indefinite"/>
-                      </p:stCondLst>
-                      <p:childTnLst>
-                        <p:par>
-                          <p:cTn id="28" fill="hold">
-                            <p:stCondLst>
-                              <p:cond delay="0"/>
-                            </p:stCondLst>
-                            <p:childTnLst>
-                              <p:par>
-                                <p:cTn id="29" presetID="1" presetClass="entr" presetSubtype="0" fill="hold" nodeType="clickEffect">
-                                  <p:stCondLst>
-                                    <p:cond delay="0"/>
-                                  </p:stCondLst>
-                                  <p:childTnLst>
-                                    <p:set>
-                                      <p:cBhvr>
-                                        <p:cTn id="30" dur="1" fill="hold">
-                                          <p:stCondLst>
-                                            <p:cond delay="0"/>
-                                          </p:stCondLst>
-                                        </p:cTn>
-                                        <p:tgtEl>
-                                          <p:spTgt spid="195">
-                                            <p:txEl>
-                                              <p:pRg st="7" end="7"/>
-                                            </p:txEl>
-                                          </p:spTgt>
-                                        </p:tgtEl>
-                                        <p:attrNameLst>
-                                          <p:attrName>style.visibility</p:attrName>
-                                        </p:attrNameLst>
-                                      </p:cBhvr>
-                                      <p:to>
-                                        <p:strVal val="visible"/>
-                                      </p:to>
-                                    </p:set>
-                                  </p:childTnLst>
-                                </p:cTn>
-                              </p:par>
-                            </p:childTnLst>
-                          </p:cTn>
-                        </p:par>
-                      </p:childTnLst>
-                    </p:cTn>
-                  </p:par>
-                  <p:par>
-                    <p:cTn id="31" fill="hold">
-                      <p:stCondLst>
-                        <p:cond delay="indefinite"/>
-                      </p:stCondLst>
-                      <p:childTnLst>
-                        <p:par>
-                          <p:cTn id="32" fill="hold">
-                            <p:stCondLst>
-                              <p:cond delay="0"/>
-                            </p:stCondLst>
-                            <p:childTnLst>
-                              <p:par>
-                                <p:cTn id="33" presetID="1" presetClass="entr" presetSubtype="0" fill="hold" nodeType="clickEffect">
-                                  <p:stCondLst>
-                                    <p:cond delay="0"/>
-                                  </p:stCondLst>
-                                  <p:childTnLst>
-                                    <p:set>
-                                      <p:cBhvr>
-                                        <p:cTn id="34" dur="1" fill="hold">
-                                          <p:stCondLst>
-                                            <p:cond delay="0"/>
-                                          </p:stCondLst>
-                                        </p:cTn>
-                                        <p:tgtEl>
-                                          <p:spTgt spid="195">
-                                            <p:txEl>
-                                              <p:pRg st="8" end="8"/>
-                                            </p:txEl>
-                                          </p:spTgt>
-                                        </p:tgtEl>
-                                        <p:attrNameLst>
-                                          <p:attrName>style.visibility</p:attrName>
-                                        </p:attrNameLst>
-                                      </p:cBhvr>
-                                      <p:to>
-                                        <p:strVal val="visible"/>
-                                      </p:to>
-                                    </p:set>
-                                  </p:childTnLst>
-                                </p:cTn>
-                              </p:par>
-                            </p:childTnLst>
-                          </p:cTn>
-                        </p:par>
-                      </p:childTnLst>
-                    </p:cTn>
-                  </p:par>
-                  <p:par>
-                    <p:cTn id="35" fill="hold">
-                      <p:stCondLst>
-                        <p:cond delay="indefinite"/>
-                      </p:stCondLst>
-                      <p:childTnLst>
-                        <p:par>
-                          <p:cTn id="36" fill="hold">
-                            <p:stCondLst>
-                              <p:cond delay="0"/>
-                            </p:stCondLst>
-                            <p:childTnLst>
-                              <p:par>
-                                <p:cTn id="37" presetID="1" presetClass="entr" presetSubtype="0" fill="hold" nodeType="clickEffect">
-                                  <p:stCondLst>
-                                    <p:cond delay="0"/>
-                                  </p:stCondLst>
-                                  <p:childTnLst>
-                                    <p:set>
-                                      <p:cBhvr>
-                                        <p:cTn id="38" dur="1" fill="hold">
-                                          <p:stCondLst>
-                                            <p:cond delay="0"/>
-                                          </p:stCondLst>
-                                        </p:cTn>
-                                        <p:tgtEl>
-                                          <p:spTgt spid="195">
-                                            <p:txEl>
-                                              <p:pRg st="9" end="9"/>
-                                            </p:txEl>
-                                          </p:spTgt>
-                                        </p:tgtEl>
-                                        <p:attrNameLst>
-                                          <p:attrName>style.visibility</p:attrName>
-                                        </p:attrNameLst>
-                                      </p:cBhvr>
-                                      <p:to>
-                                        <p:strVal val="visible"/>
-                                      </p:to>
-                                    </p:set>
-                                  </p:childTnLst>
-                                </p:cTn>
-                              </p:par>
-                            </p:childTnLst>
-                          </p:cTn>
-                        </p:par>
-                      </p:childTnLst>
-                    </p:cTn>
-                  </p:par>
-                  <p:par>
-                    <p:cTn id="39" fill="hold">
-                      <p:stCondLst>
-                        <p:cond delay="indefinite"/>
-                      </p:stCondLst>
-                      <p:childTnLst>
-                        <p:par>
-                          <p:cTn id="40" fill="hold">
-                            <p:stCondLst>
-                              <p:cond delay="0"/>
-                            </p:stCondLst>
-                            <p:childTnLst>
-                              <p:par>
-                                <p:cTn id="41" presetID="1" presetClass="entr" presetSubtype="0" fill="hold" nodeType="clickEffect">
-                                  <p:stCondLst>
-                                    <p:cond delay="0"/>
-                                  </p:stCondLst>
-                                  <p:childTnLst>
-                                    <p:set>
-                                      <p:cBhvr>
-                                        <p:cTn id="42" dur="1" fill="hold">
-                                          <p:stCondLst>
-                                            <p:cond delay="0"/>
-                                          </p:stCondLst>
-                                        </p:cTn>
-                                        <p:tgtEl>
-                                          <p:spTgt spid="195">
-                                            <p:txEl>
-                                              <p:pRg st="10" end="10"/>
-                                            </p:txEl>
-                                          </p:spTgt>
-                                        </p:tgtEl>
-                                        <p:attrNameLst>
-                                          <p:attrName>style.visibility</p:attrName>
-                                        </p:attrNameLst>
-                                      </p:cBhvr>
-                                      <p:to>
-                                        <p:strVal val="visible"/>
-                                      </p:to>
-                                    </p:set>
-                                  </p:childTnLst>
-                                </p:cTn>
-                              </p:par>
-                            </p:childTnLst>
-                          </p:cTn>
-                        </p:par>
-                      </p:childTnLst>
-                    </p:cTn>
-                  </p:par>
-                </p:childTnLst>
-              </p:cTn>
-              <p:prevCondLst>
-                <p:cond evt="onPrev" delay="0">
-                  <p:tgtEl>
-                    <p:sldTgt/>
-                  </p:tgtEl>
-                </p:cond>
-              </p:prevCondLst>
-              <p:nextCondLst>
-                <p:cond evt="onNext" delay="0">
-                  <p:tgtEl>
-                    <p:sldTgt/>
-                  </p:tgtEl>
-                </p:cond>
-              </p:nextCondLst>
-            </p:seq>
-          </p:childTnLst>
-        </p:cTn>
-      </p:par>
-    </p:tnLst>
-  </p:timing>
 </p:sld>
 </file>
 
@@ -14409,281 +13924,6 @@
   <p:clrMapOvr>
     <a:masterClrMapping/>
   </p:clrMapOvr>
-  <p:timing>
-    <p:tnLst>
-      <p:par>
-        <p:cTn id="1" dur="indefinite" restart="never" nodeType="tmRoot">
-          <p:childTnLst>
-            <p:seq concurrent="1" nextAc="seek">
-              <p:cTn id="2" dur="indefinite" nodeType="mainSeq">
-                <p:childTnLst>
-                  <p:par>
-                    <p:cTn id="3" fill="hold">
-                      <p:stCondLst>
-                        <p:cond delay="indefinite"/>
-                      </p:stCondLst>
-                      <p:childTnLst>
-                        <p:par>
-                          <p:cTn id="4" fill="hold">
-                            <p:stCondLst>
-                              <p:cond delay="0"/>
-                            </p:stCondLst>
-                            <p:childTnLst>
-                              <p:par>
-                                <p:cTn id="5" presetID="1" presetClass="entr" presetSubtype="0" fill="hold" nodeType="clickEffect">
-                                  <p:stCondLst>
-                                    <p:cond delay="0"/>
-                                  </p:stCondLst>
-                                  <p:childTnLst>
-                                    <p:set>
-                                      <p:cBhvr>
-                                        <p:cTn id="6" dur="1" fill="hold">
-                                          <p:stCondLst>
-                                            <p:cond delay="0"/>
-                                          </p:stCondLst>
-                                        </p:cTn>
-                                        <p:tgtEl>
-                                          <p:spTgt spid="203">
-                                            <p:txEl>
-                                              <p:pRg st="1" end="1"/>
-                                            </p:txEl>
-                                          </p:spTgt>
-                                        </p:tgtEl>
-                                        <p:attrNameLst>
-                                          <p:attrName>style.visibility</p:attrName>
-                                        </p:attrNameLst>
-                                      </p:cBhvr>
-                                      <p:to>
-                                        <p:strVal val="visible"/>
-                                      </p:to>
-                                    </p:set>
-                                  </p:childTnLst>
-                                </p:cTn>
-                              </p:par>
-                            </p:childTnLst>
-                          </p:cTn>
-                        </p:par>
-                      </p:childTnLst>
-                    </p:cTn>
-                  </p:par>
-                  <p:par>
-                    <p:cTn id="7" fill="hold">
-                      <p:stCondLst>
-                        <p:cond delay="indefinite"/>
-                      </p:stCondLst>
-                      <p:childTnLst>
-                        <p:par>
-                          <p:cTn id="8" fill="hold">
-                            <p:stCondLst>
-                              <p:cond delay="0"/>
-                            </p:stCondLst>
-                            <p:childTnLst>
-                              <p:par>
-                                <p:cTn id="9" presetID="1" presetClass="entr" presetSubtype="0" fill="hold" nodeType="clickEffect">
-                                  <p:stCondLst>
-                                    <p:cond delay="0"/>
-                                  </p:stCondLst>
-                                  <p:childTnLst>
-                                    <p:set>
-                                      <p:cBhvr>
-                                        <p:cTn id="10" dur="1" fill="hold">
-                                          <p:stCondLst>
-                                            <p:cond delay="0"/>
-                                          </p:stCondLst>
-                                        </p:cTn>
-                                        <p:tgtEl>
-                                          <p:spTgt spid="203">
-                                            <p:txEl>
-                                              <p:pRg st="2" end="2"/>
-                                            </p:txEl>
-                                          </p:spTgt>
-                                        </p:tgtEl>
-                                        <p:attrNameLst>
-                                          <p:attrName>style.visibility</p:attrName>
-                                        </p:attrNameLst>
-                                      </p:cBhvr>
-                                      <p:to>
-                                        <p:strVal val="visible"/>
-                                      </p:to>
-                                    </p:set>
-                                  </p:childTnLst>
-                                </p:cTn>
-                              </p:par>
-                            </p:childTnLst>
-                          </p:cTn>
-                        </p:par>
-                      </p:childTnLst>
-                    </p:cTn>
-                  </p:par>
-                  <p:par>
-                    <p:cTn id="11" fill="hold">
-                      <p:stCondLst>
-                        <p:cond delay="indefinite"/>
-                      </p:stCondLst>
-                      <p:childTnLst>
-                        <p:par>
-                          <p:cTn id="12" fill="hold">
-                            <p:stCondLst>
-                              <p:cond delay="0"/>
-                            </p:stCondLst>
-                            <p:childTnLst>
-                              <p:par>
-                                <p:cTn id="13" presetID="1" presetClass="entr" presetSubtype="0" fill="hold" nodeType="clickEffect">
-                                  <p:stCondLst>
-                                    <p:cond delay="0"/>
-                                  </p:stCondLst>
-                                  <p:childTnLst>
-                                    <p:set>
-                                      <p:cBhvr>
-                                        <p:cTn id="14" dur="1" fill="hold">
-                                          <p:stCondLst>
-                                            <p:cond delay="0"/>
-                                          </p:stCondLst>
-                                        </p:cTn>
-                                        <p:tgtEl>
-                                          <p:spTgt spid="203">
-                                            <p:txEl>
-                                              <p:pRg st="3" end="3"/>
-                                            </p:txEl>
-                                          </p:spTgt>
-                                        </p:tgtEl>
-                                        <p:attrNameLst>
-                                          <p:attrName>style.visibility</p:attrName>
-                                        </p:attrNameLst>
-                                      </p:cBhvr>
-                                      <p:to>
-                                        <p:strVal val="visible"/>
-                                      </p:to>
-                                    </p:set>
-                                  </p:childTnLst>
-                                </p:cTn>
-                              </p:par>
-                            </p:childTnLst>
-                          </p:cTn>
-                        </p:par>
-                      </p:childTnLst>
-                    </p:cTn>
-                  </p:par>
-                  <p:par>
-                    <p:cTn id="15" fill="hold">
-                      <p:stCondLst>
-                        <p:cond delay="indefinite"/>
-                      </p:stCondLst>
-                      <p:childTnLst>
-                        <p:par>
-                          <p:cTn id="16" fill="hold">
-                            <p:stCondLst>
-                              <p:cond delay="0"/>
-                            </p:stCondLst>
-                            <p:childTnLst>
-                              <p:par>
-                                <p:cTn id="17" presetID="1" presetClass="entr" presetSubtype="0" fill="hold" nodeType="clickEffect">
-                                  <p:stCondLst>
-                                    <p:cond delay="0"/>
-                                  </p:stCondLst>
-                                  <p:childTnLst>
-                                    <p:set>
-                                      <p:cBhvr>
-                                        <p:cTn id="18" dur="1" fill="hold">
-                                          <p:stCondLst>
-                                            <p:cond delay="0"/>
-                                          </p:stCondLst>
-                                        </p:cTn>
-                                        <p:tgtEl>
-                                          <p:spTgt spid="203">
-                                            <p:txEl>
-                                              <p:pRg st="4" end="4"/>
-                                            </p:txEl>
-                                          </p:spTgt>
-                                        </p:tgtEl>
-                                        <p:attrNameLst>
-                                          <p:attrName>style.visibility</p:attrName>
-                                        </p:attrNameLst>
-                                      </p:cBhvr>
-                                      <p:to>
-                                        <p:strVal val="visible"/>
-                                      </p:to>
-                                    </p:set>
-                                  </p:childTnLst>
-                                </p:cTn>
-                              </p:par>
-                            </p:childTnLst>
-                          </p:cTn>
-                        </p:par>
-                      </p:childTnLst>
-                    </p:cTn>
-                  </p:par>
-                  <p:par>
-                    <p:cTn id="19" fill="hold">
-                      <p:stCondLst>
-                        <p:cond delay="indefinite"/>
-                      </p:stCondLst>
-                      <p:childTnLst>
-                        <p:par>
-                          <p:cTn id="20" fill="hold">
-                            <p:stCondLst>
-                              <p:cond delay="0"/>
-                            </p:stCondLst>
-                            <p:childTnLst>
-                              <p:par>
-                                <p:cTn id="21" presetID="1" presetClass="entr" presetSubtype="0" fill="hold" nodeType="clickEffect">
-                                  <p:stCondLst>
-                                    <p:cond delay="0"/>
-                                  </p:stCondLst>
-                                  <p:childTnLst>
-                                    <p:set>
-                                      <p:cBhvr>
-                                        <p:cTn id="22" dur="1" fill="hold">
-                                          <p:stCondLst>
-                                            <p:cond delay="0"/>
-                                          </p:stCondLst>
-                                        </p:cTn>
-                                        <p:tgtEl>
-                                          <p:spTgt spid="203">
-                                            <p:txEl>
-                                              <p:pRg st="5" end="5"/>
-                                            </p:txEl>
-                                          </p:spTgt>
-                                        </p:tgtEl>
-                                        <p:attrNameLst>
-                                          <p:attrName>style.visibility</p:attrName>
-                                        </p:attrNameLst>
-                                      </p:cBhvr>
-                                      <p:to>
-                                        <p:strVal val="visible"/>
-                                      </p:to>
-                                    </p:set>
-                                  </p:childTnLst>
-                                </p:cTn>
-                              </p:par>
-                            </p:childTnLst>
-                          </p:cTn>
-                        </p:par>
-                      </p:childTnLst>
-                    </p:cTn>
-                  </p:par>
-                </p:childTnLst>
-              </p:cTn>
-              <p:prevCondLst>
-                <p:cond evt="onPrev" delay="0">
-                  <p:tgtEl>
-                    <p:sldTgt/>
-                  </p:tgtEl>
-                </p:cond>
-              </p:prevCondLst>
-              <p:nextCondLst>
-                <p:cond evt="onNext" delay="0">
-                  <p:tgtEl>
-                    <p:sldTgt/>
-                  </p:tgtEl>
-                </p:cond>
-              </p:nextCondLst>
-            </p:seq>
-          </p:childTnLst>
-        </p:cTn>
-      </p:par>
-    </p:tnLst>
-  </p:timing>
 </p:sld>
 </file>
 
@@ -14940,183 +14180,6 @@
   <p:clrMapOvr>
     <a:masterClrMapping/>
   </p:clrMapOvr>
-  <p:timing>
-    <p:tnLst>
-      <p:par>
-        <p:cTn id="1" dur="indefinite" restart="never" nodeType="tmRoot">
-          <p:childTnLst>
-            <p:seq concurrent="1" nextAc="seek">
-              <p:cTn id="2" dur="indefinite" nodeType="mainSeq">
-                <p:childTnLst>
-                  <p:par>
-                    <p:cTn id="3" fill="hold">
-                      <p:stCondLst>
-                        <p:cond delay="indefinite"/>
-                      </p:stCondLst>
-                      <p:childTnLst>
-                        <p:par>
-                          <p:cTn id="4" fill="hold">
-                            <p:stCondLst>
-                              <p:cond delay="0"/>
-                            </p:stCondLst>
-                            <p:childTnLst>
-                              <p:par>
-                                <p:cTn id="5" presetID="1" presetClass="entr" presetSubtype="0" fill="hold" nodeType="clickEffect">
-                                  <p:stCondLst>
-                                    <p:cond delay="0"/>
-                                  </p:stCondLst>
-                                  <p:childTnLst>
-                                    <p:set>
-                                      <p:cBhvr>
-                                        <p:cTn id="6" dur="1" fill="hold">
-                                          <p:stCondLst>
-                                            <p:cond delay="0"/>
-                                          </p:stCondLst>
-                                        </p:cTn>
-                                        <p:tgtEl>
-                                          <p:spTgt spid="211">
-                                            <p:txEl>
-                                              <p:pRg st="1" end="1"/>
-                                            </p:txEl>
-                                          </p:spTgt>
-                                        </p:tgtEl>
-                                        <p:attrNameLst>
-                                          <p:attrName>style.visibility</p:attrName>
-                                        </p:attrNameLst>
-                                      </p:cBhvr>
-                                      <p:to>
-                                        <p:strVal val="visible"/>
-                                      </p:to>
-                                    </p:set>
-                                  </p:childTnLst>
-                                </p:cTn>
-                              </p:par>
-                            </p:childTnLst>
-                          </p:cTn>
-                        </p:par>
-                      </p:childTnLst>
-                    </p:cTn>
-                  </p:par>
-                  <p:par>
-                    <p:cTn id="7" fill="hold">
-                      <p:stCondLst>
-                        <p:cond delay="indefinite"/>
-                      </p:stCondLst>
-                      <p:childTnLst>
-                        <p:par>
-                          <p:cTn id="8" fill="hold">
-                            <p:stCondLst>
-                              <p:cond delay="0"/>
-                            </p:stCondLst>
-                            <p:childTnLst>
-                              <p:par>
-                                <p:cTn id="9" presetID="1" presetClass="entr" presetSubtype="0" fill="hold" nodeType="clickEffect">
-                                  <p:stCondLst>
-                                    <p:cond delay="0"/>
-                                  </p:stCondLst>
-                                  <p:childTnLst>
-                                    <p:set>
-                                      <p:cBhvr>
-                                        <p:cTn id="10" dur="1" fill="hold">
-                                          <p:stCondLst>
-                                            <p:cond delay="0"/>
-                                          </p:stCondLst>
-                                        </p:cTn>
-                                        <p:tgtEl>
-                                          <p:spTgt spid="211">
-                                            <p:txEl>
-                                              <p:pRg st="2" end="2"/>
-                                            </p:txEl>
-                                          </p:spTgt>
-                                        </p:tgtEl>
-                                        <p:attrNameLst>
-                                          <p:attrName>style.visibility</p:attrName>
-                                        </p:attrNameLst>
-                                      </p:cBhvr>
-                                      <p:to>
-                                        <p:strVal val="visible"/>
-                                      </p:to>
-                                    </p:set>
-                                  </p:childTnLst>
-                                </p:cTn>
-                              </p:par>
-                            </p:childTnLst>
-                          </p:cTn>
-                        </p:par>
-                      </p:childTnLst>
-                    </p:cTn>
-                  </p:par>
-                  <p:par>
-                    <p:cTn id="11" fill="hold">
-                      <p:stCondLst>
-                        <p:cond delay="indefinite"/>
-                      </p:stCondLst>
-                      <p:childTnLst>
-                        <p:par>
-                          <p:cTn id="12" fill="hold">
-                            <p:stCondLst>
-                              <p:cond delay="0"/>
-                            </p:stCondLst>
-                            <p:childTnLst>
-                              <p:par>
-                                <p:cTn id="13" presetID="1" presetClass="entr" presetSubtype="0" fill="hold" nodeType="clickEffect">
-                                  <p:stCondLst>
-                                    <p:cond delay="0"/>
-                                  </p:stCondLst>
-                                  <p:childTnLst>
-                                    <p:set>
-                                      <p:cBhvr>
-                                        <p:cTn id="14" dur="1" fill="hold">
-                                          <p:stCondLst>
-                                            <p:cond delay="0"/>
-                                          </p:stCondLst>
-                                        </p:cTn>
-                                        <p:tgtEl>
-                                          <p:spTgt spid="211">
-                                            <p:txEl>
-                                              <p:pRg st="3" end="3"/>
-                                            </p:txEl>
-                                          </p:spTgt>
-                                        </p:tgtEl>
-                                        <p:attrNameLst>
-                                          <p:attrName>style.visibility</p:attrName>
-                                        </p:attrNameLst>
-                                      </p:cBhvr>
-                                      <p:to>
-                                        <p:strVal val="visible"/>
-                                      </p:to>
-                                    </p:set>
-                                  </p:childTnLst>
-                                </p:cTn>
-                              </p:par>
-                            </p:childTnLst>
-                          </p:cTn>
-                        </p:par>
-                      </p:childTnLst>
-                    </p:cTn>
-                  </p:par>
-                </p:childTnLst>
-              </p:cTn>
-              <p:prevCondLst>
-                <p:cond evt="onPrev" delay="0">
-                  <p:tgtEl>
-                    <p:sldTgt/>
-                  </p:tgtEl>
-                </p:cond>
-              </p:prevCondLst>
-              <p:nextCondLst>
-                <p:cond evt="onNext" delay="0">
-                  <p:tgtEl>
-                    <p:sldTgt/>
-                  </p:tgtEl>
-                </p:cond>
-              </p:nextCondLst>
-            </p:seq>
-          </p:childTnLst>
-        </p:cTn>
-      </p:par>
-    </p:tnLst>
-  </p:timing>
 </p:sld>
 </file>
 
@@ -15443,281 +14506,6 @@
   <p:clrMapOvr>
     <a:masterClrMapping/>
   </p:clrMapOvr>
-  <p:timing>
-    <p:tnLst>
-      <p:par>
-        <p:cTn id="1" dur="indefinite" restart="never" nodeType="tmRoot">
-          <p:childTnLst>
-            <p:seq concurrent="1" nextAc="seek">
-              <p:cTn id="2" dur="indefinite" nodeType="mainSeq">
-                <p:childTnLst>
-                  <p:par>
-                    <p:cTn id="3" fill="hold">
-                      <p:stCondLst>
-                        <p:cond delay="indefinite"/>
-                      </p:stCondLst>
-                      <p:childTnLst>
-                        <p:par>
-                          <p:cTn id="4" fill="hold">
-                            <p:stCondLst>
-                              <p:cond delay="0"/>
-                            </p:stCondLst>
-                            <p:childTnLst>
-                              <p:par>
-                                <p:cTn id="5" presetID="1" presetClass="entr" presetSubtype="0" fill="hold" nodeType="clickEffect">
-                                  <p:stCondLst>
-                                    <p:cond delay="0"/>
-                                  </p:stCondLst>
-                                  <p:childTnLst>
-                                    <p:set>
-                                      <p:cBhvr>
-                                        <p:cTn id="6" dur="1" fill="hold">
-                                          <p:stCondLst>
-                                            <p:cond delay="0"/>
-                                          </p:stCondLst>
-                                        </p:cTn>
-                                        <p:tgtEl>
-                                          <p:spTgt spid="219">
-                                            <p:txEl>
-                                              <p:pRg st="1" end="1"/>
-                                            </p:txEl>
-                                          </p:spTgt>
-                                        </p:tgtEl>
-                                        <p:attrNameLst>
-                                          <p:attrName>style.visibility</p:attrName>
-                                        </p:attrNameLst>
-                                      </p:cBhvr>
-                                      <p:to>
-                                        <p:strVal val="visible"/>
-                                      </p:to>
-                                    </p:set>
-                                  </p:childTnLst>
-                                </p:cTn>
-                              </p:par>
-                            </p:childTnLst>
-                          </p:cTn>
-                        </p:par>
-                      </p:childTnLst>
-                    </p:cTn>
-                  </p:par>
-                  <p:par>
-                    <p:cTn id="7" fill="hold">
-                      <p:stCondLst>
-                        <p:cond delay="indefinite"/>
-                      </p:stCondLst>
-                      <p:childTnLst>
-                        <p:par>
-                          <p:cTn id="8" fill="hold">
-                            <p:stCondLst>
-                              <p:cond delay="0"/>
-                            </p:stCondLst>
-                            <p:childTnLst>
-                              <p:par>
-                                <p:cTn id="9" presetID="1" presetClass="entr" presetSubtype="0" fill="hold" nodeType="clickEffect">
-                                  <p:stCondLst>
-                                    <p:cond delay="0"/>
-                                  </p:stCondLst>
-                                  <p:childTnLst>
-                                    <p:set>
-                                      <p:cBhvr>
-                                        <p:cTn id="10" dur="1" fill="hold">
-                                          <p:stCondLst>
-                                            <p:cond delay="0"/>
-                                          </p:stCondLst>
-                                        </p:cTn>
-                                        <p:tgtEl>
-                                          <p:spTgt spid="219">
-                                            <p:txEl>
-                                              <p:pRg st="2" end="2"/>
-                                            </p:txEl>
-                                          </p:spTgt>
-                                        </p:tgtEl>
-                                        <p:attrNameLst>
-                                          <p:attrName>style.visibility</p:attrName>
-                                        </p:attrNameLst>
-                                      </p:cBhvr>
-                                      <p:to>
-                                        <p:strVal val="visible"/>
-                                      </p:to>
-                                    </p:set>
-                                  </p:childTnLst>
-                                </p:cTn>
-                              </p:par>
-                            </p:childTnLst>
-                          </p:cTn>
-                        </p:par>
-                      </p:childTnLst>
-                    </p:cTn>
-                  </p:par>
-                  <p:par>
-                    <p:cTn id="11" fill="hold">
-                      <p:stCondLst>
-                        <p:cond delay="indefinite"/>
-                      </p:stCondLst>
-                      <p:childTnLst>
-                        <p:par>
-                          <p:cTn id="12" fill="hold">
-                            <p:stCondLst>
-                              <p:cond delay="0"/>
-                            </p:stCondLst>
-                            <p:childTnLst>
-                              <p:par>
-                                <p:cTn id="13" presetID="1" presetClass="entr" presetSubtype="0" fill="hold" nodeType="clickEffect">
-                                  <p:stCondLst>
-                                    <p:cond delay="0"/>
-                                  </p:stCondLst>
-                                  <p:childTnLst>
-                                    <p:set>
-                                      <p:cBhvr>
-                                        <p:cTn id="14" dur="1" fill="hold">
-                                          <p:stCondLst>
-                                            <p:cond delay="0"/>
-                                          </p:stCondLst>
-                                        </p:cTn>
-                                        <p:tgtEl>
-                                          <p:spTgt spid="219">
-                                            <p:txEl>
-                                              <p:pRg st="3" end="3"/>
-                                            </p:txEl>
-                                          </p:spTgt>
-                                        </p:tgtEl>
-                                        <p:attrNameLst>
-                                          <p:attrName>style.visibility</p:attrName>
-                                        </p:attrNameLst>
-                                      </p:cBhvr>
-                                      <p:to>
-                                        <p:strVal val="visible"/>
-                                      </p:to>
-                                    </p:set>
-                                  </p:childTnLst>
-                                </p:cTn>
-                              </p:par>
-                            </p:childTnLst>
-                          </p:cTn>
-                        </p:par>
-                      </p:childTnLst>
-                    </p:cTn>
-                  </p:par>
-                  <p:par>
-                    <p:cTn id="15" fill="hold">
-                      <p:stCondLst>
-                        <p:cond delay="indefinite"/>
-                      </p:stCondLst>
-                      <p:childTnLst>
-                        <p:par>
-                          <p:cTn id="16" fill="hold">
-                            <p:stCondLst>
-                              <p:cond delay="0"/>
-                            </p:stCondLst>
-                            <p:childTnLst>
-                              <p:par>
-                                <p:cTn id="17" presetID="1" presetClass="entr" presetSubtype="0" fill="hold" nodeType="clickEffect">
-                                  <p:stCondLst>
-                                    <p:cond delay="0"/>
-                                  </p:stCondLst>
-                                  <p:childTnLst>
-                                    <p:set>
-                                      <p:cBhvr>
-                                        <p:cTn id="18" dur="1" fill="hold">
-                                          <p:stCondLst>
-                                            <p:cond delay="0"/>
-                                          </p:stCondLst>
-                                        </p:cTn>
-                                        <p:tgtEl>
-                                          <p:spTgt spid="219">
-                                            <p:txEl>
-                                              <p:pRg st="4" end="4"/>
-                                            </p:txEl>
-                                          </p:spTgt>
-                                        </p:tgtEl>
-                                        <p:attrNameLst>
-                                          <p:attrName>style.visibility</p:attrName>
-                                        </p:attrNameLst>
-                                      </p:cBhvr>
-                                      <p:to>
-                                        <p:strVal val="visible"/>
-                                      </p:to>
-                                    </p:set>
-                                  </p:childTnLst>
-                                </p:cTn>
-                              </p:par>
-                            </p:childTnLst>
-                          </p:cTn>
-                        </p:par>
-                      </p:childTnLst>
-                    </p:cTn>
-                  </p:par>
-                  <p:par>
-                    <p:cTn id="19" fill="hold">
-                      <p:stCondLst>
-                        <p:cond delay="indefinite"/>
-                      </p:stCondLst>
-                      <p:childTnLst>
-                        <p:par>
-                          <p:cTn id="20" fill="hold">
-                            <p:stCondLst>
-                              <p:cond delay="0"/>
-                            </p:stCondLst>
-                            <p:childTnLst>
-                              <p:par>
-                                <p:cTn id="21" presetID="1" presetClass="entr" presetSubtype="0" fill="hold" nodeType="clickEffect">
-                                  <p:stCondLst>
-                                    <p:cond delay="0"/>
-                                  </p:stCondLst>
-                                  <p:childTnLst>
-                                    <p:set>
-                                      <p:cBhvr>
-                                        <p:cTn id="22" dur="1" fill="hold">
-                                          <p:stCondLst>
-                                            <p:cond delay="0"/>
-                                          </p:stCondLst>
-                                        </p:cTn>
-                                        <p:tgtEl>
-                                          <p:spTgt spid="219">
-                                            <p:txEl>
-                                              <p:pRg st="5" end="5"/>
-                                            </p:txEl>
-                                          </p:spTgt>
-                                        </p:tgtEl>
-                                        <p:attrNameLst>
-                                          <p:attrName>style.visibility</p:attrName>
-                                        </p:attrNameLst>
-                                      </p:cBhvr>
-                                      <p:to>
-                                        <p:strVal val="visible"/>
-                                      </p:to>
-                                    </p:set>
-                                  </p:childTnLst>
-                                </p:cTn>
-                              </p:par>
-                            </p:childTnLst>
-                          </p:cTn>
-                        </p:par>
-                      </p:childTnLst>
-                    </p:cTn>
-                  </p:par>
-                </p:childTnLst>
-              </p:cTn>
-              <p:prevCondLst>
-                <p:cond evt="onPrev" delay="0">
-                  <p:tgtEl>
-                    <p:sldTgt/>
-                  </p:tgtEl>
-                </p:cond>
-              </p:prevCondLst>
-              <p:nextCondLst>
-                <p:cond evt="onNext" delay="0">
-                  <p:tgtEl>
-                    <p:sldTgt/>
-                  </p:tgtEl>
-                </p:cond>
-              </p:nextCondLst>
-            </p:seq>
-          </p:childTnLst>
-        </p:cTn>
-      </p:par>
-    </p:tnLst>
-  </p:timing>
 </p:sld>
 </file>
 
@@ -16052,379 +14840,6 @@
   <p:clrMapOvr>
     <a:masterClrMapping/>
   </p:clrMapOvr>
-  <p:timing>
-    <p:tnLst>
-      <p:par>
-        <p:cTn id="1" dur="indefinite" restart="never" nodeType="tmRoot">
-          <p:childTnLst>
-            <p:seq concurrent="1" nextAc="seek">
-              <p:cTn id="2" dur="indefinite" nodeType="mainSeq">
-                <p:childTnLst>
-                  <p:par>
-                    <p:cTn id="3" fill="hold">
-                      <p:stCondLst>
-                        <p:cond delay="indefinite"/>
-                      </p:stCondLst>
-                      <p:childTnLst>
-                        <p:par>
-                          <p:cTn id="4" fill="hold">
-                            <p:stCondLst>
-                              <p:cond delay="0"/>
-                            </p:stCondLst>
-                            <p:childTnLst>
-                              <p:par>
-                                <p:cTn id="5" presetID="1" presetClass="entr" presetSubtype="0" fill="hold" nodeType="clickEffect">
-                                  <p:stCondLst>
-                                    <p:cond delay="0"/>
-                                  </p:stCondLst>
-                                  <p:childTnLst>
-                                    <p:set>
-                                      <p:cBhvr>
-                                        <p:cTn id="6" dur="1" fill="hold">
-                                          <p:stCondLst>
-                                            <p:cond delay="0"/>
-                                          </p:stCondLst>
-                                        </p:cTn>
-                                        <p:tgtEl>
-                                          <p:spTgt spid="227">
-                                            <p:txEl>
-                                              <p:pRg st="2" end="2"/>
-                                            </p:txEl>
-                                          </p:spTgt>
-                                        </p:tgtEl>
-                                        <p:attrNameLst>
-                                          <p:attrName>style.visibility</p:attrName>
-                                        </p:attrNameLst>
-                                      </p:cBhvr>
-                                      <p:to>
-                                        <p:strVal val="visible"/>
-                                      </p:to>
-                                    </p:set>
-                                  </p:childTnLst>
-                                </p:cTn>
-                              </p:par>
-                            </p:childTnLst>
-                          </p:cTn>
-                        </p:par>
-                      </p:childTnLst>
-                    </p:cTn>
-                  </p:par>
-                  <p:par>
-                    <p:cTn id="7" fill="hold">
-                      <p:stCondLst>
-                        <p:cond delay="indefinite"/>
-                      </p:stCondLst>
-                      <p:childTnLst>
-                        <p:par>
-                          <p:cTn id="8" fill="hold">
-                            <p:stCondLst>
-                              <p:cond delay="0"/>
-                            </p:stCondLst>
-                            <p:childTnLst>
-                              <p:par>
-                                <p:cTn id="9" presetID="1" presetClass="entr" presetSubtype="0" fill="hold" nodeType="clickEffect">
-                                  <p:stCondLst>
-                                    <p:cond delay="0"/>
-                                  </p:stCondLst>
-                                  <p:childTnLst>
-                                    <p:set>
-                                      <p:cBhvr>
-                                        <p:cTn id="10" dur="1" fill="hold">
-                                          <p:stCondLst>
-                                            <p:cond delay="0"/>
-                                          </p:stCondLst>
-                                        </p:cTn>
-                                        <p:tgtEl>
-                                          <p:spTgt spid="227">
-                                            <p:txEl>
-                                              <p:pRg st="3" end="3"/>
-                                            </p:txEl>
-                                          </p:spTgt>
-                                        </p:tgtEl>
-                                        <p:attrNameLst>
-                                          <p:attrName>style.visibility</p:attrName>
-                                        </p:attrNameLst>
-                                      </p:cBhvr>
-                                      <p:to>
-                                        <p:strVal val="visible"/>
-                                      </p:to>
-                                    </p:set>
-                                  </p:childTnLst>
-                                </p:cTn>
-                              </p:par>
-                            </p:childTnLst>
-                          </p:cTn>
-                        </p:par>
-                      </p:childTnLst>
-                    </p:cTn>
-                  </p:par>
-                  <p:par>
-                    <p:cTn id="11" fill="hold">
-                      <p:stCondLst>
-                        <p:cond delay="indefinite"/>
-                      </p:stCondLst>
-                      <p:childTnLst>
-                        <p:par>
-                          <p:cTn id="12" fill="hold">
-                            <p:stCondLst>
-                              <p:cond delay="0"/>
-                            </p:stCondLst>
-                            <p:childTnLst>
-                              <p:par>
-                                <p:cTn id="13" presetID="1" presetClass="entr" presetSubtype="0" fill="hold" nodeType="clickEffect">
-                                  <p:stCondLst>
-                                    <p:cond delay="0"/>
-                                  </p:stCondLst>
-                                  <p:childTnLst>
-                                    <p:set>
-                                      <p:cBhvr>
-                                        <p:cTn id="14" dur="1" fill="hold">
-                                          <p:stCondLst>
-                                            <p:cond delay="0"/>
-                                          </p:stCondLst>
-                                        </p:cTn>
-                                        <p:tgtEl>
-                                          <p:spTgt spid="227">
-                                            <p:txEl>
-                                              <p:pRg st="4" end="4"/>
-                                            </p:txEl>
-                                          </p:spTgt>
-                                        </p:tgtEl>
-                                        <p:attrNameLst>
-                                          <p:attrName>style.visibility</p:attrName>
-                                        </p:attrNameLst>
-                                      </p:cBhvr>
-                                      <p:to>
-                                        <p:strVal val="visible"/>
-                                      </p:to>
-                                    </p:set>
-                                  </p:childTnLst>
-                                </p:cTn>
-                              </p:par>
-                            </p:childTnLst>
-                          </p:cTn>
-                        </p:par>
-                      </p:childTnLst>
-                    </p:cTn>
-                  </p:par>
-                  <p:par>
-                    <p:cTn id="15" fill="hold">
-                      <p:stCondLst>
-                        <p:cond delay="indefinite"/>
-                      </p:stCondLst>
-                      <p:childTnLst>
-                        <p:par>
-                          <p:cTn id="16" fill="hold">
-                            <p:stCondLst>
-                              <p:cond delay="0"/>
-                            </p:stCondLst>
-                            <p:childTnLst>
-                              <p:par>
-                                <p:cTn id="17" presetID="1" presetClass="entr" presetSubtype="0" fill="hold" nodeType="clickEffect">
-                                  <p:stCondLst>
-                                    <p:cond delay="0"/>
-                                  </p:stCondLst>
-                                  <p:childTnLst>
-                                    <p:set>
-                                      <p:cBhvr>
-                                        <p:cTn id="18" dur="1" fill="hold">
-                                          <p:stCondLst>
-                                            <p:cond delay="0"/>
-                                          </p:stCondLst>
-                                        </p:cTn>
-                                        <p:tgtEl>
-                                          <p:spTgt spid="227">
-                                            <p:txEl>
-                                              <p:pRg st="5" end="5"/>
-                                            </p:txEl>
-                                          </p:spTgt>
-                                        </p:tgtEl>
-                                        <p:attrNameLst>
-                                          <p:attrName>style.visibility</p:attrName>
-                                        </p:attrNameLst>
-                                      </p:cBhvr>
-                                      <p:to>
-                                        <p:strVal val="visible"/>
-                                      </p:to>
-                                    </p:set>
-                                  </p:childTnLst>
-                                </p:cTn>
-                              </p:par>
-                            </p:childTnLst>
-                          </p:cTn>
-                        </p:par>
-                      </p:childTnLst>
-                    </p:cTn>
-                  </p:par>
-                  <p:par>
-                    <p:cTn id="19" fill="hold">
-                      <p:stCondLst>
-                        <p:cond delay="indefinite"/>
-                      </p:stCondLst>
-                      <p:childTnLst>
-                        <p:par>
-                          <p:cTn id="20" fill="hold">
-                            <p:stCondLst>
-                              <p:cond delay="0"/>
-                            </p:stCondLst>
-                            <p:childTnLst>
-                              <p:par>
-                                <p:cTn id="21" presetID="1" presetClass="entr" presetSubtype="0" fill="hold" nodeType="clickEffect">
-                                  <p:stCondLst>
-                                    <p:cond delay="0"/>
-                                  </p:stCondLst>
-                                  <p:childTnLst>
-                                    <p:set>
-                                      <p:cBhvr>
-                                        <p:cTn id="22" dur="1" fill="hold">
-                                          <p:stCondLst>
-                                            <p:cond delay="0"/>
-                                          </p:stCondLst>
-                                        </p:cTn>
-                                        <p:tgtEl>
-                                          <p:spTgt spid="227">
-                                            <p:txEl>
-                                              <p:pRg st="6" end="6"/>
-                                            </p:txEl>
-                                          </p:spTgt>
-                                        </p:tgtEl>
-                                        <p:attrNameLst>
-                                          <p:attrName>style.visibility</p:attrName>
-                                        </p:attrNameLst>
-                                      </p:cBhvr>
-                                      <p:to>
-                                        <p:strVal val="visible"/>
-                                      </p:to>
-                                    </p:set>
-                                  </p:childTnLst>
-                                </p:cTn>
-                              </p:par>
-                            </p:childTnLst>
-                          </p:cTn>
-                        </p:par>
-                      </p:childTnLst>
-                    </p:cTn>
-                  </p:par>
-                  <p:par>
-                    <p:cTn id="23" fill="hold">
-                      <p:stCondLst>
-                        <p:cond delay="indefinite"/>
-                      </p:stCondLst>
-                      <p:childTnLst>
-                        <p:par>
-                          <p:cTn id="24" fill="hold">
-                            <p:stCondLst>
-                              <p:cond delay="0"/>
-                            </p:stCondLst>
-                            <p:childTnLst>
-                              <p:par>
-                                <p:cTn id="25" presetID="1" presetClass="entr" presetSubtype="0" fill="hold" nodeType="clickEffect">
-                                  <p:stCondLst>
-                                    <p:cond delay="0"/>
-                                  </p:stCondLst>
-                                  <p:childTnLst>
-                                    <p:set>
-                                      <p:cBhvr>
-                                        <p:cTn id="26" dur="1" fill="hold">
-                                          <p:stCondLst>
-                                            <p:cond delay="0"/>
-                                          </p:stCondLst>
-                                        </p:cTn>
-                                        <p:tgtEl>
-                                          <p:spTgt spid="227">
-                                            <p:txEl>
-                                              <p:pRg st="7" end="7"/>
-                                            </p:txEl>
-                                          </p:spTgt>
-                                        </p:tgtEl>
-                                        <p:attrNameLst>
-                                          <p:attrName>style.visibility</p:attrName>
-                                        </p:attrNameLst>
-                                      </p:cBhvr>
-                                      <p:to>
-                                        <p:strVal val="visible"/>
-                                      </p:to>
-                                    </p:set>
-                                  </p:childTnLst>
-                                </p:cTn>
-                              </p:par>
-                            </p:childTnLst>
-                          </p:cTn>
-                        </p:par>
-                      </p:childTnLst>
-                    </p:cTn>
-                  </p:par>
-                  <p:par>
-                    <p:cTn id="27" fill="hold">
-                      <p:stCondLst>
-                        <p:cond delay="indefinite"/>
-                      </p:stCondLst>
-                      <p:childTnLst>
-                        <p:par>
-                          <p:cTn id="28" fill="hold">
-                            <p:stCondLst>
-                              <p:cond delay="0"/>
-                            </p:stCondLst>
-                            <p:childTnLst>
-                              <p:par>
-                                <p:cTn id="29" presetID="1" presetClass="entr" presetSubtype="0" fill="hold" nodeType="clickEffect">
-                                  <p:stCondLst>
-                                    <p:cond delay="0"/>
-                                  </p:stCondLst>
-                                  <p:childTnLst>
-                                    <p:set>
-                                      <p:cBhvr>
-                                        <p:cTn id="30" dur="1" fill="hold">
-                                          <p:stCondLst>
-                                            <p:cond delay="0"/>
-                                          </p:stCondLst>
-                                        </p:cTn>
-                                        <p:tgtEl>
-                                          <p:spTgt spid="227">
-                                            <p:txEl>
-                                              <p:pRg st="8" end="8"/>
-                                            </p:txEl>
-                                          </p:spTgt>
-                                        </p:tgtEl>
-                                        <p:attrNameLst>
-                                          <p:attrName>style.visibility</p:attrName>
-                                        </p:attrNameLst>
-                                      </p:cBhvr>
-                                      <p:to>
-                                        <p:strVal val="visible"/>
-                                      </p:to>
-                                    </p:set>
-                                  </p:childTnLst>
-                                </p:cTn>
-                              </p:par>
-                            </p:childTnLst>
-                          </p:cTn>
-                        </p:par>
-                      </p:childTnLst>
-                    </p:cTn>
-                  </p:par>
-                </p:childTnLst>
-              </p:cTn>
-              <p:prevCondLst>
-                <p:cond evt="onPrev" delay="0">
-                  <p:tgtEl>
-                    <p:sldTgt/>
-                  </p:tgtEl>
-                </p:cond>
-              </p:prevCondLst>
-              <p:nextCondLst>
-                <p:cond evt="onNext" delay="0">
-                  <p:tgtEl>
-                    <p:sldTgt/>
-                  </p:tgtEl>
-                </p:cond>
-              </p:nextCondLst>
-            </p:seq>
-          </p:childTnLst>
-        </p:cTn>
-      </p:par>
-    </p:tnLst>
-  </p:timing>
 </p:sld>
 </file>
 
@@ -16675,281 +15090,6 @@
   <p:clrMapOvr>
     <a:masterClrMapping/>
   </p:clrMapOvr>
-  <p:timing>
-    <p:tnLst>
-      <p:par>
-        <p:cTn id="1" dur="indefinite" restart="never" nodeType="tmRoot">
-          <p:childTnLst>
-            <p:seq concurrent="1" nextAc="seek">
-              <p:cTn id="2" dur="indefinite" nodeType="mainSeq">
-                <p:childTnLst>
-                  <p:par>
-                    <p:cTn id="3" fill="hold">
-                      <p:stCondLst>
-                        <p:cond delay="indefinite"/>
-                      </p:stCondLst>
-                      <p:childTnLst>
-                        <p:par>
-                          <p:cTn id="4" fill="hold">
-                            <p:stCondLst>
-                              <p:cond delay="0"/>
-                            </p:stCondLst>
-                            <p:childTnLst>
-                              <p:par>
-                                <p:cTn id="5" presetID="1" presetClass="entr" presetSubtype="0" fill="hold" nodeType="clickEffect">
-                                  <p:stCondLst>
-                                    <p:cond delay="0"/>
-                                  </p:stCondLst>
-                                  <p:childTnLst>
-                                    <p:set>
-                                      <p:cBhvr>
-                                        <p:cTn id="6" dur="1" fill="hold">
-                                          <p:stCondLst>
-                                            <p:cond delay="0"/>
-                                          </p:stCondLst>
-                                        </p:cTn>
-                                        <p:tgtEl>
-                                          <p:spTgt spid="235">
-                                            <p:txEl>
-                                              <p:pRg st="1" end="1"/>
-                                            </p:txEl>
-                                          </p:spTgt>
-                                        </p:tgtEl>
-                                        <p:attrNameLst>
-                                          <p:attrName>style.visibility</p:attrName>
-                                        </p:attrNameLst>
-                                      </p:cBhvr>
-                                      <p:to>
-                                        <p:strVal val="visible"/>
-                                      </p:to>
-                                    </p:set>
-                                  </p:childTnLst>
-                                </p:cTn>
-                              </p:par>
-                            </p:childTnLst>
-                          </p:cTn>
-                        </p:par>
-                      </p:childTnLst>
-                    </p:cTn>
-                  </p:par>
-                  <p:par>
-                    <p:cTn id="7" fill="hold">
-                      <p:stCondLst>
-                        <p:cond delay="indefinite"/>
-                      </p:stCondLst>
-                      <p:childTnLst>
-                        <p:par>
-                          <p:cTn id="8" fill="hold">
-                            <p:stCondLst>
-                              <p:cond delay="0"/>
-                            </p:stCondLst>
-                            <p:childTnLst>
-                              <p:par>
-                                <p:cTn id="9" presetID="1" presetClass="entr" presetSubtype="0" fill="hold" nodeType="clickEffect">
-                                  <p:stCondLst>
-                                    <p:cond delay="0"/>
-                                  </p:stCondLst>
-                                  <p:childTnLst>
-                                    <p:set>
-                                      <p:cBhvr>
-                                        <p:cTn id="10" dur="1" fill="hold">
-                                          <p:stCondLst>
-                                            <p:cond delay="0"/>
-                                          </p:stCondLst>
-                                        </p:cTn>
-                                        <p:tgtEl>
-                                          <p:spTgt spid="235">
-                                            <p:txEl>
-                                              <p:pRg st="2" end="2"/>
-                                            </p:txEl>
-                                          </p:spTgt>
-                                        </p:tgtEl>
-                                        <p:attrNameLst>
-                                          <p:attrName>style.visibility</p:attrName>
-                                        </p:attrNameLst>
-                                      </p:cBhvr>
-                                      <p:to>
-                                        <p:strVal val="visible"/>
-                                      </p:to>
-                                    </p:set>
-                                  </p:childTnLst>
-                                </p:cTn>
-                              </p:par>
-                            </p:childTnLst>
-                          </p:cTn>
-                        </p:par>
-                      </p:childTnLst>
-                    </p:cTn>
-                  </p:par>
-                  <p:par>
-                    <p:cTn id="11" fill="hold">
-                      <p:stCondLst>
-                        <p:cond delay="indefinite"/>
-                      </p:stCondLst>
-                      <p:childTnLst>
-                        <p:par>
-                          <p:cTn id="12" fill="hold">
-                            <p:stCondLst>
-                              <p:cond delay="0"/>
-                            </p:stCondLst>
-                            <p:childTnLst>
-                              <p:par>
-                                <p:cTn id="13" presetID="1" presetClass="entr" presetSubtype="0" fill="hold" nodeType="clickEffect">
-                                  <p:stCondLst>
-                                    <p:cond delay="0"/>
-                                  </p:stCondLst>
-                                  <p:childTnLst>
-                                    <p:set>
-                                      <p:cBhvr>
-                                        <p:cTn id="14" dur="1" fill="hold">
-                                          <p:stCondLst>
-                                            <p:cond delay="0"/>
-                                          </p:stCondLst>
-                                        </p:cTn>
-                                        <p:tgtEl>
-                                          <p:spTgt spid="235">
-                                            <p:txEl>
-                                              <p:pRg st="3" end="3"/>
-                                            </p:txEl>
-                                          </p:spTgt>
-                                        </p:tgtEl>
-                                        <p:attrNameLst>
-                                          <p:attrName>style.visibility</p:attrName>
-                                        </p:attrNameLst>
-                                      </p:cBhvr>
-                                      <p:to>
-                                        <p:strVal val="visible"/>
-                                      </p:to>
-                                    </p:set>
-                                  </p:childTnLst>
-                                </p:cTn>
-                              </p:par>
-                            </p:childTnLst>
-                          </p:cTn>
-                        </p:par>
-                      </p:childTnLst>
-                    </p:cTn>
-                  </p:par>
-                  <p:par>
-                    <p:cTn id="15" fill="hold">
-                      <p:stCondLst>
-                        <p:cond delay="indefinite"/>
-                      </p:stCondLst>
-                      <p:childTnLst>
-                        <p:par>
-                          <p:cTn id="16" fill="hold">
-                            <p:stCondLst>
-                              <p:cond delay="0"/>
-                            </p:stCondLst>
-                            <p:childTnLst>
-                              <p:par>
-                                <p:cTn id="17" presetID="1" presetClass="entr" presetSubtype="0" fill="hold" nodeType="clickEffect">
-                                  <p:stCondLst>
-                                    <p:cond delay="0"/>
-                                  </p:stCondLst>
-                                  <p:childTnLst>
-                                    <p:set>
-                                      <p:cBhvr>
-                                        <p:cTn id="18" dur="1" fill="hold">
-                                          <p:stCondLst>
-                                            <p:cond delay="0"/>
-                                          </p:stCondLst>
-                                        </p:cTn>
-                                        <p:tgtEl>
-                                          <p:spTgt spid="235">
-                                            <p:txEl>
-                                              <p:pRg st="4" end="4"/>
-                                            </p:txEl>
-                                          </p:spTgt>
-                                        </p:tgtEl>
-                                        <p:attrNameLst>
-                                          <p:attrName>style.visibility</p:attrName>
-                                        </p:attrNameLst>
-                                      </p:cBhvr>
-                                      <p:to>
-                                        <p:strVal val="visible"/>
-                                      </p:to>
-                                    </p:set>
-                                  </p:childTnLst>
-                                </p:cTn>
-                              </p:par>
-                            </p:childTnLst>
-                          </p:cTn>
-                        </p:par>
-                      </p:childTnLst>
-                    </p:cTn>
-                  </p:par>
-                  <p:par>
-                    <p:cTn id="19" fill="hold">
-                      <p:stCondLst>
-                        <p:cond delay="indefinite"/>
-                      </p:stCondLst>
-                      <p:childTnLst>
-                        <p:par>
-                          <p:cTn id="20" fill="hold">
-                            <p:stCondLst>
-                              <p:cond delay="0"/>
-                            </p:stCondLst>
-                            <p:childTnLst>
-                              <p:par>
-                                <p:cTn id="21" presetID="1" presetClass="entr" presetSubtype="0" fill="hold" nodeType="clickEffect">
-                                  <p:stCondLst>
-                                    <p:cond delay="0"/>
-                                  </p:stCondLst>
-                                  <p:childTnLst>
-                                    <p:set>
-                                      <p:cBhvr>
-                                        <p:cTn id="22" dur="1" fill="hold">
-                                          <p:stCondLst>
-                                            <p:cond delay="0"/>
-                                          </p:stCondLst>
-                                        </p:cTn>
-                                        <p:tgtEl>
-                                          <p:spTgt spid="235">
-                                            <p:txEl>
-                                              <p:pRg st="5" end="5"/>
-                                            </p:txEl>
-                                          </p:spTgt>
-                                        </p:tgtEl>
-                                        <p:attrNameLst>
-                                          <p:attrName>style.visibility</p:attrName>
-                                        </p:attrNameLst>
-                                      </p:cBhvr>
-                                      <p:to>
-                                        <p:strVal val="visible"/>
-                                      </p:to>
-                                    </p:set>
-                                  </p:childTnLst>
-                                </p:cTn>
-                              </p:par>
-                            </p:childTnLst>
-                          </p:cTn>
-                        </p:par>
-                      </p:childTnLst>
-                    </p:cTn>
-                  </p:par>
-                </p:childTnLst>
-              </p:cTn>
-              <p:prevCondLst>
-                <p:cond evt="onPrev" delay="0">
-                  <p:tgtEl>
-                    <p:sldTgt/>
-                  </p:tgtEl>
-                </p:cond>
-              </p:prevCondLst>
-              <p:nextCondLst>
-                <p:cond evt="onNext" delay="0">
-                  <p:tgtEl>
-                    <p:sldTgt/>
-                  </p:tgtEl>
-                </p:cond>
-              </p:nextCondLst>
-            </p:seq>
-          </p:childTnLst>
-        </p:cTn>
-      </p:par>
-    </p:tnLst>
-  </p:timing>
 </p:sld>
 </file>
 
@@ -17048,10 +15188,10 @@
               <a:buChar char="●"/>
             </a:pPr>
             <a:r>
-              <a:rPr lang="en"/>
+              <a:rPr lang="en" dirty="0"/>
               <a:t>URLs are designed to contain printable, human-readable characters (ASCII)</a:t>
             </a:r>
-            <a:endParaRPr/>
+            <a:endParaRPr dirty="0"/>
           </a:p>
           <a:p>
             <a:pPr marL="914400" lvl="1" indent="-317500" algn="l" rtl="0">
@@ -17065,10 +15205,10 @@
               <a:buChar char="○"/>
             </a:pPr>
             <a:r>
-              <a:rPr lang="en"/>
+              <a:rPr lang="en" dirty="0"/>
               <a:t>What if we want to include non-printable characters in the URL?</a:t>
             </a:r>
-            <a:endParaRPr/>
+            <a:endParaRPr dirty="0"/>
           </a:p>
           <a:p>
             <a:pPr marL="457200" lvl="0" indent="-342900" algn="l" rtl="0">
@@ -17082,11 +15222,11 @@
               <a:buChar char="●"/>
             </a:pPr>
             <a:r>
-              <a:rPr lang="en"/>
+              <a:rPr lang="en" dirty="0"/>
               <a:t>Recall: URLs have special characters (</a:t>
             </a:r>
             <a:r>
-              <a:rPr lang="en" b="1">
+              <a:rPr lang="en" b="1" dirty="0">
                 <a:latin typeface="Courier New"/>
                 <a:ea typeface="Courier New"/>
                 <a:cs typeface="Courier New"/>
@@ -17095,11 +15235,11 @@
               <a:t>?</a:t>
             </a:r>
             <a:r>
-              <a:rPr lang="en"/>
+              <a:rPr lang="en" dirty="0"/>
               <a:t>, </a:t>
             </a:r>
             <a:r>
-              <a:rPr lang="en" b="1">
+              <a:rPr lang="en" b="1" dirty="0">
                 <a:latin typeface="Courier New"/>
                 <a:ea typeface="Courier New"/>
                 <a:cs typeface="Courier New"/>
@@ -17108,11 +15248,11 @@
               <a:t>#</a:t>
             </a:r>
             <a:r>
-              <a:rPr lang="en"/>
+              <a:rPr lang="en" dirty="0"/>
               <a:t>, </a:t>
             </a:r>
             <a:r>
-              <a:rPr lang="en" b="1">
+              <a:rPr lang="en" b="1" dirty="0">
                 <a:latin typeface="Courier New"/>
                 <a:ea typeface="Courier New"/>
                 <a:cs typeface="Courier New"/>
@@ -17121,10 +15261,10 @@
               <a:t>/</a:t>
             </a:r>
             <a:r>
-              <a:rPr lang="en"/>
+              <a:rPr lang="en" dirty="0"/>
               <a:t>)</a:t>
             </a:r>
-            <a:endParaRPr/>
+            <a:endParaRPr dirty="0"/>
           </a:p>
           <a:p>
             <a:pPr marL="914400" lvl="1" indent="-317500" algn="l" rtl="0">
@@ -17138,10 +15278,10 @@
               <a:buChar char="○"/>
             </a:pPr>
             <a:r>
-              <a:rPr lang="en"/>
+              <a:rPr lang="en" dirty="0"/>
               <a:t>What if we want to use a special character in the URL?</a:t>
             </a:r>
-            <a:endParaRPr/>
+            <a:endParaRPr dirty="0"/>
           </a:p>
           <a:p>
             <a:pPr marL="457200" lvl="0" indent="-342900" algn="l" rtl="0">
@@ -17155,10 +15295,10 @@
               <a:buChar char="●"/>
             </a:pPr>
             <a:r>
-              <a:rPr lang="en"/>
+              <a:rPr lang="en" dirty="0"/>
               <a:t>Solution: URL encoding</a:t>
             </a:r>
-            <a:endParaRPr/>
+            <a:endParaRPr dirty="0"/>
           </a:p>
           <a:p>
             <a:pPr marL="914400" lvl="1" indent="-317500" algn="l" rtl="0">
@@ -17172,11 +15312,11 @@
               <a:buChar char="○"/>
             </a:pPr>
             <a:r>
-              <a:rPr lang="en"/>
+              <a:rPr lang="en" dirty="0"/>
               <a:t>Notation: Percent sign (</a:t>
             </a:r>
             <a:r>
-              <a:rPr lang="en" b="1">
+              <a:rPr lang="en" b="1" dirty="0">
                 <a:latin typeface="Courier New"/>
                 <a:ea typeface="Courier New"/>
                 <a:cs typeface="Courier New"/>
@@ -17185,10 +15325,10 @@
               <a:t>%</a:t>
             </a:r>
             <a:r>
-              <a:rPr lang="en"/>
+              <a:rPr lang="en" dirty="0"/>
               <a:t>) followed by the hexadecimal value of the character</a:t>
             </a:r>
-            <a:endParaRPr/>
+            <a:endParaRPr dirty="0"/>
           </a:p>
           <a:p>
             <a:pPr marL="914400" lvl="1" indent="-317500" algn="l" rtl="0">
@@ -17202,11 +15342,11 @@
               <a:buChar char="○"/>
             </a:pPr>
             <a:r>
-              <a:rPr lang="en"/>
+              <a:rPr lang="en" dirty="0"/>
               <a:t>Example: </a:t>
             </a:r>
             <a:r>
-              <a:rPr lang="en" b="1">
+              <a:rPr lang="en" b="1" dirty="0">
                 <a:latin typeface="Courier New"/>
                 <a:ea typeface="Courier New"/>
                 <a:cs typeface="Courier New"/>
@@ -17215,11 +15355,11 @@
               <a:t>%20</a:t>
             </a:r>
             <a:r>
-              <a:rPr lang="en"/>
+              <a:rPr lang="en" dirty="0"/>
               <a:t> = '</a:t>
             </a:r>
             <a:r>
-              <a:rPr lang="en" b="1">
+              <a:rPr lang="en" b="1" dirty="0">
                 <a:latin typeface="Courier New"/>
                 <a:ea typeface="Courier New"/>
                 <a:cs typeface="Courier New"/>
@@ -17228,10 +15368,10 @@
               <a:t> </a:t>
             </a:r>
             <a:r>
-              <a:rPr lang="en"/>
+              <a:rPr lang="en" dirty="0"/>
               <a:t>' (spacebar)</a:t>
             </a:r>
-            <a:endParaRPr/>
+            <a:endParaRPr dirty="0"/>
           </a:p>
           <a:p>
             <a:pPr marL="914400" lvl="1" indent="-317500" algn="l" rtl="0">
@@ -17245,11 +15385,11 @@
               <a:buChar char="○"/>
             </a:pPr>
             <a:r>
-              <a:rPr lang="en"/>
+              <a:rPr lang="en" dirty="0"/>
               <a:t>Example: </a:t>
             </a:r>
             <a:r>
-              <a:rPr lang="en" b="1">
+              <a:rPr lang="en" b="1" dirty="0">
                 <a:latin typeface="Courier New"/>
                 <a:ea typeface="Courier New"/>
                 <a:cs typeface="Courier New"/>
@@ -17258,11 +15398,11 @@
               <a:t>%35</a:t>
             </a:r>
             <a:r>
-              <a:rPr lang="en"/>
+              <a:rPr lang="en" dirty="0"/>
               <a:t> = '</a:t>
             </a:r>
             <a:r>
-              <a:rPr lang="en" b="1">
+              <a:rPr lang="en" b="1" dirty="0">
                 <a:latin typeface="Courier New"/>
                 <a:ea typeface="Courier New"/>
                 <a:cs typeface="Courier New"/>
@@ -17271,10 +15411,10 @@
               <a:t>#</a:t>
             </a:r>
             <a:r>
-              <a:rPr lang="en"/>
+              <a:rPr lang="en" dirty="0"/>
               <a:t>' (hash sign)</a:t>
             </a:r>
-            <a:endParaRPr/>
+            <a:endParaRPr dirty="0"/>
           </a:p>
           <a:p>
             <a:pPr marL="914400" lvl="1" indent="-317500" algn="l" rtl="0">
@@ -17288,11 +15428,11 @@
               <a:buChar char="○"/>
             </a:pPr>
             <a:r>
-              <a:rPr lang="en"/>
+              <a:rPr lang="en" dirty="0"/>
               <a:t>Example: </a:t>
             </a:r>
             <a:r>
-              <a:rPr lang="en" b="1">
+              <a:rPr lang="en" b="1" dirty="0">
                 <a:latin typeface="Courier New"/>
                 <a:ea typeface="Courier New"/>
                 <a:cs typeface="Courier New"/>
@@ -17301,11 +15441,11 @@
               <a:t>%50</a:t>
             </a:r>
             <a:r>
-              <a:rPr lang="en"/>
+              <a:rPr lang="en" dirty="0"/>
               <a:t> = '</a:t>
             </a:r>
             <a:r>
-              <a:rPr lang="en" b="1">
+              <a:rPr lang="en" b="1" dirty="0">
                 <a:latin typeface="Courier New"/>
                 <a:ea typeface="Courier New"/>
                 <a:cs typeface="Courier New"/>
@@ -17314,10 +15454,10 @@
               <a:t>2</a:t>
             </a:r>
             <a:r>
-              <a:rPr lang="en"/>
+              <a:rPr lang="en" dirty="0"/>
               <a:t>' (printable characters can be encoded too!)</a:t>
             </a:r>
-            <a:endParaRPr/>
+            <a:endParaRPr dirty="0"/>
           </a:p>
           <a:p>
             <a:pPr marL="457200" lvl="0" indent="-342900" algn="l" rtl="0">
@@ -17331,10 +15471,10 @@
               <a:buChar char="●"/>
             </a:pPr>
             <a:r>
-              <a:rPr lang="en"/>
+              <a:rPr lang="en" dirty="0"/>
               <a:t>Security issues: makes scanning for malicious URLs harder</a:t>
             </a:r>
-            <a:endParaRPr/>
+            <a:endParaRPr dirty="0"/>
           </a:p>
           <a:p>
             <a:pPr marL="914400" lvl="1" indent="-317500" algn="l" rtl="0">
@@ -17348,19 +15488,37 @@
               <a:buChar char="○"/>
             </a:pPr>
             <a:r>
-              <a:rPr lang="en"/>
+              <a:rPr lang="en" dirty="0"/>
               <a:t>Suppose you want to block all requests to the path </a:t>
             </a:r>
             <a:r>
-              <a:rPr lang="en" b="1">
+              <a:rPr lang="en" b="1" dirty="0">
                 <a:latin typeface="Courier New"/>
                 <a:ea typeface="Courier New"/>
                 <a:cs typeface="Courier New"/>
                 <a:sym typeface="Courier New"/>
               </a:rPr>
-              <a:t>/etc/passwd</a:t>
-            </a:r>
-            <a:endParaRPr b="1">
+              <a:t>/</a:t>
+            </a:r>
+            <a:r>
+              <a:rPr lang="en" b="1" dirty="0" err="1">
+                <a:latin typeface="Courier New"/>
+                <a:ea typeface="Courier New"/>
+                <a:cs typeface="Courier New"/>
+                <a:sym typeface="Courier New"/>
+              </a:rPr>
+              <a:t>etc</a:t>
+            </a:r>
+            <a:r>
+              <a:rPr lang="en" b="1" dirty="0">
+                <a:latin typeface="Courier New"/>
+                <a:ea typeface="Courier New"/>
+                <a:cs typeface="Courier New"/>
+                <a:sym typeface="Courier New"/>
+              </a:rPr>
+              <a:t>/passwd</a:t>
+            </a:r>
+            <a:endParaRPr b="1" dirty="0">
               <a:latin typeface="Courier New"/>
               <a:ea typeface="Courier New"/>
               <a:cs typeface="Courier New"/>
@@ -17379,11 +15537,11 @@
               <a:buChar char="○"/>
             </a:pPr>
             <a:r>
-              <a:rPr lang="en"/>
+              <a:rPr lang="en" dirty="0"/>
               <a:t>What if an attacker makes a request to </a:t>
             </a:r>
             <a:r>
-              <a:rPr lang="en" b="1">
+              <a:rPr lang="en" b="1" dirty="0">
                 <a:latin typeface="Courier New"/>
                 <a:ea typeface="Courier New"/>
                 <a:cs typeface="Courier New"/>
@@ -17392,10 +15550,10 @@
               <a:t>%2F%65%74%63%2F%70%61%73%73%77%64</a:t>
             </a:r>
             <a:r>
-              <a:rPr lang="en"/>
+              <a:rPr lang="en" dirty="0"/>
               <a:t>?</a:t>
             </a:r>
-            <a:endParaRPr/>
+            <a:endParaRPr dirty="0"/>
           </a:p>
           <a:p>
             <a:pPr marL="914400" lvl="1" indent="-317500" algn="l" rtl="0">
@@ -17409,10 +15567,10 @@
               <a:buChar char="○"/>
             </a:pPr>
             <a:r>
-              <a:rPr lang="en"/>
+              <a:rPr lang="en" dirty="0"/>
               <a:t>We’ll study this issue more later</a:t>
             </a:r>
-            <a:endParaRPr/>
+            <a:endParaRPr dirty="0"/>
           </a:p>
         </p:txBody>
       </p:sp>
@@ -17499,7 +15657,7 @@
                                         <p:tgtEl>
                                           <p:spTgt spid="243">
                                             <p:txEl>
-                                              <p:pRg st="2" end="2"/>
+                                              <p:pRg st="4" end="4"/>
                                             </p:txEl>
                                           </p:spTgt>
                                         </p:tgtEl>
@@ -17514,26 +15672,39 @@
                                   </p:childTnLst>
                                 </p:cTn>
                               </p:par>
-                            </p:childTnLst>
-                          </p:cTn>
-                        </p:par>
-                      </p:childTnLst>
-                    </p:cTn>
-                  </p:par>
-                  <p:par>
-                    <p:cTn id="7" fill="hold">
-                      <p:stCondLst>
-                        <p:cond delay="indefinite"/>
-                      </p:stCondLst>
-                      <p:childTnLst>
-                        <p:par>
-                          <p:cTn id="8" fill="hold">
-                            <p:stCondLst>
-                              <p:cond delay="0"/>
-                            </p:stCondLst>
-                            <p:childTnLst>
                               <p:par>
-                                <p:cTn id="9" presetID="1" presetClass="entr" presetSubtype="0" fill="hold" nodeType="clickEffect">
+                                <p:cTn id="7" presetID="1" presetClass="entr" presetSubtype="0" fill="hold" nodeType="withEffect">
+                                  <p:stCondLst>
+                                    <p:cond delay="0"/>
+                                  </p:stCondLst>
+                                  <p:childTnLst>
+                                    <p:set>
+                                      <p:cBhvr>
+                                        <p:cTn id="8" dur="1" fill="hold">
+                                          <p:stCondLst>
+                                            <p:cond delay="0"/>
+                                          </p:stCondLst>
+                                        </p:cTn>
+                                        <p:tgtEl>
+                                          <p:spTgt spid="243">
+                                            <p:txEl>
+                                              <p:pRg st="5" end="5"/>
+                                            </p:txEl>
+                                          </p:spTgt>
+                                        </p:tgtEl>
+                                        <p:attrNameLst>
+                                          <p:attrName>style.visibility</p:attrName>
+                                        </p:attrNameLst>
+                                      </p:cBhvr>
+                                      <p:to>
+                                        <p:strVal val="visible"/>
+                                      </p:to>
+                                    </p:set>
+                                  </p:childTnLst>
+                                </p:cTn>
+                              </p:par>
+                              <p:par>
+                                <p:cTn id="9" presetID="1" presetClass="entr" presetSubtype="0" fill="hold" nodeType="withEffect">
                                   <p:stCondLst>
                                     <p:cond delay="0"/>
                                   </p:stCondLst>
@@ -17548,7 +15719,7 @@
                                         <p:tgtEl>
                                           <p:spTgt spid="243">
                                             <p:txEl>
-                                              <p:pRg st="3" end="3"/>
+                                              <p:pRg st="6" end="6"/>
                                             </p:txEl>
                                           </p:spTgt>
                                         </p:tgtEl>
@@ -17563,26 +15734,39 @@
                                   </p:childTnLst>
                                 </p:cTn>
                               </p:par>
-                            </p:childTnLst>
-                          </p:cTn>
-                        </p:par>
-                      </p:childTnLst>
-                    </p:cTn>
-                  </p:par>
-                  <p:par>
-                    <p:cTn id="11" fill="hold">
-                      <p:stCondLst>
-                        <p:cond delay="indefinite"/>
-                      </p:stCondLst>
-                      <p:childTnLst>
-                        <p:par>
-                          <p:cTn id="12" fill="hold">
-                            <p:stCondLst>
-                              <p:cond delay="0"/>
-                            </p:stCondLst>
-                            <p:childTnLst>
                               <p:par>
-                                <p:cTn id="13" presetID="1" presetClass="entr" presetSubtype="0" fill="hold" nodeType="clickEffect">
+                                <p:cTn id="11" presetID="1" presetClass="entr" presetSubtype="0" fill="hold" nodeType="withEffect">
+                                  <p:stCondLst>
+                                    <p:cond delay="0"/>
+                                  </p:stCondLst>
+                                  <p:childTnLst>
+                                    <p:set>
+                                      <p:cBhvr>
+                                        <p:cTn id="12" dur="1" fill="hold">
+                                          <p:stCondLst>
+                                            <p:cond delay="0"/>
+                                          </p:stCondLst>
+                                        </p:cTn>
+                                        <p:tgtEl>
+                                          <p:spTgt spid="243">
+                                            <p:txEl>
+                                              <p:pRg st="7" end="7"/>
+                                            </p:txEl>
+                                          </p:spTgt>
+                                        </p:tgtEl>
+                                        <p:attrNameLst>
+                                          <p:attrName>style.visibility</p:attrName>
+                                        </p:attrNameLst>
+                                      </p:cBhvr>
+                                      <p:to>
+                                        <p:strVal val="visible"/>
+                                      </p:to>
+                                    </p:set>
+                                  </p:childTnLst>
+                                </p:cTn>
+                              </p:par>
+                              <p:par>
+                                <p:cTn id="13" presetID="1" presetClass="entr" presetSubtype="0" fill="hold" nodeType="withEffect">
                                   <p:stCondLst>
                                     <p:cond delay="0"/>
                                   </p:stCondLst>
@@ -17597,7 +15781,7 @@
                                         <p:tgtEl>
                                           <p:spTgt spid="243">
                                             <p:txEl>
-                                              <p:pRg st="4" end="4"/>
+                                              <p:pRg st="8" end="8"/>
                                             </p:txEl>
                                           </p:spTgt>
                                         </p:tgtEl>
@@ -17646,202 +15830,6 @@
                                         <p:tgtEl>
                                           <p:spTgt spid="243">
                                             <p:txEl>
-                                              <p:pRg st="5" end="5"/>
-                                            </p:txEl>
-                                          </p:spTgt>
-                                        </p:tgtEl>
-                                        <p:attrNameLst>
-                                          <p:attrName>style.visibility</p:attrName>
-                                        </p:attrNameLst>
-                                      </p:cBhvr>
-                                      <p:to>
-                                        <p:strVal val="visible"/>
-                                      </p:to>
-                                    </p:set>
-                                  </p:childTnLst>
-                                </p:cTn>
-                              </p:par>
-                            </p:childTnLst>
-                          </p:cTn>
-                        </p:par>
-                      </p:childTnLst>
-                    </p:cTn>
-                  </p:par>
-                  <p:par>
-                    <p:cTn id="19" fill="hold">
-                      <p:stCondLst>
-                        <p:cond delay="indefinite"/>
-                      </p:stCondLst>
-                      <p:childTnLst>
-                        <p:par>
-                          <p:cTn id="20" fill="hold">
-                            <p:stCondLst>
-                              <p:cond delay="0"/>
-                            </p:stCondLst>
-                            <p:childTnLst>
-                              <p:par>
-                                <p:cTn id="21" presetID="1" presetClass="entr" presetSubtype="0" fill="hold" nodeType="clickEffect">
-                                  <p:stCondLst>
-                                    <p:cond delay="0"/>
-                                  </p:stCondLst>
-                                  <p:childTnLst>
-                                    <p:set>
-                                      <p:cBhvr>
-                                        <p:cTn id="22" dur="1" fill="hold">
-                                          <p:stCondLst>
-                                            <p:cond delay="0"/>
-                                          </p:stCondLst>
-                                        </p:cTn>
-                                        <p:tgtEl>
-                                          <p:spTgt spid="243">
-                                            <p:txEl>
-                                              <p:pRg st="6" end="6"/>
-                                            </p:txEl>
-                                          </p:spTgt>
-                                        </p:tgtEl>
-                                        <p:attrNameLst>
-                                          <p:attrName>style.visibility</p:attrName>
-                                        </p:attrNameLst>
-                                      </p:cBhvr>
-                                      <p:to>
-                                        <p:strVal val="visible"/>
-                                      </p:to>
-                                    </p:set>
-                                  </p:childTnLst>
-                                </p:cTn>
-                              </p:par>
-                            </p:childTnLst>
-                          </p:cTn>
-                        </p:par>
-                      </p:childTnLst>
-                    </p:cTn>
-                  </p:par>
-                  <p:par>
-                    <p:cTn id="23" fill="hold">
-                      <p:stCondLst>
-                        <p:cond delay="indefinite"/>
-                      </p:stCondLst>
-                      <p:childTnLst>
-                        <p:par>
-                          <p:cTn id="24" fill="hold">
-                            <p:stCondLst>
-                              <p:cond delay="0"/>
-                            </p:stCondLst>
-                            <p:childTnLst>
-                              <p:par>
-                                <p:cTn id="25" presetID="1" presetClass="entr" presetSubtype="0" fill="hold" nodeType="clickEffect">
-                                  <p:stCondLst>
-                                    <p:cond delay="0"/>
-                                  </p:stCondLst>
-                                  <p:childTnLst>
-                                    <p:set>
-                                      <p:cBhvr>
-                                        <p:cTn id="26" dur="1" fill="hold">
-                                          <p:stCondLst>
-                                            <p:cond delay="0"/>
-                                          </p:stCondLst>
-                                        </p:cTn>
-                                        <p:tgtEl>
-                                          <p:spTgt spid="243">
-                                            <p:txEl>
-                                              <p:pRg st="7" end="7"/>
-                                            </p:txEl>
-                                          </p:spTgt>
-                                        </p:tgtEl>
-                                        <p:attrNameLst>
-                                          <p:attrName>style.visibility</p:attrName>
-                                        </p:attrNameLst>
-                                      </p:cBhvr>
-                                      <p:to>
-                                        <p:strVal val="visible"/>
-                                      </p:to>
-                                    </p:set>
-                                  </p:childTnLst>
-                                </p:cTn>
-                              </p:par>
-                            </p:childTnLst>
-                          </p:cTn>
-                        </p:par>
-                      </p:childTnLst>
-                    </p:cTn>
-                  </p:par>
-                  <p:par>
-                    <p:cTn id="27" fill="hold">
-                      <p:stCondLst>
-                        <p:cond delay="indefinite"/>
-                      </p:stCondLst>
-                      <p:childTnLst>
-                        <p:par>
-                          <p:cTn id="28" fill="hold">
-                            <p:stCondLst>
-                              <p:cond delay="0"/>
-                            </p:stCondLst>
-                            <p:childTnLst>
-                              <p:par>
-                                <p:cTn id="29" presetID="1" presetClass="entr" presetSubtype="0" fill="hold" nodeType="clickEffect">
-                                  <p:stCondLst>
-                                    <p:cond delay="0"/>
-                                  </p:stCondLst>
-                                  <p:childTnLst>
-                                    <p:set>
-                                      <p:cBhvr>
-                                        <p:cTn id="30" dur="1" fill="hold">
-                                          <p:stCondLst>
-                                            <p:cond delay="0"/>
-                                          </p:stCondLst>
-                                        </p:cTn>
-                                        <p:tgtEl>
-                                          <p:spTgt spid="243">
-                                            <p:txEl>
-                                              <p:pRg st="8" end="8"/>
-                                            </p:txEl>
-                                          </p:spTgt>
-                                        </p:tgtEl>
-                                        <p:attrNameLst>
-                                          <p:attrName>style.visibility</p:attrName>
-                                        </p:attrNameLst>
-                                      </p:cBhvr>
-                                      <p:to>
-                                        <p:strVal val="visible"/>
-                                      </p:to>
-                                    </p:set>
-                                  </p:childTnLst>
-                                </p:cTn>
-                              </p:par>
-                            </p:childTnLst>
-                          </p:cTn>
-                        </p:par>
-                      </p:childTnLst>
-                    </p:cTn>
-                  </p:par>
-                  <p:par>
-                    <p:cTn id="31" fill="hold">
-                      <p:stCondLst>
-                        <p:cond delay="indefinite"/>
-                      </p:stCondLst>
-                      <p:childTnLst>
-                        <p:par>
-                          <p:cTn id="32" fill="hold">
-                            <p:stCondLst>
-                              <p:cond delay="0"/>
-                            </p:stCondLst>
-                            <p:childTnLst>
-                              <p:par>
-                                <p:cTn id="33" presetID="1" presetClass="entr" presetSubtype="0" fill="hold" nodeType="clickEffect">
-                                  <p:stCondLst>
-                                    <p:cond delay="0"/>
-                                  </p:stCondLst>
-                                  <p:childTnLst>
-                                    <p:set>
-                                      <p:cBhvr>
-                                        <p:cTn id="34" dur="1" fill="hold">
-                                          <p:stCondLst>
-                                            <p:cond delay="0"/>
-                                          </p:stCondLst>
-                                        </p:cTn>
-                                        <p:tgtEl>
-                                          <p:spTgt spid="243">
-                                            <p:txEl>
                                               <p:pRg st="9" end="9"/>
                                             </p:txEl>
                                           </p:spTgt>
@@ -17857,33 +15845,15 @@
                                   </p:childTnLst>
                                 </p:cTn>
                               </p:par>
-                            </p:childTnLst>
-                          </p:cTn>
-                        </p:par>
-                      </p:childTnLst>
-                    </p:cTn>
-                  </p:par>
-                  <p:par>
-                    <p:cTn id="35" fill="hold">
-                      <p:stCondLst>
-                        <p:cond delay="indefinite"/>
-                      </p:stCondLst>
-                      <p:childTnLst>
-                        <p:par>
-                          <p:cTn id="36" fill="hold">
-                            <p:stCondLst>
-                              <p:cond delay="0"/>
-                            </p:stCondLst>
-                            <p:childTnLst>
                               <p:par>
-                                <p:cTn id="37" presetID="1" presetClass="entr" presetSubtype="0" fill="hold" nodeType="clickEffect">
+                                <p:cTn id="19" presetID="1" presetClass="entr" presetSubtype="0" fill="hold" nodeType="withEffect">
                                   <p:stCondLst>
                                     <p:cond delay="0"/>
                                   </p:stCondLst>
                                   <p:childTnLst>
                                     <p:set>
                                       <p:cBhvr>
-                                        <p:cTn id="38" dur="1" fill="hold">
+                                        <p:cTn id="20" dur="1" fill="hold">
                                           <p:stCondLst>
                                             <p:cond delay="0"/>
                                           </p:stCondLst>
@@ -17906,33 +15876,15 @@
                                   </p:childTnLst>
                                 </p:cTn>
                               </p:par>
-                            </p:childTnLst>
-                          </p:cTn>
-                        </p:par>
-                      </p:childTnLst>
-                    </p:cTn>
-                  </p:par>
-                  <p:par>
-                    <p:cTn id="39" fill="hold">
-                      <p:stCondLst>
-                        <p:cond delay="indefinite"/>
-                      </p:stCondLst>
-                      <p:childTnLst>
-                        <p:par>
-                          <p:cTn id="40" fill="hold">
-                            <p:stCondLst>
-                              <p:cond delay="0"/>
-                            </p:stCondLst>
-                            <p:childTnLst>
                               <p:par>
-                                <p:cTn id="41" presetID="1" presetClass="entr" presetSubtype="0" fill="hold" nodeType="clickEffect">
+                                <p:cTn id="21" presetID="1" presetClass="entr" presetSubtype="0" fill="hold" nodeType="withEffect">
                                   <p:stCondLst>
                                     <p:cond delay="0"/>
                                   </p:stCondLst>
                                   <p:childTnLst>
                                     <p:set>
                                       <p:cBhvr>
-                                        <p:cTn id="42" dur="1" fill="hold">
+                                        <p:cTn id="22" dur="1" fill="hold">
                                           <p:stCondLst>
                                             <p:cond delay="0"/>
                                           </p:stCondLst>
@@ -17955,33 +15907,15 @@
                                   </p:childTnLst>
                                 </p:cTn>
                               </p:par>
-                            </p:childTnLst>
-                          </p:cTn>
-                        </p:par>
-                      </p:childTnLst>
-                    </p:cTn>
-                  </p:par>
-                  <p:par>
-                    <p:cTn id="43" fill="hold">
-                      <p:stCondLst>
-                        <p:cond delay="indefinite"/>
-                      </p:stCondLst>
-                      <p:childTnLst>
-                        <p:par>
-                          <p:cTn id="44" fill="hold">
-                            <p:stCondLst>
-                              <p:cond delay="0"/>
-                            </p:stCondLst>
-                            <p:childTnLst>
                               <p:par>
-                                <p:cTn id="45" presetID="1" presetClass="entr" presetSubtype="0" fill="hold" nodeType="clickEffect">
+                                <p:cTn id="23" presetID="1" presetClass="entr" presetSubtype="0" fill="hold" nodeType="withEffect">
                                   <p:stCondLst>
                                     <p:cond delay="0"/>
                                   </p:stCondLst>
                                   <p:childTnLst>
                                     <p:set>
                                       <p:cBhvr>
-                                        <p:cTn id="46" dur="1" fill="hold">
+                                        <p:cTn id="24" dur="1" fill="hold">
                                           <p:stCondLst>
                                             <p:cond delay="0"/>
                                           </p:stCondLst>
@@ -22471,379 +20405,6 @@
   <p:clrMapOvr>
     <a:masterClrMapping/>
   </p:clrMapOvr>
-  <p:timing>
-    <p:tnLst>
-      <p:par>
-        <p:cTn id="1" dur="indefinite" restart="never" nodeType="tmRoot">
-          <p:childTnLst>
-            <p:seq concurrent="1" nextAc="seek">
-              <p:cTn id="2" dur="indefinite" nodeType="mainSeq">
-                <p:childTnLst>
-                  <p:par>
-                    <p:cTn id="3" fill="hold">
-                      <p:stCondLst>
-                        <p:cond delay="indefinite"/>
-                      </p:stCondLst>
-                      <p:childTnLst>
-                        <p:par>
-                          <p:cTn id="4" fill="hold">
-                            <p:stCondLst>
-                              <p:cond delay="0"/>
-                            </p:stCondLst>
-                            <p:childTnLst>
-                              <p:par>
-                                <p:cTn id="5" presetID="1" presetClass="entr" presetSubtype="0" fill="hold" nodeType="clickEffect">
-                                  <p:stCondLst>
-                                    <p:cond delay="0"/>
-                                  </p:stCondLst>
-                                  <p:childTnLst>
-                                    <p:set>
-                                      <p:cBhvr>
-                                        <p:cTn id="6" dur="1" fill="hold">
-                                          <p:stCondLst>
-                                            <p:cond delay="0"/>
-                                          </p:stCondLst>
-                                        </p:cTn>
-                                        <p:tgtEl>
-                                          <p:spTgt spid="322">
-                                            <p:txEl>
-                                              <p:pRg st="0" end="0"/>
-                                            </p:txEl>
-                                          </p:spTgt>
-                                        </p:tgtEl>
-                                        <p:attrNameLst>
-                                          <p:attrName>style.visibility</p:attrName>
-                                        </p:attrNameLst>
-                                      </p:cBhvr>
-                                      <p:to>
-                                        <p:strVal val="visible"/>
-                                      </p:to>
-                                    </p:set>
-                                  </p:childTnLst>
-                                </p:cTn>
-                              </p:par>
-                            </p:childTnLst>
-                          </p:cTn>
-                        </p:par>
-                      </p:childTnLst>
-                    </p:cTn>
-                  </p:par>
-                  <p:par>
-                    <p:cTn id="7" fill="hold">
-                      <p:stCondLst>
-                        <p:cond delay="indefinite"/>
-                      </p:stCondLst>
-                      <p:childTnLst>
-                        <p:par>
-                          <p:cTn id="8" fill="hold">
-                            <p:stCondLst>
-                              <p:cond delay="0"/>
-                            </p:stCondLst>
-                            <p:childTnLst>
-                              <p:par>
-                                <p:cTn id="9" presetID="1" presetClass="entr" presetSubtype="0" fill="hold" nodeType="clickEffect">
-                                  <p:stCondLst>
-                                    <p:cond delay="0"/>
-                                  </p:stCondLst>
-                                  <p:childTnLst>
-                                    <p:set>
-                                      <p:cBhvr>
-                                        <p:cTn id="10" dur="1" fill="hold">
-                                          <p:stCondLst>
-                                            <p:cond delay="0"/>
-                                          </p:stCondLst>
-                                        </p:cTn>
-                                        <p:tgtEl>
-                                          <p:spTgt spid="322">
-                                            <p:txEl>
-                                              <p:pRg st="1" end="1"/>
-                                            </p:txEl>
-                                          </p:spTgt>
-                                        </p:tgtEl>
-                                        <p:attrNameLst>
-                                          <p:attrName>style.visibility</p:attrName>
-                                        </p:attrNameLst>
-                                      </p:cBhvr>
-                                      <p:to>
-                                        <p:strVal val="visible"/>
-                                      </p:to>
-                                    </p:set>
-                                  </p:childTnLst>
-                                </p:cTn>
-                              </p:par>
-                            </p:childTnLst>
-                          </p:cTn>
-                        </p:par>
-                      </p:childTnLst>
-                    </p:cTn>
-                  </p:par>
-                  <p:par>
-                    <p:cTn id="11" fill="hold">
-                      <p:stCondLst>
-                        <p:cond delay="indefinite"/>
-                      </p:stCondLst>
-                      <p:childTnLst>
-                        <p:par>
-                          <p:cTn id="12" fill="hold">
-                            <p:stCondLst>
-                              <p:cond delay="0"/>
-                            </p:stCondLst>
-                            <p:childTnLst>
-                              <p:par>
-                                <p:cTn id="13" presetID="1" presetClass="entr" presetSubtype="0" fill="hold" nodeType="clickEffect">
-                                  <p:stCondLst>
-                                    <p:cond delay="0"/>
-                                  </p:stCondLst>
-                                  <p:childTnLst>
-                                    <p:set>
-                                      <p:cBhvr>
-                                        <p:cTn id="14" dur="1" fill="hold">
-                                          <p:stCondLst>
-                                            <p:cond delay="0"/>
-                                          </p:stCondLst>
-                                        </p:cTn>
-                                        <p:tgtEl>
-                                          <p:spTgt spid="322">
-                                            <p:txEl>
-                                              <p:pRg st="2" end="2"/>
-                                            </p:txEl>
-                                          </p:spTgt>
-                                        </p:tgtEl>
-                                        <p:attrNameLst>
-                                          <p:attrName>style.visibility</p:attrName>
-                                        </p:attrNameLst>
-                                      </p:cBhvr>
-                                      <p:to>
-                                        <p:strVal val="visible"/>
-                                      </p:to>
-                                    </p:set>
-                                  </p:childTnLst>
-                                </p:cTn>
-                              </p:par>
-                            </p:childTnLst>
-                          </p:cTn>
-                        </p:par>
-                      </p:childTnLst>
-                    </p:cTn>
-                  </p:par>
-                  <p:par>
-                    <p:cTn id="15" fill="hold">
-                      <p:stCondLst>
-                        <p:cond delay="indefinite"/>
-                      </p:stCondLst>
-                      <p:childTnLst>
-                        <p:par>
-                          <p:cTn id="16" fill="hold">
-                            <p:stCondLst>
-                              <p:cond delay="0"/>
-                            </p:stCondLst>
-                            <p:childTnLst>
-                              <p:par>
-                                <p:cTn id="17" presetID="1" presetClass="entr" presetSubtype="0" fill="hold" nodeType="clickEffect">
-                                  <p:stCondLst>
-                                    <p:cond delay="0"/>
-                                  </p:stCondLst>
-                                  <p:childTnLst>
-                                    <p:set>
-                                      <p:cBhvr>
-                                        <p:cTn id="18" dur="1" fill="hold">
-                                          <p:stCondLst>
-                                            <p:cond delay="0"/>
-                                          </p:stCondLst>
-                                        </p:cTn>
-                                        <p:tgtEl>
-                                          <p:spTgt spid="322">
-                                            <p:txEl>
-                                              <p:pRg st="3" end="3"/>
-                                            </p:txEl>
-                                          </p:spTgt>
-                                        </p:tgtEl>
-                                        <p:attrNameLst>
-                                          <p:attrName>style.visibility</p:attrName>
-                                        </p:attrNameLst>
-                                      </p:cBhvr>
-                                      <p:to>
-                                        <p:strVal val="visible"/>
-                                      </p:to>
-                                    </p:set>
-                                  </p:childTnLst>
-                                </p:cTn>
-                              </p:par>
-                            </p:childTnLst>
-                          </p:cTn>
-                        </p:par>
-                      </p:childTnLst>
-                    </p:cTn>
-                  </p:par>
-                  <p:par>
-                    <p:cTn id="19" fill="hold">
-                      <p:stCondLst>
-                        <p:cond delay="indefinite"/>
-                      </p:stCondLst>
-                      <p:childTnLst>
-                        <p:par>
-                          <p:cTn id="20" fill="hold">
-                            <p:stCondLst>
-                              <p:cond delay="0"/>
-                            </p:stCondLst>
-                            <p:childTnLst>
-                              <p:par>
-                                <p:cTn id="21" presetID="1" presetClass="entr" presetSubtype="0" fill="hold" nodeType="clickEffect">
-                                  <p:stCondLst>
-                                    <p:cond delay="0"/>
-                                  </p:stCondLst>
-                                  <p:childTnLst>
-                                    <p:set>
-                                      <p:cBhvr>
-                                        <p:cTn id="22" dur="1" fill="hold">
-                                          <p:stCondLst>
-                                            <p:cond delay="0"/>
-                                          </p:stCondLst>
-                                        </p:cTn>
-                                        <p:tgtEl>
-                                          <p:spTgt spid="322">
-                                            <p:txEl>
-                                              <p:pRg st="4" end="4"/>
-                                            </p:txEl>
-                                          </p:spTgt>
-                                        </p:tgtEl>
-                                        <p:attrNameLst>
-                                          <p:attrName>style.visibility</p:attrName>
-                                        </p:attrNameLst>
-                                      </p:cBhvr>
-                                      <p:to>
-                                        <p:strVal val="visible"/>
-                                      </p:to>
-                                    </p:set>
-                                  </p:childTnLst>
-                                </p:cTn>
-                              </p:par>
-                            </p:childTnLst>
-                          </p:cTn>
-                        </p:par>
-                      </p:childTnLst>
-                    </p:cTn>
-                  </p:par>
-                  <p:par>
-                    <p:cTn id="23" fill="hold">
-                      <p:stCondLst>
-                        <p:cond delay="indefinite"/>
-                      </p:stCondLst>
-                      <p:childTnLst>
-                        <p:par>
-                          <p:cTn id="24" fill="hold">
-                            <p:stCondLst>
-                              <p:cond delay="0"/>
-                            </p:stCondLst>
-                            <p:childTnLst>
-                              <p:par>
-                                <p:cTn id="25" presetID="1" presetClass="entr" presetSubtype="0" fill="hold" nodeType="clickEffect">
-                                  <p:stCondLst>
-                                    <p:cond delay="0"/>
-                                  </p:stCondLst>
-                                  <p:childTnLst>
-                                    <p:set>
-                                      <p:cBhvr>
-                                        <p:cTn id="26" dur="1" fill="hold">
-                                          <p:stCondLst>
-                                            <p:cond delay="0"/>
-                                          </p:stCondLst>
-                                        </p:cTn>
-                                        <p:tgtEl>
-                                          <p:spTgt spid="322">
-                                            <p:txEl>
-                                              <p:pRg st="5" end="5"/>
-                                            </p:txEl>
-                                          </p:spTgt>
-                                        </p:tgtEl>
-                                        <p:attrNameLst>
-                                          <p:attrName>style.visibility</p:attrName>
-                                        </p:attrNameLst>
-                                      </p:cBhvr>
-                                      <p:to>
-                                        <p:strVal val="visible"/>
-                                      </p:to>
-                                    </p:set>
-                                  </p:childTnLst>
-                                </p:cTn>
-                              </p:par>
-                            </p:childTnLst>
-                          </p:cTn>
-                        </p:par>
-                      </p:childTnLst>
-                    </p:cTn>
-                  </p:par>
-                  <p:par>
-                    <p:cTn id="27" fill="hold">
-                      <p:stCondLst>
-                        <p:cond delay="indefinite"/>
-                      </p:stCondLst>
-                      <p:childTnLst>
-                        <p:par>
-                          <p:cTn id="28" fill="hold">
-                            <p:stCondLst>
-                              <p:cond delay="0"/>
-                            </p:stCondLst>
-                            <p:childTnLst>
-                              <p:par>
-                                <p:cTn id="29" presetID="1" presetClass="entr" presetSubtype="0" fill="hold" nodeType="clickEffect">
-                                  <p:stCondLst>
-                                    <p:cond delay="0"/>
-                                  </p:stCondLst>
-                                  <p:childTnLst>
-                                    <p:set>
-                                      <p:cBhvr>
-                                        <p:cTn id="30" dur="1" fill="hold">
-                                          <p:stCondLst>
-                                            <p:cond delay="0"/>
-                                          </p:stCondLst>
-                                        </p:cTn>
-                                        <p:tgtEl>
-                                          <p:spTgt spid="322">
-                                            <p:txEl>
-                                              <p:pRg st="6" end="6"/>
-                                            </p:txEl>
-                                          </p:spTgt>
-                                        </p:tgtEl>
-                                        <p:attrNameLst>
-                                          <p:attrName>style.visibility</p:attrName>
-                                        </p:attrNameLst>
-                                      </p:cBhvr>
-                                      <p:to>
-                                        <p:strVal val="visible"/>
-                                      </p:to>
-                                    </p:set>
-                                  </p:childTnLst>
-                                </p:cTn>
-                              </p:par>
-                            </p:childTnLst>
-                          </p:cTn>
-                        </p:par>
-                      </p:childTnLst>
-                    </p:cTn>
-                  </p:par>
-                </p:childTnLst>
-              </p:cTn>
-              <p:prevCondLst>
-                <p:cond evt="onPrev" delay="0">
-                  <p:tgtEl>
-                    <p:sldTgt/>
-                  </p:tgtEl>
-                </p:cond>
-              </p:prevCondLst>
-              <p:nextCondLst>
-                <p:cond evt="onNext" delay="0">
-                  <p:tgtEl>
-                    <p:sldTgt/>
-                  </p:tgtEl>
-                </p:cond>
-              </p:nextCondLst>
-            </p:seq>
-          </p:childTnLst>
-        </p:cTn>
-      </p:par>
-    </p:tnLst>
-  </p:timing>
 </p:sld>
 </file>
 
@@ -23260,55 +20821,6 @@
                                         <p:tgtEl>
                                           <p:spTgt spid="329">
                                             <p:txEl>
-                                              <p:pRg st="0" end="0"/>
-                                            </p:txEl>
-                                          </p:spTgt>
-                                        </p:tgtEl>
-                                        <p:attrNameLst>
-                                          <p:attrName>style.visibility</p:attrName>
-                                        </p:attrNameLst>
-                                      </p:cBhvr>
-                                      <p:to>
-                                        <p:strVal val="visible"/>
-                                      </p:to>
-                                    </p:set>
-                                  </p:childTnLst>
-                                </p:cTn>
-                              </p:par>
-                            </p:childTnLst>
-                          </p:cTn>
-                        </p:par>
-                      </p:childTnLst>
-                    </p:cTn>
-                  </p:par>
-                  <p:par>
-                    <p:cTn id="7" fill="hold">
-                      <p:stCondLst>
-                        <p:cond delay="indefinite"/>
-                      </p:stCondLst>
-                      <p:childTnLst>
-                        <p:par>
-                          <p:cTn id="8" fill="hold">
-                            <p:stCondLst>
-                              <p:cond delay="0"/>
-                            </p:stCondLst>
-                            <p:childTnLst>
-                              <p:par>
-                                <p:cTn id="9" presetID="1" presetClass="entr" presetSubtype="0" fill="hold" nodeType="clickEffect">
-                                  <p:stCondLst>
-                                    <p:cond delay="0"/>
-                                  </p:stCondLst>
-                                  <p:childTnLst>
-                                    <p:set>
-                                      <p:cBhvr>
-                                        <p:cTn id="10" dur="1" fill="hold">
-                                          <p:stCondLst>
-                                            <p:cond delay="0"/>
-                                          </p:stCondLst>
-                                        </p:cTn>
-                                        <p:tgtEl>
-                                          <p:spTgt spid="329">
-                                            <p:txEl>
                                               <p:pRg st="1" end="1"/>
                                             </p:txEl>
                                           </p:spTgt>
@@ -23324,26 +20836,101 @@
                                   </p:childTnLst>
                                 </p:cTn>
                               </p:par>
-                            </p:childTnLst>
-                          </p:cTn>
-                        </p:par>
-                      </p:childTnLst>
-                    </p:cTn>
-                  </p:par>
-                  <p:par>
-                    <p:cTn id="11" fill="hold">
-                      <p:stCondLst>
-                        <p:cond delay="indefinite"/>
-                      </p:stCondLst>
-                      <p:childTnLst>
-                        <p:par>
-                          <p:cTn id="12" fill="hold">
-                            <p:stCondLst>
-                              <p:cond delay="0"/>
-                            </p:stCondLst>
-                            <p:childTnLst>
                               <p:par>
-                                <p:cTn id="13" presetID="1" presetClass="entr" presetSubtype="0" fill="hold" nodeType="clickEffect">
+                                <p:cTn id="7" presetID="1" presetClass="entr" presetSubtype="0" fill="hold" nodeType="withEffect">
+                                  <p:stCondLst>
+                                    <p:cond delay="0"/>
+                                  </p:stCondLst>
+                                  <p:childTnLst>
+                                    <p:set>
+                                      <p:cBhvr>
+                                        <p:cTn id="8" dur="1" fill="hold">
+                                          <p:stCondLst>
+                                            <p:cond delay="0"/>
+                                          </p:stCondLst>
+                                        </p:cTn>
+                                        <p:tgtEl>
+                                          <p:spTgt spid="329">
+                                            <p:txEl>
+                                              <p:pRg st="2" end="2"/>
+                                            </p:txEl>
+                                          </p:spTgt>
+                                        </p:tgtEl>
+                                        <p:attrNameLst>
+                                          <p:attrName>style.visibility</p:attrName>
+                                        </p:attrNameLst>
+                                      </p:cBhvr>
+                                      <p:to>
+                                        <p:strVal val="visible"/>
+                                      </p:to>
+                                    </p:set>
+                                  </p:childTnLst>
+                                </p:cTn>
+                              </p:par>
+                              <p:par>
+                                <p:cTn id="9" presetID="1" presetClass="entr" presetSubtype="0" fill="hold" nodeType="withEffect">
+                                  <p:stCondLst>
+                                    <p:cond delay="0"/>
+                                  </p:stCondLst>
+                                  <p:childTnLst>
+                                    <p:set>
+                                      <p:cBhvr>
+                                        <p:cTn id="10" dur="1" fill="hold">
+                                          <p:stCondLst>
+                                            <p:cond delay="0"/>
+                                          </p:stCondLst>
+                                        </p:cTn>
+                                        <p:tgtEl>
+                                          <p:spTgt spid="329">
+                                            <p:txEl>
+                                              <p:pRg st="3" end="3"/>
+                                            </p:txEl>
+                                          </p:spTgt>
+                                        </p:tgtEl>
+                                        <p:attrNameLst>
+                                          <p:attrName>style.visibility</p:attrName>
+                                        </p:attrNameLst>
+                                      </p:cBhvr>
+                                      <p:to>
+                                        <p:strVal val="visible"/>
+                                      </p:to>
+                                    </p:set>
+                                  </p:childTnLst>
+                                </p:cTn>
+                              </p:par>
+                              <p:par>
+                                <p:cTn id="11" presetID="1" presetClass="entr" presetSubtype="0" fill="hold" nodeType="withEffect">
+                                  <p:stCondLst>
+                                    <p:cond delay="0"/>
+                                  </p:stCondLst>
+                                  <p:childTnLst>
+                                    <p:set>
+                                      <p:cBhvr>
+                                        <p:cTn id="12" dur="1" fill="hold">
+                                          <p:stCondLst>
+                                            <p:cond delay="0"/>
+                                          </p:stCondLst>
+                                        </p:cTn>
+                                        <p:tgtEl>
+                                          <p:spTgt spid="329">
+                                            <p:txEl>
+                                              <p:pRg st="4" end="4"/>
+                                            </p:txEl>
+                                          </p:spTgt>
+                                        </p:tgtEl>
+                                        <p:attrNameLst>
+                                          <p:attrName>style.visibility</p:attrName>
+                                        </p:attrNameLst>
+                                      </p:cBhvr>
+                                      <p:to>
+                                        <p:strVal val="visible"/>
+                                      </p:to>
+                                    </p:set>
+                                  </p:childTnLst>
+                                </p:cTn>
+                              </p:par>
+                              <p:par>
+                                <p:cTn id="13" presetID="1" presetClass="entr" presetSubtype="0" fill="hold" nodeType="withEffect">
                                   <p:stCondLst>
                                     <p:cond delay="0"/>
                                   </p:stCondLst>
@@ -23358,7 +20945,7 @@
                                         <p:tgtEl>
                                           <p:spTgt spid="329">
                                             <p:txEl>
-                                              <p:pRg st="2" end="2"/>
+                                              <p:pRg st="5" end="5"/>
                                             </p:txEl>
                                           </p:spTgt>
                                         </p:tgtEl>
@@ -23407,7 +20994,7 @@
                                         <p:tgtEl>
                                           <p:spTgt spid="329">
                                             <p:txEl>
-                                              <p:pRg st="3" end="3"/>
+                                              <p:pRg st="6" end="6"/>
                                             </p:txEl>
                                           </p:spTgt>
                                         </p:tgtEl>
@@ -23422,26 +21009,39 @@
                                   </p:childTnLst>
                                 </p:cTn>
                               </p:par>
-                            </p:childTnLst>
-                          </p:cTn>
-                        </p:par>
-                      </p:childTnLst>
-                    </p:cTn>
-                  </p:par>
-                  <p:par>
-                    <p:cTn id="19" fill="hold">
-                      <p:stCondLst>
-                        <p:cond delay="indefinite"/>
-                      </p:stCondLst>
-                      <p:childTnLst>
-                        <p:par>
-                          <p:cTn id="20" fill="hold">
-                            <p:stCondLst>
-                              <p:cond delay="0"/>
-                            </p:stCondLst>
-                            <p:childTnLst>
                               <p:par>
-                                <p:cTn id="21" presetID="1" presetClass="entr" presetSubtype="0" fill="hold" nodeType="clickEffect">
+                                <p:cTn id="19" presetID="1" presetClass="entr" presetSubtype="0" fill="hold" nodeType="withEffect">
+                                  <p:stCondLst>
+                                    <p:cond delay="0"/>
+                                  </p:stCondLst>
+                                  <p:childTnLst>
+                                    <p:set>
+                                      <p:cBhvr>
+                                        <p:cTn id="20" dur="1" fill="hold">
+                                          <p:stCondLst>
+                                            <p:cond delay="0"/>
+                                          </p:stCondLst>
+                                        </p:cTn>
+                                        <p:tgtEl>
+                                          <p:spTgt spid="329">
+                                            <p:txEl>
+                                              <p:pRg st="7" end="7"/>
+                                            </p:txEl>
+                                          </p:spTgt>
+                                        </p:tgtEl>
+                                        <p:attrNameLst>
+                                          <p:attrName>style.visibility</p:attrName>
+                                        </p:attrNameLst>
+                                      </p:cBhvr>
+                                      <p:to>
+                                        <p:strVal val="visible"/>
+                                      </p:to>
+                                    </p:set>
+                                  </p:childTnLst>
+                                </p:cTn>
+                              </p:par>
+                              <p:par>
+                                <p:cTn id="21" presetID="1" presetClass="entr" presetSubtype="0" fill="hold" nodeType="withEffect">
                                   <p:stCondLst>
                                     <p:cond delay="0"/>
                                   </p:stCondLst>
@@ -23456,7 +21056,7 @@
                                         <p:tgtEl>
                                           <p:spTgt spid="329">
                                             <p:txEl>
-                                              <p:pRg st="4" end="4"/>
+                                              <p:pRg st="8" end="8"/>
                                             </p:txEl>
                                           </p:spTgt>
                                         </p:tgtEl>
@@ -23505,202 +21105,6 @@
                                         <p:tgtEl>
                                           <p:spTgt spid="329">
                                             <p:txEl>
-                                              <p:pRg st="5" end="5"/>
-                                            </p:txEl>
-                                          </p:spTgt>
-                                        </p:tgtEl>
-                                        <p:attrNameLst>
-                                          <p:attrName>style.visibility</p:attrName>
-                                        </p:attrNameLst>
-                                      </p:cBhvr>
-                                      <p:to>
-                                        <p:strVal val="visible"/>
-                                      </p:to>
-                                    </p:set>
-                                  </p:childTnLst>
-                                </p:cTn>
-                              </p:par>
-                            </p:childTnLst>
-                          </p:cTn>
-                        </p:par>
-                      </p:childTnLst>
-                    </p:cTn>
-                  </p:par>
-                  <p:par>
-                    <p:cTn id="27" fill="hold">
-                      <p:stCondLst>
-                        <p:cond delay="indefinite"/>
-                      </p:stCondLst>
-                      <p:childTnLst>
-                        <p:par>
-                          <p:cTn id="28" fill="hold">
-                            <p:stCondLst>
-                              <p:cond delay="0"/>
-                            </p:stCondLst>
-                            <p:childTnLst>
-                              <p:par>
-                                <p:cTn id="29" presetID="1" presetClass="entr" presetSubtype="0" fill="hold" nodeType="clickEffect">
-                                  <p:stCondLst>
-                                    <p:cond delay="0"/>
-                                  </p:stCondLst>
-                                  <p:childTnLst>
-                                    <p:set>
-                                      <p:cBhvr>
-                                        <p:cTn id="30" dur="1" fill="hold">
-                                          <p:stCondLst>
-                                            <p:cond delay="0"/>
-                                          </p:stCondLst>
-                                        </p:cTn>
-                                        <p:tgtEl>
-                                          <p:spTgt spid="329">
-                                            <p:txEl>
-                                              <p:pRg st="6" end="6"/>
-                                            </p:txEl>
-                                          </p:spTgt>
-                                        </p:tgtEl>
-                                        <p:attrNameLst>
-                                          <p:attrName>style.visibility</p:attrName>
-                                        </p:attrNameLst>
-                                      </p:cBhvr>
-                                      <p:to>
-                                        <p:strVal val="visible"/>
-                                      </p:to>
-                                    </p:set>
-                                  </p:childTnLst>
-                                </p:cTn>
-                              </p:par>
-                            </p:childTnLst>
-                          </p:cTn>
-                        </p:par>
-                      </p:childTnLst>
-                    </p:cTn>
-                  </p:par>
-                  <p:par>
-                    <p:cTn id="31" fill="hold">
-                      <p:stCondLst>
-                        <p:cond delay="indefinite"/>
-                      </p:stCondLst>
-                      <p:childTnLst>
-                        <p:par>
-                          <p:cTn id="32" fill="hold">
-                            <p:stCondLst>
-                              <p:cond delay="0"/>
-                            </p:stCondLst>
-                            <p:childTnLst>
-                              <p:par>
-                                <p:cTn id="33" presetID="1" presetClass="entr" presetSubtype="0" fill="hold" nodeType="clickEffect">
-                                  <p:stCondLst>
-                                    <p:cond delay="0"/>
-                                  </p:stCondLst>
-                                  <p:childTnLst>
-                                    <p:set>
-                                      <p:cBhvr>
-                                        <p:cTn id="34" dur="1" fill="hold">
-                                          <p:stCondLst>
-                                            <p:cond delay="0"/>
-                                          </p:stCondLst>
-                                        </p:cTn>
-                                        <p:tgtEl>
-                                          <p:spTgt spid="329">
-                                            <p:txEl>
-                                              <p:pRg st="7" end="7"/>
-                                            </p:txEl>
-                                          </p:spTgt>
-                                        </p:tgtEl>
-                                        <p:attrNameLst>
-                                          <p:attrName>style.visibility</p:attrName>
-                                        </p:attrNameLst>
-                                      </p:cBhvr>
-                                      <p:to>
-                                        <p:strVal val="visible"/>
-                                      </p:to>
-                                    </p:set>
-                                  </p:childTnLst>
-                                </p:cTn>
-                              </p:par>
-                            </p:childTnLst>
-                          </p:cTn>
-                        </p:par>
-                      </p:childTnLst>
-                    </p:cTn>
-                  </p:par>
-                  <p:par>
-                    <p:cTn id="35" fill="hold">
-                      <p:stCondLst>
-                        <p:cond delay="indefinite"/>
-                      </p:stCondLst>
-                      <p:childTnLst>
-                        <p:par>
-                          <p:cTn id="36" fill="hold">
-                            <p:stCondLst>
-                              <p:cond delay="0"/>
-                            </p:stCondLst>
-                            <p:childTnLst>
-                              <p:par>
-                                <p:cTn id="37" presetID="1" presetClass="entr" presetSubtype="0" fill="hold" nodeType="clickEffect">
-                                  <p:stCondLst>
-                                    <p:cond delay="0"/>
-                                  </p:stCondLst>
-                                  <p:childTnLst>
-                                    <p:set>
-                                      <p:cBhvr>
-                                        <p:cTn id="38" dur="1" fill="hold">
-                                          <p:stCondLst>
-                                            <p:cond delay="0"/>
-                                          </p:stCondLst>
-                                        </p:cTn>
-                                        <p:tgtEl>
-                                          <p:spTgt spid="329">
-                                            <p:txEl>
-                                              <p:pRg st="8" end="8"/>
-                                            </p:txEl>
-                                          </p:spTgt>
-                                        </p:tgtEl>
-                                        <p:attrNameLst>
-                                          <p:attrName>style.visibility</p:attrName>
-                                        </p:attrNameLst>
-                                      </p:cBhvr>
-                                      <p:to>
-                                        <p:strVal val="visible"/>
-                                      </p:to>
-                                    </p:set>
-                                  </p:childTnLst>
-                                </p:cTn>
-                              </p:par>
-                            </p:childTnLst>
-                          </p:cTn>
-                        </p:par>
-                      </p:childTnLst>
-                    </p:cTn>
-                  </p:par>
-                  <p:par>
-                    <p:cTn id="39" fill="hold">
-                      <p:stCondLst>
-                        <p:cond delay="indefinite"/>
-                      </p:stCondLst>
-                      <p:childTnLst>
-                        <p:par>
-                          <p:cTn id="40" fill="hold">
-                            <p:stCondLst>
-                              <p:cond delay="0"/>
-                            </p:stCondLst>
-                            <p:childTnLst>
-                              <p:par>
-                                <p:cTn id="41" presetID="1" presetClass="entr" presetSubtype="0" fill="hold" nodeType="clickEffect">
-                                  <p:stCondLst>
-                                    <p:cond delay="0"/>
-                                  </p:stCondLst>
-                                  <p:childTnLst>
-                                    <p:set>
-                                      <p:cBhvr>
-                                        <p:cTn id="42" dur="1" fill="hold">
-                                          <p:stCondLst>
-                                            <p:cond delay="0"/>
-                                          </p:stCondLst>
-                                        </p:cTn>
-                                        <p:tgtEl>
-                                          <p:spTgt spid="329">
-                                            <p:txEl>
                                               <p:pRg st="9" end="9"/>
                                             </p:txEl>
                                           </p:spTgt>
@@ -23716,33 +21120,15 @@
                                   </p:childTnLst>
                                 </p:cTn>
                               </p:par>
-                            </p:childTnLst>
-                          </p:cTn>
-                        </p:par>
-                      </p:childTnLst>
-                    </p:cTn>
-                  </p:par>
-                  <p:par>
-                    <p:cTn id="43" fill="hold">
-                      <p:stCondLst>
-                        <p:cond delay="indefinite"/>
-                      </p:stCondLst>
-                      <p:childTnLst>
-                        <p:par>
-                          <p:cTn id="44" fill="hold">
-                            <p:stCondLst>
-                              <p:cond delay="0"/>
-                            </p:stCondLst>
-                            <p:childTnLst>
                               <p:par>
-                                <p:cTn id="45" presetID="1" presetClass="entr" presetSubtype="0" fill="hold" nodeType="clickEffect">
+                                <p:cTn id="27" presetID="1" presetClass="entr" presetSubtype="0" fill="hold" nodeType="withEffect">
                                   <p:stCondLst>
                                     <p:cond delay="0"/>
                                   </p:stCondLst>
                                   <p:childTnLst>
                                     <p:set>
                                       <p:cBhvr>
-                                        <p:cTn id="46" dur="1" fill="hold">
+                                        <p:cTn id="28" dur="1" fill="hold">
                                           <p:stCondLst>
                                             <p:cond delay="0"/>
                                           </p:stCondLst>
@@ -23765,33 +21151,15 @@
                                   </p:childTnLst>
                                 </p:cTn>
                               </p:par>
-                            </p:childTnLst>
-                          </p:cTn>
-                        </p:par>
-                      </p:childTnLst>
-                    </p:cTn>
-                  </p:par>
-                  <p:par>
-                    <p:cTn id="47" fill="hold">
-                      <p:stCondLst>
-                        <p:cond delay="indefinite"/>
-                      </p:stCondLst>
-                      <p:childTnLst>
-                        <p:par>
-                          <p:cTn id="48" fill="hold">
-                            <p:stCondLst>
-                              <p:cond delay="0"/>
-                            </p:stCondLst>
-                            <p:childTnLst>
                               <p:par>
-                                <p:cTn id="49" presetID="1" presetClass="entr" presetSubtype="0" fill="hold" nodeType="clickEffect">
+                                <p:cTn id="29" presetID="1" presetClass="entr" presetSubtype="0" fill="hold" nodeType="withEffect">
                                   <p:stCondLst>
                                     <p:cond delay="0"/>
                                   </p:stCondLst>
                                   <p:childTnLst>
                                     <p:set>
                                       <p:cBhvr>
-                                        <p:cTn id="50" dur="1" fill="hold">
+                                        <p:cTn id="30" dur="1" fill="hold">
                                           <p:stCondLst>
                                             <p:cond delay="0"/>
                                           </p:stCondLst>
@@ -23814,33 +21182,15 @@
                                   </p:childTnLst>
                                 </p:cTn>
                               </p:par>
-                            </p:childTnLst>
-                          </p:cTn>
-                        </p:par>
-                      </p:childTnLst>
-                    </p:cTn>
-                  </p:par>
-                  <p:par>
-                    <p:cTn id="51" fill="hold">
-                      <p:stCondLst>
-                        <p:cond delay="indefinite"/>
-                      </p:stCondLst>
-                      <p:childTnLst>
-                        <p:par>
-                          <p:cTn id="52" fill="hold">
-                            <p:stCondLst>
-                              <p:cond delay="0"/>
-                            </p:stCondLst>
-                            <p:childTnLst>
                               <p:par>
-                                <p:cTn id="53" presetID="1" presetClass="entr" presetSubtype="0" fill="hold" nodeType="clickEffect">
+                                <p:cTn id="31" presetID="1" presetClass="entr" presetSubtype="0" fill="hold" nodeType="withEffect">
                                   <p:stCondLst>
                                     <p:cond delay="0"/>
                                   </p:stCondLst>
                                   <p:childTnLst>
                                     <p:set>
                                       <p:cBhvr>
-                                        <p:cTn id="54" dur="1" fill="hold">
+                                        <p:cTn id="32" dur="1" fill="hold">
                                           <p:stCondLst>
                                             <p:cond delay="0"/>
                                           </p:stCondLst>
@@ -24249,55 +21599,6 @@
                                         <p:tgtEl>
                                           <p:spTgt spid="337">
                                             <p:txEl>
-                                              <p:pRg st="0" end="0"/>
-                                            </p:txEl>
-                                          </p:spTgt>
-                                        </p:tgtEl>
-                                        <p:attrNameLst>
-                                          <p:attrName>style.visibility</p:attrName>
-                                        </p:attrNameLst>
-                                      </p:cBhvr>
-                                      <p:to>
-                                        <p:strVal val="visible"/>
-                                      </p:to>
-                                    </p:set>
-                                  </p:childTnLst>
-                                </p:cTn>
-                              </p:par>
-                            </p:childTnLst>
-                          </p:cTn>
-                        </p:par>
-                      </p:childTnLst>
-                    </p:cTn>
-                  </p:par>
-                  <p:par>
-                    <p:cTn id="7" fill="hold">
-                      <p:stCondLst>
-                        <p:cond delay="indefinite"/>
-                      </p:stCondLst>
-                      <p:childTnLst>
-                        <p:par>
-                          <p:cTn id="8" fill="hold">
-                            <p:stCondLst>
-                              <p:cond delay="0"/>
-                            </p:stCondLst>
-                            <p:childTnLst>
-                              <p:par>
-                                <p:cTn id="9" presetID="1" presetClass="entr" presetSubtype="0" fill="hold" nodeType="clickEffect">
-                                  <p:stCondLst>
-                                    <p:cond delay="0"/>
-                                  </p:stCondLst>
-                                  <p:childTnLst>
-                                    <p:set>
-                                      <p:cBhvr>
-                                        <p:cTn id="10" dur="1" fill="hold">
-                                          <p:stCondLst>
-                                            <p:cond delay="0"/>
-                                          </p:stCondLst>
-                                        </p:cTn>
-                                        <p:tgtEl>
-                                          <p:spTgt spid="337">
-                                            <p:txEl>
                                               <p:pRg st="1" end="1"/>
                                             </p:txEl>
                                           </p:spTgt>
@@ -24313,33 +21614,15 @@
                                   </p:childTnLst>
                                 </p:cTn>
                               </p:par>
-                            </p:childTnLst>
-                          </p:cTn>
-                        </p:par>
-                      </p:childTnLst>
-                    </p:cTn>
-                  </p:par>
-                  <p:par>
-                    <p:cTn id="11" fill="hold">
-                      <p:stCondLst>
-                        <p:cond delay="indefinite"/>
-                      </p:stCondLst>
-                      <p:childTnLst>
-                        <p:par>
-                          <p:cTn id="12" fill="hold">
-                            <p:stCondLst>
-                              <p:cond delay="0"/>
-                            </p:stCondLst>
-                            <p:childTnLst>
                               <p:par>
-                                <p:cTn id="13" presetID="1" presetClass="entr" presetSubtype="0" fill="hold" nodeType="clickEffect">
+                                <p:cTn id="7" presetID="1" presetClass="entr" presetSubtype="0" fill="hold" nodeType="withEffect">
                                   <p:stCondLst>
                                     <p:cond delay="0"/>
                                   </p:stCondLst>
                                   <p:childTnLst>
                                     <p:set>
                                       <p:cBhvr>
-                                        <p:cTn id="14" dur="1" fill="hold">
+                                        <p:cTn id="8" dur="1" fill="hold">
                                           <p:stCondLst>
                                             <p:cond delay="0"/>
                                           </p:stCondLst>
@@ -24362,6 +21645,68 @@
                                   </p:childTnLst>
                                 </p:cTn>
                               </p:par>
+                              <p:par>
+                                <p:cTn id="9" presetID="1" presetClass="entr" presetSubtype="0" fill="hold" nodeType="withEffect">
+                                  <p:stCondLst>
+                                    <p:cond delay="0"/>
+                                  </p:stCondLst>
+                                  <p:childTnLst>
+                                    <p:set>
+                                      <p:cBhvr>
+                                        <p:cTn id="10" dur="1" fill="hold">
+                                          <p:stCondLst>
+                                            <p:cond delay="0"/>
+                                          </p:stCondLst>
+                                        </p:cTn>
+                                        <p:tgtEl>
+                                          <p:spTgt spid="337">
+                                            <p:txEl>
+                                              <p:pRg st="3" end="3"/>
+                                            </p:txEl>
+                                          </p:spTgt>
+                                        </p:tgtEl>
+                                        <p:attrNameLst>
+                                          <p:attrName>style.visibility</p:attrName>
+                                        </p:attrNameLst>
+                                      </p:cBhvr>
+                                      <p:to>
+                                        <p:strVal val="visible"/>
+                                      </p:to>
+                                    </p:set>
+                                  </p:childTnLst>
+                                </p:cTn>
+                              </p:par>
+                              <p:par>
+                                <p:cTn id="11" presetID="1" presetClass="entr" presetSubtype="0" fill="hold" nodeType="withEffect">
+                                  <p:stCondLst>
+                                    <p:cond delay="0"/>
+                                  </p:stCondLst>
+                                  <p:childTnLst>
+                                    <p:set>
+                                      <p:cBhvr>
+                                        <p:cTn id="12" dur="1" fill="hold">
+                                          <p:stCondLst>
+                                            <p:cond delay="0"/>
+                                          </p:stCondLst>
+                                        </p:cTn>
+                                        <p:tgtEl>
+                                          <p:spTgt spid="337">
+                                            <p:txEl>
+                                              <p:pRg st="4" end="4"/>
+                                            </p:txEl>
+                                          </p:spTgt>
+                                        </p:tgtEl>
+                                        <p:attrNameLst>
+                                          <p:attrName>style.visibility</p:attrName>
+                                        </p:attrNameLst>
+                                      </p:cBhvr>
+                                      <p:to>
+                                        <p:strVal val="visible"/>
+                                      </p:to>
+                                    </p:set>
+                                  </p:childTnLst>
+                                </p:cTn>
+                              </p:par>
                             </p:childTnLst>
                           </p:cTn>
                         </p:par>
@@ -24369,19 +21714,50 @@
                     </p:cTn>
                   </p:par>
                   <p:par>
-                    <p:cTn id="15" fill="hold">
+                    <p:cTn id="13" fill="hold">
                       <p:stCondLst>
                         <p:cond delay="indefinite"/>
                       </p:stCondLst>
                       <p:childTnLst>
                         <p:par>
-                          <p:cTn id="16" fill="hold">
+                          <p:cTn id="14" fill="hold">
                             <p:stCondLst>
                               <p:cond delay="0"/>
                             </p:stCondLst>
                             <p:childTnLst>
                               <p:par>
-                                <p:cTn id="17" presetID="1" presetClass="entr" presetSubtype="0" fill="hold" nodeType="clickEffect">
+                                <p:cTn id="15" presetID="1" presetClass="entr" presetSubtype="0" fill="hold" nodeType="clickEffect">
+                                  <p:stCondLst>
+                                    <p:cond delay="0"/>
+                                  </p:stCondLst>
+                                  <p:childTnLst>
+                                    <p:set>
+                                      <p:cBhvr>
+                                        <p:cTn id="16" dur="1" fill="hold">
+                                          <p:stCondLst>
+                                            <p:cond delay="0"/>
+                                          </p:stCondLst>
+                                        </p:cTn>
+                                        <p:tgtEl>
+                                          <p:spTgt spid="337">
+                                            <p:txEl>
+                                              <p:pRg st="5" end="5"/>
+                                            </p:txEl>
+                                          </p:spTgt>
+                                        </p:tgtEl>
+                                        <p:attrNameLst>
+                                          <p:attrName>style.visibility</p:attrName>
+                                        </p:attrNameLst>
+                                      </p:cBhvr>
+                                      <p:to>
+                                        <p:strVal val="visible"/>
+                                      </p:to>
+                                    </p:set>
+                                  </p:childTnLst>
+                                </p:cTn>
+                              </p:par>
+                              <p:par>
+                                <p:cTn id="17" presetID="1" presetClass="entr" presetSubtype="0" fill="hold" nodeType="withEffect">
                                   <p:stCondLst>
                                     <p:cond delay="0"/>
                                   </p:stCondLst>
@@ -24396,7 +21772,7 @@
                                         <p:tgtEl>
                                           <p:spTgt spid="337">
                                             <p:txEl>
-                                              <p:pRg st="3" end="3"/>
+                                              <p:pRg st="6" end="6"/>
                                             </p:txEl>
                                           </p:spTgt>
                                         </p:tgtEl>
@@ -24445,153 +21821,6 @@
                                         <p:tgtEl>
                                           <p:spTgt spid="337">
                                             <p:txEl>
-                                              <p:pRg st="4" end="4"/>
-                                            </p:txEl>
-                                          </p:spTgt>
-                                        </p:tgtEl>
-                                        <p:attrNameLst>
-                                          <p:attrName>style.visibility</p:attrName>
-                                        </p:attrNameLst>
-                                      </p:cBhvr>
-                                      <p:to>
-                                        <p:strVal val="visible"/>
-                                      </p:to>
-                                    </p:set>
-                                  </p:childTnLst>
-                                </p:cTn>
-                              </p:par>
-                            </p:childTnLst>
-                          </p:cTn>
-                        </p:par>
-                      </p:childTnLst>
-                    </p:cTn>
-                  </p:par>
-                  <p:par>
-                    <p:cTn id="23" fill="hold">
-                      <p:stCondLst>
-                        <p:cond delay="indefinite"/>
-                      </p:stCondLst>
-                      <p:childTnLst>
-                        <p:par>
-                          <p:cTn id="24" fill="hold">
-                            <p:stCondLst>
-                              <p:cond delay="0"/>
-                            </p:stCondLst>
-                            <p:childTnLst>
-                              <p:par>
-                                <p:cTn id="25" presetID="1" presetClass="entr" presetSubtype="0" fill="hold" nodeType="clickEffect">
-                                  <p:stCondLst>
-                                    <p:cond delay="0"/>
-                                  </p:stCondLst>
-                                  <p:childTnLst>
-                                    <p:set>
-                                      <p:cBhvr>
-                                        <p:cTn id="26" dur="1" fill="hold">
-                                          <p:stCondLst>
-                                            <p:cond delay="0"/>
-                                          </p:stCondLst>
-                                        </p:cTn>
-                                        <p:tgtEl>
-                                          <p:spTgt spid="337">
-                                            <p:txEl>
-                                              <p:pRg st="5" end="5"/>
-                                            </p:txEl>
-                                          </p:spTgt>
-                                        </p:tgtEl>
-                                        <p:attrNameLst>
-                                          <p:attrName>style.visibility</p:attrName>
-                                        </p:attrNameLst>
-                                      </p:cBhvr>
-                                      <p:to>
-                                        <p:strVal val="visible"/>
-                                      </p:to>
-                                    </p:set>
-                                  </p:childTnLst>
-                                </p:cTn>
-                              </p:par>
-                            </p:childTnLst>
-                          </p:cTn>
-                        </p:par>
-                      </p:childTnLst>
-                    </p:cTn>
-                  </p:par>
-                  <p:par>
-                    <p:cTn id="27" fill="hold">
-                      <p:stCondLst>
-                        <p:cond delay="indefinite"/>
-                      </p:stCondLst>
-                      <p:childTnLst>
-                        <p:par>
-                          <p:cTn id="28" fill="hold">
-                            <p:stCondLst>
-                              <p:cond delay="0"/>
-                            </p:stCondLst>
-                            <p:childTnLst>
-                              <p:par>
-                                <p:cTn id="29" presetID="1" presetClass="entr" presetSubtype="0" fill="hold" nodeType="clickEffect">
-                                  <p:stCondLst>
-                                    <p:cond delay="0"/>
-                                  </p:stCondLst>
-                                  <p:childTnLst>
-                                    <p:set>
-                                      <p:cBhvr>
-                                        <p:cTn id="30" dur="1" fill="hold">
-                                          <p:stCondLst>
-                                            <p:cond delay="0"/>
-                                          </p:stCondLst>
-                                        </p:cTn>
-                                        <p:tgtEl>
-                                          <p:spTgt spid="337">
-                                            <p:txEl>
-                                              <p:pRg st="6" end="6"/>
-                                            </p:txEl>
-                                          </p:spTgt>
-                                        </p:tgtEl>
-                                        <p:attrNameLst>
-                                          <p:attrName>style.visibility</p:attrName>
-                                        </p:attrNameLst>
-                                      </p:cBhvr>
-                                      <p:to>
-                                        <p:strVal val="visible"/>
-                                      </p:to>
-                                    </p:set>
-                                  </p:childTnLst>
-                                </p:cTn>
-                              </p:par>
-                            </p:childTnLst>
-                          </p:cTn>
-                        </p:par>
-                      </p:childTnLst>
-                    </p:cTn>
-                  </p:par>
-                  <p:par>
-                    <p:cTn id="31" fill="hold">
-                      <p:stCondLst>
-                        <p:cond delay="indefinite"/>
-                      </p:stCondLst>
-                      <p:childTnLst>
-                        <p:par>
-                          <p:cTn id="32" fill="hold">
-                            <p:stCondLst>
-                              <p:cond delay="0"/>
-                            </p:stCondLst>
-                            <p:childTnLst>
-                              <p:par>
-                                <p:cTn id="33" presetID="1" presetClass="entr" presetSubtype="0" fill="hold" nodeType="clickEffect">
-                                  <p:stCondLst>
-                                    <p:cond delay="0"/>
-                                  </p:stCondLst>
-                                  <p:childTnLst>
-                                    <p:set>
-                                      <p:cBhvr>
-                                        <p:cTn id="34" dur="1" fill="hold">
-                                          <p:stCondLst>
-                                            <p:cond delay="0"/>
-                                          </p:stCondLst>
-                                        </p:cTn>
-                                        <p:tgtEl>
-                                          <p:spTgt spid="337">
-                                            <p:txEl>
                                               <p:pRg st="7" end="7"/>
                                             </p:txEl>
                                           </p:spTgt>
@@ -24607,33 +21836,15 @@
                                   </p:childTnLst>
                                 </p:cTn>
                               </p:par>
-                            </p:childTnLst>
-                          </p:cTn>
-                        </p:par>
-                      </p:childTnLst>
-                    </p:cTn>
-                  </p:par>
-                  <p:par>
-                    <p:cTn id="35" fill="hold">
-                      <p:stCondLst>
-                        <p:cond delay="indefinite"/>
-                      </p:stCondLst>
-                      <p:childTnLst>
-                        <p:par>
-                          <p:cTn id="36" fill="hold">
-                            <p:stCondLst>
-                              <p:cond delay="0"/>
-                            </p:stCondLst>
-                            <p:childTnLst>
                               <p:par>
-                                <p:cTn id="37" presetID="1" presetClass="entr" presetSubtype="0" fill="hold" nodeType="clickEffect">
+                                <p:cTn id="23" presetID="1" presetClass="entr" presetSubtype="0" fill="hold" nodeType="withEffect">
                                   <p:stCondLst>
                                     <p:cond delay="0"/>
                                   </p:stCondLst>
                                   <p:childTnLst>
                                     <p:set>
                                       <p:cBhvr>
-                                        <p:cTn id="38" dur="1" fill="hold">
+                                        <p:cTn id="24" dur="1" fill="hold">
                                           <p:stCondLst>
                                             <p:cond delay="0"/>
                                           </p:stCondLst>
@@ -24656,33 +21867,15 @@
                                   </p:childTnLst>
                                 </p:cTn>
                               </p:par>
-                            </p:childTnLst>
-                          </p:cTn>
-                        </p:par>
-                      </p:childTnLst>
-                    </p:cTn>
-                  </p:par>
-                  <p:par>
-                    <p:cTn id="39" fill="hold">
-                      <p:stCondLst>
-                        <p:cond delay="indefinite"/>
-                      </p:stCondLst>
-                      <p:childTnLst>
-                        <p:par>
-                          <p:cTn id="40" fill="hold">
-                            <p:stCondLst>
-                              <p:cond delay="0"/>
-                            </p:stCondLst>
-                            <p:childTnLst>
                               <p:par>
-                                <p:cTn id="41" presetID="1" presetClass="entr" presetSubtype="0" fill="hold" nodeType="clickEffect">
+                                <p:cTn id="25" presetID="1" presetClass="entr" presetSubtype="0" fill="hold" nodeType="withEffect">
                                   <p:stCondLst>
                                     <p:cond delay="0"/>
                                   </p:stCondLst>
                                   <p:childTnLst>
                                     <p:set>
                                       <p:cBhvr>
-                                        <p:cTn id="42" dur="1" fill="hold">
+                                        <p:cTn id="26" dur="1" fill="hold">
                                           <p:stCondLst>
                                             <p:cond delay="0"/>
                                           </p:stCondLst>
@@ -24705,33 +21898,15 @@
                                   </p:childTnLst>
                                 </p:cTn>
                               </p:par>
-                            </p:childTnLst>
-                          </p:cTn>
-                        </p:par>
-                      </p:childTnLst>
-                    </p:cTn>
-                  </p:par>
-                  <p:par>
-                    <p:cTn id="43" fill="hold">
-                      <p:stCondLst>
-                        <p:cond delay="indefinite"/>
-                      </p:stCondLst>
-                      <p:childTnLst>
-                        <p:par>
-                          <p:cTn id="44" fill="hold">
-                            <p:stCondLst>
-                              <p:cond delay="0"/>
-                            </p:stCondLst>
-                            <p:childTnLst>
                               <p:par>
-                                <p:cTn id="45" presetID="1" presetClass="entr" presetSubtype="0" fill="hold" nodeType="clickEffect">
+                                <p:cTn id="27" presetID="1" presetClass="entr" presetSubtype="0" fill="hold" nodeType="withEffect">
                                   <p:stCondLst>
                                     <p:cond delay="0"/>
                                   </p:stCondLst>
                                   <p:childTnLst>
                                     <p:set>
                                       <p:cBhvr>
-                                        <p:cTn id="46" dur="1" fill="hold">
+                                        <p:cTn id="28" dur="1" fill="hold">
                                           <p:stCondLst>
                                             <p:cond delay="0"/>
                                           </p:stCondLst>
@@ -25801,281 +22976,6 @@
   <p:clrMapOvr>
     <a:masterClrMapping/>
   </p:clrMapOvr>
-  <p:timing>
-    <p:tnLst>
-      <p:par>
-        <p:cTn id="1" dur="indefinite" restart="never" nodeType="tmRoot">
-          <p:childTnLst>
-            <p:seq concurrent="1" nextAc="seek">
-              <p:cTn id="2" dur="indefinite" nodeType="mainSeq">
-                <p:childTnLst>
-                  <p:par>
-                    <p:cTn id="3" fill="hold">
-                      <p:stCondLst>
-                        <p:cond delay="indefinite"/>
-                      </p:stCondLst>
-                      <p:childTnLst>
-                        <p:par>
-                          <p:cTn id="4" fill="hold">
-                            <p:stCondLst>
-                              <p:cond delay="0"/>
-                            </p:stCondLst>
-                            <p:childTnLst>
-                              <p:par>
-                                <p:cTn id="5" presetID="1" presetClass="entr" presetSubtype="0" fill="hold" nodeType="clickEffect">
-                                  <p:stCondLst>
-                                    <p:cond delay="0"/>
-                                  </p:stCondLst>
-                                  <p:childTnLst>
-                                    <p:set>
-                                      <p:cBhvr>
-                                        <p:cTn id="6" dur="1" fill="hold">
-                                          <p:stCondLst>
-                                            <p:cond delay="0"/>
-                                          </p:stCondLst>
-                                        </p:cTn>
-                                        <p:tgtEl>
-                                          <p:spTgt spid="356">
-                                            <p:txEl>
-                                              <p:pRg st="0" end="0"/>
-                                            </p:txEl>
-                                          </p:spTgt>
-                                        </p:tgtEl>
-                                        <p:attrNameLst>
-                                          <p:attrName>style.visibility</p:attrName>
-                                        </p:attrNameLst>
-                                      </p:cBhvr>
-                                      <p:to>
-                                        <p:strVal val="visible"/>
-                                      </p:to>
-                                    </p:set>
-                                  </p:childTnLst>
-                                </p:cTn>
-                              </p:par>
-                            </p:childTnLst>
-                          </p:cTn>
-                        </p:par>
-                      </p:childTnLst>
-                    </p:cTn>
-                  </p:par>
-                  <p:par>
-                    <p:cTn id="7" fill="hold">
-                      <p:stCondLst>
-                        <p:cond delay="indefinite"/>
-                      </p:stCondLst>
-                      <p:childTnLst>
-                        <p:par>
-                          <p:cTn id="8" fill="hold">
-                            <p:stCondLst>
-                              <p:cond delay="0"/>
-                            </p:stCondLst>
-                            <p:childTnLst>
-                              <p:par>
-                                <p:cTn id="9" presetID="1" presetClass="entr" presetSubtype="0" fill="hold" nodeType="clickEffect">
-                                  <p:stCondLst>
-                                    <p:cond delay="0"/>
-                                  </p:stCondLst>
-                                  <p:childTnLst>
-                                    <p:set>
-                                      <p:cBhvr>
-                                        <p:cTn id="10" dur="1" fill="hold">
-                                          <p:stCondLst>
-                                            <p:cond delay="0"/>
-                                          </p:stCondLst>
-                                        </p:cTn>
-                                        <p:tgtEl>
-                                          <p:spTgt spid="356">
-                                            <p:txEl>
-                                              <p:pRg st="1" end="1"/>
-                                            </p:txEl>
-                                          </p:spTgt>
-                                        </p:tgtEl>
-                                        <p:attrNameLst>
-                                          <p:attrName>style.visibility</p:attrName>
-                                        </p:attrNameLst>
-                                      </p:cBhvr>
-                                      <p:to>
-                                        <p:strVal val="visible"/>
-                                      </p:to>
-                                    </p:set>
-                                  </p:childTnLst>
-                                </p:cTn>
-                              </p:par>
-                            </p:childTnLst>
-                          </p:cTn>
-                        </p:par>
-                      </p:childTnLst>
-                    </p:cTn>
-                  </p:par>
-                  <p:par>
-                    <p:cTn id="11" fill="hold">
-                      <p:stCondLst>
-                        <p:cond delay="indefinite"/>
-                      </p:stCondLst>
-                      <p:childTnLst>
-                        <p:par>
-                          <p:cTn id="12" fill="hold">
-                            <p:stCondLst>
-                              <p:cond delay="0"/>
-                            </p:stCondLst>
-                            <p:childTnLst>
-                              <p:par>
-                                <p:cTn id="13" presetID="1" presetClass="entr" presetSubtype="0" fill="hold" nodeType="clickEffect">
-                                  <p:stCondLst>
-                                    <p:cond delay="0"/>
-                                  </p:stCondLst>
-                                  <p:childTnLst>
-                                    <p:set>
-                                      <p:cBhvr>
-                                        <p:cTn id="14" dur="1" fill="hold">
-                                          <p:stCondLst>
-                                            <p:cond delay="0"/>
-                                          </p:stCondLst>
-                                        </p:cTn>
-                                        <p:tgtEl>
-                                          <p:spTgt spid="356">
-                                            <p:txEl>
-                                              <p:pRg st="2" end="2"/>
-                                            </p:txEl>
-                                          </p:spTgt>
-                                        </p:tgtEl>
-                                        <p:attrNameLst>
-                                          <p:attrName>style.visibility</p:attrName>
-                                        </p:attrNameLst>
-                                      </p:cBhvr>
-                                      <p:to>
-                                        <p:strVal val="visible"/>
-                                      </p:to>
-                                    </p:set>
-                                  </p:childTnLst>
-                                </p:cTn>
-                              </p:par>
-                            </p:childTnLst>
-                          </p:cTn>
-                        </p:par>
-                      </p:childTnLst>
-                    </p:cTn>
-                  </p:par>
-                  <p:par>
-                    <p:cTn id="15" fill="hold">
-                      <p:stCondLst>
-                        <p:cond delay="indefinite"/>
-                      </p:stCondLst>
-                      <p:childTnLst>
-                        <p:par>
-                          <p:cTn id="16" fill="hold">
-                            <p:stCondLst>
-                              <p:cond delay="0"/>
-                            </p:stCondLst>
-                            <p:childTnLst>
-                              <p:par>
-                                <p:cTn id="17" presetID="1" presetClass="entr" presetSubtype="0" fill="hold" nodeType="clickEffect">
-                                  <p:stCondLst>
-                                    <p:cond delay="0"/>
-                                  </p:stCondLst>
-                                  <p:childTnLst>
-                                    <p:set>
-                                      <p:cBhvr>
-                                        <p:cTn id="18" dur="1" fill="hold">
-                                          <p:stCondLst>
-                                            <p:cond delay="0"/>
-                                          </p:stCondLst>
-                                        </p:cTn>
-                                        <p:tgtEl>
-                                          <p:spTgt spid="356">
-                                            <p:txEl>
-                                              <p:pRg st="3" end="3"/>
-                                            </p:txEl>
-                                          </p:spTgt>
-                                        </p:tgtEl>
-                                        <p:attrNameLst>
-                                          <p:attrName>style.visibility</p:attrName>
-                                        </p:attrNameLst>
-                                      </p:cBhvr>
-                                      <p:to>
-                                        <p:strVal val="visible"/>
-                                      </p:to>
-                                    </p:set>
-                                  </p:childTnLst>
-                                </p:cTn>
-                              </p:par>
-                            </p:childTnLst>
-                          </p:cTn>
-                        </p:par>
-                      </p:childTnLst>
-                    </p:cTn>
-                  </p:par>
-                  <p:par>
-                    <p:cTn id="19" fill="hold">
-                      <p:stCondLst>
-                        <p:cond delay="indefinite"/>
-                      </p:stCondLst>
-                      <p:childTnLst>
-                        <p:par>
-                          <p:cTn id="20" fill="hold">
-                            <p:stCondLst>
-                              <p:cond delay="0"/>
-                            </p:stCondLst>
-                            <p:childTnLst>
-                              <p:par>
-                                <p:cTn id="21" presetID="1" presetClass="entr" presetSubtype="0" fill="hold" nodeType="clickEffect">
-                                  <p:stCondLst>
-                                    <p:cond delay="0"/>
-                                  </p:stCondLst>
-                                  <p:childTnLst>
-                                    <p:set>
-                                      <p:cBhvr>
-                                        <p:cTn id="22" dur="1" fill="hold">
-                                          <p:stCondLst>
-                                            <p:cond delay="0"/>
-                                          </p:stCondLst>
-                                        </p:cTn>
-                                        <p:tgtEl>
-                                          <p:spTgt spid="356">
-                                            <p:txEl>
-                                              <p:pRg st="4" end="4"/>
-                                            </p:txEl>
-                                          </p:spTgt>
-                                        </p:tgtEl>
-                                        <p:attrNameLst>
-                                          <p:attrName>style.visibility</p:attrName>
-                                        </p:attrNameLst>
-                                      </p:cBhvr>
-                                      <p:to>
-                                        <p:strVal val="visible"/>
-                                      </p:to>
-                                    </p:set>
-                                  </p:childTnLst>
-                                </p:cTn>
-                              </p:par>
-                            </p:childTnLst>
-                          </p:cTn>
-                        </p:par>
-                      </p:childTnLst>
-                    </p:cTn>
-                  </p:par>
-                </p:childTnLst>
-              </p:cTn>
-              <p:prevCondLst>
-                <p:cond evt="onPrev" delay="0">
-                  <p:tgtEl>
-                    <p:sldTgt/>
-                  </p:tgtEl>
-                </p:cond>
-              </p:prevCondLst>
-              <p:nextCondLst>
-                <p:cond evt="onNext" delay="0">
-                  <p:tgtEl>
-                    <p:sldTgt/>
-                  </p:tgtEl>
-                </p:cond>
-              </p:nextCondLst>
-            </p:seq>
-          </p:childTnLst>
-        </p:cTn>
-      </p:par>
-    </p:tnLst>
-  </p:timing>
 </p:sld>
 </file>
 
@@ -26266,183 +23166,6 @@
   <p:clrMapOvr>
     <a:masterClrMapping/>
   </p:clrMapOvr>
-  <p:timing>
-    <p:tnLst>
-      <p:par>
-        <p:cTn id="1" dur="indefinite" restart="never" nodeType="tmRoot">
-          <p:childTnLst>
-            <p:seq concurrent="1" nextAc="seek">
-              <p:cTn id="2" dur="indefinite" nodeType="mainSeq">
-                <p:childTnLst>
-                  <p:par>
-                    <p:cTn id="3" fill="hold">
-                      <p:stCondLst>
-                        <p:cond delay="indefinite"/>
-                      </p:stCondLst>
-                      <p:childTnLst>
-                        <p:par>
-                          <p:cTn id="4" fill="hold">
-                            <p:stCondLst>
-                              <p:cond delay="0"/>
-                            </p:stCondLst>
-                            <p:childTnLst>
-                              <p:par>
-                                <p:cTn id="5" presetID="1" presetClass="entr" presetSubtype="0" fill="hold" nodeType="clickEffect">
-                                  <p:stCondLst>
-                                    <p:cond delay="0"/>
-                                  </p:stCondLst>
-                                  <p:childTnLst>
-                                    <p:set>
-                                      <p:cBhvr>
-                                        <p:cTn id="6" dur="1" fill="hold">
-                                          <p:stCondLst>
-                                            <p:cond delay="0"/>
-                                          </p:stCondLst>
-                                        </p:cTn>
-                                        <p:tgtEl>
-                                          <p:spTgt spid="419">
-                                            <p:txEl>
-                                              <p:pRg st="0" end="0"/>
-                                            </p:txEl>
-                                          </p:spTgt>
-                                        </p:tgtEl>
-                                        <p:attrNameLst>
-                                          <p:attrName>style.visibility</p:attrName>
-                                        </p:attrNameLst>
-                                      </p:cBhvr>
-                                      <p:to>
-                                        <p:strVal val="visible"/>
-                                      </p:to>
-                                    </p:set>
-                                  </p:childTnLst>
-                                </p:cTn>
-                              </p:par>
-                            </p:childTnLst>
-                          </p:cTn>
-                        </p:par>
-                      </p:childTnLst>
-                    </p:cTn>
-                  </p:par>
-                  <p:par>
-                    <p:cTn id="7" fill="hold">
-                      <p:stCondLst>
-                        <p:cond delay="indefinite"/>
-                      </p:stCondLst>
-                      <p:childTnLst>
-                        <p:par>
-                          <p:cTn id="8" fill="hold">
-                            <p:stCondLst>
-                              <p:cond delay="0"/>
-                            </p:stCondLst>
-                            <p:childTnLst>
-                              <p:par>
-                                <p:cTn id="9" presetID="1" presetClass="entr" presetSubtype="0" fill="hold" nodeType="clickEffect">
-                                  <p:stCondLst>
-                                    <p:cond delay="0"/>
-                                  </p:stCondLst>
-                                  <p:childTnLst>
-                                    <p:set>
-                                      <p:cBhvr>
-                                        <p:cTn id="10" dur="1" fill="hold">
-                                          <p:stCondLst>
-                                            <p:cond delay="0"/>
-                                          </p:stCondLst>
-                                        </p:cTn>
-                                        <p:tgtEl>
-                                          <p:spTgt spid="419">
-                                            <p:txEl>
-                                              <p:pRg st="1" end="1"/>
-                                            </p:txEl>
-                                          </p:spTgt>
-                                        </p:tgtEl>
-                                        <p:attrNameLst>
-                                          <p:attrName>style.visibility</p:attrName>
-                                        </p:attrNameLst>
-                                      </p:cBhvr>
-                                      <p:to>
-                                        <p:strVal val="visible"/>
-                                      </p:to>
-                                    </p:set>
-                                  </p:childTnLst>
-                                </p:cTn>
-                              </p:par>
-                            </p:childTnLst>
-                          </p:cTn>
-                        </p:par>
-                      </p:childTnLst>
-                    </p:cTn>
-                  </p:par>
-                  <p:par>
-                    <p:cTn id="11" fill="hold">
-                      <p:stCondLst>
-                        <p:cond delay="indefinite"/>
-                      </p:stCondLst>
-                      <p:childTnLst>
-                        <p:par>
-                          <p:cTn id="12" fill="hold">
-                            <p:stCondLst>
-                              <p:cond delay="0"/>
-                            </p:stCondLst>
-                            <p:childTnLst>
-                              <p:par>
-                                <p:cTn id="13" presetID="1" presetClass="entr" presetSubtype="0" fill="hold" nodeType="clickEffect">
-                                  <p:stCondLst>
-                                    <p:cond delay="0"/>
-                                  </p:stCondLst>
-                                  <p:childTnLst>
-                                    <p:set>
-                                      <p:cBhvr>
-                                        <p:cTn id="14" dur="1" fill="hold">
-                                          <p:stCondLst>
-                                            <p:cond delay="0"/>
-                                          </p:stCondLst>
-                                        </p:cTn>
-                                        <p:tgtEl>
-                                          <p:spTgt spid="419">
-                                            <p:txEl>
-                                              <p:pRg st="2" end="2"/>
-                                            </p:txEl>
-                                          </p:spTgt>
-                                        </p:tgtEl>
-                                        <p:attrNameLst>
-                                          <p:attrName>style.visibility</p:attrName>
-                                        </p:attrNameLst>
-                                      </p:cBhvr>
-                                      <p:to>
-                                        <p:strVal val="visible"/>
-                                      </p:to>
-                                    </p:set>
-                                  </p:childTnLst>
-                                </p:cTn>
-                              </p:par>
-                            </p:childTnLst>
-                          </p:cTn>
-                        </p:par>
-                      </p:childTnLst>
-                    </p:cTn>
-                  </p:par>
-                </p:childTnLst>
-              </p:cTn>
-              <p:prevCondLst>
-                <p:cond evt="onPrev" delay="0">
-                  <p:tgtEl>
-                    <p:sldTgt/>
-                  </p:tgtEl>
-                </p:cond>
-              </p:prevCondLst>
-              <p:nextCondLst>
-                <p:cond evt="onNext" delay="0">
-                  <p:tgtEl>
-                    <p:sldTgt/>
-                  </p:tgtEl>
-                </p:cond>
-              </p:nextCondLst>
-            </p:seq>
-          </p:childTnLst>
-        </p:cTn>
-      </p:par>
-    </p:tnLst>
-  </p:timing>
 </p:sld>
 </file>
 
@@ -26822,7 +23545,7 @@
                                         <p:tgtEl>
                                           <p:spTgt spid="427">
                                             <p:txEl>
-                                              <p:pRg st="0" end="0"/>
+                                              <p:pRg st="1" end="1"/>
                                             </p:txEl>
                                           </p:spTgt>
                                         </p:tgtEl>
@@ -26837,26 +23560,39 @@
                                   </p:childTnLst>
                                 </p:cTn>
                               </p:par>
-                            </p:childTnLst>
-                          </p:cTn>
-                        </p:par>
-                      </p:childTnLst>
-                    </p:cTn>
-                  </p:par>
-                  <p:par>
-                    <p:cTn id="7" fill="hold">
-                      <p:stCondLst>
-                        <p:cond delay="indefinite"/>
-                      </p:stCondLst>
-                      <p:childTnLst>
-                        <p:par>
-                          <p:cTn id="8" fill="hold">
-                            <p:stCondLst>
-                              <p:cond delay="0"/>
-                            </p:stCondLst>
-                            <p:childTnLst>
                               <p:par>
-                                <p:cTn id="9" presetID="1" presetClass="entr" presetSubtype="0" fill="hold" nodeType="clickEffect">
+                                <p:cTn id="7" presetID="1" presetClass="entr" presetSubtype="0" fill="hold" nodeType="withEffect">
+                                  <p:stCondLst>
+                                    <p:cond delay="0"/>
+                                  </p:stCondLst>
+                                  <p:childTnLst>
+                                    <p:set>
+                                      <p:cBhvr>
+                                        <p:cTn id="8" dur="1" fill="hold">
+                                          <p:stCondLst>
+                                            <p:cond delay="0"/>
+                                          </p:stCondLst>
+                                        </p:cTn>
+                                        <p:tgtEl>
+                                          <p:spTgt spid="427">
+                                            <p:txEl>
+                                              <p:pRg st="2" end="2"/>
+                                            </p:txEl>
+                                          </p:spTgt>
+                                        </p:tgtEl>
+                                        <p:attrNameLst>
+                                          <p:attrName>style.visibility</p:attrName>
+                                        </p:attrNameLst>
+                                      </p:cBhvr>
+                                      <p:to>
+                                        <p:strVal val="visible"/>
+                                      </p:to>
+                                    </p:set>
+                                  </p:childTnLst>
+                                </p:cTn>
+                              </p:par>
+                              <p:par>
+                                <p:cTn id="9" presetID="1" presetClass="entr" presetSubtype="0" fill="hold" nodeType="withEffect">
                                   <p:stCondLst>
                                     <p:cond delay="0"/>
                                   </p:stCondLst>
@@ -26871,7 +23607,7 @@
                                         <p:tgtEl>
                                           <p:spTgt spid="427">
                                             <p:txEl>
-                                              <p:pRg st="1" end="1"/>
+                                              <p:pRg st="3" end="3"/>
                                             </p:txEl>
                                           </p:spTgt>
                                         </p:tgtEl>
@@ -26920,7 +23656,7 @@
                                         <p:tgtEl>
                                           <p:spTgt spid="427">
                                             <p:txEl>
-                                              <p:pRg st="2" end="2"/>
+                                              <p:pRg st="4" end="4"/>
                                             </p:txEl>
                                           </p:spTgt>
                                         </p:tgtEl>
@@ -26935,26 +23671,39 @@
                                   </p:childTnLst>
                                 </p:cTn>
                               </p:par>
-                            </p:childTnLst>
-                          </p:cTn>
-                        </p:par>
-                      </p:childTnLst>
-                    </p:cTn>
-                  </p:par>
-                  <p:par>
-                    <p:cTn id="15" fill="hold">
-                      <p:stCondLst>
-                        <p:cond delay="indefinite"/>
-                      </p:stCondLst>
-                      <p:childTnLst>
-                        <p:par>
-                          <p:cTn id="16" fill="hold">
-                            <p:stCondLst>
-                              <p:cond delay="0"/>
-                            </p:stCondLst>
-                            <p:childTnLst>
                               <p:par>
-                                <p:cTn id="17" presetID="1" presetClass="entr" presetSubtype="0" fill="hold" nodeType="clickEffect">
+                                <p:cTn id="15" presetID="1" presetClass="entr" presetSubtype="0" fill="hold" nodeType="withEffect">
+                                  <p:stCondLst>
+                                    <p:cond delay="0"/>
+                                  </p:stCondLst>
+                                  <p:childTnLst>
+                                    <p:set>
+                                      <p:cBhvr>
+                                        <p:cTn id="16" dur="1" fill="hold">
+                                          <p:stCondLst>
+                                            <p:cond delay="0"/>
+                                          </p:stCondLst>
+                                        </p:cTn>
+                                        <p:tgtEl>
+                                          <p:spTgt spid="427">
+                                            <p:txEl>
+                                              <p:pRg st="5" end="5"/>
+                                            </p:txEl>
+                                          </p:spTgt>
+                                        </p:tgtEl>
+                                        <p:attrNameLst>
+                                          <p:attrName>style.visibility</p:attrName>
+                                        </p:attrNameLst>
+                                      </p:cBhvr>
+                                      <p:to>
+                                        <p:strVal val="visible"/>
+                                      </p:to>
+                                    </p:set>
+                                  </p:childTnLst>
+                                </p:cTn>
+                              </p:par>
+                              <p:par>
+                                <p:cTn id="17" presetID="1" presetClass="entr" presetSubtype="0" fill="hold" nodeType="withEffect">
                                   <p:stCondLst>
                                     <p:cond delay="0"/>
                                   </p:stCondLst>
@@ -26969,7 +23718,7 @@
                                         <p:tgtEl>
                                           <p:spTgt spid="427">
                                             <p:txEl>
-                                              <p:pRg st="3" end="3"/>
+                                              <p:pRg st="6" end="6"/>
                                             </p:txEl>
                                           </p:spTgt>
                                         </p:tgtEl>
@@ -27018,153 +23767,6 @@
                                         <p:tgtEl>
                                           <p:spTgt spid="427">
                                             <p:txEl>
-                                              <p:pRg st="4" end="4"/>
-                                            </p:txEl>
-                                          </p:spTgt>
-                                        </p:tgtEl>
-                                        <p:attrNameLst>
-                                          <p:attrName>style.visibility</p:attrName>
-                                        </p:attrNameLst>
-                                      </p:cBhvr>
-                                      <p:to>
-                                        <p:strVal val="visible"/>
-                                      </p:to>
-                                    </p:set>
-                                  </p:childTnLst>
-                                </p:cTn>
-                              </p:par>
-                            </p:childTnLst>
-                          </p:cTn>
-                        </p:par>
-                      </p:childTnLst>
-                    </p:cTn>
-                  </p:par>
-                  <p:par>
-                    <p:cTn id="23" fill="hold">
-                      <p:stCondLst>
-                        <p:cond delay="indefinite"/>
-                      </p:stCondLst>
-                      <p:childTnLst>
-                        <p:par>
-                          <p:cTn id="24" fill="hold">
-                            <p:stCondLst>
-                              <p:cond delay="0"/>
-                            </p:stCondLst>
-                            <p:childTnLst>
-                              <p:par>
-                                <p:cTn id="25" presetID="1" presetClass="entr" presetSubtype="0" fill="hold" nodeType="clickEffect">
-                                  <p:stCondLst>
-                                    <p:cond delay="0"/>
-                                  </p:stCondLst>
-                                  <p:childTnLst>
-                                    <p:set>
-                                      <p:cBhvr>
-                                        <p:cTn id="26" dur="1" fill="hold">
-                                          <p:stCondLst>
-                                            <p:cond delay="0"/>
-                                          </p:stCondLst>
-                                        </p:cTn>
-                                        <p:tgtEl>
-                                          <p:spTgt spid="427">
-                                            <p:txEl>
-                                              <p:pRg st="5" end="5"/>
-                                            </p:txEl>
-                                          </p:spTgt>
-                                        </p:tgtEl>
-                                        <p:attrNameLst>
-                                          <p:attrName>style.visibility</p:attrName>
-                                        </p:attrNameLst>
-                                      </p:cBhvr>
-                                      <p:to>
-                                        <p:strVal val="visible"/>
-                                      </p:to>
-                                    </p:set>
-                                  </p:childTnLst>
-                                </p:cTn>
-                              </p:par>
-                            </p:childTnLst>
-                          </p:cTn>
-                        </p:par>
-                      </p:childTnLst>
-                    </p:cTn>
-                  </p:par>
-                  <p:par>
-                    <p:cTn id="27" fill="hold">
-                      <p:stCondLst>
-                        <p:cond delay="indefinite"/>
-                      </p:stCondLst>
-                      <p:childTnLst>
-                        <p:par>
-                          <p:cTn id="28" fill="hold">
-                            <p:stCondLst>
-                              <p:cond delay="0"/>
-                            </p:stCondLst>
-                            <p:childTnLst>
-                              <p:par>
-                                <p:cTn id="29" presetID="1" presetClass="entr" presetSubtype="0" fill="hold" nodeType="clickEffect">
-                                  <p:stCondLst>
-                                    <p:cond delay="0"/>
-                                  </p:stCondLst>
-                                  <p:childTnLst>
-                                    <p:set>
-                                      <p:cBhvr>
-                                        <p:cTn id="30" dur="1" fill="hold">
-                                          <p:stCondLst>
-                                            <p:cond delay="0"/>
-                                          </p:stCondLst>
-                                        </p:cTn>
-                                        <p:tgtEl>
-                                          <p:spTgt spid="427">
-                                            <p:txEl>
-                                              <p:pRg st="6" end="6"/>
-                                            </p:txEl>
-                                          </p:spTgt>
-                                        </p:tgtEl>
-                                        <p:attrNameLst>
-                                          <p:attrName>style.visibility</p:attrName>
-                                        </p:attrNameLst>
-                                      </p:cBhvr>
-                                      <p:to>
-                                        <p:strVal val="visible"/>
-                                      </p:to>
-                                    </p:set>
-                                  </p:childTnLst>
-                                </p:cTn>
-                              </p:par>
-                            </p:childTnLst>
-                          </p:cTn>
-                        </p:par>
-                      </p:childTnLst>
-                    </p:cTn>
-                  </p:par>
-                  <p:par>
-                    <p:cTn id="31" fill="hold">
-                      <p:stCondLst>
-                        <p:cond delay="indefinite"/>
-                      </p:stCondLst>
-                      <p:childTnLst>
-                        <p:par>
-                          <p:cTn id="32" fill="hold">
-                            <p:stCondLst>
-                              <p:cond delay="0"/>
-                            </p:stCondLst>
-                            <p:childTnLst>
-                              <p:par>
-                                <p:cTn id="33" presetID="1" presetClass="entr" presetSubtype="0" fill="hold" nodeType="clickEffect">
-                                  <p:stCondLst>
-                                    <p:cond delay="0"/>
-                                  </p:stCondLst>
-                                  <p:childTnLst>
-                                    <p:set>
-                                      <p:cBhvr>
-                                        <p:cTn id="34" dur="1" fill="hold">
-                                          <p:stCondLst>
-                                            <p:cond delay="0"/>
-                                          </p:stCondLst>
-                                        </p:cTn>
-                                        <p:tgtEl>
-                                          <p:spTgt spid="427">
-                                            <p:txEl>
                                               <p:pRg st="7" end="7"/>
                                             </p:txEl>
                                           </p:spTgt>
@@ -27180,33 +23782,15 @@
                                   </p:childTnLst>
                                 </p:cTn>
                               </p:par>
-                            </p:childTnLst>
-                          </p:cTn>
-                        </p:par>
-                      </p:childTnLst>
-                    </p:cTn>
-                  </p:par>
-                  <p:par>
-                    <p:cTn id="35" fill="hold">
-                      <p:stCondLst>
-                        <p:cond delay="indefinite"/>
-                      </p:stCondLst>
-                      <p:childTnLst>
-                        <p:par>
-                          <p:cTn id="36" fill="hold">
-                            <p:stCondLst>
-                              <p:cond delay="0"/>
-                            </p:stCondLst>
-                            <p:childTnLst>
                               <p:par>
-                                <p:cTn id="37" presetID="1" presetClass="entr" presetSubtype="0" fill="hold" nodeType="clickEffect">
+                                <p:cTn id="23" presetID="1" presetClass="entr" presetSubtype="0" fill="hold" nodeType="withEffect">
                                   <p:stCondLst>
                                     <p:cond delay="0"/>
                                   </p:stCondLst>
                                   <p:childTnLst>
                                     <p:set>
                                       <p:cBhvr>
-                                        <p:cTn id="38" dur="1" fill="hold">
+                                        <p:cTn id="24" dur="1" fill="hold">
                                           <p:stCondLst>
                                             <p:cond delay="0"/>
                                           </p:stCondLst>
@@ -27229,33 +23813,15 @@
                                   </p:childTnLst>
                                 </p:cTn>
                               </p:par>
-                            </p:childTnLst>
-                          </p:cTn>
-                        </p:par>
-                      </p:childTnLst>
-                    </p:cTn>
-                  </p:par>
-                  <p:par>
-                    <p:cTn id="39" fill="hold">
-                      <p:stCondLst>
-                        <p:cond delay="indefinite"/>
-                      </p:stCondLst>
-                      <p:childTnLst>
-                        <p:par>
-                          <p:cTn id="40" fill="hold">
-                            <p:stCondLst>
-                              <p:cond delay="0"/>
-                            </p:stCondLst>
-                            <p:childTnLst>
                               <p:par>
-                                <p:cTn id="41" presetID="1" presetClass="entr" presetSubtype="0" fill="hold" nodeType="clickEffect">
+                                <p:cTn id="25" presetID="1" presetClass="entr" presetSubtype="0" fill="hold" nodeType="withEffect">
                                   <p:stCondLst>
                                     <p:cond delay="0"/>
                                   </p:stCondLst>
                                   <p:childTnLst>
                                     <p:set>
                                       <p:cBhvr>
-                                        <p:cTn id="42" dur="1" fill="hold">
+                                        <p:cTn id="26" dur="1" fill="hold">
                                           <p:stCondLst>
                                             <p:cond delay="0"/>
                                           </p:stCondLst>
@@ -27278,33 +23844,15 @@
                                   </p:childTnLst>
                                 </p:cTn>
                               </p:par>
-                            </p:childTnLst>
-                          </p:cTn>
-                        </p:par>
-                      </p:childTnLst>
-                    </p:cTn>
-                  </p:par>
-                  <p:par>
-                    <p:cTn id="43" fill="hold">
-                      <p:stCondLst>
-                        <p:cond delay="indefinite"/>
-                      </p:stCondLst>
-                      <p:childTnLst>
-                        <p:par>
-                          <p:cTn id="44" fill="hold">
-                            <p:stCondLst>
-                              <p:cond delay="0"/>
-                            </p:stCondLst>
-                            <p:childTnLst>
                               <p:par>
-                                <p:cTn id="45" presetID="1" presetClass="entr" presetSubtype="0" fill="hold" nodeType="clickEffect">
+                                <p:cTn id="27" presetID="1" presetClass="entr" presetSubtype="0" fill="hold" nodeType="withEffect">
                                   <p:stCondLst>
                                     <p:cond delay="0"/>
                                   </p:stCondLst>
                                   <p:childTnLst>
                                     <p:set>
                                       <p:cBhvr>
-                                        <p:cTn id="46" dur="1" fill="hold">
+                                        <p:cTn id="28" dur="1" fill="hold">
                                           <p:stCondLst>
                                             <p:cond delay="0"/>
                                           </p:stCondLst>
@@ -27609,379 +24157,6 @@
   <p:clrMapOvr>
     <a:masterClrMapping/>
   </p:clrMapOvr>
-  <p:timing>
-    <p:tnLst>
-      <p:par>
-        <p:cTn id="1" dur="indefinite" restart="never" nodeType="tmRoot">
-          <p:childTnLst>
-            <p:seq concurrent="1" nextAc="seek">
-              <p:cTn id="2" dur="indefinite" nodeType="mainSeq">
-                <p:childTnLst>
-                  <p:par>
-                    <p:cTn id="3" fill="hold">
-                      <p:stCondLst>
-                        <p:cond delay="indefinite"/>
-                      </p:stCondLst>
-                      <p:childTnLst>
-                        <p:par>
-                          <p:cTn id="4" fill="hold">
-                            <p:stCondLst>
-                              <p:cond delay="0"/>
-                            </p:stCondLst>
-                            <p:childTnLst>
-                              <p:par>
-                                <p:cTn id="5" presetID="1" presetClass="entr" presetSubtype="0" fill="hold" nodeType="clickEffect">
-                                  <p:stCondLst>
-                                    <p:cond delay="0"/>
-                                  </p:stCondLst>
-                                  <p:childTnLst>
-                                    <p:set>
-                                      <p:cBhvr>
-                                        <p:cTn id="6" dur="1" fill="hold">
-                                          <p:stCondLst>
-                                            <p:cond delay="0"/>
-                                          </p:stCondLst>
-                                        </p:cTn>
-                                        <p:tgtEl>
-                                          <p:spTgt spid="433">
-                                            <p:txEl>
-                                              <p:pRg st="0" end="0"/>
-                                            </p:txEl>
-                                          </p:spTgt>
-                                        </p:tgtEl>
-                                        <p:attrNameLst>
-                                          <p:attrName>style.visibility</p:attrName>
-                                        </p:attrNameLst>
-                                      </p:cBhvr>
-                                      <p:to>
-                                        <p:strVal val="visible"/>
-                                      </p:to>
-                                    </p:set>
-                                  </p:childTnLst>
-                                </p:cTn>
-                              </p:par>
-                            </p:childTnLst>
-                          </p:cTn>
-                        </p:par>
-                      </p:childTnLst>
-                    </p:cTn>
-                  </p:par>
-                  <p:par>
-                    <p:cTn id="7" fill="hold">
-                      <p:stCondLst>
-                        <p:cond delay="indefinite"/>
-                      </p:stCondLst>
-                      <p:childTnLst>
-                        <p:par>
-                          <p:cTn id="8" fill="hold">
-                            <p:stCondLst>
-                              <p:cond delay="0"/>
-                            </p:stCondLst>
-                            <p:childTnLst>
-                              <p:par>
-                                <p:cTn id="9" presetID="1" presetClass="entr" presetSubtype="0" fill="hold" nodeType="clickEffect">
-                                  <p:stCondLst>
-                                    <p:cond delay="0"/>
-                                  </p:stCondLst>
-                                  <p:childTnLst>
-                                    <p:set>
-                                      <p:cBhvr>
-                                        <p:cTn id="10" dur="1" fill="hold">
-                                          <p:stCondLst>
-                                            <p:cond delay="0"/>
-                                          </p:stCondLst>
-                                        </p:cTn>
-                                        <p:tgtEl>
-                                          <p:spTgt spid="433">
-                                            <p:txEl>
-                                              <p:pRg st="1" end="1"/>
-                                            </p:txEl>
-                                          </p:spTgt>
-                                        </p:tgtEl>
-                                        <p:attrNameLst>
-                                          <p:attrName>style.visibility</p:attrName>
-                                        </p:attrNameLst>
-                                      </p:cBhvr>
-                                      <p:to>
-                                        <p:strVal val="visible"/>
-                                      </p:to>
-                                    </p:set>
-                                  </p:childTnLst>
-                                </p:cTn>
-                              </p:par>
-                            </p:childTnLst>
-                          </p:cTn>
-                        </p:par>
-                      </p:childTnLst>
-                    </p:cTn>
-                  </p:par>
-                  <p:par>
-                    <p:cTn id="11" fill="hold">
-                      <p:stCondLst>
-                        <p:cond delay="indefinite"/>
-                      </p:stCondLst>
-                      <p:childTnLst>
-                        <p:par>
-                          <p:cTn id="12" fill="hold">
-                            <p:stCondLst>
-                              <p:cond delay="0"/>
-                            </p:stCondLst>
-                            <p:childTnLst>
-                              <p:par>
-                                <p:cTn id="13" presetID="1" presetClass="entr" presetSubtype="0" fill="hold" nodeType="clickEffect">
-                                  <p:stCondLst>
-                                    <p:cond delay="0"/>
-                                  </p:stCondLst>
-                                  <p:childTnLst>
-                                    <p:set>
-                                      <p:cBhvr>
-                                        <p:cTn id="14" dur="1" fill="hold">
-                                          <p:stCondLst>
-                                            <p:cond delay="0"/>
-                                          </p:stCondLst>
-                                        </p:cTn>
-                                        <p:tgtEl>
-                                          <p:spTgt spid="433">
-                                            <p:txEl>
-                                              <p:pRg st="2" end="2"/>
-                                            </p:txEl>
-                                          </p:spTgt>
-                                        </p:tgtEl>
-                                        <p:attrNameLst>
-                                          <p:attrName>style.visibility</p:attrName>
-                                        </p:attrNameLst>
-                                      </p:cBhvr>
-                                      <p:to>
-                                        <p:strVal val="visible"/>
-                                      </p:to>
-                                    </p:set>
-                                  </p:childTnLst>
-                                </p:cTn>
-                              </p:par>
-                            </p:childTnLst>
-                          </p:cTn>
-                        </p:par>
-                      </p:childTnLst>
-                    </p:cTn>
-                  </p:par>
-                  <p:par>
-                    <p:cTn id="15" fill="hold">
-                      <p:stCondLst>
-                        <p:cond delay="indefinite"/>
-                      </p:stCondLst>
-                      <p:childTnLst>
-                        <p:par>
-                          <p:cTn id="16" fill="hold">
-                            <p:stCondLst>
-                              <p:cond delay="0"/>
-                            </p:stCondLst>
-                            <p:childTnLst>
-                              <p:par>
-                                <p:cTn id="17" presetID="1" presetClass="entr" presetSubtype="0" fill="hold" nodeType="clickEffect">
-                                  <p:stCondLst>
-                                    <p:cond delay="0"/>
-                                  </p:stCondLst>
-                                  <p:childTnLst>
-                                    <p:set>
-                                      <p:cBhvr>
-                                        <p:cTn id="18" dur="1" fill="hold">
-                                          <p:stCondLst>
-                                            <p:cond delay="0"/>
-                                          </p:stCondLst>
-                                        </p:cTn>
-                                        <p:tgtEl>
-                                          <p:spTgt spid="433">
-                                            <p:txEl>
-                                              <p:pRg st="3" end="3"/>
-                                            </p:txEl>
-                                          </p:spTgt>
-                                        </p:tgtEl>
-                                        <p:attrNameLst>
-                                          <p:attrName>style.visibility</p:attrName>
-                                        </p:attrNameLst>
-                                      </p:cBhvr>
-                                      <p:to>
-                                        <p:strVal val="visible"/>
-                                      </p:to>
-                                    </p:set>
-                                  </p:childTnLst>
-                                </p:cTn>
-                              </p:par>
-                            </p:childTnLst>
-                          </p:cTn>
-                        </p:par>
-                      </p:childTnLst>
-                    </p:cTn>
-                  </p:par>
-                  <p:par>
-                    <p:cTn id="19" fill="hold">
-                      <p:stCondLst>
-                        <p:cond delay="indefinite"/>
-                      </p:stCondLst>
-                      <p:childTnLst>
-                        <p:par>
-                          <p:cTn id="20" fill="hold">
-                            <p:stCondLst>
-                              <p:cond delay="0"/>
-                            </p:stCondLst>
-                            <p:childTnLst>
-                              <p:par>
-                                <p:cTn id="21" presetID="1" presetClass="entr" presetSubtype="0" fill="hold" nodeType="clickEffect">
-                                  <p:stCondLst>
-                                    <p:cond delay="0"/>
-                                  </p:stCondLst>
-                                  <p:childTnLst>
-                                    <p:set>
-                                      <p:cBhvr>
-                                        <p:cTn id="22" dur="1" fill="hold">
-                                          <p:stCondLst>
-                                            <p:cond delay="0"/>
-                                          </p:stCondLst>
-                                        </p:cTn>
-                                        <p:tgtEl>
-                                          <p:spTgt spid="433">
-                                            <p:txEl>
-                                              <p:pRg st="4" end="4"/>
-                                            </p:txEl>
-                                          </p:spTgt>
-                                        </p:tgtEl>
-                                        <p:attrNameLst>
-                                          <p:attrName>style.visibility</p:attrName>
-                                        </p:attrNameLst>
-                                      </p:cBhvr>
-                                      <p:to>
-                                        <p:strVal val="visible"/>
-                                      </p:to>
-                                    </p:set>
-                                  </p:childTnLst>
-                                </p:cTn>
-                              </p:par>
-                            </p:childTnLst>
-                          </p:cTn>
-                        </p:par>
-                      </p:childTnLst>
-                    </p:cTn>
-                  </p:par>
-                  <p:par>
-                    <p:cTn id="23" fill="hold">
-                      <p:stCondLst>
-                        <p:cond delay="indefinite"/>
-                      </p:stCondLst>
-                      <p:childTnLst>
-                        <p:par>
-                          <p:cTn id="24" fill="hold">
-                            <p:stCondLst>
-                              <p:cond delay="0"/>
-                            </p:stCondLst>
-                            <p:childTnLst>
-                              <p:par>
-                                <p:cTn id="25" presetID="1" presetClass="entr" presetSubtype="0" fill="hold" nodeType="clickEffect">
-                                  <p:stCondLst>
-                                    <p:cond delay="0"/>
-                                  </p:stCondLst>
-                                  <p:childTnLst>
-                                    <p:set>
-                                      <p:cBhvr>
-                                        <p:cTn id="26" dur="1" fill="hold">
-                                          <p:stCondLst>
-                                            <p:cond delay="0"/>
-                                          </p:stCondLst>
-                                        </p:cTn>
-                                        <p:tgtEl>
-                                          <p:spTgt spid="433">
-                                            <p:txEl>
-                                              <p:pRg st="5" end="5"/>
-                                            </p:txEl>
-                                          </p:spTgt>
-                                        </p:tgtEl>
-                                        <p:attrNameLst>
-                                          <p:attrName>style.visibility</p:attrName>
-                                        </p:attrNameLst>
-                                      </p:cBhvr>
-                                      <p:to>
-                                        <p:strVal val="visible"/>
-                                      </p:to>
-                                    </p:set>
-                                  </p:childTnLst>
-                                </p:cTn>
-                              </p:par>
-                            </p:childTnLst>
-                          </p:cTn>
-                        </p:par>
-                      </p:childTnLst>
-                    </p:cTn>
-                  </p:par>
-                  <p:par>
-                    <p:cTn id="27" fill="hold">
-                      <p:stCondLst>
-                        <p:cond delay="indefinite"/>
-                      </p:stCondLst>
-                      <p:childTnLst>
-                        <p:par>
-                          <p:cTn id="28" fill="hold">
-                            <p:stCondLst>
-                              <p:cond delay="0"/>
-                            </p:stCondLst>
-                            <p:childTnLst>
-                              <p:par>
-                                <p:cTn id="29" presetID="1" presetClass="entr" presetSubtype="0" fill="hold" nodeType="clickEffect">
-                                  <p:stCondLst>
-                                    <p:cond delay="0"/>
-                                  </p:stCondLst>
-                                  <p:childTnLst>
-                                    <p:set>
-                                      <p:cBhvr>
-                                        <p:cTn id="30" dur="1" fill="hold">
-                                          <p:stCondLst>
-                                            <p:cond delay="0"/>
-                                          </p:stCondLst>
-                                        </p:cTn>
-                                        <p:tgtEl>
-                                          <p:spTgt spid="433">
-                                            <p:txEl>
-                                              <p:pRg st="6" end="6"/>
-                                            </p:txEl>
-                                          </p:spTgt>
-                                        </p:tgtEl>
-                                        <p:attrNameLst>
-                                          <p:attrName>style.visibility</p:attrName>
-                                        </p:attrNameLst>
-                                      </p:cBhvr>
-                                      <p:to>
-                                        <p:strVal val="visible"/>
-                                      </p:to>
-                                    </p:set>
-                                  </p:childTnLst>
-                                </p:cTn>
-                              </p:par>
-                            </p:childTnLst>
-                          </p:cTn>
-                        </p:par>
-                      </p:childTnLst>
-                    </p:cTn>
-                  </p:par>
-                </p:childTnLst>
-              </p:cTn>
-              <p:prevCondLst>
-                <p:cond evt="onPrev" delay="0">
-                  <p:tgtEl>
-                    <p:sldTgt/>
-                  </p:tgtEl>
-                </p:cond>
-              </p:prevCondLst>
-              <p:nextCondLst>
-                <p:cond evt="onNext" delay="0">
-                  <p:tgtEl>
-                    <p:sldTgt/>
-                  </p:tgtEl>
-                </p:cond>
-              </p:nextCondLst>
-            </p:seq>
-          </p:childTnLst>
-        </p:cTn>
-      </p:par>
-    </p:tnLst>
-  </p:timing>
 </p:sld>
 </file>
 
@@ -28560,15 +24735,33 @@
                                   </p:childTnLst>
                                 </p:cTn>
                               </p:par>
+                            </p:childTnLst>
+                          </p:cTn>
+                        </p:par>
+                      </p:childTnLst>
+                    </p:cTn>
+                  </p:par>
+                  <p:par>
+                    <p:cTn id="23" fill="hold">
+                      <p:stCondLst>
+                        <p:cond delay="indefinite"/>
+                      </p:stCondLst>
+                      <p:childTnLst>
+                        <p:par>
+                          <p:cTn id="24" fill="hold">
+                            <p:stCondLst>
+                              <p:cond delay="0"/>
+                            </p:stCondLst>
+                            <p:childTnLst>
                               <p:par>
-                                <p:cTn id="23" presetID="1" presetClass="entr" presetSubtype="0" fill="hold" nodeType="withEffect">
+                                <p:cTn id="25" presetID="1" presetClass="entr" presetSubtype="0" fill="hold" nodeType="clickEffect">
                                   <p:stCondLst>
                                     <p:cond delay="0"/>
                                   </p:stCondLst>
                                   <p:childTnLst>
                                     <p:set>
                                       <p:cBhvr>
-                                        <p:cTn id="24" dur="1" fill="hold">
+                                        <p:cTn id="26" dur="1" fill="hold">
                                           <p:stCondLst>
                                             <p:cond delay="0"/>
                                           </p:stCondLst>
@@ -31320,7 +27513,7 @@
                                         <p:tgtEl>
                                           <p:spTgt spid="494">
                                             <p:txEl>
-                                              <p:pRg st="0" end="0"/>
+                                              <p:pRg st="1" end="1"/>
                                             </p:txEl>
                                           </p:spTgt>
                                         </p:tgtEl>
@@ -31369,7 +27562,7 @@
                                         <p:tgtEl>
                                           <p:spTgt spid="494">
                                             <p:txEl>
-                                              <p:pRg st="1" end="1"/>
+                                              <p:pRg st="2" end="2"/>
                                             </p:txEl>
                                           </p:spTgt>
                                         </p:tgtEl>
@@ -31418,7 +27611,7 @@
                                         <p:tgtEl>
                                           <p:spTgt spid="494">
                                             <p:txEl>
-                                              <p:pRg st="2" end="2"/>
+                                              <p:pRg st="3" end="3"/>
                                             </p:txEl>
                                           </p:spTgt>
                                         </p:tgtEl>
@@ -31467,7 +27660,7 @@
                                         <p:tgtEl>
                                           <p:spTgt spid="494">
                                             <p:txEl>
-                                              <p:pRg st="3" end="3"/>
+                                              <p:pRg st="4" end="4"/>
                                             </p:txEl>
                                           </p:spTgt>
                                         </p:tgtEl>
@@ -31516,55 +27709,6 @@
                                         <p:tgtEl>
                                           <p:spTgt spid="494">
                                             <p:txEl>
-                                              <p:pRg st="4" end="4"/>
-                                            </p:txEl>
-                                          </p:spTgt>
-                                        </p:tgtEl>
-                                        <p:attrNameLst>
-                                          <p:attrName>style.visibility</p:attrName>
-                                        </p:attrNameLst>
-                                      </p:cBhvr>
-                                      <p:to>
-                                        <p:strVal val="visible"/>
-                                      </p:to>
-                                    </p:set>
-                                  </p:childTnLst>
-                                </p:cTn>
-                              </p:par>
-                            </p:childTnLst>
-                          </p:cTn>
-                        </p:par>
-                      </p:childTnLst>
-                    </p:cTn>
-                  </p:par>
-                  <p:par>
-                    <p:cTn id="23" fill="hold">
-                      <p:stCondLst>
-                        <p:cond delay="indefinite"/>
-                      </p:stCondLst>
-                      <p:childTnLst>
-                        <p:par>
-                          <p:cTn id="24" fill="hold">
-                            <p:stCondLst>
-                              <p:cond delay="0"/>
-                            </p:stCondLst>
-                            <p:childTnLst>
-                              <p:par>
-                                <p:cTn id="25" presetID="1" presetClass="entr" presetSubtype="0" fill="hold" nodeType="clickEffect">
-                                  <p:stCondLst>
-                                    <p:cond delay="0"/>
-                                  </p:stCondLst>
-                                  <p:childTnLst>
-                                    <p:set>
-                                      <p:cBhvr>
-                                        <p:cTn id="26" dur="1" fill="hold">
-                                          <p:stCondLst>
-                                            <p:cond delay="0"/>
-                                          </p:stCondLst>
-                                        </p:cTn>
-                                        <p:tgtEl>
-                                          <p:spTgt spid="494">
-                                            <p:txEl>
                                               <p:pRg st="5" end="5"/>
                                             </p:txEl>
                                           </p:spTgt>
@@ -31580,33 +27724,15 @@
                                   </p:childTnLst>
                                 </p:cTn>
                               </p:par>
-                            </p:childTnLst>
-                          </p:cTn>
-                        </p:par>
-                      </p:childTnLst>
-                    </p:cTn>
-                  </p:par>
-                  <p:par>
-                    <p:cTn id="27" fill="hold">
-                      <p:stCondLst>
-                        <p:cond delay="indefinite"/>
-                      </p:stCondLst>
-                      <p:childTnLst>
-                        <p:par>
-                          <p:cTn id="28" fill="hold">
-                            <p:stCondLst>
-                              <p:cond delay="0"/>
-                            </p:stCondLst>
-                            <p:childTnLst>
                               <p:par>
-                                <p:cTn id="29" presetID="1" presetClass="entr" presetSubtype="0" fill="hold" nodeType="clickEffect">
+                                <p:cTn id="23" presetID="1" presetClass="entr" presetSubtype="0" fill="hold" nodeType="withEffect">
                                   <p:stCondLst>
                                     <p:cond delay="0"/>
                                   </p:stCondLst>
                                   <p:childTnLst>
                                     <p:set>
                                       <p:cBhvr>
-                                        <p:cTn id="30" dur="1" fill="hold">
+                                        <p:cTn id="24" dur="1" fill="hold">
                                           <p:stCondLst>
                                             <p:cond delay="0"/>
                                           </p:stCondLst>
@@ -31629,33 +27755,15 @@
                                   </p:childTnLst>
                                 </p:cTn>
                               </p:par>
-                            </p:childTnLst>
-                          </p:cTn>
-                        </p:par>
-                      </p:childTnLst>
-                    </p:cTn>
-                  </p:par>
-                  <p:par>
-                    <p:cTn id="31" fill="hold">
-                      <p:stCondLst>
-                        <p:cond delay="indefinite"/>
-                      </p:stCondLst>
-                      <p:childTnLst>
-                        <p:par>
-                          <p:cTn id="32" fill="hold">
-                            <p:stCondLst>
-                              <p:cond delay="0"/>
-                            </p:stCondLst>
-                            <p:childTnLst>
                               <p:par>
-                                <p:cTn id="33" presetID="1" presetClass="entr" presetSubtype="0" fill="hold" nodeType="clickEffect">
+                                <p:cTn id="25" presetID="1" presetClass="entr" presetSubtype="0" fill="hold" nodeType="withEffect">
                                   <p:stCondLst>
                                     <p:cond delay="0"/>
                                   </p:stCondLst>
                                   <p:childTnLst>
                                     <p:set>
                                       <p:cBhvr>
-                                        <p:cTn id="34" dur="1" fill="hold">
+                                        <p:cTn id="26" dur="1" fill="hold">
                                           <p:stCondLst>
                                             <p:cond delay="0"/>
                                           </p:stCondLst>
@@ -32022,10 +28130,10 @@
               <a:buChar char="●"/>
             </a:pPr>
             <a:r>
-              <a:rPr lang="en"/>
+              <a:rPr lang="en" dirty="0"/>
               <a:t>Risk #1: Web servers should be protected from unauthorized access</a:t>
             </a:r>
-            <a:endParaRPr/>
+            <a:endParaRPr dirty="0"/>
           </a:p>
           <a:p>
             <a:pPr marL="914400" lvl="1" indent="-317500" algn="l" rtl="0">
@@ -32039,11 +28147,11 @@
               <a:buChar char="○"/>
             </a:pPr>
             <a:r>
-              <a:rPr lang="en"/>
+              <a:rPr lang="en" dirty="0"/>
               <a:t>Example: An attacker should not be able to hack into </a:t>
             </a:r>
             <a:r>
-              <a:rPr lang="en" b="1">
+              <a:rPr lang="en" b="1" dirty="0" err="1">
                 <a:latin typeface="Courier New"/>
                 <a:ea typeface="Courier New"/>
                 <a:cs typeface="Courier New"/>
@@ -32052,10 +28160,10 @@
               <a:t>google.com</a:t>
             </a:r>
             <a:r>
-              <a:rPr lang="en"/>
+              <a:rPr lang="en" dirty="0"/>
               <a:t> and provide malicious search results to users</a:t>
             </a:r>
-            <a:endParaRPr/>
+            <a:endParaRPr dirty="0"/>
           </a:p>
           <a:p>
             <a:pPr marL="457200" lvl="0" indent="-342900" algn="l" rtl="0">
@@ -32069,10 +28177,10 @@
               <a:buChar char="●"/>
             </a:pPr>
             <a:r>
-              <a:rPr lang="en"/>
+              <a:rPr lang="en" dirty="0"/>
               <a:t>Protection: Server-side security</a:t>
             </a:r>
-            <a:endParaRPr/>
+            <a:endParaRPr dirty="0"/>
           </a:p>
           <a:p>
             <a:pPr marL="914400" lvl="1" indent="-317500" algn="l" rtl="0">
@@ -32086,10 +28194,10 @@
               <a:buChar char="○"/>
             </a:pPr>
             <a:r>
-              <a:rPr lang="en"/>
+              <a:rPr lang="en" dirty="0"/>
               <a:t>Example: Protect the server computer from buffer overflow attacks</a:t>
             </a:r>
-            <a:endParaRPr/>
+            <a:endParaRPr dirty="0"/>
           </a:p>
         </p:txBody>
       </p:sp>
@@ -32176,104 +28284,6 @@
                                         <p:tgtEl>
                                           <p:spTgt spid="514">
                                             <p:txEl>
-                                              <p:pRg st="0" end="0"/>
-                                            </p:txEl>
-                                          </p:spTgt>
-                                        </p:tgtEl>
-                                        <p:attrNameLst>
-                                          <p:attrName>style.visibility</p:attrName>
-                                        </p:attrNameLst>
-                                      </p:cBhvr>
-                                      <p:to>
-                                        <p:strVal val="visible"/>
-                                      </p:to>
-                                    </p:set>
-                                  </p:childTnLst>
-                                </p:cTn>
-                              </p:par>
-                            </p:childTnLst>
-                          </p:cTn>
-                        </p:par>
-                      </p:childTnLst>
-                    </p:cTn>
-                  </p:par>
-                  <p:par>
-                    <p:cTn id="7" fill="hold">
-                      <p:stCondLst>
-                        <p:cond delay="indefinite"/>
-                      </p:stCondLst>
-                      <p:childTnLst>
-                        <p:par>
-                          <p:cTn id="8" fill="hold">
-                            <p:stCondLst>
-                              <p:cond delay="0"/>
-                            </p:stCondLst>
-                            <p:childTnLst>
-                              <p:par>
-                                <p:cTn id="9" presetID="1" presetClass="entr" presetSubtype="0" fill="hold" nodeType="clickEffect">
-                                  <p:stCondLst>
-                                    <p:cond delay="0"/>
-                                  </p:stCondLst>
-                                  <p:childTnLst>
-                                    <p:set>
-                                      <p:cBhvr>
-                                        <p:cTn id="10" dur="1" fill="hold">
-                                          <p:stCondLst>
-                                            <p:cond delay="0"/>
-                                          </p:stCondLst>
-                                        </p:cTn>
-                                        <p:tgtEl>
-                                          <p:spTgt spid="514">
-                                            <p:txEl>
-                                              <p:pRg st="1" end="1"/>
-                                            </p:txEl>
-                                          </p:spTgt>
-                                        </p:tgtEl>
-                                        <p:attrNameLst>
-                                          <p:attrName>style.visibility</p:attrName>
-                                        </p:attrNameLst>
-                                      </p:cBhvr>
-                                      <p:to>
-                                        <p:strVal val="visible"/>
-                                      </p:to>
-                                    </p:set>
-                                  </p:childTnLst>
-                                </p:cTn>
-                              </p:par>
-                            </p:childTnLst>
-                          </p:cTn>
-                        </p:par>
-                      </p:childTnLst>
-                    </p:cTn>
-                  </p:par>
-                  <p:par>
-                    <p:cTn id="11" fill="hold">
-                      <p:stCondLst>
-                        <p:cond delay="indefinite"/>
-                      </p:stCondLst>
-                      <p:childTnLst>
-                        <p:par>
-                          <p:cTn id="12" fill="hold">
-                            <p:stCondLst>
-                              <p:cond delay="0"/>
-                            </p:stCondLst>
-                            <p:childTnLst>
-                              <p:par>
-                                <p:cTn id="13" presetID="1" presetClass="entr" presetSubtype="0" fill="hold" nodeType="clickEffect">
-                                  <p:stCondLst>
-                                    <p:cond delay="0"/>
-                                  </p:stCondLst>
-                                  <p:childTnLst>
-                                    <p:set>
-                                      <p:cBhvr>
-                                        <p:cTn id="14" dur="1" fill="hold">
-                                          <p:stCondLst>
-                                            <p:cond delay="0"/>
-                                          </p:stCondLst>
-                                        </p:cTn>
-                                        <p:tgtEl>
-                                          <p:spTgt spid="514">
-                                            <p:txEl>
                                               <p:pRg st="2" end="2"/>
                                             </p:txEl>
                                           </p:spTgt>
@@ -32289,33 +28299,15 @@
                                   </p:childTnLst>
                                 </p:cTn>
                               </p:par>
-                            </p:childTnLst>
-                          </p:cTn>
-                        </p:par>
-                      </p:childTnLst>
-                    </p:cTn>
-                  </p:par>
-                  <p:par>
-                    <p:cTn id="15" fill="hold">
-                      <p:stCondLst>
-                        <p:cond delay="indefinite"/>
-                      </p:stCondLst>
-                      <p:childTnLst>
-                        <p:par>
-                          <p:cTn id="16" fill="hold">
-                            <p:stCondLst>
-                              <p:cond delay="0"/>
-                            </p:stCondLst>
-                            <p:childTnLst>
                               <p:par>
-                                <p:cTn id="17" presetID="1" presetClass="entr" presetSubtype="0" fill="hold" nodeType="clickEffect">
+                                <p:cTn id="7" presetID="1" presetClass="entr" presetSubtype="0" fill="hold" nodeType="withEffect">
                                   <p:stCondLst>
                                     <p:cond delay="0"/>
                                   </p:stCondLst>
                                   <p:childTnLst>
                                     <p:set>
                                       <p:cBhvr>
-                                        <p:cTn id="18" dur="1" fill="hold">
+                                        <p:cTn id="8" dur="1" fill="hold">
                                           <p:stCondLst>
                                             <p:cond delay="0"/>
                                           </p:stCondLst>
@@ -32695,153 +28687,6 @@
                                         <p:tgtEl>
                                           <p:spTgt spid="507">
                                             <p:txEl>
-                                              <p:pRg st="0" end="0"/>
-                                            </p:txEl>
-                                          </p:spTgt>
-                                        </p:tgtEl>
-                                        <p:attrNameLst>
-                                          <p:attrName>style.visibility</p:attrName>
-                                        </p:attrNameLst>
-                                      </p:cBhvr>
-                                      <p:to>
-                                        <p:strVal val="visible"/>
-                                      </p:to>
-                                    </p:set>
-                                  </p:childTnLst>
-                                </p:cTn>
-                              </p:par>
-                            </p:childTnLst>
-                          </p:cTn>
-                        </p:par>
-                      </p:childTnLst>
-                    </p:cTn>
-                  </p:par>
-                  <p:par>
-                    <p:cTn id="7" fill="hold">
-                      <p:stCondLst>
-                        <p:cond delay="indefinite"/>
-                      </p:stCondLst>
-                      <p:childTnLst>
-                        <p:par>
-                          <p:cTn id="8" fill="hold">
-                            <p:stCondLst>
-                              <p:cond delay="0"/>
-                            </p:stCondLst>
-                            <p:childTnLst>
-                              <p:par>
-                                <p:cTn id="9" presetID="1" presetClass="entr" presetSubtype="0" fill="hold" nodeType="clickEffect">
-                                  <p:stCondLst>
-                                    <p:cond delay="0"/>
-                                  </p:stCondLst>
-                                  <p:childTnLst>
-                                    <p:set>
-                                      <p:cBhvr>
-                                        <p:cTn id="10" dur="1" fill="hold">
-                                          <p:stCondLst>
-                                            <p:cond delay="0"/>
-                                          </p:stCondLst>
-                                        </p:cTn>
-                                        <p:tgtEl>
-                                          <p:spTgt spid="507">
-                                            <p:txEl>
-                                              <p:pRg st="1" end="1"/>
-                                            </p:txEl>
-                                          </p:spTgt>
-                                        </p:tgtEl>
-                                        <p:attrNameLst>
-                                          <p:attrName>style.visibility</p:attrName>
-                                        </p:attrNameLst>
-                                      </p:cBhvr>
-                                      <p:to>
-                                        <p:strVal val="visible"/>
-                                      </p:to>
-                                    </p:set>
-                                  </p:childTnLst>
-                                </p:cTn>
-                              </p:par>
-                            </p:childTnLst>
-                          </p:cTn>
-                        </p:par>
-                      </p:childTnLst>
-                    </p:cTn>
-                  </p:par>
-                  <p:par>
-                    <p:cTn id="11" fill="hold">
-                      <p:stCondLst>
-                        <p:cond delay="indefinite"/>
-                      </p:stCondLst>
-                      <p:childTnLst>
-                        <p:par>
-                          <p:cTn id="12" fill="hold">
-                            <p:stCondLst>
-                              <p:cond delay="0"/>
-                            </p:stCondLst>
-                            <p:childTnLst>
-                              <p:par>
-                                <p:cTn id="13" presetID="1" presetClass="entr" presetSubtype="0" fill="hold" nodeType="clickEffect">
-                                  <p:stCondLst>
-                                    <p:cond delay="0"/>
-                                  </p:stCondLst>
-                                  <p:childTnLst>
-                                    <p:set>
-                                      <p:cBhvr>
-                                        <p:cTn id="14" dur="1" fill="hold">
-                                          <p:stCondLst>
-                                            <p:cond delay="0"/>
-                                          </p:stCondLst>
-                                        </p:cTn>
-                                        <p:tgtEl>
-                                          <p:spTgt spid="507">
-                                            <p:txEl>
-                                              <p:pRg st="2" end="2"/>
-                                            </p:txEl>
-                                          </p:spTgt>
-                                        </p:tgtEl>
-                                        <p:attrNameLst>
-                                          <p:attrName>style.visibility</p:attrName>
-                                        </p:attrNameLst>
-                                      </p:cBhvr>
-                                      <p:to>
-                                        <p:strVal val="visible"/>
-                                      </p:to>
-                                    </p:set>
-                                  </p:childTnLst>
-                                </p:cTn>
-                              </p:par>
-                            </p:childTnLst>
-                          </p:cTn>
-                        </p:par>
-                      </p:childTnLst>
-                    </p:cTn>
-                  </p:par>
-                  <p:par>
-                    <p:cTn id="15" fill="hold">
-                      <p:stCondLst>
-                        <p:cond delay="indefinite"/>
-                      </p:stCondLst>
-                      <p:childTnLst>
-                        <p:par>
-                          <p:cTn id="16" fill="hold">
-                            <p:stCondLst>
-                              <p:cond delay="0"/>
-                            </p:stCondLst>
-                            <p:childTnLst>
-                              <p:par>
-                                <p:cTn id="17" presetID="1" presetClass="entr" presetSubtype="0" fill="hold" nodeType="clickEffect">
-                                  <p:stCondLst>
-                                    <p:cond delay="0"/>
-                                  </p:stCondLst>
-                                  <p:childTnLst>
-                                    <p:set>
-                                      <p:cBhvr>
-                                        <p:cTn id="18" dur="1" fill="hold">
-                                          <p:stCondLst>
-                                            <p:cond delay="0"/>
-                                          </p:stCondLst>
-                                        </p:cTn>
-                                        <p:tgtEl>
-                                          <p:spTgt spid="507">
-                                            <p:txEl>
                                               <p:pRg st="3" end="3"/>
                                             </p:txEl>
                                           </p:spTgt>
@@ -32857,33 +28702,15 @@
                                   </p:childTnLst>
                                 </p:cTn>
                               </p:par>
-                            </p:childTnLst>
-                          </p:cTn>
-                        </p:par>
-                      </p:childTnLst>
-                    </p:cTn>
-                  </p:par>
-                  <p:par>
-                    <p:cTn id="19" fill="hold">
-                      <p:stCondLst>
-                        <p:cond delay="indefinite"/>
-                      </p:stCondLst>
-                      <p:childTnLst>
-                        <p:par>
-                          <p:cTn id="20" fill="hold">
-                            <p:stCondLst>
-                              <p:cond delay="0"/>
-                            </p:stCondLst>
-                            <p:childTnLst>
                               <p:par>
-                                <p:cTn id="21" presetID="1" presetClass="entr" presetSubtype="0" fill="hold" nodeType="clickEffect">
+                                <p:cTn id="7" presetID="1" presetClass="entr" presetSubtype="0" fill="hold" nodeType="withEffect">
                                   <p:stCondLst>
                                     <p:cond delay="0"/>
                                   </p:stCondLst>
                                   <p:childTnLst>
                                     <p:set>
                                       <p:cBhvr>
-                                        <p:cTn id="22" dur="1" fill="hold">
+                                        <p:cTn id="8" dur="1" fill="hold">
                                           <p:stCondLst>
                                             <p:cond delay="0"/>
                                           </p:stCondLst>
@@ -32906,33 +28733,15 @@
                                   </p:childTnLst>
                                 </p:cTn>
                               </p:par>
-                            </p:childTnLst>
-                          </p:cTn>
-                        </p:par>
-                      </p:childTnLst>
-                    </p:cTn>
-                  </p:par>
-                  <p:par>
-                    <p:cTn id="23" fill="hold">
-                      <p:stCondLst>
-                        <p:cond delay="indefinite"/>
-                      </p:stCondLst>
-                      <p:childTnLst>
-                        <p:par>
-                          <p:cTn id="24" fill="hold">
-                            <p:stCondLst>
-                              <p:cond delay="0"/>
-                            </p:stCondLst>
-                            <p:childTnLst>
                               <p:par>
-                                <p:cTn id="25" presetID="1" presetClass="entr" presetSubtype="0" fill="hold" nodeType="clickEffect">
+                                <p:cTn id="9" presetID="1" presetClass="entr" presetSubtype="0" fill="hold" nodeType="withEffect">
                                   <p:stCondLst>
                                     <p:cond delay="0"/>
                                   </p:stCondLst>
                                   <p:childTnLst>
                                     <p:set>
                                       <p:cBhvr>
-                                        <p:cTn id="26" dur="1" fill="hold">
+                                        <p:cTn id="10" dur="1" fill="hold">
                                           <p:stCondLst>
                                             <p:cond delay="0"/>
                                           </p:stCondLst>
@@ -32955,33 +28764,15 @@
                                   </p:childTnLst>
                                 </p:cTn>
                               </p:par>
-                            </p:childTnLst>
-                          </p:cTn>
-                        </p:par>
-                      </p:childTnLst>
-                    </p:cTn>
-                  </p:par>
-                  <p:par>
-                    <p:cTn id="27" fill="hold">
-                      <p:stCondLst>
-                        <p:cond delay="indefinite"/>
-                      </p:stCondLst>
-                      <p:childTnLst>
-                        <p:par>
-                          <p:cTn id="28" fill="hold">
-                            <p:stCondLst>
-                              <p:cond delay="0"/>
-                            </p:stCondLst>
-                            <p:childTnLst>
                               <p:par>
-                                <p:cTn id="29" presetID="1" presetClass="entr" presetSubtype="0" fill="hold" nodeType="clickEffect">
+                                <p:cTn id="11" presetID="1" presetClass="entr" presetSubtype="0" fill="hold" nodeType="withEffect">
                                   <p:stCondLst>
                                     <p:cond delay="0"/>
                                   </p:stCondLst>
                                   <p:childTnLst>
                                     <p:set>
                                       <p:cBhvr>
-                                        <p:cTn id="30" dur="1" fill="hold">
+                                        <p:cTn id="12" dur="1" fill="hold">
                                           <p:stCondLst>
                                             <p:cond delay="0"/>
                                           </p:stCondLst>
@@ -33305,104 +29096,6 @@
                                         <p:tgtEl>
                                           <p:spTgt spid="521">
                                             <p:txEl>
-                                              <p:pRg st="0" end="0"/>
-                                            </p:txEl>
-                                          </p:spTgt>
-                                        </p:tgtEl>
-                                        <p:attrNameLst>
-                                          <p:attrName>style.visibility</p:attrName>
-                                        </p:attrNameLst>
-                                      </p:cBhvr>
-                                      <p:to>
-                                        <p:strVal val="visible"/>
-                                      </p:to>
-                                    </p:set>
-                                  </p:childTnLst>
-                                </p:cTn>
-                              </p:par>
-                            </p:childTnLst>
-                          </p:cTn>
-                        </p:par>
-                      </p:childTnLst>
-                    </p:cTn>
-                  </p:par>
-                  <p:par>
-                    <p:cTn id="7" fill="hold">
-                      <p:stCondLst>
-                        <p:cond delay="indefinite"/>
-                      </p:stCondLst>
-                      <p:childTnLst>
-                        <p:par>
-                          <p:cTn id="8" fill="hold">
-                            <p:stCondLst>
-                              <p:cond delay="0"/>
-                            </p:stCondLst>
-                            <p:childTnLst>
-                              <p:par>
-                                <p:cTn id="9" presetID="1" presetClass="entr" presetSubtype="0" fill="hold" nodeType="clickEffect">
-                                  <p:stCondLst>
-                                    <p:cond delay="0"/>
-                                  </p:stCondLst>
-                                  <p:childTnLst>
-                                    <p:set>
-                                      <p:cBhvr>
-                                        <p:cTn id="10" dur="1" fill="hold">
-                                          <p:stCondLst>
-                                            <p:cond delay="0"/>
-                                          </p:stCondLst>
-                                        </p:cTn>
-                                        <p:tgtEl>
-                                          <p:spTgt spid="521">
-                                            <p:txEl>
-                                              <p:pRg st="1" end="1"/>
-                                            </p:txEl>
-                                          </p:spTgt>
-                                        </p:tgtEl>
-                                        <p:attrNameLst>
-                                          <p:attrName>style.visibility</p:attrName>
-                                        </p:attrNameLst>
-                                      </p:cBhvr>
-                                      <p:to>
-                                        <p:strVal val="visible"/>
-                                      </p:to>
-                                    </p:set>
-                                  </p:childTnLst>
-                                </p:cTn>
-                              </p:par>
-                            </p:childTnLst>
-                          </p:cTn>
-                        </p:par>
-                      </p:childTnLst>
-                    </p:cTn>
-                  </p:par>
-                  <p:par>
-                    <p:cTn id="11" fill="hold">
-                      <p:stCondLst>
-                        <p:cond delay="indefinite"/>
-                      </p:stCondLst>
-                      <p:childTnLst>
-                        <p:par>
-                          <p:cTn id="12" fill="hold">
-                            <p:stCondLst>
-                              <p:cond delay="0"/>
-                            </p:stCondLst>
-                            <p:childTnLst>
-                              <p:par>
-                                <p:cTn id="13" presetID="1" presetClass="entr" presetSubtype="0" fill="hold" nodeType="clickEffect">
-                                  <p:stCondLst>
-                                    <p:cond delay="0"/>
-                                  </p:stCondLst>
-                                  <p:childTnLst>
-                                    <p:set>
-                                      <p:cBhvr>
-                                        <p:cTn id="14" dur="1" fill="hold">
-                                          <p:stCondLst>
-                                            <p:cond delay="0"/>
-                                          </p:stCondLst>
-                                        </p:cTn>
-                                        <p:tgtEl>
-                                          <p:spTgt spid="521">
-                                            <p:txEl>
                                               <p:pRg st="2" end="2"/>
                                             </p:txEl>
                                           </p:spTgt>
@@ -33418,33 +29111,15 @@
                                   </p:childTnLst>
                                 </p:cTn>
                               </p:par>
-                            </p:childTnLst>
-                          </p:cTn>
-                        </p:par>
-                      </p:childTnLst>
-                    </p:cTn>
-                  </p:par>
-                  <p:par>
-                    <p:cTn id="15" fill="hold">
-                      <p:stCondLst>
-                        <p:cond delay="indefinite"/>
-                      </p:stCondLst>
-                      <p:childTnLst>
-                        <p:par>
-                          <p:cTn id="16" fill="hold">
-                            <p:stCondLst>
-                              <p:cond delay="0"/>
-                            </p:stCondLst>
-                            <p:childTnLst>
                               <p:par>
-                                <p:cTn id="17" presetID="1" presetClass="entr" presetSubtype="0" fill="hold" nodeType="clickEffect">
+                                <p:cTn id="7" presetID="1" presetClass="entr" presetSubtype="0" fill="hold" nodeType="withEffect">
                                   <p:stCondLst>
                                     <p:cond delay="0"/>
                                   </p:stCondLst>
                                   <p:childTnLst>
                                     <p:set>
                                       <p:cBhvr>
-                                        <p:cTn id="18" dur="1" fill="hold">
+                                        <p:cTn id="8" dur="1" fill="hold">
                                           <p:stCondLst>
                                             <p:cond delay="0"/>
                                           </p:stCondLst>
@@ -33788,7 +29463,25 @@
                 </a:solidFill>
                 <a:latin typeface="Arial" panose="020B0604020202020204" pitchFamily="34" charset="0"/>
               </a:rPr>
-              <a:t>permits scripts contained in a first web page to access data in a second web page, but only if both web pages have the same </a:t>
+              <a:t>permits </a:t>
+            </a:r>
+            <a:r>
+              <a:rPr lang="en-US" b="1" dirty="0">
+                <a:solidFill>
+                  <a:srgbClr val="202122"/>
+                </a:solidFill>
+                <a:latin typeface="Arial" panose="020B0604020202020204" pitchFamily="34" charset="0"/>
+              </a:rPr>
+              <a:t>scripts</a:t>
+            </a:r>
+            <a:r>
+              <a:rPr lang="en-US" dirty="0">
+                <a:solidFill>
+                  <a:srgbClr val="202122"/>
+                </a:solidFill>
+                <a:latin typeface="Arial" panose="020B0604020202020204" pitchFamily="34" charset="0"/>
+              </a:rPr>
+              <a:t> contained in a first web page to access data in a second web page, but only if both web pages have the same </a:t>
             </a:r>
             <a:r>
               <a:rPr lang="en-US" i="1" dirty="0">
@@ -33878,7 +29571,7 @@
                                         <p:tgtEl>
                                           <p:spTgt spid="535">
                                             <p:txEl>
-                                              <p:pRg st="0" end="0"/>
+                                              <p:pRg st="1" end="1"/>
                                             </p:txEl>
                                           </p:spTgt>
                                         </p:tgtEl>
@@ -33927,7 +29620,7 @@
                                         <p:tgtEl>
                                           <p:spTgt spid="535">
                                             <p:txEl>
-                                              <p:pRg st="1" end="1"/>
+                                              <p:pRg st="2" end="2"/>
                                             </p:txEl>
                                           </p:spTgt>
                                         </p:tgtEl>
@@ -33969,55 +29662,6 @@
                                     <p:set>
                                       <p:cBhvr>
                                         <p:cTn id="14" dur="1" fill="hold">
-                                          <p:stCondLst>
-                                            <p:cond delay="0"/>
-                                          </p:stCondLst>
-                                        </p:cTn>
-                                        <p:tgtEl>
-                                          <p:spTgt spid="535">
-                                            <p:txEl>
-                                              <p:pRg st="2" end="2"/>
-                                            </p:txEl>
-                                          </p:spTgt>
-                                        </p:tgtEl>
-                                        <p:attrNameLst>
-                                          <p:attrName>style.visibility</p:attrName>
-                                        </p:attrNameLst>
-                                      </p:cBhvr>
-                                      <p:to>
-                                        <p:strVal val="visible"/>
-                                      </p:to>
-                                    </p:set>
-                                  </p:childTnLst>
-                                </p:cTn>
-                              </p:par>
-                            </p:childTnLst>
-                          </p:cTn>
-                        </p:par>
-                      </p:childTnLst>
-                    </p:cTn>
-                  </p:par>
-                  <p:par>
-                    <p:cTn id="15" fill="hold">
-                      <p:stCondLst>
-                        <p:cond delay="indefinite"/>
-                      </p:stCondLst>
-                      <p:childTnLst>
-                        <p:par>
-                          <p:cTn id="16" fill="hold">
-                            <p:stCondLst>
-                              <p:cond delay="0"/>
-                            </p:stCondLst>
-                            <p:childTnLst>
-                              <p:par>
-                                <p:cTn id="17" presetID="1" presetClass="entr" presetSubtype="0" fill="hold" nodeType="clickEffect">
-                                  <p:stCondLst>
-                                    <p:cond delay="0"/>
-                                  </p:stCondLst>
-                                  <p:childTnLst>
-                                    <p:set>
-                                      <p:cBhvr>
-                                        <p:cTn id="18" dur="1" fill="hold">
                                           <p:stCondLst>
                                             <p:cond delay="0"/>
                                           </p:stCondLst>
@@ -34595,380 +30239,6 @@
   <p:clrMapOvr>
     <a:masterClrMapping/>
   </p:clrMapOvr>
-  <p:timing>
-    <p:tnLst>
-      <p:par>
-        <p:cTn id="1" dur="indefinite" restart="never" nodeType="tmRoot">
-          <p:childTnLst>
-            <p:seq concurrent="1" nextAc="seek">
-              <p:cTn id="2" dur="indefinite" nodeType="mainSeq">
-                <p:childTnLst>
-                  <p:par>
-                    <p:cTn id="3" fill="hold">
-                      <p:stCondLst>
-                        <p:cond delay="indefinite"/>
-                      </p:stCondLst>
-                      <p:childTnLst>
-                        <p:par>
-                          <p:cTn id="4" fill="hold">
-                            <p:stCondLst>
-                              <p:cond delay="0"/>
-                            </p:stCondLst>
-                            <p:childTnLst>
-                              <p:par>
-                                <p:cTn id="5" presetID="1" presetClass="entr" presetSubtype="0" fill="hold" nodeType="clickEffect">
-                                  <p:stCondLst>
-                                    <p:cond delay="0"/>
-                                  </p:stCondLst>
-                                  <p:childTnLst>
-                                    <p:set>
-                                      <p:cBhvr>
-                                        <p:cTn id="6" dur="1" fill="hold">
-                                          <p:stCondLst>
-                                            <p:cond delay="0"/>
-                                          </p:stCondLst>
-                                        </p:cTn>
-                                        <p:tgtEl>
-                                          <p:spTgt spid="540">
-                                            <p:txEl>
-                                              <p:pRg st="0" end="0"/>
-                                            </p:txEl>
-                                          </p:spTgt>
-                                        </p:tgtEl>
-                                        <p:attrNameLst>
-                                          <p:attrName>style.visibility</p:attrName>
-                                        </p:attrNameLst>
-                                      </p:cBhvr>
-                                      <p:to>
-                                        <p:strVal val="visible"/>
-                                      </p:to>
-                                    </p:set>
-                                  </p:childTnLst>
-                                </p:cTn>
-                              </p:par>
-                            </p:childTnLst>
-                          </p:cTn>
-                        </p:par>
-                      </p:childTnLst>
-                    </p:cTn>
-                  </p:par>
-                  <p:par>
-                    <p:cTn id="7" fill="hold">
-                      <p:stCondLst>
-                        <p:cond delay="indefinite"/>
-                      </p:stCondLst>
-                      <p:childTnLst>
-                        <p:par>
-                          <p:cTn id="8" fill="hold">
-                            <p:stCondLst>
-                              <p:cond delay="0"/>
-                            </p:stCondLst>
-                            <p:childTnLst>
-                              <p:par>
-                                <p:cTn id="9" presetID="1" presetClass="entr" presetSubtype="0" fill="hold" nodeType="clickEffect">
-                                  <p:stCondLst>
-                                    <p:cond delay="0"/>
-                                  </p:stCondLst>
-                                  <p:childTnLst>
-                                    <p:set>
-                                      <p:cBhvr>
-                                        <p:cTn id="10" dur="1" fill="hold">
-                                          <p:stCondLst>
-                                            <p:cond delay="0"/>
-                                          </p:stCondLst>
-                                        </p:cTn>
-                                        <p:tgtEl>
-                                          <p:spTgt spid="540">
-                                            <p:txEl>
-                                              <p:pRg st="1" end="1"/>
-                                            </p:txEl>
-                                          </p:spTgt>
-                                        </p:tgtEl>
-                                        <p:attrNameLst>
-                                          <p:attrName>style.visibility</p:attrName>
-                                        </p:attrNameLst>
-                                      </p:cBhvr>
-                                      <p:to>
-                                        <p:strVal val="visible"/>
-                                      </p:to>
-                                    </p:set>
-                                  </p:childTnLst>
-                                </p:cTn>
-                              </p:par>
-                            </p:childTnLst>
-                          </p:cTn>
-                        </p:par>
-                      </p:childTnLst>
-                    </p:cTn>
-                  </p:par>
-                  <p:par>
-                    <p:cTn id="11" fill="hold">
-                      <p:stCondLst>
-                        <p:cond delay="indefinite"/>
-                      </p:stCondLst>
-                      <p:childTnLst>
-                        <p:par>
-                          <p:cTn id="12" fill="hold">
-                            <p:stCondLst>
-                              <p:cond delay="0"/>
-                            </p:stCondLst>
-                            <p:childTnLst>
-                              <p:par>
-                                <p:cTn id="13" presetID="1" presetClass="entr" presetSubtype="0" fill="hold" nodeType="clickEffect">
-                                  <p:stCondLst>
-                                    <p:cond delay="0"/>
-                                  </p:stCondLst>
-                                  <p:childTnLst>
-                                    <p:set>
-                                      <p:cBhvr>
-                                        <p:cTn id="14" dur="1" fill="hold">
-                                          <p:stCondLst>
-                                            <p:cond delay="0"/>
-                                          </p:stCondLst>
-                                        </p:cTn>
-                                        <p:tgtEl>
-                                          <p:spTgt spid="540">
-                                            <p:txEl>
-                                              <p:pRg st="2" end="2"/>
-                                            </p:txEl>
-                                          </p:spTgt>
-                                        </p:tgtEl>
-                                        <p:attrNameLst>
-                                          <p:attrName>style.visibility</p:attrName>
-                                        </p:attrNameLst>
-                                      </p:cBhvr>
-                                      <p:to>
-                                        <p:strVal val="visible"/>
-                                      </p:to>
-                                    </p:set>
-                                  </p:childTnLst>
-                                </p:cTn>
-                              </p:par>
-                            </p:childTnLst>
-                          </p:cTn>
-                        </p:par>
-                      </p:childTnLst>
-                    </p:cTn>
-                  </p:par>
-                  <p:par>
-                    <p:cTn id="15" fill="hold">
-                      <p:stCondLst>
-                        <p:cond delay="indefinite"/>
-                      </p:stCondLst>
-                      <p:childTnLst>
-                        <p:par>
-                          <p:cTn id="16" fill="hold">
-                            <p:stCondLst>
-                              <p:cond delay="0"/>
-                            </p:stCondLst>
-                            <p:childTnLst>
-                              <p:par>
-                                <p:cTn id="17" presetID="1" presetClass="entr" presetSubtype="0" fill="hold" nodeType="clickEffect">
-                                  <p:stCondLst>
-                                    <p:cond delay="0"/>
-                                  </p:stCondLst>
-                                  <p:childTnLst>
-                                    <p:set>
-                                      <p:cBhvr>
-                                        <p:cTn id="18" dur="1" fill="hold">
-                                          <p:stCondLst>
-                                            <p:cond delay="0"/>
-                                          </p:stCondLst>
-                                        </p:cTn>
-                                        <p:tgtEl>
-                                          <p:spTgt spid="540">
-                                            <p:txEl>
-                                              <p:pRg st="3" end="3"/>
-                                            </p:txEl>
-                                          </p:spTgt>
-                                        </p:tgtEl>
-                                        <p:attrNameLst>
-                                          <p:attrName>style.visibility</p:attrName>
-                                        </p:attrNameLst>
-                                      </p:cBhvr>
-                                      <p:to>
-                                        <p:strVal val="visible"/>
-                                      </p:to>
-                                    </p:set>
-                                  </p:childTnLst>
-                                </p:cTn>
-                              </p:par>
-                            </p:childTnLst>
-                          </p:cTn>
-                        </p:par>
-                      </p:childTnLst>
-                    </p:cTn>
-                  </p:par>
-                  <p:par>
-                    <p:cTn id="19" fill="hold">
-                      <p:stCondLst>
-                        <p:cond delay="indefinite"/>
-                      </p:stCondLst>
-                      <p:childTnLst>
-                        <p:par>
-                          <p:cTn id="20" fill="hold">
-                            <p:stCondLst>
-                              <p:cond delay="0"/>
-                            </p:stCondLst>
-                            <p:childTnLst>
-                              <p:par>
-                                <p:cTn id="21" presetID="1" presetClass="entr" presetSubtype="0" fill="hold" nodeType="clickEffect">
-                                  <p:stCondLst>
-                                    <p:cond delay="0"/>
-                                  </p:stCondLst>
-                                  <p:childTnLst>
-                                    <p:set>
-                                      <p:cBhvr>
-                                        <p:cTn id="22" dur="1" fill="hold">
-                                          <p:stCondLst>
-                                            <p:cond delay="0"/>
-                                          </p:stCondLst>
-                                        </p:cTn>
-                                        <p:tgtEl>
-                                          <p:spTgt spid="540">
-                                            <p:txEl>
-                                              <p:pRg st="4" end="4"/>
-                                            </p:txEl>
-                                          </p:spTgt>
-                                        </p:tgtEl>
-                                        <p:attrNameLst>
-                                          <p:attrName>style.visibility</p:attrName>
-                                        </p:attrNameLst>
-                                      </p:cBhvr>
-                                      <p:to>
-                                        <p:strVal val="visible"/>
-                                      </p:to>
-                                    </p:set>
-                                  </p:childTnLst>
-                                </p:cTn>
-                              </p:par>
-                            </p:childTnLst>
-                          </p:cTn>
-                        </p:par>
-                      </p:childTnLst>
-                    </p:cTn>
-                  </p:par>
-                  <p:par>
-                    <p:cTn id="23" fill="hold">
-                      <p:stCondLst>
-                        <p:cond delay="indefinite"/>
-                      </p:stCondLst>
-                      <p:childTnLst>
-                        <p:par>
-                          <p:cTn id="24" fill="hold">
-                            <p:stCondLst>
-                              <p:cond delay="0"/>
-                            </p:stCondLst>
-                            <p:childTnLst>
-                              <p:par>
-                                <p:cTn id="25" presetID="1" presetClass="entr" presetSubtype="0" fill="hold" nodeType="clickEffect">
-                                  <p:stCondLst>
-                                    <p:cond delay="0"/>
-                                  </p:stCondLst>
-                                  <p:childTnLst>
-                                    <p:set>
-                                      <p:cBhvr>
-                                        <p:cTn id="26" dur="1" fill="hold">
-                                          <p:stCondLst>
-                                            <p:cond delay="0"/>
-                                          </p:stCondLst>
-                                        </p:cTn>
-                                        <p:tgtEl>
-                                          <p:spTgt spid="543"/>
-                                        </p:tgtEl>
-                                        <p:attrNameLst>
-                                          <p:attrName>style.visibility</p:attrName>
-                                        </p:attrNameLst>
-                                      </p:cBhvr>
-                                      <p:to>
-                                        <p:strVal val="visible"/>
-                                      </p:to>
-                                    </p:set>
-                                  </p:childTnLst>
-                                </p:cTn>
-                              </p:par>
-                              <p:par>
-                                <p:cTn id="27" presetID="1" presetClass="entr" presetSubtype="0" fill="hold" nodeType="withEffect">
-                                  <p:stCondLst>
-                                    <p:cond delay="0"/>
-                                  </p:stCondLst>
-                                  <p:childTnLst>
-                                    <p:set>
-                                      <p:cBhvr>
-                                        <p:cTn id="28" dur="1" fill="hold">
-                                          <p:stCondLst>
-                                            <p:cond delay="0"/>
-                                          </p:stCondLst>
-                                        </p:cTn>
-                                        <p:tgtEl>
-                                          <p:spTgt spid="544"/>
-                                        </p:tgtEl>
-                                        <p:attrNameLst>
-                                          <p:attrName>style.visibility</p:attrName>
-                                        </p:attrNameLst>
-                                      </p:cBhvr>
-                                      <p:to>
-                                        <p:strVal val="visible"/>
-                                      </p:to>
-                                    </p:set>
-                                  </p:childTnLst>
-                                </p:cTn>
-                              </p:par>
-                              <p:par>
-                                <p:cTn id="29" presetID="1" presetClass="entr" presetSubtype="0" fill="hold" nodeType="withEffect">
-                                  <p:stCondLst>
-                                    <p:cond delay="0"/>
-                                  </p:stCondLst>
-                                  <p:childTnLst>
-                                    <p:set>
-                                      <p:cBhvr>
-                                        <p:cTn id="30" dur="1" fill="hold">
-                                          <p:stCondLst>
-                                            <p:cond delay="0"/>
-                                          </p:stCondLst>
-                                        </p:cTn>
-                                        <p:tgtEl>
-                                          <p:spTgt spid="545"/>
-                                        </p:tgtEl>
-                                        <p:attrNameLst>
-                                          <p:attrName>style.visibility</p:attrName>
-                                        </p:attrNameLst>
-                                      </p:cBhvr>
-                                      <p:to>
-                                        <p:strVal val="visible"/>
-                                      </p:to>
-                                    </p:set>
-                                  </p:childTnLst>
-                                </p:cTn>
-                              </p:par>
-                            </p:childTnLst>
-                          </p:cTn>
-                        </p:par>
-                      </p:childTnLst>
-                    </p:cTn>
-                  </p:par>
-                </p:childTnLst>
-              </p:cTn>
-              <p:prevCondLst>
-                <p:cond evt="onPrev" delay="0">
-                  <p:tgtEl>
-                    <p:sldTgt/>
-                  </p:tgtEl>
-                </p:cond>
-              </p:prevCondLst>
-              <p:nextCondLst>
-                <p:cond evt="onNext" delay="0">
-                  <p:tgtEl>
-                    <p:sldTgt/>
-                  </p:tgtEl>
-                </p:cond>
-              </p:nextCondLst>
-            </p:seq>
-          </p:childTnLst>
-        </p:cTn>
-      </p:par>
-    </p:tnLst>
-  </p:timing>
 </p:sld>
 </file>
 
@@ -36375,584 +31645,6 @@
   <p:clrMapOvr>
     <a:masterClrMapping/>
   </p:clrMapOvr>
-  <p:timing>
-    <p:tnLst>
-      <p:par>
-        <p:cTn id="1" dur="indefinite" restart="never" nodeType="tmRoot">
-          <p:childTnLst>
-            <p:seq concurrent="1" nextAc="seek">
-              <p:cTn id="2" dur="indefinite" nodeType="mainSeq">
-                <p:childTnLst>
-                  <p:par>
-                    <p:cTn id="3" fill="hold">
-                      <p:stCondLst>
-                        <p:cond delay="indefinite"/>
-                      </p:stCondLst>
-                      <p:childTnLst>
-                        <p:par>
-                          <p:cTn id="4" fill="hold">
-                            <p:stCondLst>
-                              <p:cond delay="0"/>
-                            </p:stCondLst>
-                            <p:childTnLst>
-                              <p:par>
-                                <p:cTn id="5" presetID="1" presetClass="entr" presetSubtype="0" fill="hold" nodeType="clickEffect">
-                                  <p:stCondLst>
-                                    <p:cond delay="0"/>
-                                  </p:stCondLst>
-                                  <p:childTnLst>
-                                    <p:set>
-                                      <p:cBhvr>
-                                        <p:cTn id="6" dur="1" fill="hold">
-                                          <p:stCondLst>
-                                            <p:cond delay="0"/>
-                                          </p:stCondLst>
-                                        </p:cTn>
-                                        <p:tgtEl>
-                                          <p:spTgt spid="551">
-                                            <p:txEl>
-                                              <p:pRg st="0" end="0"/>
-                                            </p:txEl>
-                                          </p:spTgt>
-                                        </p:tgtEl>
-                                        <p:attrNameLst>
-                                          <p:attrName>style.visibility</p:attrName>
-                                        </p:attrNameLst>
-                                      </p:cBhvr>
-                                      <p:to>
-                                        <p:strVal val="visible"/>
-                                      </p:to>
-                                    </p:set>
-                                  </p:childTnLst>
-                                </p:cTn>
-                              </p:par>
-                            </p:childTnLst>
-                          </p:cTn>
-                        </p:par>
-                      </p:childTnLst>
-                    </p:cTn>
-                  </p:par>
-                  <p:par>
-                    <p:cTn id="7" fill="hold">
-                      <p:stCondLst>
-                        <p:cond delay="indefinite"/>
-                      </p:stCondLst>
-                      <p:childTnLst>
-                        <p:par>
-                          <p:cTn id="8" fill="hold">
-                            <p:stCondLst>
-                              <p:cond delay="0"/>
-                            </p:stCondLst>
-                            <p:childTnLst>
-                              <p:par>
-                                <p:cTn id="9" presetID="1" presetClass="entr" presetSubtype="0" fill="hold" nodeType="clickEffect">
-                                  <p:stCondLst>
-                                    <p:cond delay="0"/>
-                                  </p:stCondLst>
-                                  <p:childTnLst>
-                                    <p:set>
-                                      <p:cBhvr>
-                                        <p:cTn id="10" dur="1" fill="hold">
-                                          <p:stCondLst>
-                                            <p:cond delay="0"/>
-                                          </p:stCondLst>
-                                        </p:cTn>
-                                        <p:tgtEl>
-                                          <p:spTgt spid="551">
-                                            <p:txEl>
-                                              <p:pRg st="1" end="1"/>
-                                            </p:txEl>
-                                          </p:spTgt>
-                                        </p:tgtEl>
-                                        <p:attrNameLst>
-                                          <p:attrName>style.visibility</p:attrName>
-                                        </p:attrNameLst>
-                                      </p:cBhvr>
-                                      <p:to>
-                                        <p:strVal val="visible"/>
-                                      </p:to>
-                                    </p:set>
-                                  </p:childTnLst>
-                                </p:cTn>
-                              </p:par>
-                            </p:childTnLst>
-                          </p:cTn>
-                        </p:par>
-                      </p:childTnLst>
-                    </p:cTn>
-                  </p:par>
-                  <p:par>
-                    <p:cTn id="11" fill="hold">
-                      <p:stCondLst>
-                        <p:cond delay="indefinite"/>
-                      </p:stCondLst>
-                      <p:childTnLst>
-                        <p:par>
-                          <p:cTn id="12" fill="hold">
-                            <p:stCondLst>
-                              <p:cond delay="0"/>
-                            </p:stCondLst>
-                            <p:childTnLst>
-                              <p:par>
-                                <p:cTn id="13" presetID="1" presetClass="entr" presetSubtype="0" fill="hold" nodeType="clickEffect">
-                                  <p:stCondLst>
-                                    <p:cond delay="0"/>
-                                  </p:stCondLst>
-                                  <p:childTnLst>
-                                    <p:set>
-                                      <p:cBhvr>
-                                        <p:cTn id="14" dur="1" fill="hold">
-                                          <p:stCondLst>
-                                            <p:cond delay="0"/>
-                                          </p:stCondLst>
-                                        </p:cTn>
-                                        <p:tgtEl>
-                                          <p:spTgt spid="553"/>
-                                        </p:tgtEl>
-                                        <p:attrNameLst>
-                                          <p:attrName>style.visibility</p:attrName>
-                                        </p:attrNameLst>
-                                      </p:cBhvr>
-                                      <p:to>
-                                        <p:strVal val="visible"/>
-                                      </p:to>
-                                    </p:set>
-                                  </p:childTnLst>
-                                </p:cTn>
-                              </p:par>
-                            </p:childTnLst>
-                          </p:cTn>
-                        </p:par>
-                      </p:childTnLst>
-                    </p:cTn>
-                  </p:par>
-                  <p:par>
-                    <p:cTn id="15" fill="hold">
-                      <p:stCondLst>
-                        <p:cond delay="indefinite"/>
-                      </p:stCondLst>
-                      <p:childTnLst>
-                        <p:par>
-                          <p:cTn id="16" fill="hold">
-                            <p:stCondLst>
-                              <p:cond delay="0"/>
-                            </p:stCondLst>
-                            <p:childTnLst>
-                              <p:par>
-                                <p:cTn id="17" presetID="1" presetClass="entr" presetSubtype="0" fill="hold" nodeType="clickEffect">
-                                  <p:stCondLst>
-                                    <p:cond delay="0"/>
-                                  </p:stCondLst>
-                                  <p:childTnLst>
-                                    <p:set>
-                                      <p:cBhvr>
-                                        <p:cTn id="18" dur="1" fill="hold">
-                                          <p:stCondLst>
-                                            <p:cond delay="0"/>
-                                          </p:stCondLst>
-                                        </p:cTn>
-                                        <p:tgtEl>
-                                          <p:spTgt spid="554"/>
-                                        </p:tgtEl>
-                                        <p:attrNameLst>
-                                          <p:attrName>style.visibility</p:attrName>
-                                        </p:attrNameLst>
-                                      </p:cBhvr>
-                                      <p:to>
-                                        <p:strVal val="visible"/>
-                                      </p:to>
-                                    </p:set>
-                                  </p:childTnLst>
-                                </p:cTn>
-                              </p:par>
-                            </p:childTnLst>
-                          </p:cTn>
-                        </p:par>
-                      </p:childTnLst>
-                    </p:cTn>
-                  </p:par>
-                  <p:par>
-                    <p:cTn id="19" fill="hold">
-                      <p:stCondLst>
-                        <p:cond delay="indefinite"/>
-                      </p:stCondLst>
-                      <p:childTnLst>
-                        <p:par>
-                          <p:cTn id="20" fill="hold">
-                            <p:stCondLst>
-                              <p:cond delay="0"/>
-                            </p:stCondLst>
-                            <p:childTnLst>
-                              <p:par>
-                                <p:cTn id="21" presetID="1" presetClass="entr" presetSubtype="0" fill="hold" nodeType="clickEffect">
-                                  <p:stCondLst>
-                                    <p:cond delay="0"/>
-                                  </p:stCondLst>
-                                  <p:childTnLst>
-                                    <p:set>
-                                      <p:cBhvr>
-                                        <p:cTn id="22" dur="1" fill="hold">
-                                          <p:stCondLst>
-                                            <p:cond delay="0"/>
-                                          </p:stCondLst>
-                                        </p:cTn>
-                                        <p:tgtEl>
-                                          <p:spTgt spid="555"/>
-                                        </p:tgtEl>
-                                        <p:attrNameLst>
-                                          <p:attrName>style.visibility</p:attrName>
-                                        </p:attrNameLst>
-                                      </p:cBhvr>
-                                      <p:to>
-                                        <p:strVal val="visible"/>
-                                      </p:to>
-                                    </p:set>
-                                  </p:childTnLst>
-                                </p:cTn>
-                              </p:par>
-                            </p:childTnLst>
-                          </p:cTn>
-                        </p:par>
-                      </p:childTnLst>
-                    </p:cTn>
-                  </p:par>
-                  <p:par>
-                    <p:cTn id="23" fill="hold">
-                      <p:stCondLst>
-                        <p:cond delay="indefinite"/>
-                      </p:stCondLst>
-                      <p:childTnLst>
-                        <p:par>
-                          <p:cTn id="24" fill="hold">
-                            <p:stCondLst>
-                              <p:cond delay="0"/>
-                            </p:stCondLst>
-                            <p:childTnLst>
-                              <p:par>
-                                <p:cTn id="25" presetID="1" presetClass="entr" presetSubtype="0" fill="hold" nodeType="clickEffect">
-                                  <p:stCondLst>
-                                    <p:cond delay="0"/>
-                                  </p:stCondLst>
-                                  <p:childTnLst>
-                                    <p:set>
-                                      <p:cBhvr>
-                                        <p:cTn id="26" dur="1" fill="hold">
-                                          <p:stCondLst>
-                                            <p:cond delay="0"/>
-                                          </p:stCondLst>
-                                        </p:cTn>
-                                        <p:tgtEl>
-                                          <p:spTgt spid="556"/>
-                                        </p:tgtEl>
-                                        <p:attrNameLst>
-                                          <p:attrName>style.visibility</p:attrName>
-                                        </p:attrNameLst>
-                                      </p:cBhvr>
-                                      <p:to>
-                                        <p:strVal val="visible"/>
-                                      </p:to>
-                                    </p:set>
-                                  </p:childTnLst>
-                                </p:cTn>
-                              </p:par>
-                            </p:childTnLst>
-                          </p:cTn>
-                        </p:par>
-                      </p:childTnLst>
-                    </p:cTn>
-                  </p:par>
-                  <p:par>
-                    <p:cTn id="27" fill="hold">
-                      <p:stCondLst>
-                        <p:cond delay="indefinite"/>
-                      </p:stCondLst>
-                      <p:childTnLst>
-                        <p:par>
-                          <p:cTn id="28" fill="hold">
-                            <p:stCondLst>
-                              <p:cond delay="0"/>
-                            </p:stCondLst>
-                            <p:childTnLst>
-                              <p:par>
-                                <p:cTn id="29" presetID="1" presetClass="entr" presetSubtype="0" fill="hold" nodeType="clickEffect">
-                                  <p:stCondLst>
-                                    <p:cond delay="0"/>
-                                  </p:stCondLst>
-                                  <p:childTnLst>
-                                    <p:set>
-                                      <p:cBhvr>
-                                        <p:cTn id="30" dur="1" fill="hold">
-                                          <p:stCondLst>
-                                            <p:cond delay="0"/>
-                                          </p:stCondLst>
-                                        </p:cTn>
-                                        <p:tgtEl>
-                                          <p:spTgt spid="557"/>
-                                        </p:tgtEl>
-                                        <p:attrNameLst>
-                                          <p:attrName>style.visibility</p:attrName>
-                                        </p:attrNameLst>
-                                      </p:cBhvr>
-                                      <p:to>
-                                        <p:strVal val="visible"/>
-                                      </p:to>
-                                    </p:set>
-                                  </p:childTnLst>
-                                </p:cTn>
-                              </p:par>
-                            </p:childTnLst>
-                          </p:cTn>
-                        </p:par>
-                      </p:childTnLst>
-                    </p:cTn>
-                  </p:par>
-                  <p:par>
-                    <p:cTn id="31" fill="hold">
-                      <p:stCondLst>
-                        <p:cond delay="indefinite"/>
-                      </p:stCondLst>
-                      <p:childTnLst>
-                        <p:par>
-                          <p:cTn id="32" fill="hold">
-                            <p:stCondLst>
-                              <p:cond delay="0"/>
-                            </p:stCondLst>
-                            <p:childTnLst>
-                              <p:par>
-                                <p:cTn id="33" presetID="1" presetClass="entr" presetSubtype="0" fill="hold" nodeType="clickEffect">
-                                  <p:stCondLst>
-                                    <p:cond delay="0"/>
-                                  </p:stCondLst>
-                                  <p:childTnLst>
-                                    <p:set>
-                                      <p:cBhvr>
-                                        <p:cTn id="34" dur="1" fill="hold">
-                                          <p:stCondLst>
-                                            <p:cond delay="0"/>
-                                          </p:stCondLst>
-                                        </p:cTn>
-                                        <p:tgtEl>
-                                          <p:spTgt spid="558"/>
-                                        </p:tgtEl>
-                                        <p:attrNameLst>
-                                          <p:attrName>style.visibility</p:attrName>
-                                        </p:attrNameLst>
-                                      </p:cBhvr>
-                                      <p:to>
-                                        <p:strVal val="visible"/>
-                                      </p:to>
-                                    </p:set>
-                                  </p:childTnLst>
-                                </p:cTn>
-                              </p:par>
-                            </p:childTnLst>
-                          </p:cTn>
-                        </p:par>
-                      </p:childTnLst>
-                    </p:cTn>
-                  </p:par>
-                  <p:par>
-                    <p:cTn id="35" fill="hold">
-                      <p:stCondLst>
-                        <p:cond delay="indefinite"/>
-                      </p:stCondLst>
-                      <p:childTnLst>
-                        <p:par>
-                          <p:cTn id="36" fill="hold">
-                            <p:stCondLst>
-                              <p:cond delay="0"/>
-                            </p:stCondLst>
-                            <p:childTnLst>
-                              <p:par>
-                                <p:cTn id="37" presetID="1" presetClass="entr" presetSubtype="0" fill="hold" nodeType="clickEffect">
-                                  <p:stCondLst>
-                                    <p:cond delay="0"/>
-                                  </p:stCondLst>
-                                  <p:childTnLst>
-                                    <p:set>
-                                      <p:cBhvr>
-                                        <p:cTn id="38" dur="1" fill="hold">
-                                          <p:stCondLst>
-                                            <p:cond delay="0"/>
-                                          </p:stCondLst>
-                                        </p:cTn>
-                                        <p:tgtEl>
-                                          <p:spTgt spid="559"/>
-                                        </p:tgtEl>
-                                        <p:attrNameLst>
-                                          <p:attrName>style.visibility</p:attrName>
-                                        </p:attrNameLst>
-                                      </p:cBhvr>
-                                      <p:to>
-                                        <p:strVal val="visible"/>
-                                      </p:to>
-                                    </p:set>
-                                  </p:childTnLst>
-                                </p:cTn>
-                              </p:par>
-                            </p:childTnLst>
-                          </p:cTn>
-                        </p:par>
-                      </p:childTnLst>
-                    </p:cTn>
-                  </p:par>
-                  <p:par>
-                    <p:cTn id="39" fill="hold">
-                      <p:stCondLst>
-                        <p:cond delay="indefinite"/>
-                      </p:stCondLst>
-                      <p:childTnLst>
-                        <p:par>
-                          <p:cTn id="40" fill="hold">
-                            <p:stCondLst>
-                              <p:cond delay="0"/>
-                            </p:stCondLst>
-                            <p:childTnLst>
-                              <p:par>
-                                <p:cTn id="41" presetID="1" presetClass="entr" presetSubtype="0" fill="hold" nodeType="clickEffect">
-                                  <p:stCondLst>
-                                    <p:cond delay="0"/>
-                                  </p:stCondLst>
-                                  <p:childTnLst>
-                                    <p:set>
-                                      <p:cBhvr>
-                                        <p:cTn id="42" dur="1" fill="hold">
-                                          <p:stCondLst>
-                                            <p:cond delay="0"/>
-                                          </p:stCondLst>
-                                        </p:cTn>
-                                        <p:tgtEl>
-                                          <p:spTgt spid="560"/>
-                                        </p:tgtEl>
-                                        <p:attrNameLst>
-                                          <p:attrName>style.visibility</p:attrName>
-                                        </p:attrNameLst>
-                                      </p:cBhvr>
-                                      <p:to>
-                                        <p:strVal val="visible"/>
-                                      </p:to>
-                                    </p:set>
-                                  </p:childTnLst>
-                                </p:cTn>
-                              </p:par>
-                            </p:childTnLst>
-                          </p:cTn>
-                        </p:par>
-                      </p:childTnLst>
-                    </p:cTn>
-                  </p:par>
-                  <p:par>
-                    <p:cTn id="43" fill="hold">
-                      <p:stCondLst>
-                        <p:cond delay="indefinite"/>
-                      </p:stCondLst>
-                      <p:childTnLst>
-                        <p:par>
-                          <p:cTn id="44" fill="hold">
-                            <p:stCondLst>
-                              <p:cond delay="0"/>
-                            </p:stCondLst>
-                            <p:childTnLst>
-                              <p:par>
-                                <p:cTn id="45" presetID="1" presetClass="entr" presetSubtype="0" fill="hold" nodeType="clickEffect">
-                                  <p:stCondLst>
-                                    <p:cond delay="0"/>
-                                  </p:stCondLst>
-                                  <p:childTnLst>
-                                    <p:set>
-                                      <p:cBhvr>
-                                        <p:cTn id="46" dur="1" fill="hold">
-                                          <p:stCondLst>
-                                            <p:cond delay="0"/>
-                                          </p:stCondLst>
-                                        </p:cTn>
-                                        <p:tgtEl>
-                                          <p:spTgt spid="561"/>
-                                        </p:tgtEl>
-                                        <p:attrNameLst>
-                                          <p:attrName>style.visibility</p:attrName>
-                                        </p:attrNameLst>
-                                      </p:cBhvr>
-                                      <p:to>
-                                        <p:strVal val="visible"/>
-                                      </p:to>
-                                    </p:set>
-                                  </p:childTnLst>
-                                </p:cTn>
-                              </p:par>
-                            </p:childTnLst>
-                          </p:cTn>
-                        </p:par>
-                      </p:childTnLst>
-                    </p:cTn>
-                  </p:par>
-                  <p:par>
-                    <p:cTn id="47" fill="hold">
-                      <p:stCondLst>
-                        <p:cond delay="indefinite"/>
-                      </p:stCondLst>
-                      <p:childTnLst>
-                        <p:par>
-                          <p:cTn id="48" fill="hold">
-                            <p:stCondLst>
-                              <p:cond delay="0"/>
-                            </p:stCondLst>
-                            <p:childTnLst>
-                              <p:par>
-                                <p:cTn id="49" presetID="1" presetClass="entr" presetSubtype="0" fill="hold" nodeType="clickEffect">
-                                  <p:stCondLst>
-                                    <p:cond delay="0"/>
-                                  </p:stCondLst>
-                                  <p:childTnLst>
-                                    <p:set>
-                                      <p:cBhvr>
-                                        <p:cTn id="50" dur="1" fill="hold">
-                                          <p:stCondLst>
-                                            <p:cond delay="0"/>
-                                          </p:stCondLst>
-                                        </p:cTn>
-                                        <p:tgtEl>
-                                          <p:spTgt spid="562"/>
-                                        </p:tgtEl>
-                                        <p:attrNameLst>
-                                          <p:attrName>style.visibility</p:attrName>
-                                        </p:attrNameLst>
-                                      </p:cBhvr>
-                                      <p:to>
-                                        <p:strVal val="visible"/>
-                                      </p:to>
-                                    </p:set>
-                                  </p:childTnLst>
-                                </p:cTn>
-                              </p:par>
-                            </p:childTnLst>
-                          </p:cTn>
-                        </p:par>
-                      </p:childTnLst>
-                    </p:cTn>
-                  </p:par>
-                </p:childTnLst>
-              </p:cTn>
-              <p:prevCondLst>
-                <p:cond evt="onPrev" delay="0">
-                  <p:tgtEl>
-                    <p:sldTgt/>
-                  </p:tgtEl>
-                </p:cond>
-              </p:prevCondLst>
-              <p:nextCondLst>
-                <p:cond evt="onNext" delay="0">
-                  <p:tgtEl>
-                    <p:sldTgt/>
-                  </p:tgtEl>
-                </p:cond>
-              </p:nextCondLst>
-            </p:seq>
-          </p:childTnLst>
-        </p:cTn>
-      </p:par>
-    </p:tnLst>
-  </p:timing>
 </p:sld>
 </file>
 
@@ -37383,33 +32075,15 @@
                                   </p:childTnLst>
                                 </p:cTn>
                               </p:par>
-                            </p:childTnLst>
-                          </p:cTn>
-                        </p:par>
-                      </p:childTnLst>
-                    </p:cTn>
-                  </p:par>
-                  <p:par>
-                    <p:cTn id="7" fill="hold">
-                      <p:stCondLst>
-                        <p:cond delay="indefinite"/>
-                      </p:stCondLst>
-                      <p:childTnLst>
-                        <p:par>
-                          <p:cTn id="8" fill="hold">
-                            <p:stCondLst>
-                              <p:cond delay="0"/>
-                            </p:stCondLst>
-                            <p:childTnLst>
                               <p:par>
-                                <p:cTn id="9" presetID="1" presetClass="entr" presetSubtype="0" fill="hold" nodeType="clickEffect">
+                                <p:cTn id="7" presetID="1" presetClass="entr" presetSubtype="0" fill="hold" nodeType="withEffect">
                                   <p:stCondLst>
                                     <p:cond delay="0"/>
                                   </p:stCondLst>
                                   <p:childTnLst>
                                     <p:set>
                                       <p:cBhvr>
-                                        <p:cTn id="10" dur="1" fill="hold">
+                                        <p:cTn id="8" dur="1" fill="hold">
                                           <p:stCondLst>
                                             <p:cond delay="0"/>
                                           </p:stCondLst>
@@ -37439,26 +32113,26 @@
                     </p:cTn>
                   </p:par>
                   <p:par>
-                    <p:cTn id="11" fill="hold">
+                    <p:cTn id="9" fill="hold">
                       <p:stCondLst>
                         <p:cond delay="indefinite"/>
                       </p:stCondLst>
                       <p:childTnLst>
                         <p:par>
-                          <p:cTn id="12" fill="hold">
+                          <p:cTn id="10" fill="hold">
                             <p:stCondLst>
                               <p:cond delay="0"/>
                             </p:stCondLst>
                             <p:childTnLst>
                               <p:par>
-                                <p:cTn id="13" presetID="1" presetClass="entr" presetSubtype="0" fill="hold" nodeType="clickEffect">
+                                <p:cTn id="11" presetID="1" presetClass="entr" presetSubtype="0" fill="hold" nodeType="clickEffect">
                                   <p:stCondLst>
                                     <p:cond delay="0"/>
                                   </p:stCondLst>
                                   <p:childTnLst>
                                     <p:set>
                                       <p:cBhvr>
-                                        <p:cTn id="14" dur="1" fill="hold">
+                                        <p:cTn id="12" dur="1" fill="hold">
                                           <p:stCondLst>
                                             <p:cond delay="0"/>
                                           </p:stCondLst>
@@ -37481,33 +32155,15 @@
                                   </p:childTnLst>
                                 </p:cTn>
                               </p:par>
-                            </p:childTnLst>
-                          </p:cTn>
-                        </p:par>
-                      </p:childTnLst>
-                    </p:cTn>
-                  </p:par>
-                  <p:par>
-                    <p:cTn id="15" fill="hold">
-                      <p:stCondLst>
-                        <p:cond delay="indefinite"/>
-                      </p:stCondLst>
-                      <p:childTnLst>
-                        <p:par>
-                          <p:cTn id="16" fill="hold">
-                            <p:stCondLst>
-                              <p:cond delay="0"/>
-                            </p:stCondLst>
-                            <p:childTnLst>
                               <p:par>
-                                <p:cTn id="17" presetID="1" presetClass="entr" presetSubtype="0" fill="hold" nodeType="clickEffect">
+                                <p:cTn id="13" presetID="1" presetClass="entr" presetSubtype="0" fill="hold" nodeType="withEffect">
                                   <p:stCondLst>
                                     <p:cond delay="0"/>
                                   </p:stCondLst>
                                   <p:childTnLst>
                                     <p:set>
                                       <p:cBhvr>
-                                        <p:cTn id="18" dur="1" fill="hold">
+                                        <p:cTn id="14" dur="1" fill="hold">
                                           <p:stCondLst>
                                             <p:cond delay="0"/>
                                           </p:stCondLst>
@@ -37530,6 +32186,37 @@
                                   </p:childTnLst>
                                 </p:cTn>
                               </p:par>
+                              <p:par>
+                                <p:cTn id="15" presetID="1" presetClass="entr" presetSubtype="0" fill="hold" nodeType="withEffect">
+                                  <p:stCondLst>
+                                    <p:cond delay="0"/>
+                                  </p:stCondLst>
+                                  <p:childTnLst>
+                                    <p:set>
+                                      <p:cBhvr>
+                                        <p:cTn id="16" dur="1" fill="hold">
+                                          <p:stCondLst>
+                                            <p:cond delay="0"/>
+                                          </p:stCondLst>
+                                        </p:cTn>
+                                        <p:tgtEl>
+                                          <p:spTgt spid="568">
+                                            <p:txEl>
+                                              <p:pRg st="4" end="4"/>
+                                            </p:txEl>
+                                          </p:spTgt>
+                                        </p:tgtEl>
+                                        <p:attrNameLst>
+                                          <p:attrName>style.visibility</p:attrName>
+                                        </p:attrNameLst>
+                                      </p:cBhvr>
+                                      <p:to>
+                                        <p:strVal val="visible"/>
+                                      </p:to>
+                                    </p:set>
+                                  </p:childTnLst>
+                                </p:cTn>
+                              </p:par>
                             </p:childTnLst>
                           </p:cTn>
                         </p:par>
@@ -37537,19 +32224,50 @@
                     </p:cTn>
                   </p:par>
                   <p:par>
-                    <p:cTn id="19" fill="hold">
+                    <p:cTn id="17" fill="hold">
                       <p:stCondLst>
                         <p:cond delay="indefinite"/>
                       </p:stCondLst>
                       <p:childTnLst>
                         <p:par>
-                          <p:cTn id="20" fill="hold">
+                          <p:cTn id="18" fill="hold">
                             <p:stCondLst>
                               <p:cond delay="0"/>
                             </p:stCondLst>
                             <p:childTnLst>
                               <p:par>
-                                <p:cTn id="21" presetID="1" presetClass="entr" presetSubtype="0" fill="hold" nodeType="clickEffect">
+                                <p:cTn id="19" presetID="1" presetClass="entr" presetSubtype="0" fill="hold" nodeType="clickEffect">
+                                  <p:stCondLst>
+                                    <p:cond delay="0"/>
+                                  </p:stCondLst>
+                                  <p:childTnLst>
+                                    <p:set>
+                                      <p:cBhvr>
+                                        <p:cTn id="20" dur="1" fill="hold">
+                                          <p:stCondLst>
+                                            <p:cond delay="0"/>
+                                          </p:stCondLst>
+                                        </p:cTn>
+                                        <p:tgtEl>
+                                          <p:spTgt spid="568">
+                                            <p:txEl>
+                                              <p:pRg st="5" end="5"/>
+                                            </p:txEl>
+                                          </p:spTgt>
+                                        </p:tgtEl>
+                                        <p:attrNameLst>
+                                          <p:attrName>style.visibility</p:attrName>
+                                        </p:attrNameLst>
+                                      </p:cBhvr>
+                                      <p:to>
+                                        <p:strVal val="visible"/>
+                                      </p:to>
+                                    </p:set>
+                                  </p:childTnLst>
+                                </p:cTn>
+                              </p:par>
+                              <p:par>
+                                <p:cTn id="21" presetID="1" presetClass="entr" presetSubtype="0" fill="hold" nodeType="withEffect">
                                   <p:stCondLst>
                                     <p:cond delay="0"/>
                                   </p:stCondLst>
@@ -37564,7 +32282,7 @@
                                         <p:tgtEl>
                                           <p:spTgt spid="568">
                                             <p:txEl>
-                                              <p:pRg st="4" end="4"/>
+                                              <p:pRg st="6" end="6"/>
                                             </p:txEl>
                                           </p:spTgt>
                                         </p:tgtEl>
@@ -37613,104 +32331,6 @@
                                         <p:tgtEl>
                                           <p:spTgt spid="568">
                                             <p:txEl>
-                                              <p:pRg st="5" end="5"/>
-                                            </p:txEl>
-                                          </p:spTgt>
-                                        </p:tgtEl>
-                                        <p:attrNameLst>
-                                          <p:attrName>style.visibility</p:attrName>
-                                        </p:attrNameLst>
-                                      </p:cBhvr>
-                                      <p:to>
-                                        <p:strVal val="visible"/>
-                                      </p:to>
-                                    </p:set>
-                                  </p:childTnLst>
-                                </p:cTn>
-                              </p:par>
-                            </p:childTnLst>
-                          </p:cTn>
-                        </p:par>
-                      </p:childTnLst>
-                    </p:cTn>
-                  </p:par>
-                  <p:par>
-                    <p:cTn id="27" fill="hold">
-                      <p:stCondLst>
-                        <p:cond delay="indefinite"/>
-                      </p:stCondLst>
-                      <p:childTnLst>
-                        <p:par>
-                          <p:cTn id="28" fill="hold">
-                            <p:stCondLst>
-                              <p:cond delay="0"/>
-                            </p:stCondLst>
-                            <p:childTnLst>
-                              <p:par>
-                                <p:cTn id="29" presetID="1" presetClass="entr" presetSubtype="0" fill="hold" nodeType="clickEffect">
-                                  <p:stCondLst>
-                                    <p:cond delay="0"/>
-                                  </p:stCondLst>
-                                  <p:childTnLst>
-                                    <p:set>
-                                      <p:cBhvr>
-                                        <p:cTn id="30" dur="1" fill="hold">
-                                          <p:stCondLst>
-                                            <p:cond delay="0"/>
-                                          </p:stCondLst>
-                                        </p:cTn>
-                                        <p:tgtEl>
-                                          <p:spTgt spid="568">
-                                            <p:txEl>
-                                              <p:pRg st="6" end="6"/>
-                                            </p:txEl>
-                                          </p:spTgt>
-                                        </p:tgtEl>
-                                        <p:attrNameLst>
-                                          <p:attrName>style.visibility</p:attrName>
-                                        </p:attrNameLst>
-                                      </p:cBhvr>
-                                      <p:to>
-                                        <p:strVal val="visible"/>
-                                      </p:to>
-                                    </p:set>
-                                  </p:childTnLst>
-                                </p:cTn>
-                              </p:par>
-                            </p:childTnLst>
-                          </p:cTn>
-                        </p:par>
-                      </p:childTnLst>
-                    </p:cTn>
-                  </p:par>
-                  <p:par>
-                    <p:cTn id="31" fill="hold">
-                      <p:stCondLst>
-                        <p:cond delay="indefinite"/>
-                      </p:stCondLst>
-                      <p:childTnLst>
-                        <p:par>
-                          <p:cTn id="32" fill="hold">
-                            <p:stCondLst>
-                              <p:cond delay="0"/>
-                            </p:stCondLst>
-                            <p:childTnLst>
-                              <p:par>
-                                <p:cTn id="33" presetID="1" presetClass="entr" presetSubtype="0" fill="hold" nodeType="clickEffect">
-                                  <p:stCondLst>
-                                    <p:cond delay="0"/>
-                                  </p:stCondLst>
-                                  <p:childTnLst>
-                                    <p:set>
-                                      <p:cBhvr>
-                                        <p:cTn id="34" dur="1" fill="hold">
-                                          <p:stCondLst>
-                                            <p:cond delay="0"/>
-                                          </p:stCondLst>
-                                        </p:cTn>
-                                        <p:tgtEl>
-                                          <p:spTgt spid="568">
-                                            <p:txEl>
                                               <p:pRg st="7" end="7"/>
                                             </p:txEl>
                                           </p:spTgt>
@@ -37726,33 +32346,15 @@
                                   </p:childTnLst>
                                 </p:cTn>
                               </p:par>
-                            </p:childTnLst>
-                          </p:cTn>
-                        </p:par>
-                      </p:childTnLst>
-                    </p:cTn>
-                  </p:par>
-                  <p:par>
-                    <p:cTn id="35" fill="hold">
-                      <p:stCondLst>
-                        <p:cond delay="indefinite"/>
-                      </p:stCondLst>
-                      <p:childTnLst>
-                        <p:par>
-                          <p:cTn id="36" fill="hold">
-                            <p:stCondLst>
-                              <p:cond delay="0"/>
-                            </p:stCondLst>
-                            <p:childTnLst>
                               <p:par>
-                                <p:cTn id="37" presetID="1" presetClass="entr" presetSubtype="0" fill="hold" nodeType="clickEffect">
+                                <p:cTn id="27" presetID="1" presetClass="entr" presetSubtype="0" fill="hold" nodeType="withEffect">
                                   <p:stCondLst>
                                     <p:cond delay="0"/>
                                   </p:stCondLst>
                                   <p:childTnLst>
                                     <p:set>
                                       <p:cBhvr>
-                                        <p:cTn id="38" dur="1" fill="hold">
+                                        <p:cTn id="28" dur="1" fill="hold">
                                           <p:stCondLst>
                                             <p:cond delay="0"/>
                                           </p:stCondLst>
@@ -37775,33 +32377,15 @@
                                   </p:childTnLst>
                                 </p:cTn>
                               </p:par>
-                            </p:childTnLst>
-                          </p:cTn>
-                        </p:par>
-                      </p:childTnLst>
-                    </p:cTn>
-                  </p:par>
-                  <p:par>
-                    <p:cTn id="39" fill="hold">
-                      <p:stCondLst>
-                        <p:cond delay="indefinite"/>
-                      </p:stCondLst>
-                      <p:childTnLst>
-                        <p:par>
-                          <p:cTn id="40" fill="hold">
-                            <p:stCondLst>
-                              <p:cond delay="0"/>
-                            </p:stCondLst>
-                            <p:childTnLst>
                               <p:par>
-                                <p:cTn id="41" presetID="1" presetClass="entr" presetSubtype="0" fill="hold" nodeType="clickEffect">
+                                <p:cTn id="29" presetID="1" presetClass="entr" presetSubtype="0" fill="hold" nodeType="withEffect">
                                   <p:stCondLst>
                                     <p:cond delay="0"/>
                                   </p:stCondLst>
                                   <p:childTnLst>
                                     <p:set>
                                       <p:cBhvr>
-                                        <p:cTn id="42" dur="1" fill="hold">
+                                        <p:cTn id="30" dur="1" fill="hold">
                                           <p:stCondLst>
                                             <p:cond delay="0"/>
                                           </p:stCondLst>
@@ -39762,33 +34346,15 @@
                                   </p:childTnLst>
                                 </p:cTn>
                               </p:par>
-                            </p:childTnLst>
-                          </p:cTn>
-                        </p:par>
-                      </p:childTnLst>
-                    </p:cTn>
-                  </p:par>
-                  <p:par>
-                    <p:cTn id="7" fill="hold">
-                      <p:stCondLst>
-                        <p:cond delay="indefinite"/>
-                      </p:stCondLst>
-                      <p:childTnLst>
-                        <p:par>
-                          <p:cTn id="8" fill="hold">
-                            <p:stCondLst>
-                              <p:cond delay="0"/>
-                            </p:stCondLst>
-                            <p:childTnLst>
                               <p:par>
-                                <p:cTn id="9" presetID="1" presetClass="entr" presetSubtype="0" fill="hold" nodeType="clickEffect">
+                                <p:cTn id="7" presetID="1" presetClass="entr" presetSubtype="0" fill="hold" nodeType="withEffect">
                                   <p:stCondLst>
                                     <p:cond delay="0"/>
                                   </p:stCondLst>
                                   <p:childTnLst>
                                     <p:set>
                                       <p:cBhvr>
-                                        <p:cTn id="10" dur="1" fill="hold">
+                                        <p:cTn id="8" dur="1" fill="hold">
                                           <p:stCondLst>
                                             <p:cond delay="0"/>
                                           </p:stCondLst>
@@ -39818,26 +34384,26 @@
                     </p:cTn>
                   </p:par>
                   <p:par>
-                    <p:cTn id="11" fill="hold">
+                    <p:cTn id="9" fill="hold">
                       <p:stCondLst>
                         <p:cond delay="indefinite"/>
                       </p:stCondLst>
                       <p:childTnLst>
                         <p:par>
-                          <p:cTn id="12" fill="hold">
+                          <p:cTn id="10" fill="hold">
                             <p:stCondLst>
                               <p:cond delay="0"/>
                             </p:stCondLst>
                             <p:childTnLst>
                               <p:par>
-                                <p:cTn id="13" presetID="1" presetClass="entr" presetSubtype="0" fill="hold" nodeType="clickEffect">
+                                <p:cTn id="11" presetID="1" presetClass="entr" presetSubtype="0" fill="hold" nodeType="clickEffect">
                                   <p:stCondLst>
                                     <p:cond delay="0"/>
                                   </p:stCondLst>
                                   <p:childTnLst>
                                     <p:set>
                                       <p:cBhvr>
-                                        <p:cTn id="14" dur="1" fill="hold">
+                                        <p:cTn id="12" dur="1" fill="hold">
                                           <p:stCondLst>
                                             <p:cond delay="0"/>
                                           </p:stCondLst>
@@ -39867,26 +34433,26 @@
                     </p:cTn>
                   </p:par>
                   <p:par>
-                    <p:cTn id="15" fill="hold">
+                    <p:cTn id="13" fill="hold">
                       <p:stCondLst>
                         <p:cond delay="indefinite"/>
                       </p:stCondLst>
                       <p:childTnLst>
                         <p:par>
-                          <p:cTn id="16" fill="hold">
+                          <p:cTn id="14" fill="hold">
                             <p:stCondLst>
                               <p:cond delay="0"/>
                             </p:stCondLst>
                             <p:childTnLst>
                               <p:par>
-                                <p:cTn id="17" presetID="1" presetClass="entr" presetSubtype="0" fill="hold" nodeType="clickEffect">
+                                <p:cTn id="15" presetID="1" presetClass="entr" presetSubtype="0" fill="hold" nodeType="clickEffect">
                                   <p:stCondLst>
                                     <p:cond delay="0"/>
                                   </p:stCondLst>
                                   <p:childTnLst>
                                     <p:set>
                                       <p:cBhvr>
-                                        <p:cTn id="18" dur="1" fill="hold">
+                                        <p:cTn id="16" dur="1" fill="hold">
                                           <p:stCondLst>
                                             <p:cond delay="0"/>
                                           </p:stCondLst>
@@ -39916,26 +34482,26 @@
                     </p:cTn>
                   </p:par>
                   <p:par>
-                    <p:cTn id="19" fill="hold">
+                    <p:cTn id="17" fill="hold">
                       <p:stCondLst>
                         <p:cond delay="indefinite"/>
                       </p:stCondLst>
                       <p:childTnLst>
                         <p:par>
-                          <p:cTn id="20" fill="hold">
+                          <p:cTn id="18" fill="hold">
                             <p:stCondLst>
                               <p:cond delay="0"/>
                             </p:stCondLst>
                             <p:childTnLst>
                               <p:par>
-                                <p:cTn id="21" presetID="1" presetClass="entr" presetSubtype="0" fill="hold" nodeType="clickEffect">
+                                <p:cTn id="19" presetID="1" presetClass="entr" presetSubtype="0" fill="hold" nodeType="clickEffect">
                                   <p:stCondLst>
                                     <p:cond delay="0"/>
                                   </p:stCondLst>
                                   <p:childTnLst>
                                     <p:set>
                                       <p:cBhvr>
-                                        <p:cTn id="22" dur="1" fill="hold">
+                                        <p:cTn id="20" dur="1" fill="hold">
                                           <p:stCondLst>
                                             <p:cond delay="0"/>
                                           </p:stCondLst>
@@ -39965,26 +34531,26 @@
                     </p:cTn>
                   </p:par>
                   <p:par>
-                    <p:cTn id="23" fill="hold">
+                    <p:cTn id="21" fill="hold">
                       <p:stCondLst>
                         <p:cond delay="indefinite"/>
                       </p:stCondLst>
                       <p:childTnLst>
                         <p:par>
-                          <p:cTn id="24" fill="hold">
+                          <p:cTn id="22" fill="hold">
                             <p:stCondLst>
                               <p:cond delay="0"/>
                             </p:stCondLst>
                             <p:childTnLst>
                               <p:par>
-                                <p:cTn id="25" presetID="1" presetClass="entr" presetSubtype="0" fill="hold" nodeType="clickEffect">
+                                <p:cTn id="23" presetID="1" presetClass="entr" presetSubtype="0" fill="hold" nodeType="clickEffect">
                                   <p:stCondLst>
                                     <p:cond delay="0"/>
                                   </p:stCondLst>
                                   <p:childTnLst>
                                     <p:set>
                                       <p:cBhvr>
-                                        <p:cTn id="26" dur="1" fill="hold">
+                                        <p:cTn id="24" dur="1" fill="hold">
                                           <p:stCondLst>
                                             <p:cond delay="0"/>
                                           </p:stCondLst>
@@ -40014,26 +34580,26 @@
                     </p:cTn>
                   </p:par>
                   <p:par>
-                    <p:cTn id="27" fill="hold">
+                    <p:cTn id="25" fill="hold">
                       <p:stCondLst>
                         <p:cond delay="indefinite"/>
                       </p:stCondLst>
                       <p:childTnLst>
                         <p:par>
-                          <p:cTn id="28" fill="hold">
+                          <p:cTn id="26" fill="hold">
                             <p:stCondLst>
                               <p:cond delay="0"/>
                             </p:stCondLst>
                             <p:childTnLst>
                               <p:par>
-                                <p:cTn id="29" presetID="1" presetClass="entr" presetSubtype="0" fill="hold" nodeType="clickEffect">
+                                <p:cTn id="27" presetID="1" presetClass="entr" presetSubtype="0" fill="hold" nodeType="clickEffect">
                                   <p:stCondLst>
                                     <p:cond delay="0"/>
                                   </p:stCondLst>
                                   <p:childTnLst>
                                     <p:set>
                                       <p:cBhvr>
-                                        <p:cTn id="30" dur="1" fill="hold">
+                                        <p:cTn id="28" dur="1" fill="hold">
                                           <p:stCondLst>
                                             <p:cond delay="0"/>
                                           </p:stCondLst>
@@ -40063,26 +34629,26 @@
                     </p:cTn>
                   </p:par>
                   <p:par>
-                    <p:cTn id="31" fill="hold">
+                    <p:cTn id="29" fill="hold">
                       <p:stCondLst>
                         <p:cond delay="indefinite"/>
                       </p:stCondLst>
                       <p:childTnLst>
                         <p:par>
-                          <p:cTn id="32" fill="hold">
+                          <p:cTn id="30" fill="hold">
                             <p:stCondLst>
                               <p:cond delay="0"/>
                             </p:stCondLst>
                             <p:childTnLst>
                               <p:par>
-                                <p:cTn id="33" presetID="1" presetClass="entr" presetSubtype="0" fill="hold" nodeType="clickEffect">
+                                <p:cTn id="31" presetID="1" presetClass="entr" presetSubtype="0" fill="hold" nodeType="clickEffect">
                                   <p:stCondLst>
                                     <p:cond delay="0"/>
                                   </p:stCondLst>
                                   <p:childTnLst>
                                     <p:set>
                                       <p:cBhvr>
-                                        <p:cTn id="34" dur="1" fill="hold">
+                                        <p:cTn id="32" dur="1" fill="hold">
                                           <p:stCondLst>
                                             <p:cond delay="0"/>
                                           </p:stCondLst>

--- a/teaching/ITIS6200/2023fa/lectures/lec10.pptx
+++ b/teaching/ITIS6200/2023fa/lectures/lec10.pptx
@@ -14763,31 +14763,7 @@
               <a:rPr lang="en-US" dirty="0">
                 <a:hlinkClick r:id="rId3"/>
               </a:rPr>
-              <a:t>https://</a:t>
-            </a:r>
-            <a:r>
-              <a:rPr lang="en-US" dirty="0" err="1">
-                <a:hlinkClick r:id="rId3"/>
-              </a:rPr>
-              <a:t>catalog.charlotte.edu</a:t>
-            </a:r>
-            <a:r>
-              <a:rPr lang="en-US" dirty="0">
-                <a:hlinkClick r:id="rId3"/>
-              </a:rPr>
-              <a:t>/</a:t>
-            </a:r>
-            <a:r>
-              <a:rPr lang="en-US" dirty="0" err="1">
-                <a:hlinkClick r:id="rId3"/>
-              </a:rPr>
-              <a:t>preview_program.php?catoid</a:t>
-            </a:r>
-            <a:r>
-              <a:rPr lang="en-US" dirty="0">
-                <a:hlinkClick r:id="rId3"/>
-              </a:rPr>
-              <a:t>=30&amp;poid=8146</a:t>
+              <a:t>https://catalog.charlotte.edu/preview_program.php?catoid=30&amp;poid=8146</a:t>
             </a:r>
             <a:endParaRPr dirty="0"/>
           </a:p>
